--- a/lectures/09.iterator/iterator.pptx
+++ b/lectures/09.iterator/iterator.pptx
@@ -238,7 +238,7 @@
           <a:p>
             <a:fld id="{2F3DCB6D-0B48-4A3D-B663-06C3F903A9D3}" type="datetimeFigureOut">
               <a:rPr lang="ru-RU" smtClean="0"/>
-              <a:t>17.06.2018</a:t>
+              <a:t>17.10.2019</a:t>
             </a:fld>
             <a:endParaRPr lang="ru-RU"/>
           </a:p>
@@ -1003,7 +1003,7 @@
           <a:p>
             <a:fld id="{2590F9C9-AB92-4E86-B698-DEC9BF4350FF}" type="datetimeFigureOut">
               <a:rPr lang="ru-RU" smtClean="0"/>
-              <a:t>17.06.2018</a:t>
+              <a:t>17.10.2019</a:t>
             </a:fld>
             <a:endParaRPr lang="ru-RU"/>
           </a:p>
@@ -1220,7 +1220,7 @@
           <a:p>
             <a:fld id="{2590F9C9-AB92-4E86-B698-DEC9BF4350FF}" type="datetimeFigureOut">
               <a:rPr lang="ru-RU" smtClean="0"/>
-              <a:t>17.06.2018</a:t>
+              <a:t>17.10.2019</a:t>
             </a:fld>
             <a:endParaRPr lang="ru-RU"/>
           </a:p>
@@ -1492,7 +1492,7 @@
           <a:p>
             <a:fld id="{2590F9C9-AB92-4E86-B698-DEC9BF4350FF}" type="datetimeFigureOut">
               <a:rPr lang="ru-RU" smtClean="0"/>
-              <a:t>17.06.2018</a:t>
+              <a:t>17.10.2019</a:t>
             </a:fld>
             <a:endParaRPr lang="ru-RU"/>
           </a:p>
@@ -1667,7 +1667,7 @@
           <a:p>
             <a:fld id="{2590F9C9-AB92-4E86-B698-DEC9BF4350FF}" type="datetimeFigureOut">
               <a:rPr lang="ru-RU" smtClean="0"/>
-              <a:t>17.06.2018</a:t>
+              <a:t>17.10.2019</a:t>
             </a:fld>
             <a:endParaRPr lang="ru-RU"/>
           </a:p>
@@ -2021,7 +2021,7 @@
           <a:p>
             <a:fld id="{2590F9C9-AB92-4E86-B698-DEC9BF4350FF}" type="datetimeFigureOut">
               <a:rPr lang="ru-RU" smtClean="0"/>
-              <a:t>17.06.2018</a:t>
+              <a:t>17.10.2019</a:t>
             </a:fld>
             <a:endParaRPr lang="ru-RU"/>
           </a:p>
@@ -2306,7 +2306,7 @@
           <a:p>
             <a:fld id="{2590F9C9-AB92-4E86-B698-DEC9BF4350FF}" type="datetimeFigureOut">
               <a:rPr lang="ru-RU" smtClean="0"/>
-              <a:t>17.06.2018</a:t>
+              <a:t>17.10.2019</a:t>
             </a:fld>
             <a:endParaRPr lang="ru-RU"/>
           </a:p>
@@ -2728,7 +2728,7 @@
           <a:p>
             <a:fld id="{2590F9C9-AB92-4E86-B698-DEC9BF4350FF}" type="datetimeFigureOut">
               <a:rPr lang="ru-RU" smtClean="0"/>
-              <a:t>17.06.2018</a:t>
+              <a:t>17.10.2019</a:t>
             </a:fld>
             <a:endParaRPr lang="ru-RU"/>
           </a:p>
@@ -2841,7 +2841,7 @@
           <a:p>
             <a:fld id="{2590F9C9-AB92-4E86-B698-DEC9BF4350FF}" type="datetimeFigureOut">
               <a:rPr lang="ru-RU" smtClean="0"/>
-              <a:t>17.06.2018</a:t>
+              <a:t>17.10.2019</a:t>
             </a:fld>
             <a:endParaRPr lang="ru-RU"/>
           </a:p>
@@ -2931,7 +2931,7 @@
           <a:p>
             <a:fld id="{2590F9C9-AB92-4E86-B698-DEC9BF4350FF}" type="datetimeFigureOut">
               <a:rPr lang="ru-RU" smtClean="0"/>
-              <a:t>17.06.2018</a:t>
+              <a:t>17.10.2019</a:t>
             </a:fld>
             <a:endParaRPr lang="ru-RU"/>
           </a:p>
@@ -3209,7 +3209,7 @@
           <a:p>
             <a:fld id="{2590F9C9-AB92-4E86-B698-DEC9BF4350FF}" type="datetimeFigureOut">
               <a:rPr lang="ru-RU" smtClean="0"/>
-              <a:t>17.06.2018</a:t>
+              <a:t>17.10.2019</a:t>
             </a:fld>
             <a:endParaRPr lang="ru-RU"/>
           </a:p>
@@ -3571,7 +3571,7 @@
           <a:p>
             <a:fld id="{2590F9C9-AB92-4E86-B698-DEC9BF4350FF}" type="datetimeFigureOut">
               <a:rPr lang="ru-RU" smtClean="0"/>
-              <a:t>17.06.2018</a:t>
+              <a:t>17.10.2019</a:t>
             </a:fld>
             <a:endParaRPr lang="ru-RU"/>
           </a:p>
@@ -3996,7 +3996,7 @@
           <a:p>
             <a:fld id="{2590F9C9-AB92-4E86-B698-DEC9BF4350FF}" type="datetimeFigureOut">
               <a:rPr lang="ru-RU" smtClean="0"/>
-              <a:t>17.06.2018</a:t>
+              <a:t>17.10.2019</a:t>
             </a:fld>
             <a:endParaRPr lang="ru-RU"/>
           </a:p>
@@ -4457,6 +4457,13 @@
   <p:clrMapOvr>
     <a:masterClrMapping/>
   </p:clrMapOvr>
+  <p:timing>
+    <p:tnLst>
+      <p:par>
+        <p:cTn id="1" dur="indefinite" restart="never" nodeType="tmRoot"/>
+      </p:par>
+    </p:tnLst>
+  </p:timing>
 </p:sld>
 </file>
 
@@ -4603,6 +4610,283 @@
   <p:clrMapOvr>
     <a:masterClrMapping/>
   </p:clrMapOvr>
+  <p:timing>
+    <p:tnLst>
+      <p:par>
+        <p:cTn id="1" dur="indefinite" restart="never" nodeType="tmRoot">
+          <p:childTnLst>
+            <p:seq concurrent="1" nextAc="seek">
+              <p:cTn id="2" dur="indefinite" nodeType="mainSeq">
+                <p:childTnLst>
+                  <p:par>
+                    <p:cTn id="3" fill="hold">
+                      <p:stCondLst>
+                        <p:cond delay="indefinite"/>
+                      </p:stCondLst>
+                      <p:childTnLst>
+                        <p:par>
+                          <p:cTn id="4" fill="hold">
+                            <p:stCondLst>
+                              <p:cond delay="0"/>
+                            </p:stCondLst>
+                            <p:childTnLst>
+                              <p:par>
+                                <p:cTn id="5" presetID="10" presetClass="entr" presetSubtype="0" fill="hold" grpId="0" nodeType="clickEffect">
+                                  <p:stCondLst>
+                                    <p:cond delay="0"/>
+                                  </p:stCondLst>
+                                  <p:childTnLst>
+                                    <p:set>
+                                      <p:cBhvr>
+                                        <p:cTn id="6" dur="1" fill="hold">
+                                          <p:stCondLst>
+                                            <p:cond delay="0"/>
+                                          </p:stCondLst>
+                                        </p:cTn>
+                                        <p:tgtEl>
+                                          <p:spTgt spid="3">
+                                            <p:txEl>
+                                              <p:pRg st="0" end="0"/>
+                                            </p:txEl>
+                                          </p:spTgt>
+                                        </p:tgtEl>
+                                        <p:attrNameLst>
+                                          <p:attrName>style.visibility</p:attrName>
+                                        </p:attrNameLst>
+                                      </p:cBhvr>
+                                      <p:to>
+                                        <p:strVal val="visible"/>
+                                      </p:to>
+                                    </p:set>
+                                    <p:animEffect transition="in" filter="fade">
+                                      <p:cBhvr>
+                                        <p:cTn id="7" dur="500"/>
+                                        <p:tgtEl>
+                                          <p:spTgt spid="3">
+                                            <p:txEl>
+                                              <p:pRg st="0" end="0"/>
+                                            </p:txEl>
+                                          </p:spTgt>
+                                        </p:tgtEl>
+                                      </p:cBhvr>
+                                    </p:animEffect>
+                                  </p:childTnLst>
+                                </p:cTn>
+                              </p:par>
+                            </p:childTnLst>
+                          </p:cTn>
+                        </p:par>
+                      </p:childTnLst>
+                    </p:cTn>
+                  </p:par>
+                  <p:par>
+                    <p:cTn id="8" fill="hold">
+                      <p:stCondLst>
+                        <p:cond delay="indefinite"/>
+                      </p:stCondLst>
+                      <p:childTnLst>
+                        <p:par>
+                          <p:cTn id="9" fill="hold">
+                            <p:stCondLst>
+                              <p:cond delay="0"/>
+                            </p:stCondLst>
+                            <p:childTnLst>
+                              <p:par>
+                                <p:cTn id="10" presetID="10" presetClass="entr" presetSubtype="0" fill="hold" grpId="0" nodeType="clickEffect">
+                                  <p:stCondLst>
+                                    <p:cond delay="0"/>
+                                  </p:stCondLst>
+                                  <p:childTnLst>
+                                    <p:set>
+                                      <p:cBhvr>
+                                        <p:cTn id="11" dur="1" fill="hold">
+                                          <p:stCondLst>
+                                            <p:cond delay="0"/>
+                                          </p:stCondLst>
+                                        </p:cTn>
+                                        <p:tgtEl>
+                                          <p:spTgt spid="3">
+                                            <p:txEl>
+                                              <p:pRg st="1" end="1"/>
+                                            </p:txEl>
+                                          </p:spTgt>
+                                        </p:tgtEl>
+                                        <p:attrNameLst>
+                                          <p:attrName>style.visibility</p:attrName>
+                                        </p:attrNameLst>
+                                      </p:cBhvr>
+                                      <p:to>
+                                        <p:strVal val="visible"/>
+                                      </p:to>
+                                    </p:set>
+                                    <p:animEffect transition="in" filter="fade">
+                                      <p:cBhvr>
+                                        <p:cTn id="12" dur="500"/>
+                                        <p:tgtEl>
+                                          <p:spTgt spid="3">
+                                            <p:txEl>
+                                              <p:pRg st="1" end="1"/>
+                                            </p:txEl>
+                                          </p:spTgt>
+                                        </p:tgtEl>
+                                      </p:cBhvr>
+                                    </p:animEffect>
+                                  </p:childTnLst>
+                                </p:cTn>
+                              </p:par>
+                            </p:childTnLst>
+                          </p:cTn>
+                        </p:par>
+                      </p:childTnLst>
+                    </p:cTn>
+                  </p:par>
+                  <p:par>
+                    <p:cTn id="13" fill="hold">
+                      <p:stCondLst>
+                        <p:cond delay="indefinite"/>
+                      </p:stCondLst>
+                      <p:childTnLst>
+                        <p:par>
+                          <p:cTn id="14" fill="hold">
+                            <p:stCondLst>
+                              <p:cond delay="0"/>
+                            </p:stCondLst>
+                            <p:childTnLst>
+                              <p:par>
+                                <p:cTn id="15" presetID="10" presetClass="entr" presetSubtype="0" fill="hold" grpId="0" nodeType="clickEffect">
+                                  <p:stCondLst>
+                                    <p:cond delay="0"/>
+                                  </p:stCondLst>
+                                  <p:childTnLst>
+                                    <p:set>
+                                      <p:cBhvr>
+                                        <p:cTn id="16" dur="1" fill="hold">
+                                          <p:stCondLst>
+                                            <p:cond delay="0"/>
+                                          </p:stCondLst>
+                                        </p:cTn>
+                                        <p:tgtEl>
+                                          <p:spTgt spid="3">
+                                            <p:txEl>
+                                              <p:pRg st="2" end="2"/>
+                                            </p:txEl>
+                                          </p:spTgt>
+                                        </p:tgtEl>
+                                        <p:attrNameLst>
+                                          <p:attrName>style.visibility</p:attrName>
+                                        </p:attrNameLst>
+                                      </p:cBhvr>
+                                      <p:to>
+                                        <p:strVal val="visible"/>
+                                      </p:to>
+                                    </p:set>
+                                    <p:animEffect transition="in" filter="fade">
+                                      <p:cBhvr>
+                                        <p:cTn id="17" dur="500"/>
+                                        <p:tgtEl>
+                                          <p:spTgt spid="3">
+                                            <p:txEl>
+                                              <p:pRg st="2" end="2"/>
+                                            </p:txEl>
+                                          </p:spTgt>
+                                        </p:tgtEl>
+                                      </p:cBhvr>
+                                    </p:animEffect>
+                                  </p:childTnLst>
+                                </p:cTn>
+                              </p:par>
+                            </p:childTnLst>
+                          </p:cTn>
+                        </p:par>
+                      </p:childTnLst>
+                    </p:cTn>
+                  </p:par>
+                  <p:par>
+                    <p:cTn id="18" fill="hold">
+                      <p:stCondLst>
+                        <p:cond delay="indefinite"/>
+                      </p:stCondLst>
+                      <p:childTnLst>
+                        <p:par>
+                          <p:cTn id="19" fill="hold">
+                            <p:stCondLst>
+                              <p:cond delay="0"/>
+                            </p:stCondLst>
+                            <p:childTnLst>
+                              <p:par>
+                                <p:cTn id="20" presetID="10" presetClass="entr" presetSubtype="0" fill="hold" grpId="0" nodeType="clickEffect">
+                                  <p:stCondLst>
+                                    <p:cond delay="0"/>
+                                  </p:stCondLst>
+                                  <p:childTnLst>
+                                    <p:set>
+                                      <p:cBhvr>
+                                        <p:cTn id="21" dur="1" fill="hold">
+                                          <p:stCondLst>
+                                            <p:cond delay="0"/>
+                                          </p:stCondLst>
+                                        </p:cTn>
+                                        <p:tgtEl>
+                                          <p:spTgt spid="3">
+                                            <p:txEl>
+                                              <p:pRg st="3" end="3"/>
+                                            </p:txEl>
+                                          </p:spTgt>
+                                        </p:tgtEl>
+                                        <p:attrNameLst>
+                                          <p:attrName>style.visibility</p:attrName>
+                                        </p:attrNameLst>
+                                      </p:cBhvr>
+                                      <p:to>
+                                        <p:strVal val="visible"/>
+                                      </p:to>
+                                    </p:set>
+                                    <p:animEffect transition="in" filter="fade">
+                                      <p:cBhvr>
+                                        <p:cTn id="22" dur="500"/>
+                                        <p:tgtEl>
+                                          <p:spTgt spid="3">
+                                            <p:txEl>
+                                              <p:pRg st="3" end="3"/>
+                                            </p:txEl>
+                                          </p:spTgt>
+                                        </p:tgtEl>
+                                      </p:cBhvr>
+                                    </p:animEffect>
+                                  </p:childTnLst>
+                                </p:cTn>
+                              </p:par>
+                            </p:childTnLst>
+                          </p:cTn>
+                        </p:par>
+                      </p:childTnLst>
+                    </p:cTn>
+                  </p:par>
+                </p:childTnLst>
+              </p:cTn>
+              <p:prevCondLst>
+                <p:cond evt="onPrev" delay="0">
+                  <p:tgtEl>
+                    <p:sldTgt/>
+                  </p:tgtEl>
+                </p:cond>
+              </p:prevCondLst>
+              <p:nextCondLst>
+                <p:cond evt="onNext" delay="0">
+                  <p:tgtEl>
+                    <p:sldTgt/>
+                  </p:tgtEl>
+                </p:cond>
+              </p:nextCondLst>
+            </p:seq>
+          </p:childTnLst>
+        </p:cTn>
+      </p:par>
+    </p:tnLst>
+    <p:bldLst>
+      <p:bldP spid="3" grpId="0" build="p"/>
+    </p:bldLst>
+  </p:timing>
 </p:sld>
 </file>
 
@@ -4731,6 +5015,247 @@
   <p:clrMapOvr>
     <a:masterClrMapping/>
   </p:clrMapOvr>
+  <p:timing>
+    <p:tnLst>
+      <p:par>
+        <p:cTn id="1" dur="indefinite" restart="never" nodeType="tmRoot">
+          <p:childTnLst>
+            <p:seq concurrent="1" nextAc="seek">
+              <p:cTn id="2" dur="indefinite" nodeType="mainSeq">
+                <p:childTnLst>
+                  <p:par>
+                    <p:cTn id="3" fill="hold">
+                      <p:stCondLst>
+                        <p:cond delay="indefinite"/>
+                      </p:stCondLst>
+                      <p:childTnLst>
+                        <p:par>
+                          <p:cTn id="4" fill="hold">
+                            <p:stCondLst>
+                              <p:cond delay="0"/>
+                            </p:stCondLst>
+                            <p:childTnLst>
+                              <p:par>
+                                <p:cTn id="5" presetID="10" presetClass="entr" presetSubtype="0" fill="hold" grpId="0" nodeType="clickEffect">
+                                  <p:stCondLst>
+                                    <p:cond delay="0"/>
+                                  </p:stCondLst>
+                                  <p:childTnLst>
+                                    <p:set>
+                                      <p:cBhvr>
+                                        <p:cTn id="6" dur="1" fill="hold">
+                                          <p:stCondLst>
+                                            <p:cond delay="0"/>
+                                          </p:stCondLst>
+                                        </p:cTn>
+                                        <p:tgtEl>
+                                          <p:spTgt spid="5">
+                                            <p:txEl>
+                                              <p:pRg st="0" end="0"/>
+                                            </p:txEl>
+                                          </p:spTgt>
+                                        </p:tgtEl>
+                                        <p:attrNameLst>
+                                          <p:attrName>style.visibility</p:attrName>
+                                        </p:attrNameLst>
+                                      </p:cBhvr>
+                                      <p:to>
+                                        <p:strVal val="visible"/>
+                                      </p:to>
+                                    </p:set>
+                                    <p:animEffect transition="in" filter="fade">
+                                      <p:cBhvr>
+                                        <p:cTn id="7" dur="500"/>
+                                        <p:tgtEl>
+                                          <p:spTgt spid="5">
+                                            <p:txEl>
+                                              <p:pRg st="0" end="0"/>
+                                            </p:txEl>
+                                          </p:spTgt>
+                                        </p:tgtEl>
+                                      </p:cBhvr>
+                                    </p:animEffect>
+                                  </p:childTnLst>
+                                </p:cTn>
+                              </p:par>
+                              <p:par>
+                                <p:cTn id="8" presetID="10" presetClass="entr" presetSubtype="0" fill="hold" grpId="0" nodeType="withEffect">
+                                  <p:stCondLst>
+                                    <p:cond delay="0"/>
+                                  </p:stCondLst>
+                                  <p:childTnLst>
+                                    <p:set>
+                                      <p:cBhvr>
+                                        <p:cTn id="9" dur="1" fill="hold">
+                                          <p:stCondLst>
+                                            <p:cond delay="0"/>
+                                          </p:stCondLst>
+                                        </p:cTn>
+                                        <p:tgtEl>
+                                          <p:spTgt spid="5">
+                                            <p:txEl>
+                                              <p:pRg st="1" end="1"/>
+                                            </p:txEl>
+                                          </p:spTgt>
+                                        </p:tgtEl>
+                                        <p:attrNameLst>
+                                          <p:attrName>style.visibility</p:attrName>
+                                        </p:attrNameLst>
+                                      </p:cBhvr>
+                                      <p:to>
+                                        <p:strVal val="visible"/>
+                                      </p:to>
+                                    </p:set>
+                                    <p:animEffect transition="in" filter="fade">
+                                      <p:cBhvr>
+                                        <p:cTn id="10" dur="500"/>
+                                        <p:tgtEl>
+                                          <p:spTgt spid="5">
+                                            <p:txEl>
+                                              <p:pRg st="1" end="1"/>
+                                            </p:txEl>
+                                          </p:spTgt>
+                                        </p:tgtEl>
+                                      </p:cBhvr>
+                                    </p:animEffect>
+                                  </p:childTnLst>
+                                </p:cTn>
+                              </p:par>
+                              <p:par>
+                                <p:cTn id="11" presetID="10" presetClass="entr" presetSubtype="0" fill="hold" grpId="0" nodeType="withEffect">
+                                  <p:stCondLst>
+                                    <p:cond delay="0"/>
+                                  </p:stCondLst>
+                                  <p:childTnLst>
+                                    <p:set>
+                                      <p:cBhvr>
+                                        <p:cTn id="12" dur="1" fill="hold">
+                                          <p:stCondLst>
+                                            <p:cond delay="0"/>
+                                          </p:stCondLst>
+                                        </p:cTn>
+                                        <p:tgtEl>
+                                          <p:spTgt spid="5">
+                                            <p:txEl>
+                                              <p:pRg st="2" end="2"/>
+                                            </p:txEl>
+                                          </p:spTgt>
+                                        </p:tgtEl>
+                                        <p:attrNameLst>
+                                          <p:attrName>style.visibility</p:attrName>
+                                        </p:attrNameLst>
+                                      </p:cBhvr>
+                                      <p:to>
+                                        <p:strVal val="visible"/>
+                                      </p:to>
+                                    </p:set>
+                                    <p:animEffect transition="in" filter="fade">
+                                      <p:cBhvr>
+                                        <p:cTn id="13" dur="500"/>
+                                        <p:tgtEl>
+                                          <p:spTgt spid="5">
+                                            <p:txEl>
+                                              <p:pRg st="2" end="2"/>
+                                            </p:txEl>
+                                          </p:spTgt>
+                                        </p:tgtEl>
+                                      </p:cBhvr>
+                                    </p:animEffect>
+                                  </p:childTnLst>
+                                </p:cTn>
+                              </p:par>
+                            </p:childTnLst>
+                          </p:cTn>
+                        </p:par>
+                      </p:childTnLst>
+                    </p:cTn>
+                  </p:par>
+                  <p:par>
+                    <p:cTn id="14" fill="hold">
+                      <p:stCondLst>
+                        <p:cond delay="indefinite"/>
+                      </p:stCondLst>
+                      <p:childTnLst>
+                        <p:par>
+                          <p:cTn id="15" fill="hold">
+                            <p:stCondLst>
+                              <p:cond delay="0"/>
+                            </p:stCondLst>
+                            <p:childTnLst>
+                              <p:par>
+                                <p:cTn id="16" presetID="10" presetClass="entr" presetSubtype="0" fill="hold" grpId="0" nodeType="clickEffect">
+                                  <p:stCondLst>
+                                    <p:cond delay="0"/>
+                                  </p:stCondLst>
+                                  <p:childTnLst>
+                                    <p:set>
+                                      <p:cBhvr>
+                                        <p:cTn id="17" dur="1" fill="hold">
+                                          <p:stCondLst>
+                                            <p:cond delay="0"/>
+                                          </p:stCondLst>
+                                        </p:cTn>
+                                        <p:tgtEl>
+                                          <p:spTgt spid="5">
+                                            <p:txEl>
+                                              <p:pRg st="3" end="3"/>
+                                            </p:txEl>
+                                          </p:spTgt>
+                                        </p:tgtEl>
+                                        <p:attrNameLst>
+                                          <p:attrName>style.visibility</p:attrName>
+                                        </p:attrNameLst>
+                                      </p:cBhvr>
+                                      <p:to>
+                                        <p:strVal val="visible"/>
+                                      </p:to>
+                                    </p:set>
+                                    <p:animEffect transition="in" filter="fade">
+                                      <p:cBhvr>
+                                        <p:cTn id="18" dur="500"/>
+                                        <p:tgtEl>
+                                          <p:spTgt spid="5">
+                                            <p:txEl>
+                                              <p:pRg st="3" end="3"/>
+                                            </p:txEl>
+                                          </p:spTgt>
+                                        </p:tgtEl>
+                                      </p:cBhvr>
+                                    </p:animEffect>
+                                  </p:childTnLst>
+                                </p:cTn>
+                              </p:par>
+                            </p:childTnLst>
+                          </p:cTn>
+                        </p:par>
+                      </p:childTnLst>
+                    </p:cTn>
+                  </p:par>
+                </p:childTnLst>
+              </p:cTn>
+              <p:prevCondLst>
+                <p:cond evt="onPrev" delay="0">
+                  <p:tgtEl>
+                    <p:sldTgt/>
+                  </p:tgtEl>
+                </p:cond>
+              </p:prevCondLst>
+              <p:nextCondLst>
+                <p:cond evt="onNext" delay="0">
+                  <p:tgtEl>
+                    <p:sldTgt/>
+                  </p:tgtEl>
+                </p:cond>
+              </p:nextCondLst>
+            </p:seq>
+          </p:childTnLst>
+        </p:cTn>
+      </p:par>
+    </p:tnLst>
+    <p:bldLst>
+      <p:bldP spid="5" grpId="0" build="p"/>
+    </p:bldLst>
+  </p:timing>
 </p:sld>
 </file>
 
@@ -5902,6 +6427,717 @@
   <p:clrMapOvr>
     <a:masterClrMapping/>
   </p:clrMapOvr>
+  <p:timing>
+    <p:tnLst>
+      <p:par>
+        <p:cTn id="1" dur="indefinite" restart="never" nodeType="tmRoot">
+          <p:childTnLst>
+            <p:seq concurrent="1" nextAc="seek">
+              <p:cTn id="2" dur="indefinite" nodeType="mainSeq">
+                <p:childTnLst>
+                  <p:par>
+                    <p:cTn id="3" fill="hold">
+                      <p:stCondLst>
+                        <p:cond delay="indefinite"/>
+                      </p:stCondLst>
+                      <p:childTnLst>
+                        <p:par>
+                          <p:cTn id="4" fill="hold">
+                            <p:stCondLst>
+                              <p:cond delay="0"/>
+                            </p:stCondLst>
+                            <p:childTnLst>
+                              <p:par>
+                                <p:cTn id="5" presetID="10" presetClass="entr" presetSubtype="0" fill="hold" nodeType="clickEffect">
+                                  <p:stCondLst>
+                                    <p:cond delay="0"/>
+                                  </p:stCondLst>
+                                  <p:childTnLst>
+                                    <p:set>
+                                      <p:cBhvr>
+                                        <p:cTn id="6" dur="1" fill="hold">
+                                          <p:stCondLst>
+                                            <p:cond delay="0"/>
+                                          </p:stCondLst>
+                                        </p:cTn>
+                                        <p:tgtEl>
+                                          <p:spTgt spid="6">
+                                            <p:txEl>
+                                              <p:pRg st="0" end="0"/>
+                                            </p:txEl>
+                                          </p:spTgt>
+                                        </p:tgtEl>
+                                        <p:attrNameLst>
+                                          <p:attrName>style.visibility</p:attrName>
+                                        </p:attrNameLst>
+                                      </p:cBhvr>
+                                      <p:to>
+                                        <p:strVal val="visible"/>
+                                      </p:to>
+                                    </p:set>
+                                    <p:animEffect transition="in" filter="fade">
+                                      <p:cBhvr>
+                                        <p:cTn id="7" dur="500"/>
+                                        <p:tgtEl>
+                                          <p:spTgt spid="6">
+                                            <p:txEl>
+                                              <p:pRg st="0" end="0"/>
+                                            </p:txEl>
+                                          </p:spTgt>
+                                        </p:tgtEl>
+                                      </p:cBhvr>
+                                    </p:animEffect>
+                                  </p:childTnLst>
+                                </p:cTn>
+                              </p:par>
+                              <p:par>
+                                <p:cTn id="8" presetID="10" presetClass="entr" presetSubtype="0" fill="hold" nodeType="withEffect">
+                                  <p:stCondLst>
+                                    <p:cond delay="0"/>
+                                  </p:stCondLst>
+                                  <p:childTnLst>
+                                    <p:set>
+                                      <p:cBhvr>
+                                        <p:cTn id="9" dur="1" fill="hold">
+                                          <p:stCondLst>
+                                            <p:cond delay="0"/>
+                                          </p:stCondLst>
+                                        </p:cTn>
+                                        <p:tgtEl>
+                                          <p:spTgt spid="6">
+                                            <p:txEl>
+                                              <p:pRg st="1" end="1"/>
+                                            </p:txEl>
+                                          </p:spTgt>
+                                        </p:tgtEl>
+                                        <p:attrNameLst>
+                                          <p:attrName>style.visibility</p:attrName>
+                                        </p:attrNameLst>
+                                      </p:cBhvr>
+                                      <p:to>
+                                        <p:strVal val="visible"/>
+                                      </p:to>
+                                    </p:set>
+                                    <p:animEffect transition="in" filter="fade">
+                                      <p:cBhvr>
+                                        <p:cTn id="10" dur="500"/>
+                                        <p:tgtEl>
+                                          <p:spTgt spid="6">
+                                            <p:txEl>
+                                              <p:pRg st="1" end="1"/>
+                                            </p:txEl>
+                                          </p:spTgt>
+                                        </p:tgtEl>
+                                      </p:cBhvr>
+                                    </p:animEffect>
+                                  </p:childTnLst>
+                                </p:cTn>
+                              </p:par>
+                              <p:par>
+                                <p:cTn id="11" presetID="10" presetClass="entr" presetSubtype="0" fill="hold" nodeType="withEffect">
+                                  <p:stCondLst>
+                                    <p:cond delay="0"/>
+                                  </p:stCondLst>
+                                  <p:childTnLst>
+                                    <p:set>
+                                      <p:cBhvr>
+                                        <p:cTn id="12" dur="1" fill="hold">
+                                          <p:stCondLst>
+                                            <p:cond delay="0"/>
+                                          </p:stCondLst>
+                                        </p:cTn>
+                                        <p:tgtEl>
+                                          <p:spTgt spid="6">
+                                            <p:txEl>
+                                              <p:pRg st="2" end="2"/>
+                                            </p:txEl>
+                                          </p:spTgt>
+                                        </p:tgtEl>
+                                        <p:attrNameLst>
+                                          <p:attrName>style.visibility</p:attrName>
+                                        </p:attrNameLst>
+                                      </p:cBhvr>
+                                      <p:to>
+                                        <p:strVal val="visible"/>
+                                      </p:to>
+                                    </p:set>
+                                    <p:animEffect transition="in" filter="fade">
+                                      <p:cBhvr>
+                                        <p:cTn id="13" dur="500"/>
+                                        <p:tgtEl>
+                                          <p:spTgt spid="6">
+                                            <p:txEl>
+                                              <p:pRg st="2" end="2"/>
+                                            </p:txEl>
+                                          </p:spTgt>
+                                        </p:tgtEl>
+                                      </p:cBhvr>
+                                    </p:animEffect>
+                                  </p:childTnLst>
+                                </p:cTn>
+                              </p:par>
+                              <p:par>
+                                <p:cTn id="14" presetID="10" presetClass="entr" presetSubtype="0" fill="hold" nodeType="withEffect">
+                                  <p:stCondLst>
+                                    <p:cond delay="0"/>
+                                  </p:stCondLst>
+                                  <p:childTnLst>
+                                    <p:set>
+                                      <p:cBhvr>
+                                        <p:cTn id="15" dur="1" fill="hold">
+                                          <p:stCondLst>
+                                            <p:cond delay="0"/>
+                                          </p:stCondLst>
+                                        </p:cTn>
+                                        <p:tgtEl>
+                                          <p:spTgt spid="6">
+                                            <p:txEl>
+                                              <p:pRg st="3" end="3"/>
+                                            </p:txEl>
+                                          </p:spTgt>
+                                        </p:tgtEl>
+                                        <p:attrNameLst>
+                                          <p:attrName>style.visibility</p:attrName>
+                                        </p:attrNameLst>
+                                      </p:cBhvr>
+                                      <p:to>
+                                        <p:strVal val="visible"/>
+                                      </p:to>
+                                    </p:set>
+                                    <p:animEffect transition="in" filter="fade">
+                                      <p:cBhvr>
+                                        <p:cTn id="16" dur="500"/>
+                                        <p:tgtEl>
+                                          <p:spTgt spid="6">
+                                            <p:txEl>
+                                              <p:pRg st="3" end="3"/>
+                                            </p:txEl>
+                                          </p:spTgt>
+                                        </p:tgtEl>
+                                      </p:cBhvr>
+                                    </p:animEffect>
+                                  </p:childTnLst>
+                                </p:cTn>
+                              </p:par>
+                              <p:par>
+                                <p:cTn id="17" presetID="10" presetClass="entr" presetSubtype="0" fill="hold" nodeType="withEffect">
+                                  <p:stCondLst>
+                                    <p:cond delay="0"/>
+                                  </p:stCondLst>
+                                  <p:childTnLst>
+                                    <p:set>
+                                      <p:cBhvr>
+                                        <p:cTn id="18" dur="1" fill="hold">
+                                          <p:stCondLst>
+                                            <p:cond delay="0"/>
+                                          </p:stCondLst>
+                                        </p:cTn>
+                                        <p:tgtEl>
+                                          <p:spTgt spid="6">
+                                            <p:txEl>
+                                              <p:pRg st="4" end="4"/>
+                                            </p:txEl>
+                                          </p:spTgt>
+                                        </p:tgtEl>
+                                        <p:attrNameLst>
+                                          <p:attrName>style.visibility</p:attrName>
+                                        </p:attrNameLst>
+                                      </p:cBhvr>
+                                      <p:to>
+                                        <p:strVal val="visible"/>
+                                      </p:to>
+                                    </p:set>
+                                    <p:animEffect transition="in" filter="fade">
+                                      <p:cBhvr>
+                                        <p:cTn id="19" dur="500"/>
+                                        <p:tgtEl>
+                                          <p:spTgt spid="6">
+                                            <p:txEl>
+                                              <p:pRg st="4" end="4"/>
+                                            </p:txEl>
+                                          </p:spTgt>
+                                        </p:tgtEl>
+                                      </p:cBhvr>
+                                    </p:animEffect>
+                                  </p:childTnLst>
+                                </p:cTn>
+                              </p:par>
+                              <p:par>
+                                <p:cTn id="20" presetID="10" presetClass="entr" presetSubtype="0" fill="hold" nodeType="withEffect">
+                                  <p:stCondLst>
+                                    <p:cond delay="0"/>
+                                  </p:stCondLst>
+                                  <p:childTnLst>
+                                    <p:set>
+                                      <p:cBhvr>
+                                        <p:cTn id="21" dur="1" fill="hold">
+                                          <p:stCondLst>
+                                            <p:cond delay="0"/>
+                                          </p:stCondLst>
+                                        </p:cTn>
+                                        <p:tgtEl>
+                                          <p:spTgt spid="6">
+                                            <p:txEl>
+                                              <p:pRg st="5" end="5"/>
+                                            </p:txEl>
+                                          </p:spTgt>
+                                        </p:tgtEl>
+                                        <p:attrNameLst>
+                                          <p:attrName>style.visibility</p:attrName>
+                                        </p:attrNameLst>
+                                      </p:cBhvr>
+                                      <p:to>
+                                        <p:strVal val="visible"/>
+                                      </p:to>
+                                    </p:set>
+                                    <p:animEffect transition="in" filter="fade">
+                                      <p:cBhvr>
+                                        <p:cTn id="22" dur="500"/>
+                                        <p:tgtEl>
+                                          <p:spTgt spid="6">
+                                            <p:txEl>
+                                              <p:pRg st="5" end="5"/>
+                                            </p:txEl>
+                                          </p:spTgt>
+                                        </p:tgtEl>
+                                      </p:cBhvr>
+                                    </p:animEffect>
+                                  </p:childTnLst>
+                                </p:cTn>
+                              </p:par>
+                              <p:par>
+                                <p:cTn id="23" presetID="10" presetClass="entr" presetSubtype="0" fill="hold" nodeType="withEffect">
+                                  <p:stCondLst>
+                                    <p:cond delay="0"/>
+                                  </p:stCondLst>
+                                  <p:childTnLst>
+                                    <p:set>
+                                      <p:cBhvr>
+                                        <p:cTn id="24" dur="1" fill="hold">
+                                          <p:stCondLst>
+                                            <p:cond delay="0"/>
+                                          </p:stCondLst>
+                                        </p:cTn>
+                                        <p:tgtEl>
+                                          <p:spTgt spid="6">
+                                            <p:txEl>
+                                              <p:pRg st="6" end="6"/>
+                                            </p:txEl>
+                                          </p:spTgt>
+                                        </p:tgtEl>
+                                        <p:attrNameLst>
+                                          <p:attrName>style.visibility</p:attrName>
+                                        </p:attrNameLst>
+                                      </p:cBhvr>
+                                      <p:to>
+                                        <p:strVal val="visible"/>
+                                      </p:to>
+                                    </p:set>
+                                    <p:animEffect transition="in" filter="fade">
+                                      <p:cBhvr>
+                                        <p:cTn id="25" dur="500"/>
+                                        <p:tgtEl>
+                                          <p:spTgt spid="6">
+                                            <p:txEl>
+                                              <p:pRg st="6" end="6"/>
+                                            </p:txEl>
+                                          </p:spTgt>
+                                        </p:tgtEl>
+                                      </p:cBhvr>
+                                    </p:animEffect>
+                                  </p:childTnLst>
+                                </p:cTn>
+                              </p:par>
+                            </p:childTnLst>
+                          </p:cTn>
+                        </p:par>
+                      </p:childTnLst>
+                    </p:cTn>
+                  </p:par>
+                  <p:par>
+                    <p:cTn id="26" fill="hold">
+                      <p:stCondLst>
+                        <p:cond delay="indefinite"/>
+                      </p:stCondLst>
+                      <p:childTnLst>
+                        <p:par>
+                          <p:cTn id="27" fill="hold">
+                            <p:stCondLst>
+                              <p:cond delay="0"/>
+                            </p:stCondLst>
+                            <p:childTnLst>
+                              <p:par>
+                                <p:cTn id="28" presetID="10" presetClass="entr" presetSubtype="0" fill="hold" nodeType="clickEffect">
+                                  <p:stCondLst>
+                                    <p:cond delay="0"/>
+                                  </p:stCondLst>
+                                  <p:childTnLst>
+                                    <p:set>
+                                      <p:cBhvr>
+                                        <p:cTn id="29" dur="1" fill="hold">
+                                          <p:stCondLst>
+                                            <p:cond delay="0"/>
+                                          </p:stCondLst>
+                                        </p:cTn>
+                                        <p:tgtEl>
+                                          <p:spTgt spid="6">
+                                            <p:txEl>
+                                              <p:pRg st="8" end="8"/>
+                                            </p:txEl>
+                                          </p:spTgt>
+                                        </p:tgtEl>
+                                        <p:attrNameLst>
+                                          <p:attrName>style.visibility</p:attrName>
+                                        </p:attrNameLst>
+                                      </p:cBhvr>
+                                      <p:to>
+                                        <p:strVal val="visible"/>
+                                      </p:to>
+                                    </p:set>
+                                    <p:animEffect transition="in" filter="fade">
+                                      <p:cBhvr>
+                                        <p:cTn id="30" dur="500"/>
+                                        <p:tgtEl>
+                                          <p:spTgt spid="6">
+                                            <p:txEl>
+                                              <p:pRg st="8" end="8"/>
+                                            </p:txEl>
+                                          </p:spTgt>
+                                        </p:tgtEl>
+                                      </p:cBhvr>
+                                    </p:animEffect>
+                                  </p:childTnLst>
+                                </p:cTn>
+                              </p:par>
+                              <p:par>
+                                <p:cTn id="31" presetID="10" presetClass="entr" presetSubtype="0" fill="hold" nodeType="withEffect">
+                                  <p:stCondLst>
+                                    <p:cond delay="0"/>
+                                  </p:stCondLst>
+                                  <p:childTnLst>
+                                    <p:set>
+                                      <p:cBhvr>
+                                        <p:cTn id="32" dur="1" fill="hold">
+                                          <p:stCondLst>
+                                            <p:cond delay="0"/>
+                                          </p:stCondLst>
+                                        </p:cTn>
+                                        <p:tgtEl>
+                                          <p:spTgt spid="6">
+                                            <p:txEl>
+                                              <p:pRg st="9" end="9"/>
+                                            </p:txEl>
+                                          </p:spTgt>
+                                        </p:tgtEl>
+                                        <p:attrNameLst>
+                                          <p:attrName>style.visibility</p:attrName>
+                                        </p:attrNameLst>
+                                      </p:cBhvr>
+                                      <p:to>
+                                        <p:strVal val="visible"/>
+                                      </p:to>
+                                    </p:set>
+                                    <p:animEffect transition="in" filter="fade">
+                                      <p:cBhvr>
+                                        <p:cTn id="33" dur="500"/>
+                                        <p:tgtEl>
+                                          <p:spTgt spid="6">
+                                            <p:txEl>
+                                              <p:pRg st="9" end="9"/>
+                                            </p:txEl>
+                                          </p:spTgt>
+                                        </p:tgtEl>
+                                      </p:cBhvr>
+                                    </p:animEffect>
+                                  </p:childTnLst>
+                                </p:cTn>
+                              </p:par>
+                              <p:par>
+                                <p:cTn id="34" presetID="10" presetClass="entr" presetSubtype="0" fill="hold" nodeType="withEffect">
+                                  <p:stCondLst>
+                                    <p:cond delay="0"/>
+                                  </p:stCondLst>
+                                  <p:childTnLst>
+                                    <p:set>
+                                      <p:cBhvr>
+                                        <p:cTn id="35" dur="1" fill="hold">
+                                          <p:stCondLst>
+                                            <p:cond delay="0"/>
+                                          </p:stCondLst>
+                                        </p:cTn>
+                                        <p:tgtEl>
+                                          <p:spTgt spid="6">
+                                            <p:txEl>
+                                              <p:pRg st="10" end="10"/>
+                                            </p:txEl>
+                                          </p:spTgt>
+                                        </p:tgtEl>
+                                        <p:attrNameLst>
+                                          <p:attrName>style.visibility</p:attrName>
+                                        </p:attrNameLst>
+                                      </p:cBhvr>
+                                      <p:to>
+                                        <p:strVal val="visible"/>
+                                      </p:to>
+                                    </p:set>
+                                    <p:animEffect transition="in" filter="fade">
+                                      <p:cBhvr>
+                                        <p:cTn id="36" dur="500"/>
+                                        <p:tgtEl>
+                                          <p:spTgt spid="6">
+                                            <p:txEl>
+                                              <p:pRg st="10" end="10"/>
+                                            </p:txEl>
+                                          </p:spTgt>
+                                        </p:tgtEl>
+                                      </p:cBhvr>
+                                    </p:animEffect>
+                                  </p:childTnLst>
+                                </p:cTn>
+                              </p:par>
+                              <p:par>
+                                <p:cTn id="37" presetID="10" presetClass="entr" presetSubtype="0" fill="hold" nodeType="withEffect">
+                                  <p:stCondLst>
+                                    <p:cond delay="0"/>
+                                  </p:stCondLst>
+                                  <p:childTnLst>
+                                    <p:set>
+                                      <p:cBhvr>
+                                        <p:cTn id="38" dur="1" fill="hold">
+                                          <p:stCondLst>
+                                            <p:cond delay="0"/>
+                                          </p:stCondLst>
+                                        </p:cTn>
+                                        <p:tgtEl>
+                                          <p:spTgt spid="6">
+                                            <p:txEl>
+                                              <p:pRg st="11" end="11"/>
+                                            </p:txEl>
+                                          </p:spTgt>
+                                        </p:tgtEl>
+                                        <p:attrNameLst>
+                                          <p:attrName>style.visibility</p:attrName>
+                                        </p:attrNameLst>
+                                      </p:cBhvr>
+                                      <p:to>
+                                        <p:strVal val="visible"/>
+                                      </p:to>
+                                    </p:set>
+                                    <p:animEffect transition="in" filter="fade">
+                                      <p:cBhvr>
+                                        <p:cTn id="39" dur="500"/>
+                                        <p:tgtEl>
+                                          <p:spTgt spid="6">
+                                            <p:txEl>
+                                              <p:pRg st="11" end="11"/>
+                                            </p:txEl>
+                                          </p:spTgt>
+                                        </p:tgtEl>
+                                      </p:cBhvr>
+                                    </p:animEffect>
+                                  </p:childTnLst>
+                                </p:cTn>
+                              </p:par>
+                              <p:par>
+                                <p:cTn id="40" presetID="10" presetClass="entr" presetSubtype="0" fill="hold" nodeType="withEffect">
+                                  <p:stCondLst>
+                                    <p:cond delay="0"/>
+                                  </p:stCondLst>
+                                  <p:childTnLst>
+                                    <p:set>
+                                      <p:cBhvr>
+                                        <p:cTn id="41" dur="1" fill="hold">
+                                          <p:stCondLst>
+                                            <p:cond delay="0"/>
+                                          </p:stCondLst>
+                                        </p:cTn>
+                                        <p:tgtEl>
+                                          <p:spTgt spid="6">
+                                            <p:txEl>
+                                              <p:pRg st="12" end="12"/>
+                                            </p:txEl>
+                                          </p:spTgt>
+                                        </p:tgtEl>
+                                        <p:attrNameLst>
+                                          <p:attrName>style.visibility</p:attrName>
+                                        </p:attrNameLst>
+                                      </p:cBhvr>
+                                      <p:to>
+                                        <p:strVal val="visible"/>
+                                      </p:to>
+                                    </p:set>
+                                    <p:animEffect transition="in" filter="fade">
+                                      <p:cBhvr>
+                                        <p:cTn id="42" dur="500"/>
+                                        <p:tgtEl>
+                                          <p:spTgt spid="6">
+                                            <p:txEl>
+                                              <p:pRg st="12" end="12"/>
+                                            </p:txEl>
+                                          </p:spTgt>
+                                        </p:tgtEl>
+                                      </p:cBhvr>
+                                    </p:animEffect>
+                                  </p:childTnLst>
+                                </p:cTn>
+                              </p:par>
+                              <p:par>
+                                <p:cTn id="43" presetID="10" presetClass="entr" presetSubtype="0" fill="hold" nodeType="withEffect">
+                                  <p:stCondLst>
+                                    <p:cond delay="0"/>
+                                  </p:stCondLst>
+                                  <p:childTnLst>
+                                    <p:set>
+                                      <p:cBhvr>
+                                        <p:cTn id="44" dur="1" fill="hold">
+                                          <p:stCondLst>
+                                            <p:cond delay="0"/>
+                                          </p:stCondLst>
+                                        </p:cTn>
+                                        <p:tgtEl>
+                                          <p:spTgt spid="6">
+                                            <p:txEl>
+                                              <p:pRg st="13" end="13"/>
+                                            </p:txEl>
+                                          </p:spTgt>
+                                        </p:tgtEl>
+                                        <p:attrNameLst>
+                                          <p:attrName>style.visibility</p:attrName>
+                                        </p:attrNameLst>
+                                      </p:cBhvr>
+                                      <p:to>
+                                        <p:strVal val="visible"/>
+                                      </p:to>
+                                    </p:set>
+                                    <p:animEffect transition="in" filter="fade">
+                                      <p:cBhvr>
+                                        <p:cTn id="45" dur="500"/>
+                                        <p:tgtEl>
+                                          <p:spTgt spid="6">
+                                            <p:txEl>
+                                              <p:pRg st="13" end="13"/>
+                                            </p:txEl>
+                                          </p:spTgt>
+                                        </p:tgtEl>
+                                      </p:cBhvr>
+                                    </p:animEffect>
+                                  </p:childTnLst>
+                                </p:cTn>
+                              </p:par>
+                              <p:par>
+                                <p:cTn id="46" presetID="10" presetClass="entr" presetSubtype="0" fill="hold" nodeType="withEffect">
+                                  <p:stCondLst>
+                                    <p:cond delay="0"/>
+                                  </p:stCondLst>
+                                  <p:childTnLst>
+                                    <p:set>
+                                      <p:cBhvr>
+                                        <p:cTn id="47" dur="1" fill="hold">
+                                          <p:stCondLst>
+                                            <p:cond delay="0"/>
+                                          </p:stCondLst>
+                                        </p:cTn>
+                                        <p:tgtEl>
+                                          <p:spTgt spid="6">
+                                            <p:txEl>
+                                              <p:pRg st="14" end="14"/>
+                                            </p:txEl>
+                                          </p:spTgt>
+                                        </p:tgtEl>
+                                        <p:attrNameLst>
+                                          <p:attrName>style.visibility</p:attrName>
+                                        </p:attrNameLst>
+                                      </p:cBhvr>
+                                      <p:to>
+                                        <p:strVal val="visible"/>
+                                      </p:to>
+                                    </p:set>
+                                    <p:animEffect transition="in" filter="fade">
+                                      <p:cBhvr>
+                                        <p:cTn id="48" dur="500"/>
+                                        <p:tgtEl>
+                                          <p:spTgt spid="6">
+                                            <p:txEl>
+                                              <p:pRg st="14" end="14"/>
+                                            </p:txEl>
+                                          </p:spTgt>
+                                        </p:tgtEl>
+                                      </p:cBhvr>
+                                    </p:animEffect>
+                                  </p:childTnLst>
+                                </p:cTn>
+                              </p:par>
+                              <p:par>
+                                <p:cTn id="49" presetID="10" presetClass="entr" presetSubtype="0" fill="hold" nodeType="withEffect">
+                                  <p:stCondLst>
+                                    <p:cond delay="0"/>
+                                  </p:stCondLst>
+                                  <p:childTnLst>
+                                    <p:set>
+                                      <p:cBhvr>
+                                        <p:cTn id="50" dur="1" fill="hold">
+                                          <p:stCondLst>
+                                            <p:cond delay="0"/>
+                                          </p:stCondLst>
+                                        </p:cTn>
+                                        <p:tgtEl>
+                                          <p:spTgt spid="6">
+                                            <p:txEl>
+                                              <p:pRg st="15" end="15"/>
+                                            </p:txEl>
+                                          </p:spTgt>
+                                        </p:tgtEl>
+                                        <p:attrNameLst>
+                                          <p:attrName>style.visibility</p:attrName>
+                                        </p:attrNameLst>
+                                      </p:cBhvr>
+                                      <p:to>
+                                        <p:strVal val="visible"/>
+                                      </p:to>
+                                    </p:set>
+                                    <p:animEffect transition="in" filter="fade">
+                                      <p:cBhvr>
+                                        <p:cTn id="51" dur="500"/>
+                                        <p:tgtEl>
+                                          <p:spTgt spid="6">
+                                            <p:txEl>
+                                              <p:pRg st="15" end="15"/>
+                                            </p:txEl>
+                                          </p:spTgt>
+                                        </p:tgtEl>
+                                      </p:cBhvr>
+                                    </p:animEffect>
+                                  </p:childTnLst>
+                                </p:cTn>
+                              </p:par>
+                            </p:childTnLst>
+                          </p:cTn>
+                        </p:par>
+                      </p:childTnLst>
+                    </p:cTn>
+                  </p:par>
+                </p:childTnLst>
+              </p:cTn>
+              <p:prevCondLst>
+                <p:cond evt="onPrev" delay="0">
+                  <p:tgtEl>
+                    <p:sldTgt/>
+                  </p:tgtEl>
+                </p:cond>
+              </p:prevCondLst>
+              <p:nextCondLst>
+                <p:cond evt="onNext" delay="0">
+                  <p:tgtEl>
+                    <p:sldTgt/>
+                  </p:tgtEl>
+                </p:cond>
+              </p:nextCondLst>
+            </p:seq>
+          </p:childTnLst>
+        </p:cTn>
+      </p:par>
+    </p:tnLst>
+  </p:timing>
 </p:sld>
 </file>
 
@@ -6890,6 +8126,13 @@
   <p:clrMapOvr>
     <a:masterClrMapping/>
   </p:clrMapOvr>
+  <p:timing>
+    <p:tnLst>
+      <p:par>
+        <p:cTn id="1" dur="indefinite" restart="never" nodeType="tmRoot"/>
+      </p:par>
+    </p:tnLst>
+  </p:timing>
 </p:sld>
 </file>
 
@@ -8176,6 +9419,588 @@
   <p:clrMapOvr>
     <a:masterClrMapping/>
   </p:clrMapOvr>
+  <p:timing>
+    <p:tnLst>
+      <p:par>
+        <p:cTn id="1" dur="indefinite" restart="never" nodeType="tmRoot">
+          <p:childTnLst>
+            <p:seq concurrent="1" nextAc="seek">
+              <p:cTn id="2" dur="indefinite" nodeType="mainSeq">
+                <p:childTnLst>
+                  <p:par>
+                    <p:cTn id="3" fill="hold">
+                      <p:stCondLst>
+                        <p:cond delay="indefinite"/>
+                      </p:stCondLst>
+                      <p:childTnLst>
+                        <p:par>
+                          <p:cTn id="4" fill="hold">
+                            <p:stCondLst>
+                              <p:cond delay="0"/>
+                            </p:stCondLst>
+                            <p:childTnLst>
+                              <p:par>
+                                <p:cTn id="5" presetID="10" presetClass="entr" presetSubtype="0" fill="hold" nodeType="clickEffect">
+                                  <p:stCondLst>
+                                    <p:cond delay="0"/>
+                                  </p:stCondLst>
+                                  <p:childTnLst>
+                                    <p:set>
+                                      <p:cBhvr>
+                                        <p:cTn id="6" dur="1" fill="hold">
+                                          <p:stCondLst>
+                                            <p:cond delay="0"/>
+                                          </p:stCondLst>
+                                        </p:cTn>
+                                        <p:tgtEl>
+                                          <p:spTgt spid="5">
+                                            <p:txEl>
+                                              <p:pRg st="0" end="0"/>
+                                            </p:txEl>
+                                          </p:spTgt>
+                                        </p:tgtEl>
+                                        <p:attrNameLst>
+                                          <p:attrName>style.visibility</p:attrName>
+                                        </p:attrNameLst>
+                                      </p:cBhvr>
+                                      <p:to>
+                                        <p:strVal val="visible"/>
+                                      </p:to>
+                                    </p:set>
+                                    <p:animEffect transition="in" filter="fade">
+                                      <p:cBhvr>
+                                        <p:cTn id="7" dur="500"/>
+                                        <p:tgtEl>
+                                          <p:spTgt spid="5">
+                                            <p:txEl>
+                                              <p:pRg st="0" end="0"/>
+                                            </p:txEl>
+                                          </p:spTgt>
+                                        </p:tgtEl>
+                                      </p:cBhvr>
+                                    </p:animEffect>
+                                  </p:childTnLst>
+                                </p:cTn>
+                              </p:par>
+                              <p:par>
+                                <p:cTn id="8" presetID="10" presetClass="entr" presetSubtype="0" fill="hold" nodeType="withEffect">
+                                  <p:stCondLst>
+                                    <p:cond delay="0"/>
+                                  </p:stCondLst>
+                                  <p:childTnLst>
+                                    <p:set>
+                                      <p:cBhvr>
+                                        <p:cTn id="9" dur="1" fill="hold">
+                                          <p:stCondLst>
+                                            <p:cond delay="0"/>
+                                          </p:stCondLst>
+                                        </p:cTn>
+                                        <p:tgtEl>
+                                          <p:spTgt spid="5">
+                                            <p:txEl>
+                                              <p:pRg st="1" end="1"/>
+                                            </p:txEl>
+                                          </p:spTgt>
+                                        </p:tgtEl>
+                                        <p:attrNameLst>
+                                          <p:attrName>style.visibility</p:attrName>
+                                        </p:attrNameLst>
+                                      </p:cBhvr>
+                                      <p:to>
+                                        <p:strVal val="visible"/>
+                                      </p:to>
+                                    </p:set>
+                                    <p:animEffect transition="in" filter="fade">
+                                      <p:cBhvr>
+                                        <p:cTn id="10" dur="500"/>
+                                        <p:tgtEl>
+                                          <p:spTgt spid="5">
+                                            <p:txEl>
+                                              <p:pRg st="1" end="1"/>
+                                            </p:txEl>
+                                          </p:spTgt>
+                                        </p:tgtEl>
+                                      </p:cBhvr>
+                                    </p:animEffect>
+                                  </p:childTnLst>
+                                </p:cTn>
+                              </p:par>
+                              <p:par>
+                                <p:cTn id="11" presetID="10" presetClass="entr" presetSubtype="0" fill="hold" nodeType="withEffect">
+                                  <p:stCondLst>
+                                    <p:cond delay="0"/>
+                                  </p:stCondLst>
+                                  <p:childTnLst>
+                                    <p:set>
+                                      <p:cBhvr>
+                                        <p:cTn id="12" dur="1" fill="hold">
+                                          <p:stCondLst>
+                                            <p:cond delay="0"/>
+                                          </p:stCondLst>
+                                        </p:cTn>
+                                        <p:tgtEl>
+                                          <p:spTgt spid="5">
+                                            <p:txEl>
+                                              <p:pRg st="2" end="2"/>
+                                            </p:txEl>
+                                          </p:spTgt>
+                                        </p:tgtEl>
+                                        <p:attrNameLst>
+                                          <p:attrName>style.visibility</p:attrName>
+                                        </p:attrNameLst>
+                                      </p:cBhvr>
+                                      <p:to>
+                                        <p:strVal val="visible"/>
+                                      </p:to>
+                                    </p:set>
+                                    <p:animEffect transition="in" filter="fade">
+                                      <p:cBhvr>
+                                        <p:cTn id="13" dur="500"/>
+                                        <p:tgtEl>
+                                          <p:spTgt spid="5">
+                                            <p:txEl>
+                                              <p:pRg st="2" end="2"/>
+                                            </p:txEl>
+                                          </p:spTgt>
+                                        </p:tgtEl>
+                                      </p:cBhvr>
+                                    </p:animEffect>
+                                  </p:childTnLst>
+                                </p:cTn>
+                              </p:par>
+                              <p:par>
+                                <p:cTn id="14" presetID="10" presetClass="entr" presetSubtype="0" fill="hold" nodeType="withEffect">
+                                  <p:stCondLst>
+                                    <p:cond delay="0"/>
+                                  </p:stCondLst>
+                                  <p:childTnLst>
+                                    <p:set>
+                                      <p:cBhvr>
+                                        <p:cTn id="15" dur="1" fill="hold">
+                                          <p:stCondLst>
+                                            <p:cond delay="0"/>
+                                          </p:stCondLst>
+                                        </p:cTn>
+                                        <p:tgtEl>
+                                          <p:spTgt spid="5">
+                                            <p:txEl>
+                                              <p:pRg st="3" end="3"/>
+                                            </p:txEl>
+                                          </p:spTgt>
+                                        </p:tgtEl>
+                                        <p:attrNameLst>
+                                          <p:attrName>style.visibility</p:attrName>
+                                        </p:attrNameLst>
+                                      </p:cBhvr>
+                                      <p:to>
+                                        <p:strVal val="visible"/>
+                                      </p:to>
+                                    </p:set>
+                                    <p:animEffect transition="in" filter="fade">
+                                      <p:cBhvr>
+                                        <p:cTn id="16" dur="500"/>
+                                        <p:tgtEl>
+                                          <p:spTgt spid="5">
+                                            <p:txEl>
+                                              <p:pRg st="3" end="3"/>
+                                            </p:txEl>
+                                          </p:spTgt>
+                                        </p:tgtEl>
+                                      </p:cBhvr>
+                                    </p:animEffect>
+                                  </p:childTnLst>
+                                </p:cTn>
+                              </p:par>
+                              <p:par>
+                                <p:cTn id="17" presetID="10" presetClass="entr" presetSubtype="0" fill="hold" nodeType="withEffect">
+                                  <p:stCondLst>
+                                    <p:cond delay="0"/>
+                                  </p:stCondLst>
+                                  <p:childTnLst>
+                                    <p:set>
+                                      <p:cBhvr>
+                                        <p:cTn id="18" dur="1" fill="hold">
+                                          <p:stCondLst>
+                                            <p:cond delay="0"/>
+                                          </p:stCondLst>
+                                        </p:cTn>
+                                        <p:tgtEl>
+                                          <p:spTgt spid="5">
+                                            <p:txEl>
+                                              <p:pRg st="4" end="4"/>
+                                            </p:txEl>
+                                          </p:spTgt>
+                                        </p:tgtEl>
+                                        <p:attrNameLst>
+                                          <p:attrName>style.visibility</p:attrName>
+                                        </p:attrNameLst>
+                                      </p:cBhvr>
+                                      <p:to>
+                                        <p:strVal val="visible"/>
+                                      </p:to>
+                                    </p:set>
+                                    <p:animEffect transition="in" filter="fade">
+                                      <p:cBhvr>
+                                        <p:cTn id="19" dur="500"/>
+                                        <p:tgtEl>
+                                          <p:spTgt spid="5">
+                                            <p:txEl>
+                                              <p:pRg st="4" end="4"/>
+                                            </p:txEl>
+                                          </p:spTgt>
+                                        </p:tgtEl>
+                                      </p:cBhvr>
+                                    </p:animEffect>
+                                  </p:childTnLst>
+                                </p:cTn>
+                              </p:par>
+                              <p:par>
+                                <p:cTn id="20" presetID="10" presetClass="entr" presetSubtype="0" fill="hold" nodeType="withEffect">
+                                  <p:stCondLst>
+                                    <p:cond delay="0"/>
+                                  </p:stCondLst>
+                                  <p:childTnLst>
+                                    <p:set>
+                                      <p:cBhvr>
+                                        <p:cTn id="21" dur="1" fill="hold">
+                                          <p:stCondLst>
+                                            <p:cond delay="0"/>
+                                          </p:stCondLst>
+                                        </p:cTn>
+                                        <p:tgtEl>
+                                          <p:spTgt spid="5">
+                                            <p:txEl>
+                                              <p:pRg st="5" end="5"/>
+                                            </p:txEl>
+                                          </p:spTgt>
+                                        </p:tgtEl>
+                                        <p:attrNameLst>
+                                          <p:attrName>style.visibility</p:attrName>
+                                        </p:attrNameLst>
+                                      </p:cBhvr>
+                                      <p:to>
+                                        <p:strVal val="visible"/>
+                                      </p:to>
+                                    </p:set>
+                                    <p:animEffect transition="in" filter="fade">
+                                      <p:cBhvr>
+                                        <p:cTn id="22" dur="500"/>
+                                        <p:tgtEl>
+                                          <p:spTgt spid="5">
+                                            <p:txEl>
+                                              <p:pRg st="5" end="5"/>
+                                            </p:txEl>
+                                          </p:spTgt>
+                                        </p:tgtEl>
+                                      </p:cBhvr>
+                                    </p:animEffect>
+                                  </p:childTnLst>
+                                </p:cTn>
+                              </p:par>
+                            </p:childTnLst>
+                          </p:cTn>
+                        </p:par>
+                      </p:childTnLst>
+                    </p:cTn>
+                  </p:par>
+                  <p:par>
+                    <p:cTn id="23" fill="hold">
+                      <p:stCondLst>
+                        <p:cond delay="indefinite"/>
+                      </p:stCondLst>
+                      <p:childTnLst>
+                        <p:par>
+                          <p:cTn id="24" fill="hold">
+                            <p:stCondLst>
+                              <p:cond delay="0"/>
+                            </p:stCondLst>
+                            <p:childTnLst>
+                              <p:par>
+                                <p:cTn id="25" presetID="10" presetClass="entr" presetSubtype="0" fill="hold" nodeType="clickEffect">
+                                  <p:stCondLst>
+                                    <p:cond delay="0"/>
+                                  </p:stCondLst>
+                                  <p:childTnLst>
+                                    <p:set>
+                                      <p:cBhvr>
+                                        <p:cTn id="26" dur="1" fill="hold">
+                                          <p:stCondLst>
+                                            <p:cond delay="0"/>
+                                          </p:stCondLst>
+                                        </p:cTn>
+                                        <p:tgtEl>
+                                          <p:spTgt spid="6">
+                                            <p:txEl>
+                                              <p:pRg st="0" end="0"/>
+                                            </p:txEl>
+                                          </p:spTgt>
+                                        </p:tgtEl>
+                                        <p:attrNameLst>
+                                          <p:attrName>style.visibility</p:attrName>
+                                        </p:attrNameLst>
+                                      </p:cBhvr>
+                                      <p:to>
+                                        <p:strVal val="visible"/>
+                                      </p:to>
+                                    </p:set>
+                                    <p:animEffect transition="in" filter="fade">
+                                      <p:cBhvr>
+                                        <p:cTn id="27" dur="500"/>
+                                        <p:tgtEl>
+                                          <p:spTgt spid="6">
+                                            <p:txEl>
+                                              <p:pRg st="0" end="0"/>
+                                            </p:txEl>
+                                          </p:spTgt>
+                                        </p:tgtEl>
+                                      </p:cBhvr>
+                                    </p:animEffect>
+                                  </p:childTnLst>
+                                </p:cTn>
+                              </p:par>
+                              <p:par>
+                                <p:cTn id="28" presetID="10" presetClass="entr" presetSubtype="0" fill="hold" nodeType="withEffect">
+                                  <p:stCondLst>
+                                    <p:cond delay="0"/>
+                                  </p:stCondLst>
+                                  <p:childTnLst>
+                                    <p:set>
+                                      <p:cBhvr>
+                                        <p:cTn id="29" dur="1" fill="hold">
+                                          <p:stCondLst>
+                                            <p:cond delay="0"/>
+                                          </p:stCondLst>
+                                        </p:cTn>
+                                        <p:tgtEl>
+                                          <p:spTgt spid="6">
+                                            <p:txEl>
+                                              <p:pRg st="1" end="1"/>
+                                            </p:txEl>
+                                          </p:spTgt>
+                                        </p:tgtEl>
+                                        <p:attrNameLst>
+                                          <p:attrName>style.visibility</p:attrName>
+                                        </p:attrNameLst>
+                                      </p:cBhvr>
+                                      <p:to>
+                                        <p:strVal val="visible"/>
+                                      </p:to>
+                                    </p:set>
+                                    <p:animEffect transition="in" filter="fade">
+                                      <p:cBhvr>
+                                        <p:cTn id="30" dur="500"/>
+                                        <p:tgtEl>
+                                          <p:spTgt spid="6">
+                                            <p:txEl>
+                                              <p:pRg st="1" end="1"/>
+                                            </p:txEl>
+                                          </p:spTgt>
+                                        </p:tgtEl>
+                                      </p:cBhvr>
+                                    </p:animEffect>
+                                  </p:childTnLst>
+                                </p:cTn>
+                              </p:par>
+                              <p:par>
+                                <p:cTn id="31" presetID="10" presetClass="entr" presetSubtype="0" fill="hold" nodeType="withEffect">
+                                  <p:stCondLst>
+                                    <p:cond delay="0"/>
+                                  </p:stCondLst>
+                                  <p:childTnLst>
+                                    <p:set>
+                                      <p:cBhvr>
+                                        <p:cTn id="32" dur="1" fill="hold">
+                                          <p:stCondLst>
+                                            <p:cond delay="0"/>
+                                          </p:stCondLst>
+                                        </p:cTn>
+                                        <p:tgtEl>
+                                          <p:spTgt spid="6">
+                                            <p:txEl>
+                                              <p:pRg st="2" end="2"/>
+                                            </p:txEl>
+                                          </p:spTgt>
+                                        </p:tgtEl>
+                                        <p:attrNameLst>
+                                          <p:attrName>style.visibility</p:attrName>
+                                        </p:attrNameLst>
+                                      </p:cBhvr>
+                                      <p:to>
+                                        <p:strVal val="visible"/>
+                                      </p:to>
+                                    </p:set>
+                                    <p:animEffect transition="in" filter="fade">
+                                      <p:cBhvr>
+                                        <p:cTn id="33" dur="500"/>
+                                        <p:tgtEl>
+                                          <p:spTgt spid="6">
+                                            <p:txEl>
+                                              <p:pRg st="2" end="2"/>
+                                            </p:txEl>
+                                          </p:spTgt>
+                                        </p:tgtEl>
+                                      </p:cBhvr>
+                                    </p:animEffect>
+                                  </p:childTnLst>
+                                </p:cTn>
+                              </p:par>
+                              <p:par>
+                                <p:cTn id="34" presetID="10" presetClass="entr" presetSubtype="0" fill="hold" nodeType="withEffect">
+                                  <p:stCondLst>
+                                    <p:cond delay="0"/>
+                                  </p:stCondLst>
+                                  <p:childTnLst>
+                                    <p:set>
+                                      <p:cBhvr>
+                                        <p:cTn id="35" dur="1" fill="hold">
+                                          <p:stCondLst>
+                                            <p:cond delay="0"/>
+                                          </p:stCondLst>
+                                        </p:cTn>
+                                        <p:tgtEl>
+                                          <p:spTgt spid="6">
+                                            <p:txEl>
+                                              <p:pRg st="3" end="3"/>
+                                            </p:txEl>
+                                          </p:spTgt>
+                                        </p:tgtEl>
+                                        <p:attrNameLst>
+                                          <p:attrName>style.visibility</p:attrName>
+                                        </p:attrNameLst>
+                                      </p:cBhvr>
+                                      <p:to>
+                                        <p:strVal val="visible"/>
+                                      </p:to>
+                                    </p:set>
+                                    <p:animEffect transition="in" filter="fade">
+                                      <p:cBhvr>
+                                        <p:cTn id="36" dur="500"/>
+                                        <p:tgtEl>
+                                          <p:spTgt spid="6">
+                                            <p:txEl>
+                                              <p:pRg st="3" end="3"/>
+                                            </p:txEl>
+                                          </p:spTgt>
+                                        </p:tgtEl>
+                                      </p:cBhvr>
+                                    </p:animEffect>
+                                  </p:childTnLst>
+                                </p:cTn>
+                              </p:par>
+                              <p:par>
+                                <p:cTn id="37" presetID="10" presetClass="entr" presetSubtype="0" fill="hold" nodeType="withEffect">
+                                  <p:stCondLst>
+                                    <p:cond delay="0"/>
+                                  </p:stCondLst>
+                                  <p:childTnLst>
+                                    <p:set>
+                                      <p:cBhvr>
+                                        <p:cTn id="38" dur="1" fill="hold">
+                                          <p:stCondLst>
+                                            <p:cond delay="0"/>
+                                          </p:stCondLst>
+                                        </p:cTn>
+                                        <p:tgtEl>
+                                          <p:spTgt spid="6">
+                                            <p:txEl>
+                                              <p:pRg st="4" end="4"/>
+                                            </p:txEl>
+                                          </p:spTgt>
+                                        </p:tgtEl>
+                                        <p:attrNameLst>
+                                          <p:attrName>style.visibility</p:attrName>
+                                        </p:attrNameLst>
+                                      </p:cBhvr>
+                                      <p:to>
+                                        <p:strVal val="visible"/>
+                                      </p:to>
+                                    </p:set>
+                                    <p:animEffect transition="in" filter="fade">
+                                      <p:cBhvr>
+                                        <p:cTn id="39" dur="500"/>
+                                        <p:tgtEl>
+                                          <p:spTgt spid="6">
+                                            <p:txEl>
+                                              <p:pRg st="4" end="4"/>
+                                            </p:txEl>
+                                          </p:spTgt>
+                                        </p:tgtEl>
+                                      </p:cBhvr>
+                                    </p:animEffect>
+                                  </p:childTnLst>
+                                </p:cTn>
+                              </p:par>
+                              <p:par>
+                                <p:cTn id="40" presetID="10" presetClass="entr" presetSubtype="0" fill="hold" nodeType="withEffect">
+                                  <p:stCondLst>
+                                    <p:cond delay="0"/>
+                                  </p:stCondLst>
+                                  <p:childTnLst>
+                                    <p:set>
+                                      <p:cBhvr>
+                                        <p:cTn id="41" dur="1" fill="hold">
+                                          <p:stCondLst>
+                                            <p:cond delay="0"/>
+                                          </p:stCondLst>
+                                        </p:cTn>
+                                        <p:tgtEl>
+                                          <p:spTgt spid="6">
+                                            <p:txEl>
+                                              <p:pRg st="5" end="5"/>
+                                            </p:txEl>
+                                          </p:spTgt>
+                                        </p:tgtEl>
+                                        <p:attrNameLst>
+                                          <p:attrName>style.visibility</p:attrName>
+                                        </p:attrNameLst>
+                                      </p:cBhvr>
+                                      <p:to>
+                                        <p:strVal val="visible"/>
+                                      </p:to>
+                                    </p:set>
+                                    <p:animEffect transition="in" filter="fade">
+                                      <p:cBhvr>
+                                        <p:cTn id="42" dur="500"/>
+                                        <p:tgtEl>
+                                          <p:spTgt spid="6">
+                                            <p:txEl>
+                                              <p:pRg st="5" end="5"/>
+                                            </p:txEl>
+                                          </p:spTgt>
+                                        </p:tgtEl>
+                                      </p:cBhvr>
+                                    </p:animEffect>
+                                  </p:childTnLst>
+                                </p:cTn>
+                              </p:par>
+                            </p:childTnLst>
+                          </p:cTn>
+                        </p:par>
+                      </p:childTnLst>
+                    </p:cTn>
+                  </p:par>
+                </p:childTnLst>
+              </p:cTn>
+              <p:prevCondLst>
+                <p:cond evt="onPrev" delay="0">
+                  <p:tgtEl>
+                    <p:sldTgt/>
+                  </p:tgtEl>
+                </p:cond>
+              </p:prevCondLst>
+              <p:nextCondLst>
+                <p:cond evt="onNext" delay="0">
+                  <p:tgtEl>
+                    <p:sldTgt/>
+                  </p:tgtEl>
+                </p:cond>
+              </p:nextCondLst>
+            </p:seq>
+          </p:childTnLst>
+        </p:cTn>
+      </p:par>
+    </p:tnLst>
+  </p:timing>
 </p:sld>
 </file>
 
@@ -8252,6 +10077,13 @@
   <p:clrMapOvr>
     <a:masterClrMapping/>
   </p:clrMapOvr>
+  <p:timing>
+    <p:tnLst>
+      <p:par>
+        <p:cTn id="1" dur="indefinite" restart="never" nodeType="tmRoot"/>
+      </p:par>
+    </p:tnLst>
+  </p:timing>
 </p:sld>
 </file>
 
@@ -10017,6 +11849,968 @@
   <p:clrMapOvr>
     <a:masterClrMapping/>
   </p:clrMapOvr>
+  <p:timing>
+    <p:tnLst>
+      <p:par>
+        <p:cTn id="1" dur="indefinite" restart="never" nodeType="tmRoot">
+          <p:childTnLst>
+            <p:seq concurrent="1" nextAc="seek">
+              <p:cTn id="2" dur="indefinite" nodeType="mainSeq">
+                <p:childTnLst>
+                  <p:par>
+                    <p:cTn id="3" fill="hold">
+                      <p:stCondLst>
+                        <p:cond delay="indefinite"/>
+                      </p:stCondLst>
+                      <p:childTnLst>
+                        <p:par>
+                          <p:cTn id="4" fill="hold">
+                            <p:stCondLst>
+                              <p:cond delay="0"/>
+                            </p:stCondLst>
+                            <p:childTnLst>
+                              <p:par>
+                                <p:cTn id="5" presetID="10" presetClass="entr" presetSubtype="0" fill="hold" nodeType="clickEffect">
+                                  <p:stCondLst>
+                                    <p:cond delay="0"/>
+                                  </p:stCondLst>
+                                  <p:childTnLst>
+                                    <p:set>
+                                      <p:cBhvr>
+                                        <p:cTn id="6" dur="1" fill="hold">
+                                          <p:stCondLst>
+                                            <p:cond delay="0"/>
+                                          </p:stCondLst>
+                                        </p:cTn>
+                                        <p:tgtEl>
+                                          <p:spTgt spid="4">
+                                            <p:txEl>
+                                              <p:pRg st="7" end="7"/>
+                                            </p:txEl>
+                                          </p:spTgt>
+                                        </p:tgtEl>
+                                        <p:attrNameLst>
+                                          <p:attrName>style.visibility</p:attrName>
+                                        </p:attrNameLst>
+                                      </p:cBhvr>
+                                      <p:to>
+                                        <p:strVal val="visible"/>
+                                      </p:to>
+                                    </p:set>
+                                    <p:animEffect transition="in" filter="fade">
+                                      <p:cBhvr>
+                                        <p:cTn id="7" dur="500"/>
+                                        <p:tgtEl>
+                                          <p:spTgt spid="4">
+                                            <p:txEl>
+                                              <p:pRg st="7" end="7"/>
+                                            </p:txEl>
+                                          </p:spTgt>
+                                        </p:tgtEl>
+                                      </p:cBhvr>
+                                    </p:animEffect>
+                                  </p:childTnLst>
+                                </p:cTn>
+                              </p:par>
+                              <p:par>
+                                <p:cTn id="8" presetID="10" presetClass="entr" presetSubtype="0" fill="hold" nodeType="withEffect">
+                                  <p:stCondLst>
+                                    <p:cond delay="0"/>
+                                  </p:stCondLst>
+                                  <p:childTnLst>
+                                    <p:set>
+                                      <p:cBhvr>
+                                        <p:cTn id="9" dur="1" fill="hold">
+                                          <p:stCondLst>
+                                            <p:cond delay="0"/>
+                                          </p:stCondLst>
+                                        </p:cTn>
+                                        <p:tgtEl>
+                                          <p:spTgt spid="4">
+                                            <p:txEl>
+                                              <p:pRg st="8" end="8"/>
+                                            </p:txEl>
+                                          </p:spTgt>
+                                        </p:tgtEl>
+                                        <p:attrNameLst>
+                                          <p:attrName>style.visibility</p:attrName>
+                                        </p:attrNameLst>
+                                      </p:cBhvr>
+                                      <p:to>
+                                        <p:strVal val="visible"/>
+                                      </p:to>
+                                    </p:set>
+                                    <p:animEffect transition="in" filter="fade">
+                                      <p:cBhvr>
+                                        <p:cTn id="10" dur="500"/>
+                                        <p:tgtEl>
+                                          <p:spTgt spid="4">
+                                            <p:txEl>
+                                              <p:pRg st="8" end="8"/>
+                                            </p:txEl>
+                                          </p:spTgt>
+                                        </p:tgtEl>
+                                      </p:cBhvr>
+                                    </p:animEffect>
+                                  </p:childTnLst>
+                                </p:cTn>
+                              </p:par>
+                              <p:par>
+                                <p:cTn id="11" presetID="10" presetClass="entr" presetSubtype="0" fill="hold" nodeType="withEffect">
+                                  <p:stCondLst>
+                                    <p:cond delay="0"/>
+                                  </p:stCondLst>
+                                  <p:childTnLst>
+                                    <p:set>
+                                      <p:cBhvr>
+                                        <p:cTn id="12" dur="1" fill="hold">
+                                          <p:stCondLst>
+                                            <p:cond delay="0"/>
+                                          </p:stCondLst>
+                                        </p:cTn>
+                                        <p:tgtEl>
+                                          <p:spTgt spid="4">
+                                            <p:txEl>
+                                              <p:pRg st="9" end="9"/>
+                                            </p:txEl>
+                                          </p:spTgt>
+                                        </p:tgtEl>
+                                        <p:attrNameLst>
+                                          <p:attrName>style.visibility</p:attrName>
+                                        </p:attrNameLst>
+                                      </p:cBhvr>
+                                      <p:to>
+                                        <p:strVal val="visible"/>
+                                      </p:to>
+                                    </p:set>
+                                    <p:animEffect transition="in" filter="fade">
+                                      <p:cBhvr>
+                                        <p:cTn id="13" dur="500"/>
+                                        <p:tgtEl>
+                                          <p:spTgt spid="4">
+                                            <p:txEl>
+                                              <p:pRg st="9" end="9"/>
+                                            </p:txEl>
+                                          </p:spTgt>
+                                        </p:tgtEl>
+                                      </p:cBhvr>
+                                    </p:animEffect>
+                                  </p:childTnLst>
+                                </p:cTn>
+                              </p:par>
+                              <p:par>
+                                <p:cTn id="14" presetID="10" presetClass="entr" presetSubtype="0" fill="hold" nodeType="withEffect">
+                                  <p:stCondLst>
+                                    <p:cond delay="0"/>
+                                  </p:stCondLst>
+                                  <p:childTnLst>
+                                    <p:set>
+                                      <p:cBhvr>
+                                        <p:cTn id="15" dur="1" fill="hold">
+                                          <p:stCondLst>
+                                            <p:cond delay="0"/>
+                                          </p:stCondLst>
+                                        </p:cTn>
+                                        <p:tgtEl>
+                                          <p:spTgt spid="4">
+                                            <p:txEl>
+                                              <p:pRg st="10" end="10"/>
+                                            </p:txEl>
+                                          </p:spTgt>
+                                        </p:tgtEl>
+                                        <p:attrNameLst>
+                                          <p:attrName>style.visibility</p:attrName>
+                                        </p:attrNameLst>
+                                      </p:cBhvr>
+                                      <p:to>
+                                        <p:strVal val="visible"/>
+                                      </p:to>
+                                    </p:set>
+                                    <p:animEffect transition="in" filter="fade">
+                                      <p:cBhvr>
+                                        <p:cTn id="16" dur="500"/>
+                                        <p:tgtEl>
+                                          <p:spTgt spid="4">
+                                            <p:txEl>
+                                              <p:pRg st="10" end="10"/>
+                                            </p:txEl>
+                                          </p:spTgt>
+                                        </p:tgtEl>
+                                      </p:cBhvr>
+                                    </p:animEffect>
+                                  </p:childTnLst>
+                                </p:cTn>
+                              </p:par>
+                            </p:childTnLst>
+                          </p:cTn>
+                        </p:par>
+                      </p:childTnLst>
+                    </p:cTn>
+                  </p:par>
+                  <p:par>
+                    <p:cTn id="17" fill="hold">
+                      <p:stCondLst>
+                        <p:cond delay="indefinite"/>
+                      </p:stCondLst>
+                      <p:childTnLst>
+                        <p:par>
+                          <p:cTn id="18" fill="hold">
+                            <p:stCondLst>
+                              <p:cond delay="0"/>
+                            </p:stCondLst>
+                            <p:childTnLst>
+                              <p:par>
+                                <p:cTn id="19" presetID="10" presetClass="entr" presetSubtype="0" fill="hold" nodeType="clickEffect">
+                                  <p:stCondLst>
+                                    <p:cond delay="0"/>
+                                  </p:stCondLst>
+                                  <p:childTnLst>
+                                    <p:set>
+                                      <p:cBhvr>
+                                        <p:cTn id="20" dur="1" fill="hold">
+                                          <p:stCondLst>
+                                            <p:cond delay="0"/>
+                                          </p:stCondLst>
+                                        </p:cTn>
+                                        <p:tgtEl>
+                                          <p:spTgt spid="4">
+                                            <p:txEl>
+                                              <p:pRg st="12" end="12"/>
+                                            </p:txEl>
+                                          </p:spTgt>
+                                        </p:tgtEl>
+                                        <p:attrNameLst>
+                                          <p:attrName>style.visibility</p:attrName>
+                                        </p:attrNameLst>
+                                      </p:cBhvr>
+                                      <p:to>
+                                        <p:strVal val="visible"/>
+                                      </p:to>
+                                    </p:set>
+                                    <p:animEffect transition="in" filter="fade">
+                                      <p:cBhvr>
+                                        <p:cTn id="21" dur="500"/>
+                                        <p:tgtEl>
+                                          <p:spTgt spid="4">
+                                            <p:txEl>
+                                              <p:pRg st="12" end="12"/>
+                                            </p:txEl>
+                                          </p:spTgt>
+                                        </p:tgtEl>
+                                      </p:cBhvr>
+                                    </p:animEffect>
+                                  </p:childTnLst>
+                                </p:cTn>
+                              </p:par>
+                              <p:par>
+                                <p:cTn id="22" presetID="10" presetClass="entr" presetSubtype="0" fill="hold" nodeType="withEffect">
+                                  <p:stCondLst>
+                                    <p:cond delay="0"/>
+                                  </p:stCondLst>
+                                  <p:childTnLst>
+                                    <p:set>
+                                      <p:cBhvr>
+                                        <p:cTn id="23" dur="1" fill="hold">
+                                          <p:stCondLst>
+                                            <p:cond delay="0"/>
+                                          </p:stCondLst>
+                                        </p:cTn>
+                                        <p:tgtEl>
+                                          <p:spTgt spid="4">
+                                            <p:txEl>
+                                              <p:pRg st="13" end="13"/>
+                                            </p:txEl>
+                                          </p:spTgt>
+                                        </p:tgtEl>
+                                        <p:attrNameLst>
+                                          <p:attrName>style.visibility</p:attrName>
+                                        </p:attrNameLst>
+                                      </p:cBhvr>
+                                      <p:to>
+                                        <p:strVal val="visible"/>
+                                      </p:to>
+                                    </p:set>
+                                    <p:animEffect transition="in" filter="fade">
+                                      <p:cBhvr>
+                                        <p:cTn id="24" dur="500"/>
+                                        <p:tgtEl>
+                                          <p:spTgt spid="4">
+                                            <p:txEl>
+                                              <p:pRg st="13" end="13"/>
+                                            </p:txEl>
+                                          </p:spTgt>
+                                        </p:tgtEl>
+                                      </p:cBhvr>
+                                    </p:animEffect>
+                                  </p:childTnLst>
+                                </p:cTn>
+                              </p:par>
+                              <p:par>
+                                <p:cTn id="25" presetID="10" presetClass="entr" presetSubtype="0" fill="hold" nodeType="withEffect">
+                                  <p:stCondLst>
+                                    <p:cond delay="0"/>
+                                  </p:stCondLst>
+                                  <p:childTnLst>
+                                    <p:set>
+                                      <p:cBhvr>
+                                        <p:cTn id="26" dur="1" fill="hold">
+                                          <p:stCondLst>
+                                            <p:cond delay="0"/>
+                                          </p:stCondLst>
+                                        </p:cTn>
+                                        <p:tgtEl>
+                                          <p:spTgt spid="4">
+                                            <p:txEl>
+                                              <p:pRg st="14" end="14"/>
+                                            </p:txEl>
+                                          </p:spTgt>
+                                        </p:tgtEl>
+                                        <p:attrNameLst>
+                                          <p:attrName>style.visibility</p:attrName>
+                                        </p:attrNameLst>
+                                      </p:cBhvr>
+                                      <p:to>
+                                        <p:strVal val="visible"/>
+                                      </p:to>
+                                    </p:set>
+                                    <p:animEffect transition="in" filter="fade">
+                                      <p:cBhvr>
+                                        <p:cTn id="27" dur="500"/>
+                                        <p:tgtEl>
+                                          <p:spTgt spid="4">
+                                            <p:txEl>
+                                              <p:pRg st="14" end="14"/>
+                                            </p:txEl>
+                                          </p:spTgt>
+                                        </p:tgtEl>
+                                      </p:cBhvr>
+                                    </p:animEffect>
+                                  </p:childTnLst>
+                                </p:cTn>
+                              </p:par>
+                              <p:par>
+                                <p:cTn id="28" presetID="10" presetClass="entr" presetSubtype="0" fill="hold" nodeType="withEffect">
+                                  <p:stCondLst>
+                                    <p:cond delay="0"/>
+                                  </p:stCondLst>
+                                  <p:childTnLst>
+                                    <p:set>
+                                      <p:cBhvr>
+                                        <p:cTn id="29" dur="1" fill="hold">
+                                          <p:stCondLst>
+                                            <p:cond delay="0"/>
+                                          </p:stCondLst>
+                                        </p:cTn>
+                                        <p:tgtEl>
+                                          <p:spTgt spid="4">
+                                            <p:txEl>
+                                              <p:pRg st="15" end="15"/>
+                                            </p:txEl>
+                                          </p:spTgt>
+                                        </p:tgtEl>
+                                        <p:attrNameLst>
+                                          <p:attrName>style.visibility</p:attrName>
+                                        </p:attrNameLst>
+                                      </p:cBhvr>
+                                      <p:to>
+                                        <p:strVal val="visible"/>
+                                      </p:to>
+                                    </p:set>
+                                    <p:animEffect transition="in" filter="fade">
+                                      <p:cBhvr>
+                                        <p:cTn id="30" dur="500"/>
+                                        <p:tgtEl>
+                                          <p:spTgt spid="4">
+                                            <p:txEl>
+                                              <p:pRg st="15" end="15"/>
+                                            </p:txEl>
+                                          </p:spTgt>
+                                        </p:tgtEl>
+                                      </p:cBhvr>
+                                    </p:animEffect>
+                                  </p:childTnLst>
+                                </p:cTn>
+                              </p:par>
+                            </p:childTnLst>
+                          </p:cTn>
+                        </p:par>
+                      </p:childTnLst>
+                    </p:cTn>
+                  </p:par>
+                  <p:par>
+                    <p:cTn id="31" fill="hold">
+                      <p:stCondLst>
+                        <p:cond delay="indefinite"/>
+                      </p:stCondLst>
+                      <p:childTnLst>
+                        <p:par>
+                          <p:cTn id="32" fill="hold">
+                            <p:stCondLst>
+                              <p:cond delay="0"/>
+                            </p:stCondLst>
+                            <p:childTnLst>
+                              <p:par>
+                                <p:cTn id="33" presetID="10" presetClass="entr" presetSubtype="0" fill="hold" nodeType="clickEffect">
+                                  <p:stCondLst>
+                                    <p:cond delay="0"/>
+                                  </p:stCondLst>
+                                  <p:childTnLst>
+                                    <p:set>
+                                      <p:cBhvr>
+                                        <p:cTn id="34" dur="1" fill="hold">
+                                          <p:stCondLst>
+                                            <p:cond delay="0"/>
+                                          </p:stCondLst>
+                                        </p:cTn>
+                                        <p:tgtEl>
+                                          <p:spTgt spid="4">
+                                            <p:txEl>
+                                              <p:pRg st="17" end="17"/>
+                                            </p:txEl>
+                                          </p:spTgt>
+                                        </p:tgtEl>
+                                        <p:attrNameLst>
+                                          <p:attrName>style.visibility</p:attrName>
+                                        </p:attrNameLst>
+                                      </p:cBhvr>
+                                      <p:to>
+                                        <p:strVal val="visible"/>
+                                      </p:to>
+                                    </p:set>
+                                    <p:animEffect transition="in" filter="fade">
+                                      <p:cBhvr>
+                                        <p:cTn id="35" dur="500"/>
+                                        <p:tgtEl>
+                                          <p:spTgt spid="4">
+                                            <p:txEl>
+                                              <p:pRg st="17" end="17"/>
+                                            </p:txEl>
+                                          </p:spTgt>
+                                        </p:tgtEl>
+                                      </p:cBhvr>
+                                    </p:animEffect>
+                                  </p:childTnLst>
+                                </p:cTn>
+                              </p:par>
+                              <p:par>
+                                <p:cTn id="36" presetID="10" presetClass="entr" presetSubtype="0" fill="hold" nodeType="withEffect">
+                                  <p:stCondLst>
+                                    <p:cond delay="0"/>
+                                  </p:stCondLst>
+                                  <p:childTnLst>
+                                    <p:set>
+                                      <p:cBhvr>
+                                        <p:cTn id="37" dur="1" fill="hold">
+                                          <p:stCondLst>
+                                            <p:cond delay="0"/>
+                                          </p:stCondLst>
+                                        </p:cTn>
+                                        <p:tgtEl>
+                                          <p:spTgt spid="4">
+                                            <p:txEl>
+                                              <p:pRg st="18" end="18"/>
+                                            </p:txEl>
+                                          </p:spTgt>
+                                        </p:tgtEl>
+                                        <p:attrNameLst>
+                                          <p:attrName>style.visibility</p:attrName>
+                                        </p:attrNameLst>
+                                      </p:cBhvr>
+                                      <p:to>
+                                        <p:strVal val="visible"/>
+                                      </p:to>
+                                    </p:set>
+                                    <p:animEffect transition="in" filter="fade">
+                                      <p:cBhvr>
+                                        <p:cTn id="38" dur="500"/>
+                                        <p:tgtEl>
+                                          <p:spTgt spid="4">
+                                            <p:txEl>
+                                              <p:pRg st="18" end="18"/>
+                                            </p:txEl>
+                                          </p:spTgt>
+                                        </p:tgtEl>
+                                      </p:cBhvr>
+                                    </p:animEffect>
+                                  </p:childTnLst>
+                                </p:cTn>
+                              </p:par>
+                              <p:par>
+                                <p:cTn id="39" presetID="10" presetClass="entr" presetSubtype="0" fill="hold" nodeType="withEffect">
+                                  <p:stCondLst>
+                                    <p:cond delay="0"/>
+                                  </p:stCondLst>
+                                  <p:childTnLst>
+                                    <p:set>
+                                      <p:cBhvr>
+                                        <p:cTn id="40" dur="1" fill="hold">
+                                          <p:stCondLst>
+                                            <p:cond delay="0"/>
+                                          </p:stCondLst>
+                                        </p:cTn>
+                                        <p:tgtEl>
+                                          <p:spTgt spid="4">
+                                            <p:txEl>
+                                              <p:pRg st="19" end="19"/>
+                                            </p:txEl>
+                                          </p:spTgt>
+                                        </p:tgtEl>
+                                        <p:attrNameLst>
+                                          <p:attrName>style.visibility</p:attrName>
+                                        </p:attrNameLst>
+                                      </p:cBhvr>
+                                      <p:to>
+                                        <p:strVal val="visible"/>
+                                      </p:to>
+                                    </p:set>
+                                    <p:animEffect transition="in" filter="fade">
+                                      <p:cBhvr>
+                                        <p:cTn id="41" dur="500"/>
+                                        <p:tgtEl>
+                                          <p:spTgt spid="4">
+                                            <p:txEl>
+                                              <p:pRg st="19" end="19"/>
+                                            </p:txEl>
+                                          </p:spTgt>
+                                        </p:tgtEl>
+                                      </p:cBhvr>
+                                    </p:animEffect>
+                                  </p:childTnLst>
+                                </p:cTn>
+                              </p:par>
+                              <p:par>
+                                <p:cTn id="42" presetID="10" presetClass="entr" presetSubtype="0" fill="hold" nodeType="withEffect">
+                                  <p:stCondLst>
+                                    <p:cond delay="0"/>
+                                  </p:stCondLst>
+                                  <p:childTnLst>
+                                    <p:set>
+                                      <p:cBhvr>
+                                        <p:cTn id="43" dur="1" fill="hold">
+                                          <p:stCondLst>
+                                            <p:cond delay="0"/>
+                                          </p:stCondLst>
+                                        </p:cTn>
+                                        <p:tgtEl>
+                                          <p:spTgt spid="4">
+                                            <p:txEl>
+                                              <p:pRg st="20" end="20"/>
+                                            </p:txEl>
+                                          </p:spTgt>
+                                        </p:tgtEl>
+                                        <p:attrNameLst>
+                                          <p:attrName>style.visibility</p:attrName>
+                                        </p:attrNameLst>
+                                      </p:cBhvr>
+                                      <p:to>
+                                        <p:strVal val="visible"/>
+                                      </p:to>
+                                    </p:set>
+                                    <p:animEffect transition="in" filter="fade">
+                                      <p:cBhvr>
+                                        <p:cTn id="44" dur="500"/>
+                                        <p:tgtEl>
+                                          <p:spTgt spid="4">
+                                            <p:txEl>
+                                              <p:pRg st="20" end="20"/>
+                                            </p:txEl>
+                                          </p:spTgt>
+                                        </p:tgtEl>
+                                      </p:cBhvr>
+                                    </p:animEffect>
+                                  </p:childTnLst>
+                                </p:cTn>
+                              </p:par>
+                              <p:par>
+                                <p:cTn id="45" presetID="10" presetClass="entr" presetSubtype="0" fill="hold" nodeType="withEffect">
+                                  <p:stCondLst>
+                                    <p:cond delay="0"/>
+                                  </p:stCondLst>
+                                  <p:childTnLst>
+                                    <p:set>
+                                      <p:cBhvr>
+                                        <p:cTn id="46" dur="1" fill="hold">
+                                          <p:stCondLst>
+                                            <p:cond delay="0"/>
+                                          </p:stCondLst>
+                                        </p:cTn>
+                                        <p:tgtEl>
+                                          <p:spTgt spid="4">
+                                            <p:txEl>
+                                              <p:pRg st="21" end="21"/>
+                                            </p:txEl>
+                                          </p:spTgt>
+                                        </p:tgtEl>
+                                        <p:attrNameLst>
+                                          <p:attrName>style.visibility</p:attrName>
+                                        </p:attrNameLst>
+                                      </p:cBhvr>
+                                      <p:to>
+                                        <p:strVal val="visible"/>
+                                      </p:to>
+                                    </p:set>
+                                    <p:animEffect transition="in" filter="fade">
+                                      <p:cBhvr>
+                                        <p:cTn id="47" dur="500"/>
+                                        <p:tgtEl>
+                                          <p:spTgt spid="4">
+                                            <p:txEl>
+                                              <p:pRg st="21" end="21"/>
+                                            </p:txEl>
+                                          </p:spTgt>
+                                        </p:tgtEl>
+                                      </p:cBhvr>
+                                    </p:animEffect>
+                                  </p:childTnLst>
+                                </p:cTn>
+                              </p:par>
+                              <p:par>
+                                <p:cTn id="48" presetID="10" presetClass="entr" presetSubtype="0" fill="hold" nodeType="withEffect">
+                                  <p:stCondLst>
+                                    <p:cond delay="0"/>
+                                  </p:stCondLst>
+                                  <p:childTnLst>
+                                    <p:set>
+                                      <p:cBhvr>
+                                        <p:cTn id="49" dur="1" fill="hold">
+                                          <p:stCondLst>
+                                            <p:cond delay="0"/>
+                                          </p:stCondLst>
+                                        </p:cTn>
+                                        <p:tgtEl>
+                                          <p:spTgt spid="4">
+                                            <p:txEl>
+                                              <p:pRg st="22" end="22"/>
+                                            </p:txEl>
+                                          </p:spTgt>
+                                        </p:tgtEl>
+                                        <p:attrNameLst>
+                                          <p:attrName>style.visibility</p:attrName>
+                                        </p:attrNameLst>
+                                      </p:cBhvr>
+                                      <p:to>
+                                        <p:strVal val="visible"/>
+                                      </p:to>
+                                    </p:set>
+                                    <p:animEffect transition="in" filter="fade">
+                                      <p:cBhvr>
+                                        <p:cTn id="50" dur="500"/>
+                                        <p:tgtEl>
+                                          <p:spTgt spid="4">
+                                            <p:txEl>
+                                              <p:pRg st="22" end="22"/>
+                                            </p:txEl>
+                                          </p:spTgt>
+                                        </p:tgtEl>
+                                      </p:cBhvr>
+                                    </p:animEffect>
+                                  </p:childTnLst>
+                                </p:cTn>
+                              </p:par>
+                              <p:par>
+                                <p:cTn id="51" presetID="10" presetClass="entr" presetSubtype="0" fill="hold" nodeType="withEffect">
+                                  <p:stCondLst>
+                                    <p:cond delay="0"/>
+                                  </p:stCondLst>
+                                  <p:childTnLst>
+                                    <p:set>
+                                      <p:cBhvr>
+                                        <p:cTn id="52" dur="1" fill="hold">
+                                          <p:stCondLst>
+                                            <p:cond delay="0"/>
+                                          </p:stCondLst>
+                                        </p:cTn>
+                                        <p:tgtEl>
+                                          <p:spTgt spid="4">
+                                            <p:txEl>
+                                              <p:pRg st="23" end="23"/>
+                                            </p:txEl>
+                                          </p:spTgt>
+                                        </p:tgtEl>
+                                        <p:attrNameLst>
+                                          <p:attrName>style.visibility</p:attrName>
+                                        </p:attrNameLst>
+                                      </p:cBhvr>
+                                      <p:to>
+                                        <p:strVal val="visible"/>
+                                      </p:to>
+                                    </p:set>
+                                    <p:animEffect transition="in" filter="fade">
+                                      <p:cBhvr>
+                                        <p:cTn id="53" dur="500"/>
+                                        <p:tgtEl>
+                                          <p:spTgt spid="4">
+                                            <p:txEl>
+                                              <p:pRg st="23" end="23"/>
+                                            </p:txEl>
+                                          </p:spTgt>
+                                        </p:tgtEl>
+                                      </p:cBhvr>
+                                    </p:animEffect>
+                                  </p:childTnLst>
+                                </p:cTn>
+                              </p:par>
+                              <p:par>
+                                <p:cTn id="54" presetID="10" presetClass="entr" presetSubtype="0" fill="hold" nodeType="withEffect">
+                                  <p:stCondLst>
+                                    <p:cond delay="0"/>
+                                  </p:stCondLst>
+                                  <p:childTnLst>
+                                    <p:set>
+                                      <p:cBhvr>
+                                        <p:cTn id="55" dur="1" fill="hold">
+                                          <p:stCondLst>
+                                            <p:cond delay="0"/>
+                                          </p:stCondLst>
+                                        </p:cTn>
+                                        <p:tgtEl>
+                                          <p:spTgt spid="4">
+                                            <p:txEl>
+                                              <p:pRg st="24" end="24"/>
+                                            </p:txEl>
+                                          </p:spTgt>
+                                        </p:tgtEl>
+                                        <p:attrNameLst>
+                                          <p:attrName>style.visibility</p:attrName>
+                                        </p:attrNameLst>
+                                      </p:cBhvr>
+                                      <p:to>
+                                        <p:strVal val="visible"/>
+                                      </p:to>
+                                    </p:set>
+                                    <p:animEffect transition="in" filter="fade">
+                                      <p:cBhvr>
+                                        <p:cTn id="56" dur="500"/>
+                                        <p:tgtEl>
+                                          <p:spTgt spid="4">
+                                            <p:txEl>
+                                              <p:pRg st="24" end="24"/>
+                                            </p:txEl>
+                                          </p:spTgt>
+                                        </p:tgtEl>
+                                      </p:cBhvr>
+                                    </p:animEffect>
+                                  </p:childTnLst>
+                                </p:cTn>
+                              </p:par>
+                            </p:childTnLst>
+                          </p:cTn>
+                        </p:par>
+                      </p:childTnLst>
+                    </p:cTn>
+                  </p:par>
+                  <p:par>
+                    <p:cTn id="57" fill="hold">
+                      <p:stCondLst>
+                        <p:cond delay="indefinite"/>
+                      </p:stCondLst>
+                      <p:childTnLst>
+                        <p:par>
+                          <p:cTn id="58" fill="hold">
+                            <p:stCondLst>
+                              <p:cond delay="0"/>
+                            </p:stCondLst>
+                            <p:childTnLst>
+                              <p:par>
+                                <p:cTn id="59" presetID="10" presetClass="entr" presetSubtype="0" fill="hold" nodeType="clickEffect">
+                                  <p:stCondLst>
+                                    <p:cond delay="0"/>
+                                  </p:stCondLst>
+                                  <p:childTnLst>
+                                    <p:set>
+                                      <p:cBhvr>
+                                        <p:cTn id="60" dur="1" fill="hold">
+                                          <p:stCondLst>
+                                            <p:cond delay="0"/>
+                                          </p:stCondLst>
+                                        </p:cTn>
+                                        <p:tgtEl>
+                                          <p:spTgt spid="4">
+                                            <p:txEl>
+                                              <p:pRg st="26" end="26"/>
+                                            </p:txEl>
+                                          </p:spTgt>
+                                        </p:tgtEl>
+                                        <p:attrNameLst>
+                                          <p:attrName>style.visibility</p:attrName>
+                                        </p:attrNameLst>
+                                      </p:cBhvr>
+                                      <p:to>
+                                        <p:strVal val="visible"/>
+                                      </p:to>
+                                    </p:set>
+                                    <p:animEffect transition="in" filter="fade">
+                                      <p:cBhvr>
+                                        <p:cTn id="61" dur="500"/>
+                                        <p:tgtEl>
+                                          <p:spTgt spid="4">
+                                            <p:txEl>
+                                              <p:pRg st="26" end="26"/>
+                                            </p:txEl>
+                                          </p:spTgt>
+                                        </p:tgtEl>
+                                      </p:cBhvr>
+                                    </p:animEffect>
+                                  </p:childTnLst>
+                                </p:cTn>
+                              </p:par>
+                              <p:par>
+                                <p:cTn id="62" presetID="10" presetClass="entr" presetSubtype="0" fill="hold" nodeType="withEffect">
+                                  <p:stCondLst>
+                                    <p:cond delay="0"/>
+                                  </p:stCondLst>
+                                  <p:childTnLst>
+                                    <p:set>
+                                      <p:cBhvr>
+                                        <p:cTn id="63" dur="1" fill="hold">
+                                          <p:stCondLst>
+                                            <p:cond delay="0"/>
+                                          </p:stCondLst>
+                                        </p:cTn>
+                                        <p:tgtEl>
+                                          <p:spTgt spid="4">
+                                            <p:txEl>
+                                              <p:pRg st="27" end="27"/>
+                                            </p:txEl>
+                                          </p:spTgt>
+                                        </p:tgtEl>
+                                        <p:attrNameLst>
+                                          <p:attrName>style.visibility</p:attrName>
+                                        </p:attrNameLst>
+                                      </p:cBhvr>
+                                      <p:to>
+                                        <p:strVal val="visible"/>
+                                      </p:to>
+                                    </p:set>
+                                    <p:animEffect transition="in" filter="fade">
+                                      <p:cBhvr>
+                                        <p:cTn id="64" dur="500"/>
+                                        <p:tgtEl>
+                                          <p:spTgt spid="4">
+                                            <p:txEl>
+                                              <p:pRg st="27" end="27"/>
+                                            </p:txEl>
+                                          </p:spTgt>
+                                        </p:tgtEl>
+                                      </p:cBhvr>
+                                    </p:animEffect>
+                                  </p:childTnLst>
+                                </p:cTn>
+                              </p:par>
+                              <p:par>
+                                <p:cTn id="65" presetID="10" presetClass="entr" presetSubtype="0" fill="hold" nodeType="withEffect">
+                                  <p:stCondLst>
+                                    <p:cond delay="0"/>
+                                  </p:stCondLst>
+                                  <p:childTnLst>
+                                    <p:set>
+                                      <p:cBhvr>
+                                        <p:cTn id="66" dur="1" fill="hold">
+                                          <p:stCondLst>
+                                            <p:cond delay="0"/>
+                                          </p:stCondLst>
+                                        </p:cTn>
+                                        <p:tgtEl>
+                                          <p:spTgt spid="4">
+                                            <p:txEl>
+                                              <p:pRg st="28" end="28"/>
+                                            </p:txEl>
+                                          </p:spTgt>
+                                        </p:tgtEl>
+                                        <p:attrNameLst>
+                                          <p:attrName>style.visibility</p:attrName>
+                                        </p:attrNameLst>
+                                      </p:cBhvr>
+                                      <p:to>
+                                        <p:strVal val="visible"/>
+                                      </p:to>
+                                    </p:set>
+                                    <p:animEffect transition="in" filter="fade">
+                                      <p:cBhvr>
+                                        <p:cTn id="67" dur="500"/>
+                                        <p:tgtEl>
+                                          <p:spTgt spid="4">
+                                            <p:txEl>
+                                              <p:pRg st="28" end="28"/>
+                                            </p:txEl>
+                                          </p:spTgt>
+                                        </p:tgtEl>
+                                      </p:cBhvr>
+                                    </p:animEffect>
+                                  </p:childTnLst>
+                                </p:cTn>
+                              </p:par>
+                              <p:par>
+                                <p:cTn id="68" presetID="10" presetClass="entr" presetSubtype="0" fill="hold" nodeType="withEffect">
+                                  <p:stCondLst>
+                                    <p:cond delay="0"/>
+                                  </p:stCondLst>
+                                  <p:childTnLst>
+                                    <p:set>
+                                      <p:cBhvr>
+                                        <p:cTn id="69" dur="1" fill="hold">
+                                          <p:stCondLst>
+                                            <p:cond delay="0"/>
+                                          </p:stCondLst>
+                                        </p:cTn>
+                                        <p:tgtEl>
+                                          <p:spTgt spid="4">
+                                            <p:txEl>
+                                              <p:pRg st="29" end="29"/>
+                                            </p:txEl>
+                                          </p:spTgt>
+                                        </p:tgtEl>
+                                        <p:attrNameLst>
+                                          <p:attrName>style.visibility</p:attrName>
+                                        </p:attrNameLst>
+                                      </p:cBhvr>
+                                      <p:to>
+                                        <p:strVal val="visible"/>
+                                      </p:to>
+                                    </p:set>
+                                    <p:animEffect transition="in" filter="fade">
+                                      <p:cBhvr>
+                                        <p:cTn id="70" dur="500"/>
+                                        <p:tgtEl>
+                                          <p:spTgt spid="4">
+                                            <p:txEl>
+                                              <p:pRg st="29" end="29"/>
+                                            </p:txEl>
+                                          </p:spTgt>
+                                        </p:tgtEl>
+                                      </p:cBhvr>
+                                    </p:animEffect>
+                                  </p:childTnLst>
+                                </p:cTn>
+                              </p:par>
+                            </p:childTnLst>
+                          </p:cTn>
+                        </p:par>
+                      </p:childTnLst>
+                    </p:cTn>
+                  </p:par>
+                </p:childTnLst>
+              </p:cTn>
+              <p:prevCondLst>
+                <p:cond evt="onPrev" delay="0">
+                  <p:tgtEl>
+                    <p:sldTgt/>
+                  </p:tgtEl>
+                </p:cond>
+              </p:prevCondLst>
+              <p:nextCondLst>
+                <p:cond evt="onNext" delay="0">
+                  <p:tgtEl>
+                    <p:sldTgt/>
+                  </p:tgtEl>
+                </p:cond>
+              </p:nextCondLst>
+            </p:seq>
+          </p:childTnLst>
+        </p:cTn>
+      </p:par>
+    </p:tnLst>
+  </p:timing>
 </p:sld>
 </file>
 
@@ -11840,6 +14634,796 @@
   <p:clrMapOvr>
     <a:masterClrMapping/>
   </p:clrMapOvr>
+  <p:timing>
+    <p:tnLst>
+      <p:par>
+        <p:cTn id="1" dur="indefinite" restart="never" nodeType="tmRoot">
+          <p:childTnLst>
+            <p:seq concurrent="1" nextAc="seek">
+              <p:cTn id="2" dur="indefinite" nodeType="mainSeq">
+                <p:childTnLst>
+                  <p:par>
+                    <p:cTn id="3" fill="hold">
+                      <p:stCondLst>
+                        <p:cond delay="indefinite"/>
+                      </p:stCondLst>
+                      <p:childTnLst>
+                        <p:par>
+                          <p:cTn id="4" fill="hold">
+                            <p:stCondLst>
+                              <p:cond delay="0"/>
+                            </p:stCondLst>
+                            <p:childTnLst>
+                              <p:par>
+                                <p:cTn id="5" presetID="10" presetClass="entr" presetSubtype="0" fill="hold" nodeType="clickEffect">
+                                  <p:stCondLst>
+                                    <p:cond delay="0"/>
+                                  </p:stCondLst>
+                                  <p:childTnLst>
+                                    <p:set>
+                                      <p:cBhvr>
+                                        <p:cTn id="6" dur="1" fill="hold">
+                                          <p:stCondLst>
+                                            <p:cond delay="0"/>
+                                          </p:stCondLst>
+                                        </p:cTn>
+                                        <p:tgtEl>
+                                          <p:spTgt spid="2">
+                                            <p:txEl>
+                                              <p:pRg st="9" end="9"/>
+                                            </p:txEl>
+                                          </p:spTgt>
+                                        </p:tgtEl>
+                                        <p:attrNameLst>
+                                          <p:attrName>style.visibility</p:attrName>
+                                        </p:attrNameLst>
+                                      </p:cBhvr>
+                                      <p:to>
+                                        <p:strVal val="visible"/>
+                                      </p:to>
+                                    </p:set>
+                                    <p:animEffect transition="in" filter="fade">
+                                      <p:cBhvr>
+                                        <p:cTn id="7" dur="500"/>
+                                        <p:tgtEl>
+                                          <p:spTgt spid="2">
+                                            <p:txEl>
+                                              <p:pRg st="9" end="9"/>
+                                            </p:txEl>
+                                          </p:spTgt>
+                                        </p:tgtEl>
+                                      </p:cBhvr>
+                                    </p:animEffect>
+                                  </p:childTnLst>
+                                </p:cTn>
+                              </p:par>
+                              <p:par>
+                                <p:cTn id="8" presetID="10" presetClass="entr" presetSubtype="0" fill="hold" nodeType="withEffect">
+                                  <p:stCondLst>
+                                    <p:cond delay="0"/>
+                                  </p:stCondLst>
+                                  <p:childTnLst>
+                                    <p:set>
+                                      <p:cBhvr>
+                                        <p:cTn id="9" dur="1" fill="hold">
+                                          <p:stCondLst>
+                                            <p:cond delay="0"/>
+                                          </p:stCondLst>
+                                        </p:cTn>
+                                        <p:tgtEl>
+                                          <p:spTgt spid="2">
+                                            <p:txEl>
+                                              <p:pRg st="10" end="10"/>
+                                            </p:txEl>
+                                          </p:spTgt>
+                                        </p:tgtEl>
+                                        <p:attrNameLst>
+                                          <p:attrName>style.visibility</p:attrName>
+                                        </p:attrNameLst>
+                                      </p:cBhvr>
+                                      <p:to>
+                                        <p:strVal val="visible"/>
+                                      </p:to>
+                                    </p:set>
+                                    <p:animEffect transition="in" filter="fade">
+                                      <p:cBhvr>
+                                        <p:cTn id="10" dur="500"/>
+                                        <p:tgtEl>
+                                          <p:spTgt spid="2">
+                                            <p:txEl>
+                                              <p:pRg st="10" end="10"/>
+                                            </p:txEl>
+                                          </p:spTgt>
+                                        </p:tgtEl>
+                                      </p:cBhvr>
+                                    </p:animEffect>
+                                  </p:childTnLst>
+                                </p:cTn>
+                              </p:par>
+                              <p:par>
+                                <p:cTn id="11" presetID="10" presetClass="entr" presetSubtype="0" fill="hold" nodeType="withEffect">
+                                  <p:stCondLst>
+                                    <p:cond delay="0"/>
+                                  </p:stCondLst>
+                                  <p:childTnLst>
+                                    <p:set>
+                                      <p:cBhvr>
+                                        <p:cTn id="12" dur="1" fill="hold">
+                                          <p:stCondLst>
+                                            <p:cond delay="0"/>
+                                          </p:stCondLst>
+                                        </p:cTn>
+                                        <p:tgtEl>
+                                          <p:spTgt spid="2">
+                                            <p:txEl>
+                                              <p:pRg st="11" end="11"/>
+                                            </p:txEl>
+                                          </p:spTgt>
+                                        </p:tgtEl>
+                                        <p:attrNameLst>
+                                          <p:attrName>style.visibility</p:attrName>
+                                        </p:attrNameLst>
+                                      </p:cBhvr>
+                                      <p:to>
+                                        <p:strVal val="visible"/>
+                                      </p:to>
+                                    </p:set>
+                                    <p:animEffect transition="in" filter="fade">
+                                      <p:cBhvr>
+                                        <p:cTn id="13" dur="500"/>
+                                        <p:tgtEl>
+                                          <p:spTgt spid="2">
+                                            <p:txEl>
+                                              <p:pRg st="11" end="11"/>
+                                            </p:txEl>
+                                          </p:spTgt>
+                                        </p:tgtEl>
+                                      </p:cBhvr>
+                                    </p:animEffect>
+                                  </p:childTnLst>
+                                </p:cTn>
+                              </p:par>
+                              <p:par>
+                                <p:cTn id="14" presetID="10" presetClass="entr" presetSubtype="0" fill="hold" nodeType="withEffect">
+                                  <p:stCondLst>
+                                    <p:cond delay="0"/>
+                                  </p:stCondLst>
+                                  <p:childTnLst>
+                                    <p:set>
+                                      <p:cBhvr>
+                                        <p:cTn id="15" dur="1" fill="hold">
+                                          <p:stCondLst>
+                                            <p:cond delay="0"/>
+                                          </p:stCondLst>
+                                        </p:cTn>
+                                        <p:tgtEl>
+                                          <p:spTgt spid="2">
+                                            <p:txEl>
+                                              <p:pRg st="12" end="12"/>
+                                            </p:txEl>
+                                          </p:spTgt>
+                                        </p:tgtEl>
+                                        <p:attrNameLst>
+                                          <p:attrName>style.visibility</p:attrName>
+                                        </p:attrNameLst>
+                                      </p:cBhvr>
+                                      <p:to>
+                                        <p:strVal val="visible"/>
+                                      </p:to>
+                                    </p:set>
+                                    <p:animEffect transition="in" filter="fade">
+                                      <p:cBhvr>
+                                        <p:cTn id="16" dur="500"/>
+                                        <p:tgtEl>
+                                          <p:spTgt spid="2">
+                                            <p:txEl>
+                                              <p:pRg st="12" end="12"/>
+                                            </p:txEl>
+                                          </p:spTgt>
+                                        </p:tgtEl>
+                                      </p:cBhvr>
+                                    </p:animEffect>
+                                  </p:childTnLst>
+                                </p:cTn>
+                              </p:par>
+                            </p:childTnLst>
+                          </p:cTn>
+                        </p:par>
+                      </p:childTnLst>
+                    </p:cTn>
+                  </p:par>
+                  <p:par>
+                    <p:cTn id="17" fill="hold">
+                      <p:stCondLst>
+                        <p:cond delay="indefinite"/>
+                      </p:stCondLst>
+                      <p:childTnLst>
+                        <p:par>
+                          <p:cTn id="18" fill="hold">
+                            <p:stCondLst>
+                              <p:cond delay="0"/>
+                            </p:stCondLst>
+                            <p:childTnLst>
+                              <p:par>
+                                <p:cTn id="19" presetID="10" presetClass="entr" presetSubtype="0" fill="hold" nodeType="clickEffect">
+                                  <p:stCondLst>
+                                    <p:cond delay="0"/>
+                                  </p:stCondLst>
+                                  <p:childTnLst>
+                                    <p:set>
+                                      <p:cBhvr>
+                                        <p:cTn id="20" dur="1" fill="hold">
+                                          <p:stCondLst>
+                                            <p:cond delay="0"/>
+                                          </p:stCondLst>
+                                        </p:cTn>
+                                        <p:tgtEl>
+                                          <p:spTgt spid="2">
+                                            <p:txEl>
+                                              <p:pRg st="14" end="14"/>
+                                            </p:txEl>
+                                          </p:spTgt>
+                                        </p:tgtEl>
+                                        <p:attrNameLst>
+                                          <p:attrName>style.visibility</p:attrName>
+                                        </p:attrNameLst>
+                                      </p:cBhvr>
+                                      <p:to>
+                                        <p:strVal val="visible"/>
+                                      </p:to>
+                                    </p:set>
+                                    <p:animEffect transition="in" filter="fade">
+                                      <p:cBhvr>
+                                        <p:cTn id="21" dur="500"/>
+                                        <p:tgtEl>
+                                          <p:spTgt spid="2">
+                                            <p:txEl>
+                                              <p:pRg st="14" end="14"/>
+                                            </p:txEl>
+                                          </p:spTgt>
+                                        </p:tgtEl>
+                                      </p:cBhvr>
+                                    </p:animEffect>
+                                  </p:childTnLst>
+                                </p:cTn>
+                              </p:par>
+                              <p:par>
+                                <p:cTn id="22" presetID="10" presetClass="entr" presetSubtype="0" fill="hold" nodeType="withEffect">
+                                  <p:stCondLst>
+                                    <p:cond delay="0"/>
+                                  </p:stCondLst>
+                                  <p:childTnLst>
+                                    <p:set>
+                                      <p:cBhvr>
+                                        <p:cTn id="23" dur="1" fill="hold">
+                                          <p:stCondLst>
+                                            <p:cond delay="0"/>
+                                          </p:stCondLst>
+                                        </p:cTn>
+                                        <p:tgtEl>
+                                          <p:spTgt spid="2">
+                                            <p:txEl>
+                                              <p:pRg st="15" end="15"/>
+                                            </p:txEl>
+                                          </p:spTgt>
+                                        </p:tgtEl>
+                                        <p:attrNameLst>
+                                          <p:attrName>style.visibility</p:attrName>
+                                        </p:attrNameLst>
+                                      </p:cBhvr>
+                                      <p:to>
+                                        <p:strVal val="visible"/>
+                                      </p:to>
+                                    </p:set>
+                                    <p:animEffect transition="in" filter="fade">
+                                      <p:cBhvr>
+                                        <p:cTn id="24" dur="500"/>
+                                        <p:tgtEl>
+                                          <p:spTgt spid="2">
+                                            <p:txEl>
+                                              <p:pRg st="15" end="15"/>
+                                            </p:txEl>
+                                          </p:spTgt>
+                                        </p:tgtEl>
+                                      </p:cBhvr>
+                                    </p:animEffect>
+                                  </p:childTnLst>
+                                </p:cTn>
+                              </p:par>
+                              <p:par>
+                                <p:cTn id="25" presetID="10" presetClass="entr" presetSubtype="0" fill="hold" nodeType="withEffect">
+                                  <p:stCondLst>
+                                    <p:cond delay="0"/>
+                                  </p:stCondLst>
+                                  <p:childTnLst>
+                                    <p:set>
+                                      <p:cBhvr>
+                                        <p:cTn id="26" dur="1" fill="hold">
+                                          <p:stCondLst>
+                                            <p:cond delay="0"/>
+                                          </p:stCondLst>
+                                        </p:cTn>
+                                        <p:tgtEl>
+                                          <p:spTgt spid="2">
+                                            <p:txEl>
+                                              <p:pRg st="16" end="16"/>
+                                            </p:txEl>
+                                          </p:spTgt>
+                                        </p:tgtEl>
+                                        <p:attrNameLst>
+                                          <p:attrName>style.visibility</p:attrName>
+                                        </p:attrNameLst>
+                                      </p:cBhvr>
+                                      <p:to>
+                                        <p:strVal val="visible"/>
+                                      </p:to>
+                                    </p:set>
+                                    <p:animEffect transition="in" filter="fade">
+                                      <p:cBhvr>
+                                        <p:cTn id="27" dur="500"/>
+                                        <p:tgtEl>
+                                          <p:spTgt spid="2">
+                                            <p:txEl>
+                                              <p:pRg st="16" end="16"/>
+                                            </p:txEl>
+                                          </p:spTgt>
+                                        </p:tgtEl>
+                                      </p:cBhvr>
+                                    </p:animEffect>
+                                  </p:childTnLst>
+                                </p:cTn>
+                              </p:par>
+                              <p:par>
+                                <p:cTn id="28" presetID="10" presetClass="entr" presetSubtype="0" fill="hold" nodeType="withEffect">
+                                  <p:stCondLst>
+                                    <p:cond delay="0"/>
+                                  </p:stCondLst>
+                                  <p:childTnLst>
+                                    <p:set>
+                                      <p:cBhvr>
+                                        <p:cTn id="29" dur="1" fill="hold">
+                                          <p:stCondLst>
+                                            <p:cond delay="0"/>
+                                          </p:stCondLst>
+                                        </p:cTn>
+                                        <p:tgtEl>
+                                          <p:spTgt spid="2">
+                                            <p:txEl>
+                                              <p:pRg st="17" end="17"/>
+                                            </p:txEl>
+                                          </p:spTgt>
+                                        </p:tgtEl>
+                                        <p:attrNameLst>
+                                          <p:attrName>style.visibility</p:attrName>
+                                        </p:attrNameLst>
+                                      </p:cBhvr>
+                                      <p:to>
+                                        <p:strVal val="visible"/>
+                                      </p:to>
+                                    </p:set>
+                                    <p:animEffect transition="in" filter="fade">
+                                      <p:cBhvr>
+                                        <p:cTn id="30" dur="500"/>
+                                        <p:tgtEl>
+                                          <p:spTgt spid="2">
+                                            <p:txEl>
+                                              <p:pRg st="17" end="17"/>
+                                            </p:txEl>
+                                          </p:spTgt>
+                                        </p:tgtEl>
+                                      </p:cBhvr>
+                                    </p:animEffect>
+                                  </p:childTnLst>
+                                </p:cTn>
+                              </p:par>
+                            </p:childTnLst>
+                          </p:cTn>
+                        </p:par>
+                      </p:childTnLst>
+                    </p:cTn>
+                  </p:par>
+                  <p:par>
+                    <p:cTn id="31" fill="hold">
+                      <p:stCondLst>
+                        <p:cond delay="indefinite"/>
+                      </p:stCondLst>
+                      <p:childTnLst>
+                        <p:par>
+                          <p:cTn id="32" fill="hold">
+                            <p:stCondLst>
+                              <p:cond delay="0"/>
+                            </p:stCondLst>
+                            <p:childTnLst>
+                              <p:par>
+                                <p:cTn id="33" presetID="10" presetClass="entr" presetSubtype="0" fill="hold" nodeType="clickEffect">
+                                  <p:stCondLst>
+                                    <p:cond delay="0"/>
+                                  </p:stCondLst>
+                                  <p:childTnLst>
+                                    <p:set>
+                                      <p:cBhvr>
+                                        <p:cTn id="34" dur="1" fill="hold">
+                                          <p:stCondLst>
+                                            <p:cond delay="0"/>
+                                          </p:stCondLst>
+                                        </p:cTn>
+                                        <p:tgtEl>
+                                          <p:spTgt spid="2">
+                                            <p:txEl>
+                                              <p:pRg st="19" end="19"/>
+                                            </p:txEl>
+                                          </p:spTgt>
+                                        </p:tgtEl>
+                                        <p:attrNameLst>
+                                          <p:attrName>style.visibility</p:attrName>
+                                        </p:attrNameLst>
+                                      </p:cBhvr>
+                                      <p:to>
+                                        <p:strVal val="visible"/>
+                                      </p:to>
+                                    </p:set>
+                                    <p:animEffect transition="in" filter="fade">
+                                      <p:cBhvr>
+                                        <p:cTn id="35" dur="500"/>
+                                        <p:tgtEl>
+                                          <p:spTgt spid="2">
+                                            <p:txEl>
+                                              <p:pRg st="19" end="19"/>
+                                            </p:txEl>
+                                          </p:spTgt>
+                                        </p:tgtEl>
+                                      </p:cBhvr>
+                                    </p:animEffect>
+                                  </p:childTnLst>
+                                </p:cTn>
+                              </p:par>
+                              <p:par>
+                                <p:cTn id="36" presetID="10" presetClass="entr" presetSubtype="0" fill="hold" nodeType="withEffect">
+                                  <p:stCondLst>
+                                    <p:cond delay="0"/>
+                                  </p:stCondLst>
+                                  <p:childTnLst>
+                                    <p:set>
+                                      <p:cBhvr>
+                                        <p:cTn id="37" dur="1" fill="hold">
+                                          <p:stCondLst>
+                                            <p:cond delay="0"/>
+                                          </p:stCondLst>
+                                        </p:cTn>
+                                        <p:tgtEl>
+                                          <p:spTgt spid="2">
+                                            <p:txEl>
+                                              <p:pRg st="20" end="20"/>
+                                            </p:txEl>
+                                          </p:spTgt>
+                                        </p:tgtEl>
+                                        <p:attrNameLst>
+                                          <p:attrName>style.visibility</p:attrName>
+                                        </p:attrNameLst>
+                                      </p:cBhvr>
+                                      <p:to>
+                                        <p:strVal val="visible"/>
+                                      </p:to>
+                                    </p:set>
+                                    <p:animEffect transition="in" filter="fade">
+                                      <p:cBhvr>
+                                        <p:cTn id="38" dur="500"/>
+                                        <p:tgtEl>
+                                          <p:spTgt spid="2">
+                                            <p:txEl>
+                                              <p:pRg st="20" end="20"/>
+                                            </p:txEl>
+                                          </p:spTgt>
+                                        </p:tgtEl>
+                                      </p:cBhvr>
+                                    </p:animEffect>
+                                  </p:childTnLst>
+                                </p:cTn>
+                              </p:par>
+                              <p:par>
+                                <p:cTn id="39" presetID="10" presetClass="entr" presetSubtype="0" fill="hold" nodeType="withEffect">
+                                  <p:stCondLst>
+                                    <p:cond delay="0"/>
+                                  </p:stCondLst>
+                                  <p:childTnLst>
+                                    <p:set>
+                                      <p:cBhvr>
+                                        <p:cTn id="40" dur="1" fill="hold">
+                                          <p:stCondLst>
+                                            <p:cond delay="0"/>
+                                          </p:stCondLst>
+                                        </p:cTn>
+                                        <p:tgtEl>
+                                          <p:spTgt spid="2">
+                                            <p:txEl>
+                                              <p:pRg st="21" end="21"/>
+                                            </p:txEl>
+                                          </p:spTgt>
+                                        </p:tgtEl>
+                                        <p:attrNameLst>
+                                          <p:attrName>style.visibility</p:attrName>
+                                        </p:attrNameLst>
+                                      </p:cBhvr>
+                                      <p:to>
+                                        <p:strVal val="visible"/>
+                                      </p:to>
+                                    </p:set>
+                                    <p:animEffect transition="in" filter="fade">
+                                      <p:cBhvr>
+                                        <p:cTn id="41" dur="500"/>
+                                        <p:tgtEl>
+                                          <p:spTgt spid="2">
+                                            <p:txEl>
+                                              <p:pRg st="21" end="21"/>
+                                            </p:txEl>
+                                          </p:spTgt>
+                                        </p:tgtEl>
+                                      </p:cBhvr>
+                                    </p:animEffect>
+                                  </p:childTnLst>
+                                </p:cTn>
+                              </p:par>
+                              <p:par>
+                                <p:cTn id="42" presetID="10" presetClass="entr" presetSubtype="0" fill="hold" nodeType="withEffect">
+                                  <p:stCondLst>
+                                    <p:cond delay="0"/>
+                                  </p:stCondLst>
+                                  <p:childTnLst>
+                                    <p:set>
+                                      <p:cBhvr>
+                                        <p:cTn id="43" dur="1" fill="hold">
+                                          <p:stCondLst>
+                                            <p:cond delay="0"/>
+                                          </p:stCondLst>
+                                        </p:cTn>
+                                        <p:tgtEl>
+                                          <p:spTgt spid="2">
+                                            <p:txEl>
+                                              <p:pRg st="22" end="22"/>
+                                            </p:txEl>
+                                          </p:spTgt>
+                                        </p:tgtEl>
+                                        <p:attrNameLst>
+                                          <p:attrName>style.visibility</p:attrName>
+                                        </p:attrNameLst>
+                                      </p:cBhvr>
+                                      <p:to>
+                                        <p:strVal val="visible"/>
+                                      </p:to>
+                                    </p:set>
+                                    <p:animEffect transition="in" filter="fade">
+                                      <p:cBhvr>
+                                        <p:cTn id="44" dur="500"/>
+                                        <p:tgtEl>
+                                          <p:spTgt spid="2">
+                                            <p:txEl>
+                                              <p:pRg st="22" end="22"/>
+                                            </p:txEl>
+                                          </p:spTgt>
+                                        </p:tgtEl>
+                                      </p:cBhvr>
+                                    </p:animEffect>
+                                  </p:childTnLst>
+                                </p:cTn>
+                              </p:par>
+                            </p:childTnLst>
+                          </p:cTn>
+                        </p:par>
+                      </p:childTnLst>
+                    </p:cTn>
+                  </p:par>
+                  <p:par>
+                    <p:cTn id="45" fill="hold">
+                      <p:stCondLst>
+                        <p:cond delay="indefinite"/>
+                      </p:stCondLst>
+                      <p:childTnLst>
+                        <p:par>
+                          <p:cTn id="46" fill="hold">
+                            <p:stCondLst>
+                              <p:cond delay="0"/>
+                            </p:stCondLst>
+                            <p:childTnLst>
+                              <p:par>
+                                <p:cTn id="47" presetID="10" presetClass="entr" presetSubtype="0" fill="hold" nodeType="clickEffect">
+                                  <p:stCondLst>
+                                    <p:cond delay="0"/>
+                                  </p:stCondLst>
+                                  <p:childTnLst>
+                                    <p:set>
+                                      <p:cBhvr>
+                                        <p:cTn id="48" dur="1" fill="hold">
+                                          <p:stCondLst>
+                                            <p:cond delay="0"/>
+                                          </p:stCondLst>
+                                        </p:cTn>
+                                        <p:tgtEl>
+                                          <p:spTgt spid="2">
+                                            <p:txEl>
+                                              <p:pRg st="24" end="24"/>
+                                            </p:txEl>
+                                          </p:spTgt>
+                                        </p:tgtEl>
+                                        <p:attrNameLst>
+                                          <p:attrName>style.visibility</p:attrName>
+                                        </p:attrNameLst>
+                                      </p:cBhvr>
+                                      <p:to>
+                                        <p:strVal val="visible"/>
+                                      </p:to>
+                                    </p:set>
+                                    <p:animEffect transition="in" filter="fade">
+                                      <p:cBhvr>
+                                        <p:cTn id="49" dur="500"/>
+                                        <p:tgtEl>
+                                          <p:spTgt spid="2">
+                                            <p:txEl>
+                                              <p:pRg st="24" end="24"/>
+                                            </p:txEl>
+                                          </p:spTgt>
+                                        </p:tgtEl>
+                                      </p:cBhvr>
+                                    </p:animEffect>
+                                  </p:childTnLst>
+                                </p:cTn>
+                              </p:par>
+                              <p:par>
+                                <p:cTn id="50" presetID="10" presetClass="entr" presetSubtype="0" fill="hold" nodeType="withEffect">
+                                  <p:stCondLst>
+                                    <p:cond delay="0"/>
+                                  </p:stCondLst>
+                                  <p:childTnLst>
+                                    <p:set>
+                                      <p:cBhvr>
+                                        <p:cTn id="51" dur="1" fill="hold">
+                                          <p:stCondLst>
+                                            <p:cond delay="0"/>
+                                          </p:stCondLst>
+                                        </p:cTn>
+                                        <p:tgtEl>
+                                          <p:spTgt spid="2">
+                                            <p:txEl>
+                                              <p:pRg st="25" end="25"/>
+                                            </p:txEl>
+                                          </p:spTgt>
+                                        </p:tgtEl>
+                                        <p:attrNameLst>
+                                          <p:attrName>style.visibility</p:attrName>
+                                        </p:attrNameLst>
+                                      </p:cBhvr>
+                                      <p:to>
+                                        <p:strVal val="visible"/>
+                                      </p:to>
+                                    </p:set>
+                                    <p:animEffect transition="in" filter="fade">
+                                      <p:cBhvr>
+                                        <p:cTn id="52" dur="500"/>
+                                        <p:tgtEl>
+                                          <p:spTgt spid="2">
+                                            <p:txEl>
+                                              <p:pRg st="25" end="25"/>
+                                            </p:txEl>
+                                          </p:spTgt>
+                                        </p:tgtEl>
+                                      </p:cBhvr>
+                                    </p:animEffect>
+                                  </p:childTnLst>
+                                </p:cTn>
+                              </p:par>
+                              <p:par>
+                                <p:cTn id="53" presetID="10" presetClass="entr" presetSubtype="0" fill="hold" nodeType="withEffect">
+                                  <p:stCondLst>
+                                    <p:cond delay="0"/>
+                                  </p:stCondLst>
+                                  <p:childTnLst>
+                                    <p:set>
+                                      <p:cBhvr>
+                                        <p:cTn id="54" dur="1" fill="hold">
+                                          <p:stCondLst>
+                                            <p:cond delay="0"/>
+                                          </p:stCondLst>
+                                        </p:cTn>
+                                        <p:tgtEl>
+                                          <p:spTgt spid="2">
+                                            <p:txEl>
+                                              <p:pRg st="26" end="26"/>
+                                            </p:txEl>
+                                          </p:spTgt>
+                                        </p:tgtEl>
+                                        <p:attrNameLst>
+                                          <p:attrName>style.visibility</p:attrName>
+                                        </p:attrNameLst>
+                                      </p:cBhvr>
+                                      <p:to>
+                                        <p:strVal val="visible"/>
+                                      </p:to>
+                                    </p:set>
+                                    <p:animEffect transition="in" filter="fade">
+                                      <p:cBhvr>
+                                        <p:cTn id="55" dur="500"/>
+                                        <p:tgtEl>
+                                          <p:spTgt spid="2">
+                                            <p:txEl>
+                                              <p:pRg st="26" end="26"/>
+                                            </p:txEl>
+                                          </p:spTgt>
+                                        </p:tgtEl>
+                                      </p:cBhvr>
+                                    </p:animEffect>
+                                  </p:childTnLst>
+                                </p:cTn>
+                              </p:par>
+                              <p:par>
+                                <p:cTn id="56" presetID="10" presetClass="entr" presetSubtype="0" fill="hold" nodeType="withEffect">
+                                  <p:stCondLst>
+                                    <p:cond delay="0"/>
+                                  </p:stCondLst>
+                                  <p:childTnLst>
+                                    <p:set>
+                                      <p:cBhvr>
+                                        <p:cTn id="57" dur="1" fill="hold">
+                                          <p:stCondLst>
+                                            <p:cond delay="0"/>
+                                          </p:stCondLst>
+                                        </p:cTn>
+                                        <p:tgtEl>
+                                          <p:spTgt spid="2">
+                                            <p:txEl>
+                                              <p:pRg st="27" end="27"/>
+                                            </p:txEl>
+                                          </p:spTgt>
+                                        </p:tgtEl>
+                                        <p:attrNameLst>
+                                          <p:attrName>style.visibility</p:attrName>
+                                        </p:attrNameLst>
+                                      </p:cBhvr>
+                                      <p:to>
+                                        <p:strVal val="visible"/>
+                                      </p:to>
+                                    </p:set>
+                                    <p:animEffect transition="in" filter="fade">
+                                      <p:cBhvr>
+                                        <p:cTn id="58" dur="500"/>
+                                        <p:tgtEl>
+                                          <p:spTgt spid="2">
+                                            <p:txEl>
+                                              <p:pRg st="27" end="27"/>
+                                            </p:txEl>
+                                          </p:spTgt>
+                                        </p:tgtEl>
+                                      </p:cBhvr>
+                                    </p:animEffect>
+                                  </p:childTnLst>
+                                </p:cTn>
+                              </p:par>
+                            </p:childTnLst>
+                          </p:cTn>
+                        </p:par>
+                      </p:childTnLst>
+                    </p:cTn>
+                  </p:par>
+                </p:childTnLst>
+              </p:cTn>
+              <p:prevCondLst>
+                <p:cond evt="onPrev" delay="0">
+                  <p:tgtEl>
+                    <p:sldTgt/>
+                  </p:tgtEl>
+                </p:cond>
+              </p:prevCondLst>
+              <p:nextCondLst>
+                <p:cond evt="onNext" delay="0">
+                  <p:tgtEl>
+                    <p:sldTgt/>
+                  </p:tgtEl>
+                </p:cond>
+              </p:nextCondLst>
+            </p:seq>
+          </p:childTnLst>
+        </p:cTn>
+      </p:par>
+    </p:tnLst>
+  </p:timing>
 </p:sld>
 </file>
 
@@ -13735,6 +17319,1061 @@
   <p:clrMapOvr>
     <a:masterClrMapping/>
   </p:clrMapOvr>
+  <p:timing>
+    <p:tnLst>
+      <p:par>
+        <p:cTn id="1" dur="indefinite" restart="never" nodeType="tmRoot">
+          <p:childTnLst>
+            <p:seq concurrent="1" nextAc="seek">
+              <p:cTn id="2" dur="indefinite" nodeType="mainSeq">
+                <p:childTnLst>
+                  <p:par>
+                    <p:cTn id="3" fill="hold">
+                      <p:stCondLst>
+                        <p:cond delay="indefinite"/>
+                      </p:stCondLst>
+                      <p:childTnLst>
+                        <p:par>
+                          <p:cTn id="4" fill="hold">
+                            <p:stCondLst>
+                              <p:cond delay="0"/>
+                            </p:stCondLst>
+                            <p:childTnLst>
+                              <p:par>
+                                <p:cTn id="5" presetID="10" presetClass="entr" presetSubtype="0" fill="hold" nodeType="clickEffect">
+                                  <p:stCondLst>
+                                    <p:cond delay="0"/>
+                                  </p:stCondLst>
+                                  <p:childTnLst>
+                                    <p:set>
+                                      <p:cBhvr>
+                                        <p:cTn id="6" dur="1" fill="hold">
+                                          <p:stCondLst>
+                                            <p:cond delay="0"/>
+                                          </p:stCondLst>
+                                        </p:cTn>
+                                        <p:tgtEl>
+                                          <p:spTgt spid="4">
+                                            <p:txEl>
+                                              <p:pRg st="6" end="6"/>
+                                            </p:txEl>
+                                          </p:spTgt>
+                                        </p:tgtEl>
+                                        <p:attrNameLst>
+                                          <p:attrName>style.visibility</p:attrName>
+                                        </p:attrNameLst>
+                                      </p:cBhvr>
+                                      <p:to>
+                                        <p:strVal val="visible"/>
+                                      </p:to>
+                                    </p:set>
+                                    <p:animEffect transition="in" filter="fade">
+                                      <p:cBhvr>
+                                        <p:cTn id="7" dur="500"/>
+                                        <p:tgtEl>
+                                          <p:spTgt spid="4">
+                                            <p:txEl>
+                                              <p:pRg st="6" end="6"/>
+                                            </p:txEl>
+                                          </p:spTgt>
+                                        </p:tgtEl>
+                                      </p:cBhvr>
+                                    </p:animEffect>
+                                  </p:childTnLst>
+                                </p:cTn>
+                              </p:par>
+                              <p:par>
+                                <p:cTn id="8" presetID="10" presetClass="entr" presetSubtype="0" fill="hold" nodeType="withEffect">
+                                  <p:stCondLst>
+                                    <p:cond delay="0"/>
+                                  </p:stCondLst>
+                                  <p:childTnLst>
+                                    <p:set>
+                                      <p:cBhvr>
+                                        <p:cTn id="9" dur="1" fill="hold">
+                                          <p:stCondLst>
+                                            <p:cond delay="0"/>
+                                          </p:stCondLst>
+                                        </p:cTn>
+                                        <p:tgtEl>
+                                          <p:spTgt spid="4">
+                                            <p:txEl>
+                                              <p:pRg st="7" end="7"/>
+                                            </p:txEl>
+                                          </p:spTgt>
+                                        </p:tgtEl>
+                                        <p:attrNameLst>
+                                          <p:attrName>style.visibility</p:attrName>
+                                        </p:attrNameLst>
+                                      </p:cBhvr>
+                                      <p:to>
+                                        <p:strVal val="visible"/>
+                                      </p:to>
+                                    </p:set>
+                                    <p:animEffect transition="in" filter="fade">
+                                      <p:cBhvr>
+                                        <p:cTn id="10" dur="500"/>
+                                        <p:tgtEl>
+                                          <p:spTgt spid="4">
+                                            <p:txEl>
+                                              <p:pRg st="7" end="7"/>
+                                            </p:txEl>
+                                          </p:spTgt>
+                                        </p:tgtEl>
+                                      </p:cBhvr>
+                                    </p:animEffect>
+                                  </p:childTnLst>
+                                </p:cTn>
+                              </p:par>
+                              <p:par>
+                                <p:cTn id="11" presetID="10" presetClass="entr" presetSubtype="0" fill="hold" nodeType="withEffect">
+                                  <p:stCondLst>
+                                    <p:cond delay="0"/>
+                                  </p:stCondLst>
+                                  <p:childTnLst>
+                                    <p:set>
+                                      <p:cBhvr>
+                                        <p:cTn id="12" dur="1" fill="hold">
+                                          <p:stCondLst>
+                                            <p:cond delay="0"/>
+                                          </p:stCondLst>
+                                        </p:cTn>
+                                        <p:tgtEl>
+                                          <p:spTgt spid="4">
+                                            <p:txEl>
+                                              <p:pRg st="8" end="8"/>
+                                            </p:txEl>
+                                          </p:spTgt>
+                                        </p:tgtEl>
+                                        <p:attrNameLst>
+                                          <p:attrName>style.visibility</p:attrName>
+                                        </p:attrNameLst>
+                                      </p:cBhvr>
+                                      <p:to>
+                                        <p:strVal val="visible"/>
+                                      </p:to>
+                                    </p:set>
+                                    <p:animEffect transition="in" filter="fade">
+                                      <p:cBhvr>
+                                        <p:cTn id="13" dur="500"/>
+                                        <p:tgtEl>
+                                          <p:spTgt spid="4">
+                                            <p:txEl>
+                                              <p:pRg st="8" end="8"/>
+                                            </p:txEl>
+                                          </p:spTgt>
+                                        </p:tgtEl>
+                                      </p:cBhvr>
+                                    </p:animEffect>
+                                  </p:childTnLst>
+                                </p:cTn>
+                              </p:par>
+                              <p:par>
+                                <p:cTn id="14" presetID="10" presetClass="entr" presetSubtype="0" fill="hold" nodeType="withEffect">
+                                  <p:stCondLst>
+                                    <p:cond delay="0"/>
+                                  </p:stCondLst>
+                                  <p:childTnLst>
+                                    <p:set>
+                                      <p:cBhvr>
+                                        <p:cTn id="15" dur="1" fill="hold">
+                                          <p:stCondLst>
+                                            <p:cond delay="0"/>
+                                          </p:stCondLst>
+                                        </p:cTn>
+                                        <p:tgtEl>
+                                          <p:spTgt spid="4">
+                                            <p:txEl>
+                                              <p:pRg st="9" end="9"/>
+                                            </p:txEl>
+                                          </p:spTgt>
+                                        </p:tgtEl>
+                                        <p:attrNameLst>
+                                          <p:attrName>style.visibility</p:attrName>
+                                        </p:attrNameLst>
+                                      </p:cBhvr>
+                                      <p:to>
+                                        <p:strVal val="visible"/>
+                                      </p:to>
+                                    </p:set>
+                                    <p:animEffect transition="in" filter="fade">
+                                      <p:cBhvr>
+                                        <p:cTn id="16" dur="500"/>
+                                        <p:tgtEl>
+                                          <p:spTgt spid="4">
+                                            <p:txEl>
+                                              <p:pRg st="9" end="9"/>
+                                            </p:txEl>
+                                          </p:spTgt>
+                                        </p:tgtEl>
+                                      </p:cBhvr>
+                                    </p:animEffect>
+                                  </p:childTnLst>
+                                </p:cTn>
+                              </p:par>
+                              <p:par>
+                                <p:cTn id="17" presetID="10" presetClass="entr" presetSubtype="0" fill="hold" nodeType="withEffect">
+                                  <p:stCondLst>
+                                    <p:cond delay="0"/>
+                                  </p:stCondLst>
+                                  <p:childTnLst>
+                                    <p:set>
+                                      <p:cBhvr>
+                                        <p:cTn id="18" dur="1" fill="hold">
+                                          <p:stCondLst>
+                                            <p:cond delay="0"/>
+                                          </p:stCondLst>
+                                        </p:cTn>
+                                        <p:tgtEl>
+                                          <p:spTgt spid="4">
+                                            <p:txEl>
+                                              <p:pRg st="10" end="10"/>
+                                            </p:txEl>
+                                          </p:spTgt>
+                                        </p:tgtEl>
+                                        <p:attrNameLst>
+                                          <p:attrName>style.visibility</p:attrName>
+                                        </p:attrNameLst>
+                                      </p:cBhvr>
+                                      <p:to>
+                                        <p:strVal val="visible"/>
+                                      </p:to>
+                                    </p:set>
+                                    <p:animEffect transition="in" filter="fade">
+                                      <p:cBhvr>
+                                        <p:cTn id="19" dur="500"/>
+                                        <p:tgtEl>
+                                          <p:spTgt spid="4">
+                                            <p:txEl>
+                                              <p:pRg st="10" end="10"/>
+                                            </p:txEl>
+                                          </p:spTgt>
+                                        </p:tgtEl>
+                                      </p:cBhvr>
+                                    </p:animEffect>
+                                  </p:childTnLst>
+                                </p:cTn>
+                              </p:par>
+                              <p:par>
+                                <p:cTn id="20" presetID="10" presetClass="entr" presetSubtype="0" fill="hold" nodeType="withEffect">
+                                  <p:stCondLst>
+                                    <p:cond delay="0"/>
+                                  </p:stCondLst>
+                                  <p:childTnLst>
+                                    <p:set>
+                                      <p:cBhvr>
+                                        <p:cTn id="21" dur="1" fill="hold">
+                                          <p:stCondLst>
+                                            <p:cond delay="0"/>
+                                          </p:stCondLst>
+                                        </p:cTn>
+                                        <p:tgtEl>
+                                          <p:spTgt spid="4">
+                                            <p:txEl>
+                                              <p:pRg st="11" end="11"/>
+                                            </p:txEl>
+                                          </p:spTgt>
+                                        </p:tgtEl>
+                                        <p:attrNameLst>
+                                          <p:attrName>style.visibility</p:attrName>
+                                        </p:attrNameLst>
+                                      </p:cBhvr>
+                                      <p:to>
+                                        <p:strVal val="visible"/>
+                                      </p:to>
+                                    </p:set>
+                                    <p:animEffect transition="in" filter="fade">
+                                      <p:cBhvr>
+                                        <p:cTn id="22" dur="500"/>
+                                        <p:tgtEl>
+                                          <p:spTgt spid="4">
+                                            <p:txEl>
+                                              <p:pRg st="11" end="11"/>
+                                            </p:txEl>
+                                          </p:spTgt>
+                                        </p:tgtEl>
+                                      </p:cBhvr>
+                                    </p:animEffect>
+                                  </p:childTnLst>
+                                </p:cTn>
+                              </p:par>
+                              <p:par>
+                                <p:cTn id="23" presetID="10" presetClass="entr" presetSubtype="0" fill="hold" nodeType="withEffect">
+                                  <p:stCondLst>
+                                    <p:cond delay="0"/>
+                                  </p:stCondLst>
+                                  <p:childTnLst>
+                                    <p:set>
+                                      <p:cBhvr>
+                                        <p:cTn id="24" dur="1" fill="hold">
+                                          <p:stCondLst>
+                                            <p:cond delay="0"/>
+                                          </p:stCondLst>
+                                        </p:cTn>
+                                        <p:tgtEl>
+                                          <p:spTgt spid="4">
+                                            <p:txEl>
+                                              <p:pRg st="12" end="12"/>
+                                            </p:txEl>
+                                          </p:spTgt>
+                                        </p:tgtEl>
+                                        <p:attrNameLst>
+                                          <p:attrName>style.visibility</p:attrName>
+                                        </p:attrNameLst>
+                                      </p:cBhvr>
+                                      <p:to>
+                                        <p:strVal val="visible"/>
+                                      </p:to>
+                                    </p:set>
+                                    <p:animEffect transition="in" filter="fade">
+                                      <p:cBhvr>
+                                        <p:cTn id="25" dur="500"/>
+                                        <p:tgtEl>
+                                          <p:spTgt spid="4">
+                                            <p:txEl>
+                                              <p:pRg st="12" end="12"/>
+                                            </p:txEl>
+                                          </p:spTgt>
+                                        </p:tgtEl>
+                                      </p:cBhvr>
+                                    </p:animEffect>
+                                  </p:childTnLst>
+                                </p:cTn>
+                              </p:par>
+                              <p:par>
+                                <p:cTn id="26" presetID="10" presetClass="entr" presetSubtype="0" fill="hold" nodeType="withEffect">
+                                  <p:stCondLst>
+                                    <p:cond delay="0"/>
+                                  </p:stCondLst>
+                                  <p:childTnLst>
+                                    <p:set>
+                                      <p:cBhvr>
+                                        <p:cTn id="27" dur="1" fill="hold">
+                                          <p:stCondLst>
+                                            <p:cond delay="0"/>
+                                          </p:stCondLst>
+                                        </p:cTn>
+                                        <p:tgtEl>
+                                          <p:spTgt spid="4">
+                                            <p:txEl>
+                                              <p:pRg st="13" end="13"/>
+                                            </p:txEl>
+                                          </p:spTgt>
+                                        </p:tgtEl>
+                                        <p:attrNameLst>
+                                          <p:attrName>style.visibility</p:attrName>
+                                        </p:attrNameLst>
+                                      </p:cBhvr>
+                                      <p:to>
+                                        <p:strVal val="visible"/>
+                                      </p:to>
+                                    </p:set>
+                                    <p:animEffect transition="in" filter="fade">
+                                      <p:cBhvr>
+                                        <p:cTn id="28" dur="500"/>
+                                        <p:tgtEl>
+                                          <p:spTgt spid="4">
+                                            <p:txEl>
+                                              <p:pRg st="13" end="13"/>
+                                            </p:txEl>
+                                          </p:spTgt>
+                                        </p:tgtEl>
+                                      </p:cBhvr>
+                                    </p:animEffect>
+                                  </p:childTnLst>
+                                </p:cTn>
+                              </p:par>
+                              <p:par>
+                                <p:cTn id="29" presetID="10" presetClass="entr" presetSubtype="0" fill="hold" nodeType="withEffect">
+                                  <p:stCondLst>
+                                    <p:cond delay="0"/>
+                                  </p:stCondLst>
+                                  <p:childTnLst>
+                                    <p:set>
+                                      <p:cBhvr>
+                                        <p:cTn id="30" dur="1" fill="hold">
+                                          <p:stCondLst>
+                                            <p:cond delay="0"/>
+                                          </p:stCondLst>
+                                        </p:cTn>
+                                        <p:tgtEl>
+                                          <p:spTgt spid="4">
+                                            <p:txEl>
+                                              <p:pRg st="14" end="14"/>
+                                            </p:txEl>
+                                          </p:spTgt>
+                                        </p:tgtEl>
+                                        <p:attrNameLst>
+                                          <p:attrName>style.visibility</p:attrName>
+                                        </p:attrNameLst>
+                                      </p:cBhvr>
+                                      <p:to>
+                                        <p:strVal val="visible"/>
+                                      </p:to>
+                                    </p:set>
+                                    <p:animEffect transition="in" filter="fade">
+                                      <p:cBhvr>
+                                        <p:cTn id="31" dur="500"/>
+                                        <p:tgtEl>
+                                          <p:spTgt spid="4">
+                                            <p:txEl>
+                                              <p:pRg st="14" end="14"/>
+                                            </p:txEl>
+                                          </p:spTgt>
+                                        </p:tgtEl>
+                                      </p:cBhvr>
+                                    </p:animEffect>
+                                  </p:childTnLst>
+                                </p:cTn>
+                              </p:par>
+                              <p:par>
+                                <p:cTn id="32" presetID="10" presetClass="entr" presetSubtype="0" fill="hold" nodeType="withEffect">
+                                  <p:stCondLst>
+                                    <p:cond delay="0"/>
+                                  </p:stCondLst>
+                                  <p:childTnLst>
+                                    <p:set>
+                                      <p:cBhvr>
+                                        <p:cTn id="33" dur="1" fill="hold">
+                                          <p:stCondLst>
+                                            <p:cond delay="0"/>
+                                          </p:stCondLst>
+                                        </p:cTn>
+                                        <p:tgtEl>
+                                          <p:spTgt spid="4">
+                                            <p:txEl>
+                                              <p:pRg st="15" end="15"/>
+                                            </p:txEl>
+                                          </p:spTgt>
+                                        </p:tgtEl>
+                                        <p:attrNameLst>
+                                          <p:attrName>style.visibility</p:attrName>
+                                        </p:attrNameLst>
+                                      </p:cBhvr>
+                                      <p:to>
+                                        <p:strVal val="visible"/>
+                                      </p:to>
+                                    </p:set>
+                                    <p:animEffect transition="in" filter="fade">
+                                      <p:cBhvr>
+                                        <p:cTn id="34" dur="500"/>
+                                        <p:tgtEl>
+                                          <p:spTgt spid="4">
+                                            <p:txEl>
+                                              <p:pRg st="15" end="15"/>
+                                            </p:txEl>
+                                          </p:spTgt>
+                                        </p:tgtEl>
+                                      </p:cBhvr>
+                                    </p:animEffect>
+                                  </p:childTnLst>
+                                </p:cTn>
+                              </p:par>
+                              <p:par>
+                                <p:cTn id="35" presetID="10" presetClass="entr" presetSubtype="0" fill="hold" nodeType="withEffect">
+                                  <p:stCondLst>
+                                    <p:cond delay="0"/>
+                                  </p:stCondLst>
+                                  <p:childTnLst>
+                                    <p:set>
+                                      <p:cBhvr>
+                                        <p:cTn id="36" dur="1" fill="hold">
+                                          <p:stCondLst>
+                                            <p:cond delay="0"/>
+                                          </p:stCondLst>
+                                        </p:cTn>
+                                        <p:tgtEl>
+                                          <p:spTgt spid="4">
+                                            <p:txEl>
+                                              <p:pRg st="16" end="16"/>
+                                            </p:txEl>
+                                          </p:spTgt>
+                                        </p:tgtEl>
+                                        <p:attrNameLst>
+                                          <p:attrName>style.visibility</p:attrName>
+                                        </p:attrNameLst>
+                                      </p:cBhvr>
+                                      <p:to>
+                                        <p:strVal val="visible"/>
+                                      </p:to>
+                                    </p:set>
+                                    <p:animEffect transition="in" filter="fade">
+                                      <p:cBhvr>
+                                        <p:cTn id="37" dur="500"/>
+                                        <p:tgtEl>
+                                          <p:spTgt spid="4">
+                                            <p:txEl>
+                                              <p:pRg st="16" end="16"/>
+                                            </p:txEl>
+                                          </p:spTgt>
+                                        </p:tgtEl>
+                                      </p:cBhvr>
+                                    </p:animEffect>
+                                  </p:childTnLst>
+                                </p:cTn>
+                              </p:par>
+                              <p:par>
+                                <p:cTn id="38" presetID="10" presetClass="entr" presetSubtype="0" fill="hold" nodeType="withEffect">
+                                  <p:stCondLst>
+                                    <p:cond delay="0"/>
+                                  </p:stCondLst>
+                                  <p:childTnLst>
+                                    <p:set>
+                                      <p:cBhvr>
+                                        <p:cTn id="39" dur="1" fill="hold">
+                                          <p:stCondLst>
+                                            <p:cond delay="0"/>
+                                          </p:stCondLst>
+                                        </p:cTn>
+                                        <p:tgtEl>
+                                          <p:spTgt spid="4">
+                                            <p:txEl>
+                                              <p:pRg st="17" end="17"/>
+                                            </p:txEl>
+                                          </p:spTgt>
+                                        </p:tgtEl>
+                                        <p:attrNameLst>
+                                          <p:attrName>style.visibility</p:attrName>
+                                        </p:attrNameLst>
+                                      </p:cBhvr>
+                                      <p:to>
+                                        <p:strVal val="visible"/>
+                                      </p:to>
+                                    </p:set>
+                                    <p:animEffect transition="in" filter="fade">
+                                      <p:cBhvr>
+                                        <p:cTn id="40" dur="500"/>
+                                        <p:tgtEl>
+                                          <p:spTgt spid="4">
+                                            <p:txEl>
+                                              <p:pRg st="17" end="17"/>
+                                            </p:txEl>
+                                          </p:spTgt>
+                                        </p:tgtEl>
+                                      </p:cBhvr>
+                                    </p:animEffect>
+                                  </p:childTnLst>
+                                </p:cTn>
+                              </p:par>
+                            </p:childTnLst>
+                          </p:cTn>
+                        </p:par>
+                      </p:childTnLst>
+                    </p:cTn>
+                  </p:par>
+                  <p:par>
+                    <p:cTn id="41" fill="hold">
+                      <p:stCondLst>
+                        <p:cond delay="indefinite"/>
+                      </p:stCondLst>
+                      <p:childTnLst>
+                        <p:par>
+                          <p:cTn id="42" fill="hold">
+                            <p:stCondLst>
+                              <p:cond delay="0"/>
+                            </p:stCondLst>
+                            <p:childTnLst>
+                              <p:par>
+                                <p:cTn id="43" presetID="10" presetClass="entr" presetSubtype="0" fill="hold" nodeType="clickEffect">
+                                  <p:stCondLst>
+                                    <p:cond delay="0"/>
+                                  </p:stCondLst>
+                                  <p:childTnLst>
+                                    <p:set>
+                                      <p:cBhvr>
+                                        <p:cTn id="44" dur="1" fill="hold">
+                                          <p:stCondLst>
+                                            <p:cond delay="0"/>
+                                          </p:stCondLst>
+                                        </p:cTn>
+                                        <p:tgtEl>
+                                          <p:spTgt spid="3">
+                                            <p:txEl>
+                                              <p:pRg st="0" end="0"/>
+                                            </p:txEl>
+                                          </p:spTgt>
+                                        </p:tgtEl>
+                                        <p:attrNameLst>
+                                          <p:attrName>style.visibility</p:attrName>
+                                        </p:attrNameLst>
+                                      </p:cBhvr>
+                                      <p:to>
+                                        <p:strVal val="visible"/>
+                                      </p:to>
+                                    </p:set>
+                                    <p:animEffect transition="in" filter="fade">
+                                      <p:cBhvr>
+                                        <p:cTn id="45" dur="500"/>
+                                        <p:tgtEl>
+                                          <p:spTgt spid="3">
+                                            <p:txEl>
+                                              <p:pRg st="0" end="0"/>
+                                            </p:txEl>
+                                          </p:spTgt>
+                                        </p:tgtEl>
+                                      </p:cBhvr>
+                                    </p:animEffect>
+                                  </p:childTnLst>
+                                </p:cTn>
+                              </p:par>
+                              <p:par>
+                                <p:cTn id="46" presetID="10" presetClass="entr" presetSubtype="0" fill="hold" nodeType="withEffect">
+                                  <p:stCondLst>
+                                    <p:cond delay="0"/>
+                                  </p:stCondLst>
+                                  <p:childTnLst>
+                                    <p:set>
+                                      <p:cBhvr>
+                                        <p:cTn id="47" dur="1" fill="hold">
+                                          <p:stCondLst>
+                                            <p:cond delay="0"/>
+                                          </p:stCondLst>
+                                        </p:cTn>
+                                        <p:tgtEl>
+                                          <p:spTgt spid="3">
+                                            <p:txEl>
+                                              <p:pRg st="1" end="1"/>
+                                            </p:txEl>
+                                          </p:spTgt>
+                                        </p:tgtEl>
+                                        <p:attrNameLst>
+                                          <p:attrName>style.visibility</p:attrName>
+                                        </p:attrNameLst>
+                                      </p:cBhvr>
+                                      <p:to>
+                                        <p:strVal val="visible"/>
+                                      </p:to>
+                                    </p:set>
+                                    <p:animEffect transition="in" filter="fade">
+                                      <p:cBhvr>
+                                        <p:cTn id="48" dur="500"/>
+                                        <p:tgtEl>
+                                          <p:spTgt spid="3">
+                                            <p:txEl>
+                                              <p:pRg st="1" end="1"/>
+                                            </p:txEl>
+                                          </p:spTgt>
+                                        </p:tgtEl>
+                                      </p:cBhvr>
+                                    </p:animEffect>
+                                  </p:childTnLst>
+                                </p:cTn>
+                              </p:par>
+                              <p:par>
+                                <p:cTn id="49" presetID="10" presetClass="entr" presetSubtype="0" fill="hold" nodeType="withEffect">
+                                  <p:stCondLst>
+                                    <p:cond delay="0"/>
+                                  </p:stCondLst>
+                                  <p:childTnLst>
+                                    <p:set>
+                                      <p:cBhvr>
+                                        <p:cTn id="50" dur="1" fill="hold">
+                                          <p:stCondLst>
+                                            <p:cond delay="0"/>
+                                          </p:stCondLst>
+                                        </p:cTn>
+                                        <p:tgtEl>
+                                          <p:spTgt spid="3">
+                                            <p:txEl>
+                                              <p:pRg st="2" end="2"/>
+                                            </p:txEl>
+                                          </p:spTgt>
+                                        </p:tgtEl>
+                                        <p:attrNameLst>
+                                          <p:attrName>style.visibility</p:attrName>
+                                        </p:attrNameLst>
+                                      </p:cBhvr>
+                                      <p:to>
+                                        <p:strVal val="visible"/>
+                                      </p:to>
+                                    </p:set>
+                                    <p:animEffect transition="in" filter="fade">
+                                      <p:cBhvr>
+                                        <p:cTn id="51" dur="500"/>
+                                        <p:tgtEl>
+                                          <p:spTgt spid="3">
+                                            <p:txEl>
+                                              <p:pRg st="2" end="2"/>
+                                            </p:txEl>
+                                          </p:spTgt>
+                                        </p:tgtEl>
+                                      </p:cBhvr>
+                                    </p:animEffect>
+                                  </p:childTnLst>
+                                </p:cTn>
+                              </p:par>
+                              <p:par>
+                                <p:cTn id="52" presetID="10" presetClass="entr" presetSubtype="0" fill="hold" nodeType="withEffect">
+                                  <p:stCondLst>
+                                    <p:cond delay="0"/>
+                                  </p:stCondLst>
+                                  <p:childTnLst>
+                                    <p:set>
+                                      <p:cBhvr>
+                                        <p:cTn id="53" dur="1" fill="hold">
+                                          <p:stCondLst>
+                                            <p:cond delay="0"/>
+                                          </p:stCondLst>
+                                        </p:cTn>
+                                        <p:tgtEl>
+                                          <p:spTgt spid="3">
+                                            <p:txEl>
+                                              <p:pRg st="3" end="3"/>
+                                            </p:txEl>
+                                          </p:spTgt>
+                                        </p:tgtEl>
+                                        <p:attrNameLst>
+                                          <p:attrName>style.visibility</p:attrName>
+                                        </p:attrNameLst>
+                                      </p:cBhvr>
+                                      <p:to>
+                                        <p:strVal val="visible"/>
+                                      </p:to>
+                                    </p:set>
+                                    <p:animEffect transition="in" filter="fade">
+                                      <p:cBhvr>
+                                        <p:cTn id="54" dur="500"/>
+                                        <p:tgtEl>
+                                          <p:spTgt spid="3">
+                                            <p:txEl>
+                                              <p:pRg st="3" end="3"/>
+                                            </p:txEl>
+                                          </p:spTgt>
+                                        </p:tgtEl>
+                                      </p:cBhvr>
+                                    </p:animEffect>
+                                  </p:childTnLst>
+                                </p:cTn>
+                              </p:par>
+                              <p:par>
+                                <p:cTn id="55" presetID="10" presetClass="entr" presetSubtype="0" fill="hold" nodeType="withEffect">
+                                  <p:stCondLst>
+                                    <p:cond delay="0"/>
+                                  </p:stCondLst>
+                                  <p:childTnLst>
+                                    <p:set>
+                                      <p:cBhvr>
+                                        <p:cTn id="56" dur="1" fill="hold">
+                                          <p:stCondLst>
+                                            <p:cond delay="0"/>
+                                          </p:stCondLst>
+                                        </p:cTn>
+                                        <p:tgtEl>
+                                          <p:spTgt spid="3">
+                                            <p:txEl>
+                                              <p:pRg st="4" end="4"/>
+                                            </p:txEl>
+                                          </p:spTgt>
+                                        </p:tgtEl>
+                                        <p:attrNameLst>
+                                          <p:attrName>style.visibility</p:attrName>
+                                        </p:attrNameLst>
+                                      </p:cBhvr>
+                                      <p:to>
+                                        <p:strVal val="visible"/>
+                                      </p:to>
+                                    </p:set>
+                                    <p:animEffect transition="in" filter="fade">
+                                      <p:cBhvr>
+                                        <p:cTn id="57" dur="500"/>
+                                        <p:tgtEl>
+                                          <p:spTgt spid="3">
+                                            <p:txEl>
+                                              <p:pRg st="4" end="4"/>
+                                            </p:txEl>
+                                          </p:spTgt>
+                                        </p:tgtEl>
+                                      </p:cBhvr>
+                                    </p:animEffect>
+                                  </p:childTnLst>
+                                </p:cTn>
+                              </p:par>
+                              <p:par>
+                                <p:cTn id="58" presetID="10" presetClass="entr" presetSubtype="0" fill="hold" nodeType="withEffect">
+                                  <p:stCondLst>
+                                    <p:cond delay="0"/>
+                                  </p:stCondLst>
+                                  <p:childTnLst>
+                                    <p:set>
+                                      <p:cBhvr>
+                                        <p:cTn id="59" dur="1" fill="hold">
+                                          <p:stCondLst>
+                                            <p:cond delay="0"/>
+                                          </p:stCondLst>
+                                        </p:cTn>
+                                        <p:tgtEl>
+                                          <p:spTgt spid="3">
+                                            <p:txEl>
+                                              <p:pRg st="5" end="5"/>
+                                            </p:txEl>
+                                          </p:spTgt>
+                                        </p:tgtEl>
+                                        <p:attrNameLst>
+                                          <p:attrName>style.visibility</p:attrName>
+                                        </p:attrNameLst>
+                                      </p:cBhvr>
+                                      <p:to>
+                                        <p:strVal val="visible"/>
+                                      </p:to>
+                                    </p:set>
+                                    <p:animEffect transition="in" filter="fade">
+                                      <p:cBhvr>
+                                        <p:cTn id="60" dur="500"/>
+                                        <p:tgtEl>
+                                          <p:spTgt spid="3">
+                                            <p:txEl>
+                                              <p:pRg st="5" end="5"/>
+                                            </p:txEl>
+                                          </p:spTgt>
+                                        </p:tgtEl>
+                                      </p:cBhvr>
+                                    </p:animEffect>
+                                  </p:childTnLst>
+                                </p:cTn>
+                              </p:par>
+                              <p:par>
+                                <p:cTn id="61" presetID="10" presetClass="entr" presetSubtype="0" fill="hold" nodeType="withEffect">
+                                  <p:stCondLst>
+                                    <p:cond delay="0"/>
+                                  </p:stCondLst>
+                                  <p:childTnLst>
+                                    <p:set>
+                                      <p:cBhvr>
+                                        <p:cTn id="62" dur="1" fill="hold">
+                                          <p:stCondLst>
+                                            <p:cond delay="0"/>
+                                          </p:stCondLst>
+                                        </p:cTn>
+                                        <p:tgtEl>
+                                          <p:spTgt spid="3">
+                                            <p:txEl>
+                                              <p:pRg st="6" end="6"/>
+                                            </p:txEl>
+                                          </p:spTgt>
+                                        </p:tgtEl>
+                                        <p:attrNameLst>
+                                          <p:attrName>style.visibility</p:attrName>
+                                        </p:attrNameLst>
+                                      </p:cBhvr>
+                                      <p:to>
+                                        <p:strVal val="visible"/>
+                                      </p:to>
+                                    </p:set>
+                                    <p:animEffect transition="in" filter="fade">
+                                      <p:cBhvr>
+                                        <p:cTn id="63" dur="500"/>
+                                        <p:tgtEl>
+                                          <p:spTgt spid="3">
+                                            <p:txEl>
+                                              <p:pRg st="6" end="6"/>
+                                            </p:txEl>
+                                          </p:spTgt>
+                                        </p:tgtEl>
+                                      </p:cBhvr>
+                                    </p:animEffect>
+                                  </p:childTnLst>
+                                </p:cTn>
+                              </p:par>
+                              <p:par>
+                                <p:cTn id="64" presetID="10" presetClass="entr" presetSubtype="0" fill="hold" nodeType="withEffect">
+                                  <p:stCondLst>
+                                    <p:cond delay="0"/>
+                                  </p:stCondLst>
+                                  <p:childTnLst>
+                                    <p:set>
+                                      <p:cBhvr>
+                                        <p:cTn id="65" dur="1" fill="hold">
+                                          <p:stCondLst>
+                                            <p:cond delay="0"/>
+                                          </p:stCondLst>
+                                        </p:cTn>
+                                        <p:tgtEl>
+                                          <p:spTgt spid="3">
+                                            <p:txEl>
+                                              <p:pRg st="7" end="7"/>
+                                            </p:txEl>
+                                          </p:spTgt>
+                                        </p:tgtEl>
+                                        <p:attrNameLst>
+                                          <p:attrName>style.visibility</p:attrName>
+                                        </p:attrNameLst>
+                                      </p:cBhvr>
+                                      <p:to>
+                                        <p:strVal val="visible"/>
+                                      </p:to>
+                                    </p:set>
+                                    <p:animEffect transition="in" filter="fade">
+                                      <p:cBhvr>
+                                        <p:cTn id="66" dur="500"/>
+                                        <p:tgtEl>
+                                          <p:spTgt spid="3">
+                                            <p:txEl>
+                                              <p:pRg st="7" end="7"/>
+                                            </p:txEl>
+                                          </p:spTgt>
+                                        </p:tgtEl>
+                                      </p:cBhvr>
+                                    </p:animEffect>
+                                  </p:childTnLst>
+                                </p:cTn>
+                              </p:par>
+                              <p:par>
+                                <p:cTn id="67" presetID="10" presetClass="entr" presetSubtype="0" fill="hold" nodeType="withEffect">
+                                  <p:stCondLst>
+                                    <p:cond delay="0"/>
+                                  </p:stCondLst>
+                                  <p:childTnLst>
+                                    <p:set>
+                                      <p:cBhvr>
+                                        <p:cTn id="68" dur="1" fill="hold">
+                                          <p:stCondLst>
+                                            <p:cond delay="0"/>
+                                          </p:stCondLst>
+                                        </p:cTn>
+                                        <p:tgtEl>
+                                          <p:spTgt spid="3">
+                                            <p:txEl>
+                                              <p:pRg st="8" end="8"/>
+                                            </p:txEl>
+                                          </p:spTgt>
+                                        </p:tgtEl>
+                                        <p:attrNameLst>
+                                          <p:attrName>style.visibility</p:attrName>
+                                        </p:attrNameLst>
+                                      </p:cBhvr>
+                                      <p:to>
+                                        <p:strVal val="visible"/>
+                                      </p:to>
+                                    </p:set>
+                                    <p:animEffect transition="in" filter="fade">
+                                      <p:cBhvr>
+                                        <p:cTn id="69" dur="500"/>
+                                        <p:tgtEl>
+                                          <p:spTgt spid="3">
+                                            <p:txEl>
+                                              <p:pRg st="8" end="8"/>
+                                            </p:txEl>
+                                          </p:spTgt>
+                                        </p:tgtEl>
+                                      </p:cBhvr>
+                                    </p:animEffect>
+                                  </p:childTnLst>
+                                </p:cTn>
+                              </p:par>
+                              <p:par>
+                                <p:cTn id="70" presetID="10" presetClass="entr" presetSubtype="0" fill="hold" nodeType="withEffect">
+                                  <p:stCondLst>
+                                    <p:cond delay="0"/>
+                                  </p:stCondLst>
+                                  <p:childTnLst>
+                                    <p:set>
+                                      <p:cBhvr>
+                                        <p:cTn id="71" dur="1" fill="hold">
+                                          <p:stCondLst>
+                                            <p:cond delay="0"/>
+                                          </p:stCondLst>
+                                        </p:cTn>
+                                        <p:tgtEl>
+                                          <p:spTgt spid="3">
+                                            <p:txEl>
+                                              <p:pRg st="9" end="9"/>
+                                            </p:txEl>
+                                          </p:spTgt>
+                                        </p:tgtEl>
+                                        <p:attrNameLst>
+                                          <p:attrName>style.visibility</p:attrName>
+                                        </p:attrNameLst>
+                                      </p:cBhvr>
+                                      <p:to>
+                                        <p:strVal val="visible"/>
+                                      </p:to>
+                                    </p:set>
+                                    <p:animEffect transition="in" filter="fade">
+                                      <p:cBhvr>
+                                        <p:cTn id="72" dur="500"/>
+                                        <p:tgtEl>
+                                          <p:spTgt spid="3">
+                                            <p:txEl>
+                                              <p:pRg st="9" end="9"/>
+                                            </p:txEl>
+                                          </p:spTgt>
+                                        </p:tgtEl>
+                                      </p:cBhvr>
+                                    </p:animEffect>
+                                  </p:childTnLst>
+                                </p:cTn>
+                              </p:par>
+                              <p:par>
+                                <p:cTn id="73" presetID="10" presetClass="entr" presetSubtype="0" fill="hold" nodeType="withEffect">
+                                  <p:stCondLst>
+                                    <p:cond delay="0"/>
+                                  </p:stCondLst>
+                                  <p:childTnLst>
+                                    <p:set>
+                                      <p:cBhvr>
+                                        <p:cTn id="74" dur="1" fill="hold">
+                                          <p:stCondLst>
+                                            <p:cond delay="0"/>
+                                          </p:stCondLst>
+                                        </p:cTn>
+                                        <p:tgtEl>
+                                          <p:spTgt spid="3">
+                                            <p:txEl>
+                                              <p:pRg st="10" end="10"/>
+                                            </p:txEl>
+                                          </p:spTgt>
+                                        </p:tgtEl>
+                                        <p:attrNameLst>
+                                          <p:attrName>style.visibility</p:attrName>
+                                        </p:attrNameLst>
+                                      </p:cBhvr>
+                                      <p:to>
+                                        <p:strVal val="visible"/>
+                                      </p:to>
+                                    </p:set>
+                                    <p:animEffect transition="in" filter="fade">
+                                      <p:cBhvr>
+                                        <p:cTn id="75" dur="500"/>
+                                        <p:tgtEl>
+                                          <p:spTgt spid="3">
+                                            <p:txEl>
+                                              <p:pRg st="10" end="10"/>
+                                            </p:txEl>
+                                          </p:spTgt>
+                                        </p:tgtEl>
+                                      </p:cBhvr>
+                                    </p:animEffect>
+                                  </p:childTnLst>
+                                </p:cTn>
+                              </p:par>
+                            </p:childTnLst>
+                          </p:cTn>
+                        </p:par>
+                      </p:childTnLst>
+                    </p:cTn>
+                  </p:par>
+                </p:childTnLst>
+              </p:cTn>
+              <p:prevCondLst>
+                <p:cond evt="onPrev" delay="0">
+                  <p:tgtEl>
+                    <p:sldTgt/>
+                  </p:tgtEl>
+                </p:cond>
+              </p:prevCondLst>
+              <p:nextCondLst>
+                <p:cond evt="onNext" delay="0">
+                  <p:tgtEl>
+                    <p:sldTgt/>
+                  </p:tgtEl>
+                </p:cond>
+              </p:nextCondLst>
+            </p:seq>
+          </p:childTnLst>
+        </p:cTn>
+      </p:par>
+    </p:tnLst>
+  </p:timing>
 </p:sld>
 </file>
 
@@ -14743,6 +19382,92 @@
   <p:clrMapOvr>
     <a:masterClrMapping/>
   </p:clrMapOvr>
+  <p:timing>
+    <p:tnLst>
+      <p:par>
+        <p:cTn id="1" dur="indefinite" restart="never" nodeType="tmRoot">
+          <p:childTnLst>
+            <p:seq concurrent="1" nextAc="seek">
+              <p:cTn id="2" dur="indefinite" nodeType="mainSeq">
+                <p:childTnLst>
+                  <p:par>
+                    <p:cTn id="3" fill="hold">
+                      <p:stCondLst>
+                        <p:cond delay="indefinite"/>
+                      </p:stCondLst>
+                      <p:childTnLst>
+                        <p:par>
+                          <p:cTn id="4" fill="hold">
+                            <p:stCondLst>
+                              <p:cond delay="0"/>
+                            </p:stCondLst>
+                            <p:childTnLst>
+                              <p:par>
+                                <p:cTn id="5" presetID="10" presetClass="entr" presetSubtype="0" fill="hold" grpId="0" nodeType="clickEffect">
+                                  <p:stCondLst>
+                                    <p:cond delay="0"/>
+                                  </p:stCondLst>
+                                  <p:childTnLst>
+                                    <p:set>
+                                      <p:cBhvr>
+                                        <p:cTn id="6" dur="1" fill="hold">
+                                          <p:stCondLst>
+                                            <p:cond delay="0"/>
+                                          </p:stCondLst>
+                                        </p:cTn>
+                                        <p:tgtEl>
+                                          <p:spTgt spid="4"/>
+                                        </p:tgtEl>
+                                        <p:attrNameLst>
+                                          <p:attrName>style.visibility</p:attrName>
+                                        </p:attrNameLst>
+                                      </p:cBhvr>
+                                      <p:to>
+                                        <p:strVal val="visible"/>
+                                      </p:to>
+                                    </p:set>
+                                    <p:animEffect transition="in" filter="fade">
+                                      <p:cBhvr>
+                                        <p:cTn id="7" dur="500"/>
+                                        <p:tgtEl>
+                                          <p:spTgt spid="4"/>
+                                        </p:tgtEl>
+                                      </p:cBhvr>
+                                    </p:animEffect>
+                                  </p:childTnLst>
+                                </p:cTn>
+                              </p:par>
+                            </p:childTnLst>
+                          </p:cTn>
+                        </p:par>
+                      </p:childTnLst>
+                    </p:cTn>
+                  </p:par>
+                </p:childTnLst>
+              </p:cTn>
+              <p:prevCondLst>
+                <p:cond evt="onPrev" delay="0">
+                  <p:tgtEl>
+                    <p:sldTgt/>
+                  </p:tgtEl>
+                </p:cond>
+              </p:prevCondLst>
+              <p:nextCondLst>
+                <p:cond evt="onNext" delay="0">
+                  <p:tgtEl>
+                    <p:sldTgt/>
+                  </p:tgtEl>
+                </p:cond>
+              </p:nextCondLst>
+            </p:seq>
+          </p:childTnLst>
+        </p:cTn>
+      </p:par>
+    </p:tnLst>
+    <p:bldLst>
+      <p:bldP spid="4" grpId="0"/>
+    </p:bldLst>
+  </p:timing>
 </p:sld>
 </file>
 
@@ -15055,6 +19780,13 @@
   <p:clrMapOvr>
     <a:masterClrMapping/>
   </p:clrMapOvr>
+  <p:timing>
+    <p:tnLst>
+      <p:par>
+        <p:cTn id="1" dur="indefinite" restart="never" nodeType="tmRoot"/>
+      </p:par>
+    </p:tnLst>
+  </p:timing>
 </p:sld>
 </file>
 
@@ -17051,6 +21783,968 @@
   <p:clrMapOvr>
     <a:masterClrMapping/>
   </p:clrMapOvr>
+  <p:timing>
+    <p:tnLst>
+      <p:par>
+        <p:cTn id="1" dur="indefinite" restart="never" nodeType="tmRoot">
+          <p:childTnLst>
+            <p:seq concurrent="1" nextAc="seek">
+              <p:cTn id="2" dur="indefinite" nodeType="mainSeq">
+                <p:childTnLst>
+                  <p:par>
+                    <p:cTn id="3" fill="hold">
+                      <p:stCondLst>
+                        <p:cond delay="indefinite"/>
+                      </p:stCondLst>
+                      <p:childTnLst>
+                        <p:par>
+                          <p:cTn id="4" fill="hold">
+                            <p:stCondLst>
+                              <p:cond delay="0"/>
+                            </p:stCondLst>
+                            <p:childTnLst>
+                              <p:par>
+                                <p:cTn id="5" presetID="10" presetClass="entr" presetSubtype="0" fill="hold" nodeType="clickEffect">
+                                  <p:stCondLst>
+                                    <p:cond delay="0"/>
+                                  </p:stCondLst>
+                                  <p:childTnLst>
+                                    <p:set>
+                                      <p:cBhvr>
+                                        <p:cTn id="6" dur="1" fill="hold">
+                                          <p:stCondLst>
+                                            <p:cond delay="0"/>
+                                          </p:stCondLst>
+                                        </p:cTn>
+                                        <p:tgtEl>
+                                          <p:spTgt spid="3">
+                                            <p:txEl>
+                                              <p:pRg st="8" end="8"/>
+                                            </p:txEl>
+                                          </p:spTgt>
+                                        </p:tgtEl>
+                                        <p:attrNameLst>
+                                          <p:attrName>style.visibility</p:attrName>
+                                        </p:attrNameLst>
+                                      </p:cBhvr>
+                                      <p:to>
+                                        <p:strVal val="visible"/>
+                                      </p:to>
+                                    </p:set>
+                                    <p:animEffect transition="in" filter="fade">
+                                      <p:cBhvr>
+                                        <p:cTn id="7" dur="500"/>
+                                        <p:tgtEl>
+                                          <p:spTgt spid="3">
+                                            <p:txEl>
+                                              <p:pRg st="8" end="8"/>
+                                            </p:txEl>
+                                          </p:spTgt>
+                                        </p:tgtEl>
+                                      </p:cBhvr>
+                                    </p:animEffect>
+                                  </p:childTnLst>
+                                </p:cTn>
+                              </p:par>
+                              <p:par>
+                                <p:cTn id="8" presetID="10" presetClass="entr" presetSubtype="0" fill="hold" nodeType="withEffect">
+                                  <p:stCondLst>
+                                    <p:cond delay="0"/>
+                                  </p:stCondLst>
+                                  <p:childTnLst>
+                                    <p:set>
+                                      <p:cBhvr>
+                                        <p:cTn id="9" dur="1" fill="hold">
+                                          <p:stCondLst>
+                                            <p:cond delay="0"/>
+                                          </p:stCondLst>
+                                        </p:cTn>
+                                        <p:tgtEl>
+                                          <p:spTgt spid="3">
+                                            <p:txEl>
+                                              <p:pRg st="9" end="9"/>
+                                            </p:txEl>
+                                          </p:spTgt>
+                                        </p:tgtEl>
+                                        <p:attrNameLst>
+                                          <p:attrName>style.visibility</p:attrName>
+                                        </p:attrNameLst>
+                                      </p:cBhvr>
+                                      <p:to>
+                                        <p:strVal val="visible"/>
+                                      </p:to>
+                                    </p:set>
+                                    <p:animEffect transition="in" filter="fade">
+                                      <p:cBhvr>
+                                        <p:cTn id="10" dur="500"/>
+                                        <p:tgtEl>
+                                          <p:spTgt spid="3">
+                                            <p:txEl>
+                                              <p:pRg st="9" end="9"/>
+                                            </p:txEl>
+                                          </p:spTgt>
+                                        </p:tgtEl>
+                                      </p:cBhvr>
+                                    </p:animEffect>
+                                  </p:childTnLst>
+                                </p:cTn>
+                              </p:par>
+                              <p:par>
+                                <p:cTn id="11" presetID="10" presetClass="entr" presetSubtype="0" fill="hold" nodeType="withEffect">
+                                  <p:stCondLst>
+                                    <p:cond delay="0"/>
+                                  </p:stCondLst>
+                                  <p:childTnLst>
+                                    <p:set>
+                                      <p:cBhvr>
+                                        <p:cTn id="12" dur="1" fill="hold">
+                                          <p:stCondLst>
+                                            <p:cond delay="0"/>
+                                          </p:stCondLst>
+                                        </p:cTn>
+                                        <p:tgtEl>
+                                          <p:spTgt spid="3">
+                                            <p:txEl>
+                                              <p:pRg st="10" end="10"/>
+                                            </p:txEl>
+                                          </p:spTgt>
+                                        </p:tgtEl>
+                                        <p:attrNameLst>
+                                          <p:attrName>style.visibility</p:attrName>
+                                        </p:attrNameLst>
+                                      </p:cBhvr>
+                                      <p:to>
+                                        <p:strVal val="visible"/>
+                                      </p:to>
+                                    </p:set>
+                                    <p:animEffect transition="in" filter="fade">
+                                      <p:cBhvr>
+                                        <p:cTn id="13" dur="500"/>
+                                        <p:tgtEl>
+                                          <p:spTgt spid="3">
+                                            <p:txEl>
+                                              <p:pRg st="10" end="10"/>
+                                            </p:txEl>
+                                          </p:spTgt>
+                                        </p:tgtEl>
+                                      </p:cBhvr>
+                                    </p:animEffect>
+                                  </p:childTnLst>
+                                </p:cTn>
+                              </p:par>
+                              <p:par>
+                                <p:cTn id="14" presetID="10" presetClass="entr" presetSubtype="0" fill="hold" nodeType="withEffect">
+                                  <p:stCondLst>
+                                    <p:cond delay="0"/>
+                                  </p:stCondLst>
+                                  <p:childTnLst>
+                                    <p:set>
+                                      <p:cBhvr>
+                                        <p:cTn id="15" dur="1" fill="hold">
+                                          <p:stCondLst>
+                                            <p:cond delay="0"/>
+                                          </p:stCondLst>
+                                        </p:cTn>
+                                        <p:tgtEl>
+                                          <p:spTgt spid="3">
+                                            <p:txEl>
+                                              <p:pRg st="11" end="11"/>
+                                            </p:txEl>
+                                          </p:spTgt>
+                                        </p:tgtEl>
+                                        <p:attrNameLst>
+                                          <p:attrName>style.visibility</p:attrName>
+                                        </p:attrNameLst>
+                                      </p:cBhvr>
+                                      <p:to>
+                                        <p:strVal val="visible"/>
+                                      </p:to>
+                                    </p:set>
+                                    <p:animEffect transition="in" filter="fade">
+                                      <p:cBhvr>
+                                        <p:cTn id="16" dur="500"/>
+                                        <p:tgtEl>
+                                          <p:spTgt spid="3">
+                                            <p:txEl>
+                                              <p:pRg st="11" end="11"/>
+                                            </p:txEl>
+                                          </p:spTgt>
+                                        </p:tgtEl>
+                                      </p:cBhvr>
+                                    </p:animEffect>
+                                  </p:childTnLst>
+                                </p:cTn>
+                              </p:par>
+                              <p:par>
+                                <p:cTn id="17" presetID="10" presetClass="entr" presetSubtype="0" fill="hold" nodeType="withEffect">
+                                  <p:stCondLst>
+                                    <p:cond delay="0"/>
+                                  </p:stCondLst>
+                                  <p:childTnLst>
+                                    <p:set>
+                                      <p:cBhvr>
+                                        <p:cTn id="18" dur="1" fill="hold">
+                                          <p:stCondLst>
+                                            <p:cond delay="0"/>
+                                          </p:stCondLst>
+                                        </p:cTn>
+                                        <p:tgtEl>
+                                          <p:spTgt spid="3">
+                                            <p:txEl>
+                                              <p:pRg st="12" end="12"/>
+                                            </p:txEl>
+                                          </p:spTgt>
+                                        </p:tgtEl>
+                                        <p:attrNameLst>
+                                          <p:attrName>style.visibility</p:attrName>
+                                        </p:attrNameLst>
+                                      </p:cBhvr>
+                                      <p:to>
+                                        <p:strVal val="visible"/>
+                                      </p:to>
+                                    </p:set>
+                                    <p:animEffect transition="in" filter="fade">
+                                      <p:cBhvr>
+                                        <p:cTn id="19" dur="500"/>
+                                        <p:tgtEl>
+                                          <p:spTgt spid="3">
+                                            <p:txEl>
+                                              <p:pRg st="12" end="12"/>
+                                            </p:txEl>
+                                          </p:spTgt>
+                                        </p:tgtEl>
+                                      </p:cBhvr>
+                                    </p:animEffect>
+                                  </p:childTnLst>
+                                </p:cTn>
+                              </p:par>
+                              <p:par>
+                                <p:cTn id="20" presetID="10" presetClass="entr" presetSubtype="0" fill="hold" nodeType="withEffect">
+                                  <p:stCondLst>
+                                    <p:cond delay="0"/>
+                                  </p:stCondLst>
+                                  <p:childTnLst>
+                                    <p:set>
+                                      <p:cBhvr>
+                                        <p:cTn id="21" dur="1" fill="hold">
+                                          <p:stCondLst>
+                                            <p:cond delay="0"/>
+                                          </p:stCondLst>
+                                        </p:cTn>
+                                        <p:tgtEl>
+                                          <p:spTgt spid="3">
+                                            <p:txEl>
+                                              <p:pRg st="13" end="13"/>
+                                            </p:txEl>
+                                          </p:spTgt>
+                                        </p:tgtEl>
+                                        <p:attrNameLst>
+                                          <p:attrName>style.visibility</p:attrName>
+                                        </p:attrNameLst>
+                                      </p:cBhvr>
+                                      <p:to>
+                                        <p:strVal val="visible"/>
+                                      </p:to>
+                                    </p:set>
+                                    <p:animEffect transition="in" filter="fade">
+                                      <p:cBhvr>
+                                        <p:cTn id="22" dur="500"/>
+                                        <p:tgtEl>
+                                          <p:spTgt spid="3">
+                                            <p:txEl>
+                                              <p:pRg st="13" end="13"/>
+                                            </p:txEl>
+                                          </p:spTgt>
+                                        </p:tgtEl>
+                                      </p:cBhvr>
+                                    </p:animEffect>
+                                  </p:childTnLst>
+                                </p:cTn>
+                              </p:par>
+                              <p:par>
+                                <p:cTn id="23" presetID="10" presetClass="entr" presetSubtype="0" fill="hold" nodeType="withEffect">
+                                  <p:stCondLst>
+                                    <p:cond delay="0"/>
+                                  </p:stCondLst>
+                                  <p:childTnLst>
+                                    <p:set>
+                                      <p:cBhvr>
+                                        <p:cTn id="24" dur="1" fill="hold">
+                                          <p:stCondLst>
+                                            <p:cond delay="0"/>
+                                          </p:stCondLst>
+                                        </p:cTn>
+                                        <p:tgtEl>
+                                          <p:spTgt spid="3">
+                                            <p:txEl>
+                                              <p:pRg st="14" end="14"/>
+                                            </p:txEl>
+                                          </p:spTgt>
+                                        </p:tgtEl>
+                                        <p:attrNameLst>
+                                          <p:attrName>style.visibility</p:attrName>
+                                        </p:attrNameLst>
+                                      </p:cBhvr>
+                                      <p:to>
+                                        <p:strVal val="visible"/>
+                                      </p:to>
+                                    </p:set>
+                                    <p:animEffect transition="in" filter="fade">
+                                      <p:cBhvr>
+                                        <p:cTn id="25" dur="500"/>
+                                        <p:tgtEl>
+                                          <p:spTgt spid="3">
+                                            <p:txEl>
+                                              <p:pRg st="14" end="14"/>
+                                            </p:txEl>
+                                          </p:spTgt>
+                                        </p:tgtEl>
+                                      </p:cBhvr>
+                                    </p:animEffect>
+                                  </p:childTnLst>
+                                </p:cTn>
+                              </p:par>
+                              <p:par>
+                                <p:cTn id="26" presetID="10" presetClass="entr" presetSubtype="0" fill="hold" nodeType="withEffect">
+                                  <p:stCondLst>
+                                    <p:cond delay="0"/>
+                                  </p:stCondLst>
+                                  <p:childTnLst>
+                                    <p:set>
+                                      <p:cBhvr>
+                                        <p:cTn id="27" dur="1" fill="hold">
+                                          <p:stCondLst>
+                                            <p:cond delay="0"/>
+                                          </p:stCondLst>
+                                        </p:cTn>
+                                        <p:tgtEl>
+                                          <p:spTgt spid="3">
+                                            <p:txEl>
+                                              <p:pRg st="15" end="15"/>
+                                            </p:txEl>
+                                          </p:spTgt>
+                                        </p:tgtEl>
+                                        <p:attrNameLst>
+                                          <p:attrName>style.visibility</p:attrName>
+                                        </p:attrNameLst>
+                                      </p:cBhvr>
+                                      <p:to>
+                                        <p:strVal val="visible"/>
+                                      </p:to>
+                                    </p:set>
+                                    <p:animEffect transition="in" filter="fade">
+                                      <p:cBhvr>
+                                        <p:cTn id="28" dur="500"/>
+                                        <p:tgtEl>
+                                          <p:spTgt spid="3">
+                                            <p:txEl>
+                                              <p:pRg st="15" end="15"/>
+                                            </p:txEl>
+                                          </p:spTgt>
+                                        </p:tgtEl>
+                                      </p:cBhvr>
+                                    </p:animEffect>
+                                  </p:childTnLst>
+                                </p:cTn>
+                              </p:par>
+                            </p:childTnLst>
+                          </p:cTn>
+                        </p:par>
+                      </p:childTnLst>
+                    </p:cTn>
+                  </p:par>
+                  <p:par>
+                    <p:cTn id="29" fill="hold">
+                      <p:stCondLst>
+                        <p:cond delay="indefinite"/>
+                      </p:stCondLst>
+                      <p:childTnLst>
+                        <p:par>
+                          <p:cTn id="30" fill="hold">
+                            <p:stCondLst>
+                              <p:cond delay="0"/>
+                            </p:stCondLst>
+                            <p:childTnLst>
+                              <p:par>
+                                <p:cTn id="31" presetID="10" presetClass="entr" presetSubtype="0" fill="hold" nodeType="clickEffect">
+                                  <p:stCondLst>
+                                    <p:cond delay="0"/>
+                                  </p:stCondLst>
+                                  <p:childTnLst>
+                                    <p:set>
+                                      <p:cBhvr>
+                                        <p:cTn id="32" dur="1" fill="hold">
+                                          <p:stCondLst>
+                                            <p:cond delay="0"/>
+                                          </p:stCondLst>
+                                        </p:cTn>
+                                        <p:tgtEl>
+                                          <p:spTgt spid="3">
+                                            <p:txEl>
+                                              <p:pRg st="17" end="17"/>
+                                            </p:txEl>
+                                          </p:spTgt>
+                                        </p:tgtEl>
+                                        <p:attrNameLst>
+                                          <p:attrName>style.visibility</p:attrName>
+                                        </p:attrNameLst>
+                                      </p:cBhvr>
+                                      <p:to>
+                                        <p:strVal val="visible"/>
+                                      </p:to>
+                                    </p:set>
+                                    <p:animEffect transition="in" filter="fade">
+                                      <p:cBhvr>
+                                        <p:cTn id="33" dur="500"/>
+                                        <p:tgtEl>
+                                          <p:spTgt spid="3">
+                                            <p:txEl>
+                                              <p:pRg st="17" end="17"/>
+                                            </p:txEl>
+                                          </p:spTgt>
+                                        </p:tgtEl>
+                                      </p:cBhvr>
+                                    </p:animEffect>
+                                  </p:childTnLst>
+                                </p:cTn>
+                              </p:par>
+                              <p:par>
+                                <p:cTn id="34" presetID="10" presetClass="entr" presetSubtype="0" fill="hold" nodeType="withEffect">
+                                  <p:stCondLst>
+                                    <p:cond delay="0"/>
+                                  </p:stCondLst>
+                                  <p:childTnLst>
+                                    <p:set>
+                                      <p:cBhvr>
+                                        <p:cTn id="35" dur="1" fill="hold">
+                                          <p:stCondLst>
+                                            <p:cond delay="0"/>
+                                          </p:stCondLst>
+                                        </p:cTn>
+                                        <p:tgtEl>
+                                          <p:spTgt spid="3">
+                                            <p:txEl>
+                                              <p:pRg st="18" end="18"/>
+                                            </p:txEl>
+                                          </p:spTgt>
+                                        </p:tgtEl>
+                                        <p:attrNameLst>
+                                          <p:attrName>style.visibility</p:attrName>
+                                        </p:attrNameLst>
+                                      </p:cBhvr>
+                                      <p:to>
+                                        <p:strVal val="visible"/>
+                                      </p:to>
+                                    </p:set>
+                                    <p:animEffect transition="in" filter="fade">
+                                      <p:cBhvr>
+                                        <p:cTn id="36" dur="500"/>
+                                        <p:tgtEl>
+                                          <p:spTgt spid="3">
+                                            <p:txEl>
+                                              <p:pRg st="18" end="18"/>
+                                            </p:txEl>
+                                          </p:spTgt>
+                                        </p:tgtEl>
+                                      </p:cBhvr>
+                                    </p:animEffect>
+                                  </p:childTnLst>
+                                </p:cTn>
+                              </p:par>
+                              <p:par>
+                                <p:cTn id="37" presetID="10" presetClass="entr" presetSubtype="0" fill="hold" nodeType="withEffect">
+                                  <p:stCondLst>
+                                    <p:cond delay="0"/>
+                                  </p:stCondLst>
+                                  <p:childTnLst>
+                                    <p:set>
+                                      <p:cBhvr>
+                                        <p:cTn id="38" dur="1" fill="hold">
+                                          <p:stCondLst>
+                                            <p:cond delay="0"/>
+                                          </p:stCondLst>
+                                        </p:cTn>
+                                        <p:tgtEl>
+                                          <p:spTgt spid="3">
+                                            <p:txEl>
+                                              <p:pRg st="19" end="19"/>
+                                            </p:txEl>
+                                          </p:spTgt>
+                                        </p:tgtEl>
+                                        <p:attrNameLst>
+                                          <p:attrName>style.visibility</p:attrName>
+                                        </p:attrNameLst>
+                                      </p:cBhvr>
+                                      <p:to>
+                                        <p:strVal val="visible"/>
+                                      </p:to>
+                                    </p:set>
+                                    <p:animEffect transition="in" filter="fade">
+                                      <p:cBhvr>
+                                        <p:cTn id="39" dur="500"/>
+                                        <p:tgtEl>
+                                          <p:spTgt spid="3">
+                                            <p:txEl>
+                                              <p:pRg st="19" end="19"/>
+                                            </p:txEl>
+                                          </p:spTgt>
+                                        </p:tgtEl>
+                                      </p:cBhvr>
+                                    </p:animEffect>
+                                  </p:childTnLst>
+                                </p:cTn>
+                              </p:par>
+                              <p:par>
+                                <p:cTn id="40" presetID="10" presetClass="entr" presetSubtype="0" fill="hold" nodeType="withEffect">
+                                  <p:stCondLst>
+                                    <p:cond delay="0"/>
+                                  </p:stCondLst>
+                                  <p:childTnLst>
+                                    <p:set>
+                                      <p:cBhvr>
+                                        <p:cTn id="41" dur="1" fill="hold">
+                                          <p:stCondLst>
+                                            <p:cond delay="0"/>
+                                          </p:stCondLst>
+                                        </p:cTn>
+                                        <p:tgtEl>
+                                          <p:spTgt spid="3">
+                                            <p:txEl>
+                                              <p:pRg st="20" end="20"/>
+                                            </p:txEl>
+                                          </p:spTgt>
+                                        </p:tgtEl>
+                                        <p:attrNameLst>
+                                          <p:attrName>style.visibility</p:attrName>
+                                        </p:attrNameLst>
+                                      </p:cBhvr>
+                                      <p:to>
+                                        <p:strVal val="visible"/>
+                                      </p:to>
+                                    </p:set>
+                                    <p:animEffect transition="in" filter="fade">
+                                      <p:cBhvr>
+                                        <p:cTn id="42" dur="500"/>
+                                        <p:tgtEl>
+                                          <p:spTgt spid="3">
+                                            <p:txEl>
+                                              <p:pRg st="20" end="20"/>
+                                            </p:txEl>
+                                          </p:spTgt>
+                                        </p:tgtEl>
+                                      </p:cBhvr>
+                                    </p:animEffect>
+                                  </p:childTnLst>
+                                </p:cTn>
+                              </p:par>
+                            </p:childTnLst>
+                          </p:cTn>
+                        </p:par>
+                      </p:childTnLst>
+                    </p:cTn>
+                  </p:par>
+                  <p:par>
+                    <p:cTn id="43" fill="hold">
+                      <p:stCondLst>
+                        <p:cond delay="indefinite"/>
+                      </p:stCondLst>
+                      <p:childTnLst>
+                        <p:par>
+                          <p:cTn id="44" fill="hold">
+                            <p:stCondLst>
+                              <p:cond delay="0"/>
+                            </p:stCondLst>
+                            <p:childTnLst>
+                              <p:par>
+                                <p:cTn id="45" presetID="10" presetClass="entr" presetSubtype="0" fill="hold" nodeType="clickEffect">
+                                  <p:stCondLst>
+                                    <p:cond delay="0"/>
+                                  </p:stCondLst>
+                                  <p:childTnLst>
+                                    <p:set>
+                                      <p:cBhvr>
+                                        <p:cTn id="46" dur="1" fill="hold">
+                                          <p:stCondLst>
+                                            <p:cond delay="0"/>
+                                          </p:stCondLst>
+                                        </p:cTn>
+                                        <p:tgtEl>
+                                          <p:spTgt spid="3">
+                                            <p:txEl>
+                                              <p:pRg st="21" end="21"/>
+                                            </p:txEl>
+                                          </p:spTgt>
+                                        </p:tgtEl>
+                                        <p:attrNameLst>
+                                          <p:attrName>style.visibility</p:attrName>
+                                        </p:attrNameLst>
+                                      </p:cBhvr>
+                                      <p:to>
+                                        <p:strVal val="visible"/>
+                                      </p:to>
+                                    </p:set>
+                                    <p:animEffect transition="in" filter="fade">
+                                      <p:cBhvr>
+                                        <p:cTn id="47" dur="500"/>
+                                        <p:tgtEl>
+                                          <p:spTgt spid="3">
+                                            <p:txEl>
+                                              <p:pRg st="21" end="21"/>
+                                            </p:txEl>
+                                          </p:spTgt>
+                                        </p:tgtEl>
+                                      </p:cBhvr>
+                                    </p:animEffect>
+                                  </p:childTnLst>
+                                </p:cTn>
+                              </p:par>
+                              <p:par>
+                                <p:cTn id="48" presetID="10" presetClass="entr" presetSubtype="0" fill="hold" nodeType="withEffect">
+                                  <p:stCondLst>
+                                    <p:cond delay="0"/>
+                                  </p:stCondLst>
+                                  <p:childTnLst>
+                                    <p:set>
+                                      <p:cBhvr>
+                                        <p:cTn id="49" dur="1" fill="hold">
+                                          <p:stCondLst>
+                                            <p:cond delay="0"/>
+                                          </p:stCondLst>
+                                        </p:cTn>
+                                        <p:tgtEl>
+                                          <p:spTgt spid="3">
+                                            <p:txEl>
+                                              <p:pRg st="22" end="22"/>
+                                            </p:txEl>
+                                          </p:spTgt>
+                                        </p:tgtEl>
+                                        <p:attrNameLst>
+                                          <p:attrName>style.visibility</p:attrName>
+                                        </p:attrNameLst>
+                                      </p:cBhvr>
+                                      <p:to>
+                                        <p:strVal val="visible"/>
+                                      </p:to>
+                                    </p:set>
+                                    <p:animEffect transition="in" filter="fade">
+                                      <p:cBhvr>
+                                        <p:cTn id="50" dur="500"/>
+                                        <p:tgtEl>
+                                          <p:spTgt spid="3">
+                                            <p:txEl>
+                                              <p:pRg st="22" end="22"/>
+                                            </p:txEl>
+                                          </p:spTgt>
+                                        </p:tgtEl>
+                                      </p:cBhvr>
+                                    </p:animEffect>
+                                  </p:childTnLst>
+                                </p:cTn>
+                              </p:par>
+                              <p:par>
+                                <p:cTn id="51" presetID="10" presetClass="entr" presetSubtype="0" fill="hold" nodeType="withEffect">
+                                  <p:stCondLst>
+                                    <p:cond delay="0"/>
+                                  </p:stCondLst>
+                                  <p:childTnLst>
+                                    <p:set>
+                                      <p:cBhvr>
+                                        <p:cTn id="52" dur="1" fill="hold">
+                                          <p:stCondLst>
+                                            <p:cond delay="0"/>
+                                          </p:stCondLst>
+                                        </p:cTn>
+                                        <p:tgtEl>
+                                          <p:spTgt spid="3">
+                                            <p:txEl>
+                                              <p:pRg st="23" end="23"/>
+                                            </p:txEl>
+                                          </p:spTgt>
+                                        </p:tgtEl>
+                                        <p:attrNameLst>
+                                          <p:attrName>style.visibility</p:attrName>
+                                        </p:attrNameLst>
+                                      </p:cBhvr>
+                                      <p:to>
+                                        <p:strVal val="visible"/>
+                                      </p:to>
+                                    </p:set>
+                                    <p:animEffect transition="in" filter="fade">
+                                      <p:cBhvr>
+                                        <p:cTn id="53" dur="500"/>
+                                        <p:tgtEl>
+                                          <p:spTgt spid="3">
+                                            <p:txEl>
+                                              <p:pRg st="23" end="23"/>
+                                            </p:txEl>
+                                          </p:spTgt>
+                                        </p:tgtEl>
+                                      </p:cBhvr>
+                                    </p:animEffect>
+                                  </p:childTnLst>
+                                </p:cTn>
+                              </p:par>
+                              <p:par>
+                                <p:cTn id="54" presetID="10" presetClass="entr" presetSubtype="0" fill="hold" nodeType="withEffect">
+                                  <p:stCondLst>
+                                    <p:cond delay="0"/>
+                                  </p:stCondLst>
+                                  <p:childTnLst>
+                                    <p:set>
+                                      <p:cBhvr>
+                                        <p:cTn id="55" dur="1" fill="hold">
+                                          <p:stCondLst>
+                                            <p:cond delay="0"/>
+                                          </p:stCondLst>
+                                        </p:cTn>
+                                        <p:tgtEl>
+                                          <p:spTgt spid="3">
+                                            <p:txEl>
+                                              <p:pRg st="24" end="24"/>
+                                            </p:txEl>
+                                          </p:spTgt>
+                                        </p:tgtEl>
+                                        <p:attrNameLst>
+                                          <p:attrName>style.visibility</p:attrName>
+                                        </p:attrNameLst>
+                                      </p:cBhvr>
+                                      <p:to>
+                                        <p:strVal val="visible"/>
+                                      </p:to>
+                                    </p:set>
+                                    <p:animEffect transition="in" filter="fade">
+                                      <p:cBhvr>
+                                        <p:cTn id="56" dur="500"/>
+                                        <p:tgtEl>
+                                          <p:spTgt spid="3">
+                                            <p:txEl>
+                                              <p:pRg st="24" end="24"/>
+                                            </p:txEl>
+                                          </p:spTgt>
+                                        </p:tgtEl>
+                                      </p:cBhvr>
+                                    </p:animEffect>
+                                  </p:childTnLst>
+                                </p:cTn>
+                              </p:par>
+                            </p:childTnLst>
+                          </p:cTn>
+                        </p:par>
+                      </p:childTnLst>
+                    </p:cTn>
+                  </p:par>
+                  <p:par>
+                    <p:cTn id="57" fill="hold">
+                      <p:stCondLst>
+                        <p:cond delay="indefinite"/>
+                      </p:stCondLst>
+                      <p:childTnLst>
+                        <p:par>
+                          <p:cTn id="58" fill="hold">
+                            <p:stCondLst>
+                              <p:cond delay="0"/>
+                            </p:stCondLst>
+                            <p:childTnLst>
+                              <p:par>
+                                <p:cTn id="59" presetID="10" presetClass="entr" presetSubtype="0" fill="hold" nodeType="clickEffect">
+                                  <p:stCondLst>
+                                    <p:cond delay="0"/>
+                                  </p:stCondLst>
+                                  <p:childTnLst>
+                                    <p:set>
+                                      <p:cBhvr>
+                                        <p:cTn id="60" dur="1" fill="hold">
+                                          <p:stCondLst>
+                                            <p:cond delay="0"/>
+                                          </p:stCondLst>
+                                        </p:cTn>
+                                        <p:tgtEl>
+                                          <p:spTgt spid="3">
+                                            <p:txEl>
+                                              <p:pRg st="25" end="25"/>
+                                            </p:txEl>
+                                          </p:spTgt>
+                                        </p:tgtEl>
+                                        <p:attrNameLst>
+                                          <p:attrName>style.visibility</p:attrName>
+                                        </p:attrNameLst>
+                                      </p:cBhvr>
+                                      <p:to>
+                                        <p:strVal val="visible"/>
+                                      </p:to>
+                                    </p:set>
+                                    <p:animEffect transition="in" filter="fade">
+                                      <p:cBhvr>
+                                        <p:cTn id="61" dur="500"/>
+                                        <p:tgtEl>
+                                          <p:spTgt spid="3">
+                                            <p:txEl>
+                                              <p:pRg st="25" end="25"/>
+                                            </p:txEl>
+                                          </p:spTgt>
+                                        </p:tgtEl>
+                                      </p:cBhvr>
+                                    </p:animEffect>
+                                  </p:childTnLst>
+                                </p:cTn>
+                              </p:par>
+                              <p:par>
+                                <p:cTn id="62" presetID="10" presetClass="entr" presetSubtype="0" fill="hold" nodeType="withEffect">
+                                  <p:stCondLst>
+                                    <p:cond delay="0"/>
+                                  </p:stCondLst>
+                                  <p:childTnLst>
+                                    <p:set>
+                                      <p:cBhvr>
+                                        <p:cTn id="63" dur="1" fill="hold">
+                                          <p:stCondLst>
+                                            <p:cond delay="0"/>
+                                          </p:stCondLst>
+                                        </p:cTn>
+                                        <p:tgtEl>
+                                          <p:spTgt spid="3">
+                                            <p:txEl>
+                                              <p:pRg st="26" end="26"/>
+                                            </p:txEl>
+                                          </p:spTgt>
+                                        </p:tgtEl>
+                                        <p:attrNameLst>
+                                          <p:attrName>style.visibility</p:attrName>
+                                        </p:attrNameLst>
+                                      </p:cBhvr>
+                                      <p:to>
+                                        <p:strVal val="visible"/>
+                                      </p:to>
+                                    </p:set>
+                                    <p:animEffect transition="in" filter="fade">
+                                      <p:cBhvr>
+                                        <p:cTn id="64" dur="500"/>
+                                        <p:tgtEl>
+                                          <p:spTgt spid="3">
+                                            <p:txEl>
+                                              <p:pRg st="26" end="26"/>
+                                            </p:txEl>
+                                          </p:spTgt>
+                                        </p:tgtEl>
+                                      </p:cBhvr>
+                                    </p:animEffect>
+                                  </p:childTnLst>
+                                </p:cTn>
+                              </p:par>
+                              <p:par>
+                                <p:cTn id="65" presetID="10" presetClass="entr" presetSubtype="0" fill="hold" nodeType="withEffect">
+                                  <p:stCondLst>
+                                    <p:cond delay="0"/>
+                                  </p:stCondLst>
+                                  <p:childTnLst>
+                                    <p:set>
+                                      <p:cBhvr>
+                                        <p:cTn id="66" dur="1" fill="hold">
+                                          <p:stCondLst>
+                                            <p:cond delay="0"/>
+                                          </p:stCondLst>
+                                        </p:cTn>
+                                        <p:tgtEl>
+                                          <p:spTgt spid="3">
+                                            <p:txEl>
+                                              <p:pRg st="27" end="27"/>
+                                            </p:txEl>
+                                          </p:spTgt>
+                                        </p:tgtEl>
+                                        <p:attrNameLst>
+                                          <p:attrName>style.visibility</p:attrName>
+                                        </p:attrNameLst>
+                                      </p:cBhvr>
+                                      <p:to>
+                                        <p:strVal val="visible"/>
+                                      </p:to>
+                                    </p:set>
+                                    <p:animEffect transition="in" filter="fade">
+                                      <p:cBhvr>
+                                        <p:cTn id="67" dur="500"/>
+                                        <p:tgtEl>
+                                          <p:spTgt spid="3">
+                                            <p:txEl>
+                                              <p:pRg st="27" end="27"/>
+                                            </p:txEl>
+                                          </p:spTgt>
+                                        </p:tgtEl>
+                                      </p:cBhvr>
+                                    </p:animEffect>
+                                  </p:childTnLst>
+                                </p:cTn>
+                              </p:par>
+                              <p:par>
+                                <p:cTn id="68" presetID="10" presetClass="entr" presetSubtype="0" fill="hold" nodeType="withEffect">
+                                  <p:stCondLst>
+                                    <p:cond delay="0"/>
+                                  </p:stCondLst>
+                                  <p:childTnLst>
+                                    <p:set>
+                                      <p:cBhvr>
+                                        <p:cTn id="69" dur="1" fill="hold">
+                                          <p:stCondLst>
+                                            <p:cond delay="0"/>
+                                          </p:stCondLst>
+                                        </p:cTn>
+                                        <p:tgtEl>
+                                          <p:spTgt spid="3">
+                                            <p:txEl>
+                                              <p:pRg st="28" end="28"/>
+                                            </p:txEl>
+                                          </p:spTgt>
+                                        </p:tgtEl>
+                                        <p:attrNameLst>
+                                          <p:attrName>style.visibility</p:attrName>
+                                        </p:attrNameLst>
+                                      </p:cBhvr>
+                                      <p:to>
+                                        <p:strVal val="visible"/>
+                                      </p:to>
+                                    </p:set>
+                                    <p:animEffect transition="in" filter="fade">
+                                      <p:cBhvr>
+                                        <p:cTn id="70" dur="500"/>
+                                        <p:tgtEl>
+                                          <p:spTgt spid="3">
+                                            <p:txEl>
+                                              <p:pRg st="28" end="28"/>
+                                            </p:txEl>
+                                          </p:spTgt>
+                                        </p:tgtEl>
+                                      </p:cBhvr>
+                                    </p:animEffect>
+                                  </p:childTnLst>
+                                </p:cTn>
+                              </p:par>
+                            </p:childTnLst>
+                          </p:cTn>
+                        </p:par>
+                      </p:childTnLst>
+                    </p:cTn>
+                  </p:par>
+                </p:childTnLst>
+              </p:cTn>
+              <p:prevCondLst>
+                <p:cond evt="onPrev" delay="0">
+                  <p:tgtEl>
+                    <p:sldTgt/>
+                  </p:tgtEl>
+                </p:cond>
+              </p:prevCondLst>
+              <p:nextCondLst>
+                <p:cond evt="onNext" delay="0">
+                  <p:tgtEl>
+                    <p:sldTgt/>
+                  </p:tgtEl>
+                </p:cond>
+              </p:nextCondLst>
+            </p:seq>
+          </p:childTnLst>
+        </p:cTn>
+      </p:par>
+    </p:tnLst>
+  </p:timing>
 </p:sld>
 </file>
 
@@ -18035,6 +23729,441 @@
   <p:clrMapOvr>
     <a:masterClrMapping/>
   </p:clrMapOvr>
+  <p:timing>
+    <p:tnLst>
+      <p:par>
+        <p:cTn id="1" dur="indefinite" restart="never" nodeType="tmRoot">
+          <p:childTnLst>
+            <p:seq concurrent="1" nextAc="seek">
+              <p:cTn id="2" dur="indefinite" nodeType="mainSeq">
+                <p:childTnLst>
+                  <p:par>
+                    <p:cTn id="3" fill="hold">
+                      <p:stCondLst>
+                        <p:cond delay="indefinite"/>
+                      </p:stCondLst>
+                      <p:childTnLst>
+                        <p:par>
+                          <p:cTn id="4" fill="hold">
+                            <p:stCondLst>
+                              <p:cond delay="0"/>
+                            </p:stCondLst>
+                            <p:childTnLst>
+                              <p:par>
+                                <p:cTn id="5" presetID="10" presetClass="entr" presetSubtype="0" fill="hold" nodeType="clickEffect">
+                                  <p:stCondLst>
+                                    <p:cond delay="0"/>
+                                  </p:stCondLst>
+                                  <p:childTnLst>
+                                    <p:set>
+                                      <p:cBhvr>
+                                        <p:cTn id="6" dur="1" fill="hold">
+                                          <p:stCondLst>
+                                            <p:cond delay="0"/>
+                                          </p:stCondLst>
+                                        </p:cTn>
+                                        <p:tgtEl>
+                                          <p:spTgt spid="3">
+                                            <p:txEl>
+                                              <p:pRg st="9" end="9"/>
+                                            </p:txEl>
+                                          </p:spTgt>
+                                        </p:tgtEl>
+                                        <p:attrNameLst>
+                                          <p:attrName>style.visibility</p:attrName>
+                                        </p:attrNameLst>
+                                      </p:cBhvr>
+                                      <p:to>
+                                        <p:strVal val="visible"/>
+                                      </p:to>
+                                    </p:set>
+                                    <p:animEffect transition="in" filter="fade">
+                                      <p:cBhvr>
+                                        <p:cTn id="7" dur="500"/>
+                                        <p:tgtEl>
+                                          <p:spTgt spid="3">
+                                            <p:txEl>
+                                              <p:pRg st="9" end="9"/>
+                                            </p:txEl>
+                                          </p:spTgt>
+                                        </p:tgtEl>
+                                      </p:cBhvr>
+                                    </p:animEffect>
+                                  </p:childTnLst>
+                                </p:cTn>
+                              </p:par>
+                              <p:par>
+                                <p:cTn id="8" presetID="10" presetClass="entr" presetSubtype="0" fill="hold" nodeType="withEffect">
+                                  <p:stCondLst>
+                                    <p:cond delay="0"/>
+                                  </p:stCondLst>
+                                  <p:childTnLst>
+                                    <p:set>
+                                      <p:cBhvr>
+                                        <p:cTn id="9" dur="1" fill="hold">
+                                          <p:stCondLst>
+                                            <p:cond delay="0"/>
+                                          </p:stCondLst>
+                                        </p:cTn>
+                                        <p:tgtEl>
+                                          <p:spTgt spid="3">
+                                            <p:txEl>
+                                              <p:pRg st="10" end="10"/>
+                                            </p:txEl>
+                                          </p:spTgt>
+                                        </p:tgtEl>
+                                        <p:attrNameLst>
+                                          <p:attrName>style.visibility</p:attrName>
+                                        </p:attrNameLst>
+                                      </p:cBhvr>
+                                      <p:to>
+                                        <p:strVal val="visible"/>
+                                      </p:to>
+                                    </p:set>
+                                    <p:animEffect transition="in" filter="fade">
+                                      <p:cBhvr>
+                                        <p:cTn id="10" dur="500"/>
+                                        <p:tgtEl>
+                                          <p:spTgt spid="3">
+                                            <p:txEl>
+                                              <p:pRg st="10" end="10"/>
+                                            </p:txEl>
+                                          </p:spTgt>
+                                        </p:tgtEl>
+                                      </p:cBhvr>
+                                    </p:animEffect>
+                                  </p:childTnLst>
+                                </p:cTn>
+                              </p:par>
+                              <p:par>
+                                <p:cTn id="11" presetID="10" presetClass="entr" presetSubtype="0" fill="hold" nodeType="withEffect">
+                                  <p:stCondLst>
+                                    <p:cond delay="0"/>
+                                  </p:stCondLst>
+                                  <p:childTnLst>
+                                    <p:set>
+                                      <p:cBhvr>
+                                        <p:cTn id="12" dur="1" fill="hold">
+                                          <p:stCondLst>
+                                            <p:cond delay="0"/>
+                                          </p:stCondLst>
+                                        </p:cTn>
+                                        <p:tgtEl>
+                                          <p:spTgt spid="3">
+                                            <p:txEl>
+                                              <p:pRg st="11" end="11"/>
+                                            </p:txEl>
+                                          </p:spTgt>
+                                        </p:tgtEl>
+                                        <p:attrNameLst>
+                                          <p:attrName>style.visibility</p:attrName>
+                                        </p:attrNameLst>
+                                      </p:cBhvr>
+                                      <p:to>
+                                        <p:strVal val="visible"/>
+                                      </p:to>
+                                    </p:set>
+                                    <p:animEffect transition="in" filter="fade">
+                                      <p:cBhvr>
+                                        <p:cTn id="13" dur="500"/>
+                                        <p:tgtEl>
+                                          <p:spTgt spid="3">
+                                            <p:txEl>
+                                              <p:pRg st="11" end="11"/>
+                                            </p:txEl>
+                                          </p:spTgt>
+                                        </p:tgtEl>
+                                      </p:cBhvr>
+                                    </p:animEffect>
+                                  </p:childTnLst>
+                                </p:cTn>
+                              </p:par>
+                              <p:par>
+                                <p:cTn id="14" presetID="10" presetClass="entr" presetSubtype="0" fill="hold" nodeType="withEffect">
+                                  <p:stCondLst>
+                                    <p:cond delay="0"/>
+                                  </p:stCondLst>
+                                  <p:childTnLst>
+                                    <p:set>
+                                      <p:cBhvr>
+                                        <p:cTn id="15" dur="1" fill="hold">
+                                          <p:stCondLst>
+                                            <p:cond delay="0"/>
+                                          </p:stCondLst>
+                                        </p:cTn>
+                                        <p:tgtEl>
+                                          <p:spTgt spid="3">
+                                            <p:txEl>
+                                              <p:pRg st="12" end="12"/>
+                                            </p:txEl>
+                                          </p:spTgt>
+                                        </p:tgtEl>
+                                        <p:attrNameLst>
+                                          <p:attrName>style.visibility</p:attrName>
+                                        </p:attrNameLst>
+                                      </p:cBhvr>
+                                      <p:to>
+                                        <p:strVal val="visible"/>
+                                      </p:to>
+                                    </p:set>
+                                    <p:animEffect transition="in" filter="fade">
+                                      <p:cBhvr>
+                                        <p:cTn id="16" dur="500"/>
+                                        <p:tgtEl>
+                                          <p:spTgt spid="3">
+                                            <p:txEl>
+                                              <p:pRg st="12" end="12"/>
+                                            </p:txEl>
+                                          </p:spTgt>
+                                        </p:tgtEl>
+                                      </p:cBhvr>
+                                    </p:animEffect>
+                                  </p:childTnLst>
+                                </p:cTn>
+                              </p:par>
+                              <p:par>
+                                <p:cTn id="17" presetID="10" presetClass="entr" presetSubtype="0" fill="hold" nodeType="withEffect">
+                                  <p:stCondLst>
+                                    <p:cond delay="0"/>
+                                  </p:stCondLst>
+                                  <p:childTnLst>
+                                    <p:set>
+                                      <p:cBhvr>
+                                        <p:cTn id="18" dur="1" fill="hold">
+                                          <p:stCondLst>
+                                            <p:cond delay="0"/>
+                                          </p:stCondLst>
+                                        </p:cTn>
+                                        <p:tgtEl>
+                                          <p:spTgt spid="3">
+                                            <p:txEl>
+                                              <p:pRg st="13" end="13"/>
+                                            </p:txEl>
+                                          </p:spTgt>
+                                        </p:tgtEl>
+                                        <p:attrNameLst>
+                                          <p:attrName>style.visibility</p:attrName>
+                                        </p:attrNameLst>
+                                      </p:cBhvr>
+                                      <p:to>
+                                        <p:strVal val="visible"/>
+                                      </p:to>
+                                    </p:set>
+                                    <p:animEffect transition="in" filter="fade">
+                                      <p:cBhvr>
+                                        <p:cTn id="19" dur="500"/>
+                                        <p:tgtEl>
+                                          <p:spTgt spid="3">
+                                            <p:txEl>
+                                              <p:pRg st="13" end="13"/>
+                                            </p:txEl>
+                                          </p:spTgt>
+                                        </p:tgtEl>
+                                      </p:cBhvr>
+                                    </p:animEffect>
+                                  </p:childTnLst>
+                                </p:cTn>
+                              </p:par>
+                              <p:par>
+                                <p:cTn id="20" presetID="10" presetClass="entr" presetSubtype="0" fill="hold" nodeType="withEffect">
+                                  <p:stCondLst>
+                                    <p:cond delay="0"/>
+                                  </p:stCondLst>
+                                  <p:childTnLst>
+                                    <p:set>
+                                      <p:cBhvr>
+                                        <p:cTn id="21" dur="1" fill="hold">
+                                          <p:stCondLst>
+                                            <p:cond delay="0"/>
+                                          </p:stCondLst>
+                                        </p:cTn>
+                                        <p:tgtEl>
+                                          <p:spTgt spid="3">
+                                            <p:txEl>
+                                              <p:pRg st="14" end="14"/>
+                                            </p:txEl>
+                                          </p:spTgt>
+                                        </p:tgtEl>
+                                        <p:attrNameLst>
+                                          <p:attrName>style.visibility</p:attrName>
+                                        </p:attrNameLst>
+                                      </p:cBhvr>
+                                      <p:to>
+                                        <p:strVal val="visible"/>
+                                      </p:to>
+                                    </p:set>
+                                    <p:animEffect transition="in" filter="fade">
+                                      <p:cBhvr>
+                                        <p:cTn id="22" dur="500"/>
+                                        <p:tgtEl>
+                                          <p:spTgt spid="3">
+                                            <p:txEl>
+                                              <p:pRg st="14" end="14"/>
+                                            </p:txEl>
+                                          </p:spTgt>
+                                        </p:tgtEl>
+                                      </p:cBhvr>
+                                    </p:animEffect>
+                                  </p:childTnLst>
+                                </p:cTn>
+                              </p:par>
+                              <p:par>
+                                <p:cTn id="23" presetID="10" presetClass="entr" presetSubtype="0" fill="hold" nodeType="withEffect">
+                                  <p:stCondLst>
+                                    <p:cond delay="0"/>
+                                  </p:stCondLst>
+                                  <p:childTnLst>
+                                    <p:set>
+                                      <p:cBhvr>
+                                        <p:cTn id="24" dur="1" fill="hold">
+                                          <p:stCondLst>
+                                            <p:cond delay="0"/>
+                                          </p:stCondLst>
+                                        </p:cTn>
+                                        <p:tgtEl>
+                                          <p:spTgt spid="3">
+                                            <p:txEl>
+                                              <p:pRg st="15" end="15"/>
+                                            </p:txEl>
+                                          </p:spTgt>
+                                        </p:tgtEl>
+                                        <p:attrNameLst>
+                                          <p:attrName>style.visibility</p:attrName>
+                                        </p:attrNameLst>
+                                      </p:cBhvr>
+                                      <p:to>
+                                        <p:strVal val="visible"/>
+                                      </p:to>
+                                    </p:set>
+                                    <p:animEffect transition="in" filter="fade">
+                                      <p:cBhvr>
+                                        <p:cTn id="25" dur="500"/>
+                                        <p:tgtEl>
+                                          <p:spTgt spid="3">
+                                            <p:txEl>
+                                              <p:pRg st="15" end="15"/>
+                                            </p:txEl>
+                                          </p:spTgt>
+                                        </p:tgtEl>
+                                      </p:cBhvr>
+                                    </p:animEffect>
+                                  </p:childTnLst>
+                                </p:cTn>
+                              </p:par>
+                              <p:par>
+                                <p:cTn id="26" presetID="10" presetClass="entr" presetSubtype="0" fill="hold" nodeType="withEffect">
+                                  <p:stCondLst>
+                                    <p:cond delay="0"/>
+                                  </p:stCondLst>
+                                  <p:childTnLst>
+                                    <p:set>
+                                      <p:cBhvr>
+                                        <p:cTn id="27" dur="1" fill="hold">
+                                          <p:stCondLst>
+                                            <p:cond delay="0"/>
+                                          </p:stCondLst>
+                                        </p:cTn>
+                                        <p:tgtEl>
+                                          <p:spTgt spid="3">
+                                            <p:txEl>
+                                              <p:pRg st="16" end="16"/>
+                                            </p:txEl>
+                                          </p:spTgt>
+                                        </p:tgtEl>
+                                        <p:attrNameLst>
+                                          <p:attrName>style.visibility</p:attrName>
+                                        </p:attrNameLst>
+                                      </p:cBhvr>
+                                      <p:to>
+                                        <p:strVal val="visible"/>
+                                      </p:to>
+                                    </p:set>
+                                    <p:animEffect transition="in" filter="fade">
+                                      <p:cBhvr>
+                                        <p:cTn id="28" dur="500"/>
+                                        <p:tgtEl>
+                                          <p:spTgt spid="3">
+                                            <p:txEl>
+                                              <p:pRg st="16" end="16"/>
+                                            </p:txEl>
+                                          </p:spTgt>
+                                        </p:tgtEl>
+                                      </p:cBhvr>
+                                    </p:animEffect>
+                                  </p:childTnLst>
+                                </p:cTn>
+                              </p:par>
+                              <p:par>
+                                <p:cTn id="29" presetID="10" presetClass="entr" presetSubtype="0" fill="hold" nodeType="withEffect">
+                                  <p:stCondLst>
+                                    <p:cond delay="0"/>
+                                  </p:stCondLst>
+                                  <p:childTnLst>
+                                    <p:set>
+                                      <p:cBhvr>
+                                        <p:cTn id="30" dur="1" fill="hold">
+                                          <p:stCondLst>
+                                            <p:cond delay="0"/>
+                                          </p:stCondLst>
+                                        </p:cTn>
+                                        <p:tgtEl>
+                                          <p:spTgt spid="3">
+                                            <p:txEl>
+                                              <p:pRg st="17" end="17"/>
+                                            </p:txEl>
+                                          </p:spTgt>
+                                        </p:tgtEl>
+                                        <p:attrNameLst>
+                                          <p:attrName>style.visibility</p:attrName>
+                                        </p:attrNameLst>
+                                      </p:cBhvr>
+                                      <p:to>
+                                        <p:strVal val="visible"/>
+                                      </p:to>
+                                    </p:set>
+                                    <p:animEffect transition="in" filter="fade">
+                                      <p:cBhvr>
+                                        <p:cTn id="31" dur="500"/>
+                                        <p:tgtEl>
+                                          <p:spTgt spid="3">
+                                            <p:txEl>
+                                              <p:pRg st="17" end="17"/>
+                                            </p:txEl>
+                                          </p:spTgt>
+                                        </p:tgtEl>
+                                      </p:cBhvr>
+                                    </p:animEffect>
+                                  </p:childTnLst>
+                                </p:cTn>
+                              </p:par>
+                            </p:childTnLst>
+                          </p:cTn>
+                        </p:par>
+                      </p:childTnLst>
+                    </p:cTn>
+                  </p:par>
+                </p:childTnLst>
+              </p:cTn>
+              <p:prevCondLst>
+                <p:cond evt="onPrev" delay="0">
+                  <p:tgtEl>
+                    <p:sldTgt/>
+                  </p:tgtEl>
+                </p:cond>
+              </p:prevCondLst>
+              <p:nextCondLst>
+                <p:cond evt="onNext" delay="0">
+                  <p:tgtEl>
+                    <p:sldTgt/>
+                  </p:tgtEl>
+                </p:cond>
+              </p:nextCondLst>
+            </p:seq>
+          </p:childTnLst>
+        </p:cTn>
+      </p:par>
+    </p:tnLst>
+  </p:timing>
 </p:sld>
 </file>
 
@@ -18137,6 +24266,13 @@
   <p:clrMapOvr>
     <a:masterClrMapping/>
   </p:clrMapOvr>
+  <p:timing>
+    <p:tnLst>
+      <p:par>
+        <p:cTn id="1" dur="indefinite" restart="never" nodeType="tmRoot"/>
+      </p:par>
+    </p:tnLst>
+  </p:timing>
 </p:sld>
 </file>
 
@@ -18406,6 +24542,308 @@
   <p:clrMapOvr>
     <a:masterClrMapping/>
   </p:clrMapOvr>
+  <p:timing>
+    <p:tnLst>
+      <p:par>
+        <p:cTn id="1" dur="indefinite" restart="never" nodeType="tmRoot">
+          <p:childTnLst>
+            <p:seq concurrent="1" nextAc="seek">
+              <p:cTn id="2" dur="indefinite" nodeType="mainSeq">
+                <p:childTnLst>
+                  <p:par>
+                    <p:cTn id="3" fill="hold">
+                      <p:stCondLst>
+                        <p:cond delay="indefinite"/>
+                      </p:stCondLst>
+                      <p:childTnLst>
+                        <p:par>
+                          <p:cTn id="4" fill="hold">
+                            <p:stCondLst>
+                              <p:cond delay="0"/>
+                            </p:stCondLst>
+                            <p:childTnLst>
+                              <p:par>
+                                <p:cTn id="5" presetID="10" presetClass="entr" presetSubtype="0" fill="hold" grpId="0" nodeType="clickEffect">
+                                  <p:stCondLst>
+                                    <p:cond delay="0"/>
+                                  </p:stCondLst>
+                                  <p:childTnLst>
+                                    <p:set>
+                                      <p:cBhvr>
+                                        <p:cTn id="6" dur="1" fill="hold">
+                                          <p:stCondLst>
+                                            <p:cond delay="0"/>
+                                          </p:stCondLst>
+                                        </p:cTn>
+                                        <p:tgtEl>
+                                          <p:spTgt spid="8"/>
+                                        </p:tgtEl>
+                                        <p:attrNameLst>
+                                          <p:attrName>style.visibility</p:attrName>
+                                        </p:attrNameLst>
+                                      </p:cBhvr>
+                                      <p:to>
+                                        <p:strVal val="visible"/>
+                                      </p:to>
+                                    </p:set>
+                                    <p:animEffect transition="in" filter="fade">
+                                      <p:cBhvr>
+                                        <p:cTn id="7" dur="500"/>
+                                        <p:tgtEl>
+                                          <p:spTgt spid="8"/>
+                                        </p:tgtEl>
+                                      </p:cBhvr>
+                                    </p:animEffect>
+                                  </p:childTnLst>
+                                </p:cTn>
+                              </p:par>
+                            </p:childTnLst>
+                          </p:cTn>
+                        </p:par>
+                      </p:childTnLst>
+                    </p:cTn>
+                  </p:par>
+                  <p:par>
+                    <p:cTn id="8" fill="hold">
+                      <p:stCondLst>
+                        <p:cond delay="indefinite"/>
+                      </p:stCondLst>
+                      <p:childTnLst>
+                        <p:par>
+                          <p:cTn id="9" fill="hold">
+                            <p:stCondLst>
+                              <p:cond delay="0"/>
+                            </p:stCondLst>
+                            <p:childTnLst>
+                              <p:par>
+                                <p:cTn id="10" presetID="10" presetClass="entr" presetSubtype="0" fill="hold" grpId="0" nodeType="clickEffect">
+                                  <p:stCondLst>
+                                    <p:cond delay="0"/>
+                                  </p:stCondLst>
+                                  <p:childTnLst>
+                                    <p:set>
+                                      <p:cBhvr>
+                                        <p:cTn id="11" dur="1" fill="hold">
+                                          <p:stCondLst>
+                                            <p:cond delay="0"/>
+                                          </p:stCondLst>
+                                        </p:cTn>
+                                        <p:tgtEl>
+                                          <p:spTgt spid="6"/>
+                                        </p:tgtEl>
+                                        <p:attrNameLst>
+                                          <p:attrName>style.visibility</p:attrName>
+                                        </p:attrNameLst>
+                                      </p:cBhvr>
+                                      <p:to>
+                                        <p:strVal val="visible"/>
+                                      </p:to>
+                                    </p:set>
+                                    <p:animEffect transition="in" filter="fade">
+                                      <p:cBhvr>
+                                        <p:cTn id="12" dur="500"/>
+                                        <p:tgtEl>
+                                          <p:spTgt spid="6"/>
+                                        </p:tgtEl>
+                                      </p:cBhvr>
+                                    </p:animEffect>
+                                  </p:childTnLst>
+                                </p:cTn>
+                              </p:par>
+                            </p:childTnLst>
+                          </p:cTn>
+                        </p:par>
+                      </p:childTnLst>
+                    </p:cTn>
+                  </p:par>
+                  <p:par>
+                    <p:cTn id="13" fill="hold">
+                      <p:stCondLst>
+                        <p:cond delay="indefinite"/>
+                      </p:stCondLst>
+                      <p:childTnLst>
+                        <p:par>
+                          <p:cTn id="14" fill="hold">
+                            <p:stCondLst>
+                              <p:cond delay="0"/>
+                            </p:stCondLst>
+                            <p:childTnLst>
+                              <p:par>
+                                <p:cTn id="15" presetID="10" presetClass="entr" presetSubtype="0" fill="hold" grpId="0" nodeType="clickEffect">
+                                  <p:stCondLst>
+                                    <p:cond delay="0"/>
+                                  </p:stCondLst>
+                                  <p:childTnLst>
+                                    <p:set>
+                                      <p:cBhvr>
+                                        <p:cTn id="16" dur="1" fill="hold">
+                                          <p:stCondLst>
+                                            <p:cond delay="0"/>
+                                          </p:stCondLst>
+                                        </p:cTn>
+                                        <p:tgtEl>
+                                          <p:spTgt spid="10"/>
+                                        </p:tgtEl>
+                                        <p:attrNameLst>
+                                          <p:attrName>style.visibility</p:attrName>
+                                        </p:attrNameLst>
+                                      </p:cBhvr>
+                                      <p:to>
+                                        <p:strVal val="visible"/>
+                                      </p:to>
+                                    </p:set>
+                                    <p:animEffect transition="in" filter="fade">
+                                      <p:cBhvr>
+                                        <p:cTn id="17" dur="500"/>
+                                        <p:tgtEl>
+                                          <p:spTgt spid="10"/>
+                                        </p:tgtEl>
+                                      </p:cBhvr>
+                                    </p:animEffect>
+                                  </p:childTnLst>
+                                </p:cTn>
+                              </p:par>
+                            </p:childTnLst>
+                          </p:cTn>
+                        </p:par>
+                      </p:childTnLst>
+                    </p:cTn>
+                  </p:par>
+                  <p:par>
+                    <p:cTn id="18" fill="hold">
+                      <p:stCondLst>
+                        <p:cond delay="indefinite"/>
+                      </p:stCondLst>
+                      <p:childTnLst>
+                        <p:par>
+                          <p:cTn id="19" fill="hold">
+                            <p:stCondLst>
+                              <p:cond delay="0"/>
+                            </p:stCondLst>
+                            <p:childTnLst>
+                              <p:par>
+                                <p:cTn id="20" presetID="10" presetClass="entr" presetSubtype="0" fill="hold" grpId="0" nodeType="clickEffect">
+                                  <p:stCondLst>
+                                    <p:cond delay="0"/>
+                                  </p:stCondLst>
+                                  <p:childTnLst>
+                                    <p:set>
+                                      <p:cBhvr>
+                                        <p:cTn id="21" dur="1" fill="hold">
+                                          <p:stCondLst>
+                                            <p:cond delay="0"/>
+                                          </p:stCondLst>
+                                        </p:cTn>
+                                        <p:tgtEl>
+                                          <p:spTgt spid="7"/>
+                                        </p:tgtEl>
+                                        <p:attrNameLst>
+                                          <p:attrName>style.visibility</p:attrName>
+                                        </p:attrNameLst>
+                                      </p:cBhvr>
+                                      <p:to>
+                                        <p:strVal val="visible"/>
+                                      </p:to>
+                                    </p:set>
+                                    <p:animEffect transition="in" filter="fade">
+                                      <p:cBhvr>
+                                        <p:cTn id="22" dur="500"/>
+                                        <p:tgtEl>
+                                          <p:spTgt spid="7"/>
+                                        </p:tgtEl>
+                                      </p:cBhvr>
+                                    </p:animEffect>
+                                  </p:childTnLst>
+                                </p:cTn>
+                              </p:par>
+                            </p:childTnLst>
+                          </p:cTn>
+                        </p:par>
+                      </p:childTnLst>
+                    </p:cTn>
+                  </p:par>
+                  <p:par>
+                    <p:cTn id="23" fill="hold">
+                      <p:stCondLst>
+                        <p:cond delay="indefinite"/>
+                      </p:stCondLst>
+                      <p:childTnLst>
+                        <p:par>
+                          <p:cTn id="24" fill="hold">
+                            <p:stCondLst>
+                              <p:cond delay="0"/>
+                            </p:stCondLst>
+                            <p:childTnLst>
+                              <p:par>
+                                <p:cTn id="25" presetID="10" presetClass="entr" presetSubtype="0" fill="hold" grpId="0" nodeType="clickEffect">
+                                  <p:stCondLst>
+                                    <p:cond delay="0"/>
+                                  </p:stCondLst>
+                                  <p:childTnLst>
+                                    <p:set>
+                                      <p:cBhvr>
+                                        <p:cTn id="26" dur="1" fill="hold">
+                                          <p:stCondLst>
+                                            <p:cond delay="0"/>
+                                          </p:stCondLst>
+                                        </p:cTn>
+                                        <p:tgtEl>
+                                          <p:spTgt spid="9"/>
+                                        </p:tgtEl>
+                                        <p:attrNameLst>
+                                          <p:attrName>style.visibility</p:attrName>
+                                        </p:attrNameLst>
+                                      </p:cBhvr>
+                                      <p:to>
+                                        <p:strVal val="visible"/>
+                                      </p:to>
+                                    </p:set>
+                                    <p:animEffect transition="in" filter="fade">
+                                      <p:cBhvr>
+                                        <p:cTn id="27" dur="500"/>
+                                        <p:tgtEl>
+                                          <p:spTgt spid="9"/>
+                                        </p:tgtEl>
+                                      </p:cBhvr>
+                                    </p:animEffect>
+                                  </p:childTnLst>
+                                </p:cTn>
+                              </p:par>
+                            </p:childTnLst>
+                          </p:cTn>
+                        </p:par>
+                      </p:childTnLst>
+                    </p:cTn>
+                  </p:par>
+                </p:childTnLst>
+              </p:cTn>
+              <p:prevCondLst>
+                <p:cond evt="onPrev" delay="0">
+                  <p:tgtEl>
+                    <p:sldTgt/>
+                  </p:tgtEl>
+                </p:cond>
+              </p:prevCondLst>
+              <p:nextCondLst>
+                <p:cond evt="onNext" delay="0">
+                  <p:tgtEl>
+                    <p:sldTgt/>
+                  </p:tgtEl>
+                </p:cond>
+              </p:nextCondLst>
+            </p:seq>
+          </p:childTnLst>
+        </p:cTn>
+      </p:par>
+    </p:tnLst>
+    <p:bldLst>
+      <p:bldP spid="6" grpId="0"/>
+      <p:bldP spid="7" grpId="0"/>
+      <p:bldP spid="8" grpId="0"/>
+      <p:bldP spid="9" grpId="0"/>
+      <p:bldP spid="10" grpId="0"/>
+    </p:bldLst>
+  </p:timing>
 </p:sld>
 </file>
 
@@ -18524,6 +24962,333 @@
   <p:clrMapOvr>
     <a:masterClrMapping/>
   </p:clrMapOvr>
+  <p:timing>
+    <p:tnLst>
+      <p:par>
+        <p:cTn id="1" dur="indefinite" restart="never" nodeType="tmRoot">
+          <p:childTnLst>
+            <p:seq concurrent="1" nextAc="seek">
+              <p:cTn id="2" dur="indefinite" nodeType="mainSeq">
+                <p:childTnLst>
+                  <p:par>
+                    <p:cTn id="3" fill="hold">
+                      <p:stCondLst>
+                        <p:cond delay="indefinite"/>
+                      </p:stCondLst>
+                      <p:childTnLst>
+                        <p:par>
+                          <p:cTn id="4" fill="hold">
+                            <p:stCondLst>
+                              <p:cond delay="0"/>
+                            </p:stCondLst>
+                            <p:childTnLst>
+                              <p:par>
+                                <p:cTn id="5" presetID="10" presetClass="entr" presetSubtype="0" fill="hold" grpId="0" nodeType="clickEffect">
+                                  <p:stCondLst>
+                                    <p:cond delay="0"/>
+                                  </p:stCondLst>
+                                  <p:childTnLst>
+                                    <p:set>
+                                      <p:cBhvr>
+                                        <p:cTn id="6" dur="1" fill="hold">
+                                          <p:stCondLst>
+                                            <p:cond delay="0"/>
+                                          </p:stCondLst>
+                                        </p:cTn>
+                                        <p:tgtEl>
+                                          <p:spTgt spid="4">
+                                            <p:txEl>
+                                              <p:pRg st="0" end="0"/>
+                                            </p:txEl>
+                                          </p:spTgt>
+                                        </p:tgtEl>
+                                        <p:attrNameLst>
+                                          <p:attrName>style.visibility</p:attrName>
+                                        </p:attrNameLst>
+                                      </p:cBhvr>
+                                      <p:to>
+                                        <p:strVal val="visible"/>
+                                      </p:to>
+                                    </p:set>
+                                    <p:animEffect transition="in" filter="fade">
+                                      <p:cBhvr>
+                                        <p:cTn id="7" dur="500"/>
+                                        <p:tgtEl>
+                                          <p:spTgt spid="4">
+                                            <p:txEl>
+                                              <p:pRg st="0" end="0"/>
+                                            </p:txEl>
+                                          </p:spTgt>
+                                        </p:tgtEl>
+                                      </p:cBhvr>
+                                    </p:animEffect>
+                                  </p:childTnLst>
+                                </p:cTn>
+                              </p:par>
+                              <p:par>
+                                <p:cTn id="8" presetID="10" presetClass="entr" presetSubtype="0" fill="hold" grpId="0" nodeType="withEffect">
+                                  <p:stCondLst>
+                                    <p:cond delay="0"/>
+                                  </p:stCondLst>
+                                  <p:childTnLst>
+                                    <p:set>
+                                      <p:cBhvr>
+                                        <p:cTn id="9" dur="1" fill="hold">
+                                          <p:stCondLst>
+                                            <p:cond delay="0"/>
+                                          </p:stCondLst>
+                                        </p:cTn>
+                                        <p:tgtEl>
+                                          <p:spTgt spid="4">
+                                            <p:txEl>
+                                              <p:pRg st="1" end="1"/>
+                                            </p:txEl>
+                                          </p:spTgt>
+                                        </p:tgtEl>
+                                        <p:attrNameLst>
+                                          <p:attrName>style.visibility</p:attrName>
+                                        </p:attrNameLst>
+                                      </p:cBhvr>
+                                      <p:to>
+                                        <p:strVal val="visible"/>
+                                      </p:to>
+                                    </p:set>
+                                    <p:animEffect transition="in" filter="fade">
+                                      <p:cBhvr>
+                                        <p:cTn id="10" dur="500"/>
+                                        <p:tgtEl>
+                                          <p:spTgt spid="4">
+                                            <p:txEl>
+                                              <p:pRg st="1" end="1"/>
+                                            </p:txEl>
+                                          </p:spTgt>
+                                        </p:tgtEl>
+                                      </p:cBhvr>
+                                    </p:animEffect>
+                                  </p:childTnLst>
+                                </p:cTn>
+                              </p:par>
+                            </p:childTnLst>
+                          </p:cTn>
+                        </p:par>
+                      </p:childTnLst>
+                    </p:cTn>
+                  </p:par>
+                  <p:par>
+                    <p:cTn id="11" fill="hold">
+                      <p:stCondLst>
+                        <p:cond delay="indefinite"/>
+                      </p:stCondLst>
+                      <p:childTnLst>
+                        <p:par>
+                          <p:cTn id="12" fill="hold">
+                            <p:stCondLst>
+                              <p:cond delay="0"/>
+                            </p:stCondLst>
+                            <p:childTnLst>
+                              <p:par>
+                                <p:cTn id="13" presetID="10" presetClass="entr" presetSubtype="0" fill="hold" grpId="0" nodeType="clickEffect">
+                                  <p:stCondLst>
+                                    <p:cond delay="0"/>
+                                  </p:stCondLst>
+                                  <p:childTnLst>
+                                    <p:set>
+                                      <p:cBhvr>
+                                        <p:cTn id="14" dur="1" fill="hold">
+                                          <p:stCondLst>
+                                            <p:cond delay="0"/>
+                                          </p:stCondLst>
+                                        </p:cTn>
+                                        <p:tgtEl>
+                                          <p:spTgt spid="4">
+                                            <p:txEl>
+                                              <p:pRg st="2" end="2"/>
+                                            </p:txEl>
+                                          </p:spTgt>
+                                        </p:tgtEl>
+                                        <p:attrNameLst>
+                                          <p:attrName>style.visibility</p:attrName>
+                                        </p:attrNameLst>
+                                      </p:cBhvr>
+                                      <p:to>
+                                        <p:strVal val="visible"/>
+                                      </p:to>
+                                    </p:set>
+                                    <p:animEffect transition="in" filter="fade">
+                                      <p:cBhvr>
+                                        <p:cTn id="15" dur="500"/>
+                                        <p:tgtEl>
+                                          <p:spTgt spid="4">
+                                            <p:txEl>
+                                              <p:pRg st="2" end="2"/>
+                                            </p:txEl>
+                                          </p:spTgt>
+                                        </p:tgtEl>
+                                      </p:cBhvr>
+                                    </p:animEffect>
+                                  </p:childTnLst>
+                                </p:cTn>
+                              </p:par>
+                              <p:par>
+                                <p:cTn id="16" presetID="10" presetClass="entr" presetSubtype="0" fill="hold" grpId="0" nodeType="withEffect">
+                                  <p:stCondLst>
+                                    <p:cond delay="0"/>
+                                  </p:stCondLst>
+                                  <p:childTnLst>
+                                    <p:set>
+                                      <p:cBhvr>
+                                        <p:cTn id="17" dur="1" fill="hold">
+                                          <p:stCondLst>
+                                            <p:cond delay="0"/>
+                                          </p:stCondLst>
+                                        </p:cTn>
+                                        <p:tgtEl>
+                                          <p:spTgt spid="4">
+                                            <p:txEl>
+                                              <p:pRg st="3" end="3"/>
+                                            </p:txEl>
+                                          </p:spTgt>
+                                        </p:tgtEl>
+                                        <p:attrNameLst>
+                                          <p:attrName>style.visibility</p:attrName>
+                                        </p:attrNameLst>
+                                      </p:cBhvr>
+                                      <p:to>
+                                        <p:strVal val="visible"/>
+                                      </p:to>
+                                    </p:set>
+                                    <p:animEffect transition="in" filter="fade">
+                                      <p:cBhvr>
+                                        <p:cTn id="18" dur="500"/>
+                                        <p:tgtEl>
+                                          <p:spTgt spid="4">
+                                            <p:txEl>
+                                              <p:pRg st="3" end="3"/>
+                                            </p:txEl>
+                                          </p:spTgt>
+                                        </p:tgtEl>
+                                      </p:cBhvr>
+                                    </p:animEffect>
+                                  </p:childTnLst>
+                                </p:cTn>
+                              </p:par>
+                              <p:par>
+                                <p:cTn id="19" presetID="10" presetClass="entr" presetSubtype="0" fill="hold" grpId="0" nodeType="withEffect">
+                                  <p:stCondLst>
+                                    <p:cond delay="0"/>
+                                  </p:stCondLst>
+                                  <p:childTnLst>
+                                    <p:set>
+                                      <p:cBhvr>
+                                        <p:cTn id="20" dur="1" fill="hold">
+                                          <p:stCondLst>
+                                            <p:cond delay="0"/>
+                                          </p:stCondLst>
+                                        </p:cTn>
+                                        <p:tgtEl>
+                                          <p:spTgt spid="4">
+                                            <p:txEl>
+                                              <p:pRg st="4" end="4"/>
+                                            </p:txEl>
+                                          </p:spTgt>
+                                        </p:tgtEl>
+                                        <p:attrNameLst>
+                                          <p:attrName>style.visibility</p:attrName>
+                                        </p:attrNameLst>
+                                      </p:cBhvr>
+                                      <p:to>
+                                        <p:strVal val="visible"/>
+                                      </p:to>
+                                    </p:set>
+                                    <p:animEffect transition="in" filter="fade">
+                                      <p:cBhvr>
+                                        <p:cTn id="21" dur="500"/>
+                                        <p:tgtEl>
+                                          <p:spTgt spid="4">
+                                            <p:txEl>
+                                              <p:pRg st="4" end="4"/>
+                                            </p:txEl>
+                                          </p:spTgt>
+                                        </p:tgtEl>
+                                      </p:cBhvr>
+                                    </p:animEffect>
+                                  </p:childTnLst>
+                                </p:cTn>
+                              </p:par>
+                              <p:par>
+                                <p:cTn id="22" presetID="10" presetClass="entr" presetSubtype="0" fill="hold" grpId="0" nodeType="withEffect">
+                                  <p:stCondLst>
+                                    <p:cond delay="0"/>
+                                  </p:stCondLst>
+                                  <p:childTnLst>
+                                    <p:set>
+                                      <p:cBhvr>
+                                        <p:cTn id="23" dur="1" fill="hold">
+                                          <p:stCondLst>
+                                            <p:cond delay="0"/>
+                                          </p:stCondLst>
+                                        </p:cTn>
+                                        <p:tgtEl>
+                                          <p:spTgt spid="4">
+                                            <p:txEl>
+                                              <p:pRg st="5" end="5"/>
+                                            </p:txEl>
+                                          </p:spTgt>
+                                        </p:tgtEl>
+                                        <p:attrNameLst>
+                                          <p:attrName>style.visibility</p:attrName>
+                                        </p:attrNameLst>
+                                      </p:cBhvr>
+                                      <p:to>
+                                        <p:strVal val="visible"/>
+                                      </p:to>
+                                    </p:set>
+                                    <p:animEffect transition="in" filter="fade">
+                                      <p:cBhvr>
+                                        <p:cTn id="24" dur="500"/>
+                                        <p:tgtEl>
+                                          <p:spTgt spid="4">
+                                            <p:txEl>
+                                              <p:pRg st="5" end="5"/>
+                                            </p:txEl>
+                                          </p:spTgt>
+                                        </p:tgtEl>
+                                      </p:cBhvr>
+                                    </p:animEffect>
+                                  </p:childTnLst>
+                                </p:cTn>
+                              </p:par>
+                            </p:childTnLst>
+                          </p:cTn>
+                        </p:par>
+                      </p:childTnLst>
+                    </p:cTn>
+                  </p:par>
+                </p:childTnLst>
+              </p:cTn>
+              <p:prevCondLst>
+                <p:cond evt="onPrev" delay="0">
+                  <p:tgtEl>
+                    <p:sldTgt/>
+                  </p:tgtEl>
+                </p:cond>
+              </p:prevCondLst>
+              <p:nextCondLst>
+                <p:cond evt="onNext" delay="0">
+                  <p:tgtEl>
+                    <p:sldTgt/>
+                  </p:tgtEl>
+                </p:cond>
+              </p:nextCondLst>
+            </p:seq>
+          </p:childTnLst>
+        </p:cTn>
+      </p:par>
+    </p:tnLst>
+    <p:bldLst>
+      <p:bldP spid="4" grpId="0" build="p"/>
+    </p:bldLst>
+  </p:timing>
 </p:sld>
 </file>
 
@@ -18622,6 +25387,204 @@
   <p:clrMapOvr>
     <a:masterClrMapping/>
   </p:clrMapOvr>
+  <p:timing>
+    <p:tnLst>
+      <p:par>
+        <p:cTn id="1" dur="indefinite" restart="never" nodeType="tmRoot">
+          <p:childTnLst>
+            <p:seq concurrent="1" nextAc="seek">
+              <p:cTn id="2" dur="indefinite" nodeType="mainSeq">
+                <p:childTnLst>
+                  <p:par>
+                    <p:cTn id="3" fill="hold">
+                      <p:stCondLst>
+                        <p:cond delay="indefinite"/>
+                      </p:stCondLst>
+                      <p:childTnLst>
+                        <p:par>
+                          <p:cTn id="4" fill="hold">
+                            <p:stCondLst>
+                              <p:cond delay="0"/>
+                            </p:stCondLst>
+                            <p:childTnLst>
+                              <p:par>
+                                <p:cTn id="5" presetID="10" presetClass="entr" presetSubtype="0" fill="hold" grpId="0" nodeType="clickEffect">
+                                  <p:stCondLst>
+                                    <p:cond delay="0"/>
+                                  </p:stCondLst>
+                                  <p:childTnLst>
+                                    <p:set>
+                                      <p:cBhvr>
+                                        <p:cTn id="6" dur="1" fill="hold">
+                                          <p:stCondLst>
+                                            <p:cond delay="0"/>
+                                          </p:stCondLst>
+                                        </p:cTn>
+                                        <p:tgtEl>
+                                          <p:spTgt spid="3">
+                                            <p:txEl>
+                                              <p:pRg st="0" end="0"/>
+                                            </p:txEl>
+                                          </p:spTgt>
+                                        </p:tgtEl>
+                                        <p:attrNameLst>
+                                          <p:attrName>style.visibility</p:attrName>
+                                        </p:attrNameLst>
+                                      </p:cBhvr>
+                                      <p:to>
+                                        <p:strVal val="visible"/>
+                                      </p:to>
+                                    </p:set>
+                                    <p:animEffect transition="in" filter="fade">
+                                      <p:cBhvr>
+                                        <p:cTn id="7" dur="500"/>
+                                        <p:tgtEl>
+                                          <p:spTgt spid="3">
+                                            <p:txEl>
+                                              <p:pRg st="0" end="0"/>
+                                            </p:txEl>
+                                          </p:spTgt>
+                                        </p:tgtEl>
+                                      </p:cBhvr>
+                                    </p:animEffect>
+                                  </p:childTnLst>
+                                </p:cTn>
+                              </p:par>
+                            </p:childTnLst>
+                          </p:cTn>
+                        </p:par>
+                      </p:childTnLst>
+                    </p:cTn>
+                  </p:par>
+                  <p:par>
+                    <p:cTn id="8" fill="hold">
+                      <p:stCondLst>
+                        <p:cond delay="indefinite"/>
+                      </p:stCondLst>
+                      <p:childTnLst>
+                        <p:par>
+                          <p:cTn id="9" fill="hold">
+                            <p:stCondLst>
+                              <p:cond delay="0"/>
+                            </p:stCondLst>
+                            <p:childTnLst>
+                              <p:par>
+                                <p:cTn id="10" presetID="10" presetClass="entr" presetSubtype="0" fill="hold" grpId="0" nodeType="clickEffect">
+                                  <p:stCondLst>
+                                    <p:cond delay="0"/>
+                                  </p:stCondLst>
+                                  <p:childTnLst>
+                                    <p:set>
+                                      <p:cBhvr>
+                                        <p:cTn id="11" dur="1" fill="hold">
+                                          <p:stCondLst>
+                                            <p:cond delay="0"/>
+                                          </p:stCondLst>
+                                        </p:cTn>
+                                        <p:tgtEl>
+                                          <p:spTgt spid="3">
+                                            <p:txEl>
+                                              <p:pRg st="1" end="1"/>
+                                            </p:txEl>
+                                          </p:spTgt>
+                                        </p:tgtEl>
+                                        <p:attrNameLst>
+                                          <p:attrName>style.visibility</p:attrName>
+                                        </p:attrNameLst>
+                                      </p:cBhvr>
+                                      <p:to>
+                                        <p:strVal val="visible"/>
+                                      </p:to>
+                                    </p:set>
+                                    <p:animEffect transition="in" filter="fade">
+                                      <p:cBhvr>
+                                        <p:cTn id="12" dur="500"/>
+                                        <p:tgtEl>
+                                          <p:spTgt spid="3">
+                                            <p:txEl>
+                                              <p:pRg st="1" end="1"/>
+                                            </p:txEl>
+                                          </p:spTgt>
+                                        </p:tgtEl>
+                                      </p:cBhvr>
+                                    </p:animEffect>
+                                  </p:childTnLst>
+                                </p:cTn>
+                              </p:par>
+                              <p:par>
+                                <p:cTn id="13" presetID="10" presetClass="entr" presetSubtype="0" fill="hold" grpId="0" nodeType="withEffect">
+                                  <p:stCondLst>
+                                    <p:cond delay="0"/>
+                                  </p:stCondLst>
+                                  <p:childTnLst>
+                                    <p:set>
+                                      <p:cBhvr>
+                                        <p:cTn id="14" dur="1" fill="hold">
+                                          <p:stCondLst>
+                                            <p:cond delay="0"/>
+                                          </p:stCondLst>
+                                        </p:cTn>
+                                        <p:tgtEl>
+                                          <p:spTgt spid="3">
+                                            <p:txEl>
+                                              <p:pRg st="2" end="2"/>
+                                            </p:txEl>
+                                          </p:spTgt>
+                                        </p:tgtEl>
+                                        <p:attrNameLst>
+                                          <p:attrName>style.visibility</p:attrName>
+                                        </p:attrNameLst>
+                                      </p:cBhvr>
+                                      <p:to>
+                                        <p:strVal val="visible"/>
+                                      </p:to>
+                                    </p:set>
+                                    <p:animEffect transition="in" filter="fade">
+                                      <p:cBhvr>
+                                        <p:cTn id="15" dur="500"/>
+                                        <p:tgtEl>
+                                          <p:spTgt spid="3">
+                                            <p:txEl>
+                                              <p:pRg st="2" end="2"/>
+                                            </p:txEl>
+                                          </p:spTgt>
+                                        </p:tgtEl>
+                                      </p:cBhvr>
+                                    </p:animEffect>
+                                  </p:childTnLst>
+                                </p:cTn>
+                              </p:par>
+                            </p:childTnLst>
+                          </p:cTn>
+                        </p:par>
+                      </p:childTnLst>
+                    </p:cTn>
+                  </p:par>
+                </p:childTnLst>
+              </p:cTn>
+              <p:prevCondLst>
+                <p:cond evt="onPrev" delay="0">
+                  <p:tgtEl>
+                    <p:sldTgt/>
+                  </p:tgtEl>
+                </p:cond>
+              </p:prevCondLst>
+              <p:nextCondLst>
+                <p:cond evt="onNext" delay="0">
+                  <p:tgtEl>
+                    <p:sldTgt/>
+                  </p:tgtEl>
+                </p:cond>
+              </p:nextCondLst>
+            </p:seq>
+          </p:childTnLst>
+        </p:cTn>
+      </p:par>
+    </p:tnLst>
+    <p:bldLst>
+      <p:bldP spid="3" grpId="0" build="p"/>
+    </p:bldLst>
+  </p:timing>
 </p:sld>
 </file>
 
@@ -18711,6 +25674,13 @@
   <p:clrMapOvr>
     <a:masterClrMapping/>
   </p:clrMapOvr>
+  <p:timing>
+    <p:tnLst>
+      <p:par>
+        <p:cTn id="1" dur="indefinite" restart="never" nodeType="tmRoot"/>
+      </p:par>
+    </p:tnLst>
+  </p:timing>
 </p:sld>
 </file>
 
@@ -18765,6 +25735,13 @@
   <p:clrMapOvr>
     <a:masterClrMapping/>
   </p:clrMapOvr>
+  <p:timing>
+    <p:tnLst>
+      <p:par>
+        <p:cTn id="1" dur="indefinite" restart="never" nodeType="tmRoot"/>
+      </p:par>
+    </p:tnLst>
+  </p:timing>
 </p:sld>
 </file>
 
@@ -18819,6 +25796,13 @@
   <p:clrMapOvr>
     <a:masterClrMapping/>
   </p:clrMapOvr>
+  <p:timing>
+    <p:tnLst>
+      <p:par>
+        <p:cTn id="1" dur="indefinite" restart="never" nodeType="tmRoot"/>
+      </p:par>
+    </p:tnLst>
+  </p:timing>
 </p:sld>
 </file>
 
@@ -18895,6 +25879,13 @@
   <p:clrMapOvr>
     <a:masterClrMapping/>
   </p:clrMapOvr>
+  <p:timing>
+    <p:tnLst>
+      <p:par>
+        <p:cTn id="1" dur="indefinite" restart="never" nodeType="tmRoot"/>
+      </p:par>
+    </p:tnLst>
+  </p:timing>
 </p:sld>
 </file>
 
@@ -20371,6 +27362,13 @@
   <p:clrMapOvr>
     <a:masterClrMapping/>
   </p:clrMapOvr>
+  <p:timing>
+    <p:tnLst>
+      <p:par>
+        <p:cTn id="1" dur="indefinite" restart="never" nodeType="tmRoot"/>
+      </p:par>
+    </p:tnLst>
+  </p:timing>
 </p:sld>
 </file>
 
@@ -21880,6 +28878,13 @@
   <p:clrMapOvr>
     <a:masterClrMapping/>
   </p:clrMapOvr>
+  <p:timing>
+    <p:tnLst>
+      <p:par>
+        <p:cTn id="1" dur="indefinite" restart="never" nodeType="tmRoot"/>
+      </p:par>
+    </p:tnLst>
+  </p:timing>
 </p:sld>
 </file>
 
@@ -23118,6 +30123,13 @@
   <p:clrMapOvr>
     <a:masterClrMapping/>
   </p:clrMapOvr>
+  <p:timing>
+    <p:tnLst>
+      <p:par>
+        <p:cTn id="1" dur="indefinite" restart="never" nodeType="tmRoot"/>
+      </p:par>
+    </p:tnLst>
+  </p:timing>
 </p:sld>
 </file>
 
@@ -24615,6 +31627,588 @@
   <p:clrMapOvr>
     <a:masterClrMapping/>
   </p:clrMapOvr>
+  <p:timing>
+    <p:tnLst>
+      <p:par>
+        <p:cTn id="1" dur="indefinite" restart="never" nodeType="tmRoot">
+          <p:childTnLst>
+            <p:seq concurrent="1" nextAc="seek">
+              <p:cTn id="2" dur="indefinite" nodeType="mainSeq">
+                <p:childTnLst>
+                  <p:par>
+                    <p:cTn id="3" fill="hold">
+                      <p:stCondLst>
+                        <p:cond delay="indefinite"/>
+                      </p:stCondLst>
+                      <p:childTnLst>
+                        <p:par>
+                          <p:cTn id="4" fill="hold">
+                            <p:stCondLst>
+                              <p:cond delay="0"/>
+                            </p:stCondLst>
+                            <p:childTnLst>
+                              <p:par>
+                                <p:cTn id="5" presetID="10" presetClass="entr" presetSubtype="0" fill="hold" nodeType="clickEffect">
+                                  <p:stCondLst>
+                                    <p:cond delay="0"/>
+                                  </p:stCondLst>
+                                  <p:childTnLst>
+                                    <p:set>
+                                      <p:cBhvr>
+                                        <p:cTn id="6" dur="1" fill="hold">
+                                          <p:stCondLst>
+                                            <p:cond delay="0"/>
+                                          </p:stCondLst>
+                                        </p:cTn>
+                                        <p:tgtEl>
+                                          <p:spTgt spid="3">
+                                            <p:txEl>
+                                              <p:pRg st="2" end="2"/>
+                                            </p:txEl>
+                                          </p:spTgt>
+                                        </p:tgtEl>
+                                        <p:attrNameLst>
+                                          <p:attrName>style.visibility</p:attrName>
+                                        </p:attrNameLst>
+                                      </p:cBhvr>
+                                      <p:to>
+                                        <p:strVal val="visible"/>
+                                      </p:to>
+                                    </p:set>
+                                    <p:animEffect transition="in" filter="fade">
+                                      <p:cBhvr>
+                                        <p:cTn id="7" dur="500"/>
+                                        <p:tgtEl>
+                                          <p:spTgt spid="3">
+                                            <p:txEl>
+                                              <p:pRg st="2" end="2"/>
+                                            </p:txEl>
+                                          </p:spTgt>
+                                        </p:tgtEl>
+                                      </p:cBhvr>
+                                    </p:animEffect>
+                                  </p:childTnLst>
+                                </p:cTn>
+                              </p:par>
+                              <p:par>
+                                <p:cTn id="8" presetID="10" presetClass="entr" presetSubtype="0" fill="hold" nodeType="withEffect">
+                                  <p:stCondLst>
+                                    <p:cond delay="0"/>
+                                  </p:stCondLst>
+                                  <p:childTnLst>
+                                    <p:set>
+                                      <p:cBhvr>
+                                        <p:cTn id="9" dur="1" fill="hold">
+                                          <p:stCondLst>
+                                            <p:cond delay="0"/>
+                                          </p:stCondLst>
+                                        </p:cTn>
+                                        <p:tgtEl>
+                                          <p:spTgt spid="3">
+                                            <p:txEl>
+                                              <p:pRg st="3" end="3"/>
+                                            </p:txEl>
+                                          </p:spTgt>
+                                        </p:tgtEl>
+                                        <p:attrNameLst>
+                                          <p:attrName>style.visibility</p:attrName>
+                                        </p:attrNameLst>
+                                      </p:cBhvr>
+                                      <p:to>
+                                        <p:strVal val="visible"/>
+                                      </p:to>
+                                    </p:set>
+                                    <p:animEffect transition="in" filter="fade">
+                                      <p:cBhvr>
+                                        <p:cTn id="10" dur="500"/>
+                                        <p:tgtEl>
+                                          <p:spTgt spid="3">
+                                            <p:txEl>
+                                              <p:pRg st="3" end="3"/>
+                                            </p:txEl>
+                                          </p:spTgt>
+                                        </p:tgtEl>
+                                      </p:cBhvr>
+                                    </p:animEffect>
+                                  </p:childTnLst>
+                                </p:cTn>
+                              </p:par>
+                              <p:par>
+                                <p:cTn id="11" presetID="10" presetClass="entr" presetSubtype="0" fill="hold" nodeType="withEffect">
+                                  <p:stCondLst>
+                                    <p:cond delay="0"/>
+                                  </p:stCondLst>
+                                  <p:childTnLst>
+                                    <p:set>
+                                      <p:cBhvr>
+                                        <p:cTn id="12" dur="1" fill="hold">
+                                          <p:stCondLst>
+                                            <p:cond delay="0"/>
+                                          </p:stCondLst>
+                                        </p:cTn>
+                                        <p:tgtEl>
+                                          <p:spTgt spid="3">
+                                            <p:txEl>
+                                              <p:pRg st="4" end="4"/>
+                                            </p:txEl>
+                                          </p:spTgt>
+                                        </p:tgtEl>
+                                        <p:attrNameLst>
+                                          <p:attrName>style.visibility</p:attrName>
+                                        </p:attrNameLst>
+                                      </p:cBhvr>
+                                      <p:to>
+                                        <p:strVal val="visible"/>
+                                      </p:to>
+                                    </p:set>
+                                    <p:animEffect transition="in" filter="fade">
+                                      <p:cBhvr>
+                                        <p:cTn id="13" dur="500"/>
+                                        <p:tgtEl>
+                                          <p:spTgt spid="3">
+                                            <p:txEl>
+                                              <p:pRg st="4" end="4"/>
+                                            </p:txEl>
+                                          </p:spTgt>
+                                        </p:tgtEl>
+                                      </p:cBhvr>
+                                    </p:animEffect>
+                                  </p:childTnLst>
+                                </p:cTn>
+                              </p:par>
+                              <p:par>
+                                <p:cTn id="14" presetID="10" presetClass="entr" presetSubtype="0" fill="hold" nodeType="withEffect">
+                                  <p:stCondLst>
+                                    <p:cond delay="0"/>
+                                  </p:stCondLst>
+                                  <p:childTnLst>
+                                    <p:set>
+                                      <p:cBhvr>
+                                        <p:cTn id="15" dur="1" fill="hold">
+                                          <p:stCondLst>
+                                            <p:cond delay="0"/>
+                                          </p:stCondLst>
+                                        </p:cTn>
+                                        <p:tgtEl>
+                                          <p:spTgt spid="3">
+                                            <p:txEl>
+                                              <p:pRg st="5" end="5"/>
+                                            </p:txEl>
+                                          </p:spTgt>
+                                        </p:tgtEl>
+                                        <p:attrNameLst>
+                                          <p:attrName>style.visibility</p:attrName>
+                                        </p:attrNameLst>
+                                      </p:cBhvr>
+                                      <p:to>
+                                        <p:strVal val="visible"/>
+                                      </p:to>
+                                    </p:set>
+                                    <p:animEffect transition="in" filter="fade">
+                                      <p:cBhvr>
+                                        <p:cTn id="16" dur="500"/>
+                                        <p:tgtEl>
+                                          <p:spTgt spid="3">
+                                            <p:txEl>
+                                              <p:pRg st="5" end="5"/>
+                                            </p:txEl>
+                                          </p:spTgt>
+                                        </p:tgtEl>
+                                      </p:cBhvr>
+                                    </p:animEffect>
+                                  </p:childTnLst>
+                                </p:cTn>
+                              </p:par>
+                              <p:par>
+                                <p:cTn id="17" presetID="10" presetClass="entr" presetSubtype="0" fill="hold" nodeType="withEffect">
+                                  <p:stCondLst>
+                                    <p:cond delay="0"/>
+                                  </p:stCondLst>
+                                  <p:childTnLst>
+                                    <p:set>
+                                      <p:cBhvr>
+                                        <p:cTn id="18" dur="1" fill="hold">
+                                          <p:stCondLst>
+                                            <p:cond delay="0"/>
+                                          </p:stCondLst>
+                                        </p:cTn>
+                                        <p:tgtEl>
+                                          <p:spTgt spid="3">
+                                            <p:txEl>
+                                              <p:pRg st="6" end="6"/>
+                                            </p:txEl>
+                                          </p:spTgt>
+                                        </p:tgtEl>
+                                        <p:attrNameLst>
+                                          <p:attrName>style.visibility</p:attrName>
+                                        </p:attrNameLst>
+                                      </p:cBhvr>
+                                      <p:to>
+                                        <p:strVal val="visible"/>
+                                      </p:to>
+                                    </p:set>
+                                    <p:animEffect transition="in" filter="fade">
+                                      <p:cBhvr>
+                                        <p:cTn id="19" dur="500"/>
+                                        <p:tgtEl>
+                                          <p:spTgt spid="3">
+                                            <p:txEl>
+                                              <p:pRg st="6" end="6"/>
+                                            </p:txEl>
+                                          </p:spTgt>
+                                        </p:tgtEl>
+                                      </p:cBhvr>
+                                    </p:animEffect>
+                                  </p:childTnLst>
+                                </p:cTn>
+                              </p:par>
+                              <p:par>
+                                <p:cTn id="20" presetID="10" presetClass="entr" presetSubtype="0" fill="hold" nodeType="withEffect">
+                                  <p:stCondLst>
+                                    <p:cond delay="0"/>
+                                  </p:stCondLst>
+                                  <p:childTnLst>
+                                    <p:set>
+                                      <p:cBhvr>
+                                        <p:cTn id="21" dur="1" fill="hold">
+                                          <p:stCondLst>
+                                            <p:cond delay="0"/>
+                                          </p:stCondLst>
+                                        </p:cTn>
+                                        <p:tgtEl>
+                                          <p:spTgt spid="3">
+                                            <p:txEl>
+                                              <p:pRg st="7" end="7"/>
+                                            </p:txEl>
+                                          </p:spTgt>
+                                        </p:tgtEl>
+                                        <p:attrNameLst>
+                                          <p:attrName>style.visibility</p:attrName>
+                                        </p:attrNameLst>
+                                      </p:cBhvr>
+                                      <p:to>
+                                        <p:strVal val="visible"/>
+                                      </p:to>
+                                    </p:set>
+                                    <p:animEffect transition="in" filter="fade">
+                                      <p:cBhvr>
+                                        <p:cTn id="22" dur="500"/>
+                                        <p:tgtEl>
+                                          <p:spTgt spid="3">
+                                            <p:txEl>
+                                              <p:pRg st="7" end="7"/>
+                                            </p:txEl>
+                                          </p:spTgt>
+                                        </p:tgtEl>
+                                      </p:cBhvr>
+                                    </p:animEffect>
+                                  </p:childTnLst>
+                                </p:cTn>
+                              </p:par>
+                            </p:childTnLst>
+                          </p:cTn>
+                        </p:par>
+                      </p:childTnLst>
+                    </p:cTn>
+                  </p:par>
+                  <p:par>
+                    <p:cTn id="23" fill="hold">
+                      <p:stCondLst>
+                        <p:cond delay="indefinite"/>
+                      </p:stCondLst>
+                      <p:childTnLst>
+                        <p:par>
+                          <p:cTn id="24" fill="hold">
+                            <p:stCondLst>
+                              <p:cond delay="0"/>
+                            </p:stCondLst>
+                            <p:childTnLst>
+                              <p:par>
+                                <p:cTn id="25" presetID="10" presetClass="entr" presetSubtype="0" fill="hold" nodeType="clickEffect">
+                                  <p:stCondLst>
+                                    <p:cond delay="0"/>
+                                  </p:stCondLst>
+                                  <p:childTnLst>
+                                    <p:set>
+                                      <p:cBhvr>
+                                        <p:cTn id="26" dur="1" fill="hold">
+                                          <p:stCondLst>
+                                            <p:cond delay="0"/>
+                                          </p:stCondLst>
+                                        </p:cTn>
+                                        <p:tgtEl>
+                                          <p:spTgt spid="3">
+                                            <p:txEl>
+                                              <p:pRg st="9" end="9"/>
+                                            </p:txEl>
+                                          </p:spTgt>
+                                        </p:tgtEl>
+                                        <p:attrNameLst>
+                                          <p:attrName>style.visibility</p:attrName>
+                                        </p:attrNameLst>
+                                      </p:cBhvr>
+                                      <p:to>
+                                        <p:strVal val="visible"/>
+                                      </p:to>
+                                    </p:set>
+                                    <p:animEffect transition="in" filter="fade">
+                                      <p:cBhvr>
+                                        <p:cTn id="27" dur="500"/>
+                                        <p:tgtEl>
+                                          <p:spTgt spid="3">
+                                            <p:txEl>
+                                              <p:pRg st="9" end="9"/>
+                                            </p:txEl>
+                                          </p:spTgt>
+                                        </p:tgtEl>
+                                      </p:cBhvr>
+                                    </p:animEffect>
+                                  </p:childTnLst>
+                                </p:cTn>
+                              </p:par>
+                              <p:par>
+                                <p:cTn id="28" presetID="10" presetClass="entr" presetSubtype="0" fill="hold" nodeType="withEffect">
+                                  <p:stCondLst>
+                                    <p:cond delay="0"/>
+                                  </p:stCondLst>
+                                  <p:childTnLst>
+                                    <p:set>
+                                      <p:cBhvr>
+                                        <p:cTn id="29" dur="1" fill="hold">
+                                          <p:stCondLst>
+                                            <p:cond delay="0"/>
+                                          </p:stCondLst>
+                                        </p:cTn>
+                                        <p:tgtEl>
+                                          <p:spTgt spid="3">
+                                            <p:txEl>
+                                              <p:pRg st="10" end="10"/>
+                                            </p:txEl>
+                                          </p:spTgt>
+                                        </p:tgtEl>
+                                        <p:attrNameLst>
+                                          <p:attrName>style.visibility</p:attrName>
+                                        </p:attrNameLst>
+                                      </p:cBhvr>
+                                      <p:to>
+                                        <p:strVal val="visible"/>
+                                      </p:to>
+                                    </p:set>
+                                    <p:animEffect transition="in" filter="fade">
+                                      <p:cBhvr>
+                                        <p:cTn id="30" dur="500"/>
+                                        <p:tgtEl>
+                                          <p:spTgt spid="3">
+                                            <p:txEl>
+                                              <p:pRg st="10" end="10"/>
+                                            </p:txEl>
+                                          </p:spTgt>
+                                        </p:tgtEl>
+                                      </p:cBhvr>
+                                    </p:animEffect>
+                                  </p:childTnLst>
+                                </p:cTn>
+                              </p:par>
+                              <p:par>
+                                <p:cTn id="31" presetID="10" presetClass="entr" presetSubtype="0" fill="hold" nodeType="withEffect">
+                                  <p:stCondLst>
+                                    <p:cond delay="0"/>
+                                  </p:stCondLst>
+                                  <p:childTnLst>
+                                    <p:set>
+                                      <p:cBhvr>
+                                        <p:cTn id="32" dur="1" fill="hold">
+                                          <p:stCondLst>
+                                            <p:cond delay="0"/>
+                                          </p:stCondLst>
+                                        </p:cTn>
+                                        <p:tgtEl>
+                                          <p:spTgt spid="3">
+                                            <p:txEl>
+                                              <p:pRg st="11" end="11"/>
+                                            </p:txEl>
+                                          </p:spTgt>
+                                        </p:tgtEl>
+                                        <p:attrNameLst>
+                                          <p:attrName>style.visibility</p:attrName>
+                                        </p:attrNameLst>
+                                      </p:cBhvr>
+                                      <p:to>
+                                        <p:strVal val="visible"/>
+                                      </p:to>
+                                    </p:set>
+                                    <p:animEffect transition="in" filter="fade">
+                                      <p:cBhvr>
+                                        <p:cTn id="33" dur="500"/>
+                                        <p:tgtEl>
+                                          <p:spTgt spid="3">
+                                            <p:txEl>
+                                              <p:pRg st="11" end="11"/>
+                                            </p:txEl>
+                                          </p:spTgt>
+                                        </p:tgtEl>
+                                      </p:cBhvr>
+                                    </p:animEffect>
+                                  </p:childTnLst>
+                                </p:cTn>
+                              </p:par>
+                              <p:par>
+                                <p:cTn id="34" presetID="10" presetClass="entr" presetSubtype="0" fill="hold" nodeType="withEffect">
+                                  <p:stCondLst>
+                                    <p:cond delay="0"/>
+                                  </p:stCondLst>
+                                  <p:childTnLst>
+                                    <p:set>
+                                      <p:cBhvr>
+                                        <p:cTn id="35" dur="1" fill="hold">
+                                          <p:stCondLst>
+                                            <p:cond delay="0"/>
+                                          </p:stCondLst>
+                                        </p:cTn>
+                                        <p:tgtEl>
+                                          <p:spTgt spid="3">
+                                            <p:txEl>
+                                              <p:pRg st="12" end="12"/>
+                                            </p:txEl>
+                                          </p:spTgt>
+                                        </p:tgtEl>
+                                        <p:attrNameLst>
+                                          <p:attrName>style.visibility</p:attrName>
+                                        </p:attrNameLst>
+                                      </p:cBhvr>
+                                      <p:to>
+                                        <p:strVal val="visible"/>
+                                      </p:to>
+                                    </p:set>
+                                    <p:animEffect transition="in" filter="fade">
+                                      <p:cBhvr>
+                                        <p:cTn id="36" dur="500"/>
+                                        <p:tgtEl>
+                                          <p:spTgt spid="3">
+                                            <p:txEl>
+                                              <p:pRg st="12" end="12"/>
+                                            </p:txEl>
+                                          </p:spTgt>
+                                        </p:tgtEl>
+                                      </p:cBhvr>
+                                    </p:animEffect>
+                                  </p:childTnLst>
+                                </p:cTn>
+                              </p:par>
+                              <p:par>
+                                <p:cTn id="37" presetID="10" presetClass="entr" presetSubtype="0" fill="hold" nodeType="withEffect">
+                                  <p:stCondLst>
+                                    <p:cond delay="0"/>
+                                  </p:stCondLst>
+                                  <p:childTnLst>
+                                    <p:set>
+                                      <p:cBhvr>
+                                        <p:cTn id="38" dur="1" fill="hold">
+                                          <p:stCondLst>
+                                            <p:cond delay="0"/>
+                                          </p:stCondLst>
+                                        </p:cTn>
+                                        <p:tgtEl>
+                                          <p:spTgt spid="3">
+                                            <p:txEl>
+                                              <p:pRg st="13" end="13"/>
+                                            </p:txEl>
+                                          </p:spTgt>
+                                        </p:tgtEl>
+                                        <p:attrNameLst>
+                                          <p:attrName>style.visibility</p:attrName>
+                                        </p:attrNameLst>
+                                      </p:cBhvr>
+                                      <p:to>
+                                        <p:strVal val="visible"/>
+                                      </p:to>
+                                    </p:set>
+                                    <p:animEffect transition="in" filter="fade">
+                                      <p:cBhvr>
+                                        <p:cTn id="39" dur="500"/>
+                                        <p:tgtEl>
+                                          <p:spTgt spid="3">
+                                            <p:txEl>
+                                              <p:pRg st="13" end="13"/>
+                                            </p:txEl>
+                                          </p:spTgt>
+                                        </p:tgtEl>
+                                      </p:cBhvr>
+                                    </p:animEffect>
+                                  </p:childTnLst>
+                                </p:cTn>
+                              </p:par>
+                              <p:par>
+                                <p:cTn id="40" presetID="10" presetClass="entr" presetSubtype="0" fill="hold" nodeType="withEffect">
+                                  <p:stCondLst>
+                                    <p:cond delay="0"/>
+                                  </p:stCondLst>
+                                  <p:childTnLst>
+                                    <p:set>
+                                      <p:cBhvr>
+                                        <p:cTn id="41" dur="1" fill="hold">
+                                          <p:stCondLst>
+                                            <p:cond delay="0"/>
+                                          </p:stCondLst>
+                                        </p:cTn>
+                                        <p:tgtEl>
+                                          <p:spTgt spid="3">
+                                            <p:txEl>
+                                              <p:pRg st="14" end="14"/>
+                                            </p:txEl>
+                                          </p:spTgt>
+                                        </p:tgtEl>
+                                        <p:attrNameLst>
+                                          <p:attrName>style.visibility</p:attrName>
+                                        </p:attrNameLst>
+                                      </p:cBhvr>
+                                      <p:to>
+                                        <p:strVal val="visible"/>
+                                      </p:to>
+                                    </p:set>
+                                    <p:animEffect transition="in" filter="fade">
+                                      <p:cBhvr>
+                                        <p:cTn id="42" dur="500"/>
+                                        <p:tgtEl>
+                                          <p:spTgt spid="3">
+                                            <p:txEl>
+                                              <p:pRg st="14" end="14"/>
+                                            </p:txEl>
+                                          </p:spTgt>
+                                        </p:tgtEl>
+                                      </p:cBhvr>
+                                    </p:animEffect>
+                                  </p:childTnLst>
+                                </p:cTn>
+                              </p:par>
+                            </p:childTnLst>
+                          </p:cTn>
+                        </p:par>
+                      </p:childTnLst>
+                    </p:cTn>
+                  </p:par>
+                </p:childTnLst>
+              </p:cTn>
+              <p:prevCondLst>
+                <p:cond evt="onPrev" delay="0">
+                  <p:tgtEl>
+                    <p:sldTgt/>
+                  </p:tgtEl>
+                </p:cond>
+              </p:prevCondLst>
+              <p:nextCondLst>
+                <p:cond evt="onNext" delay="0">
+                  <p:tgtEl>
+                    <p:sldTgt/>
+                  </p:tgtEl>
+                </p:cond>
+              </p:nextCondLst>
+            </p:seq>
+          </p:childTnLst>
+        </p:cTn>
+      </p:par>
+    </p:tnLst>
+  </p:timing>
 </p:sld>
 </file>
 
@@ -26457,6 +34051,717 @@
   <p:clrMapOvr>
     <a:masterClrMapping/>
   </p:clrMapOvr>
+  <p:timing>
+    <p:tnLst>
+      <p:par>
+        <p:cTn id="1" dur="indefinite" restart="never" nodeType="tmRoot">
+          <p:childTnLst>
+            <p:seq concurrent="1" nextAc="seek">
+              <p:cTn id="2" dur="indefinite" nodeType="mainSeq">
+                <p:childTnLst>
+                  <p:par>
+                    <p:cTn id="3" fill="hold">
+                      <p:stCondLst>
+                        <p:cond delay="indefinite"/>
+                      </p:stCondLst>
+                      <p:childTnLst>
+                        <p:par>
+                          <p:cTn id="4" fill="hold">
+                            <p:stCondLst>
+                              <p:cond delay="0"/>
+                            </p:stCondLst>
+                            <p:childTnLst>
+                              <p:par>
+                                <p:cTn id="5" presetID="10" presetClass="entr" presetSubtype="0" fill="hold" nodeType="clickEffect">
+                                  <p:stCondLst>
+                                    <p:cond delay="0"/>
+                                  </p:stCondLst>
+                                  <p:childTnLst>
+                                    <p:set>
+                                      <p:cBhvr>
+                                        <p:cTn id="6" dur="1" fill="hold">
+                                          <p:stCondLst>
+                                            <p:cond delay="0"/>
+                                          </p:stCondLst>
+                                        </p:cTn>
+                                        <p:tgtEl>
+                                          <p:spTgt spid="5">
+                                            <p:txEl>
+                                              <p:pRg st="9" end="9"/>
+                                            </p:txEl>
+                                          </p:spTgt>
+                                        </p:tgtEl>
+                                        <p:attrNameLst>
+                                          <p:attrName>style.visibility</p:attrName>
+                                        </p:attrNameLst>
+                                      </p:cBhvr>
+                                      <p:to>
+                                        <p:strVal val="visible"/>
+                                      </p:to>
+                                    </p:set>
+                                    <p:animEffect transition="in" filter="fade">
+                                      <p:cBhvr>
+                                        <p:cTn id="7" dur="500"/>
+                                        <p:tgtEl>
+                                          <p:spTgt spid="5">
+                                            <p:txEl>
+                                              <p:pRg st="9" end="9"/>
+                                            </p:txEl>
+                                          </p:spTgt>
+                                        </p:tgtEl>
+                                      </p:cBhvr>
+                                    </p:animEffect>
+                                  </p:childTnLst>
+                                </p:cTn>
+                              </p:par>
+                              <p:par>
+                                <p:cTn id="8" presetID="10" presetClass="entr" presetSubtype="0" fill="hold" nodeType="withEffect">
+                                  <p:stCondLst>
+                                    <p:cond delay="0"/>
+                                  </p:stCondLst>
+                                  <p:childTnLst>
+                                    <p:set>
+                                      <p:cBhvr>
+                                        <p:cTn id="9" dur="1" fill="hold">
+                                          <p:stCondLst>
+                                            <p:cond delay="0"/>
+                                          </p:stCondLst>
+                                        </p:cTn>
+                                        <p:tgtEl>
+                                          <p:spTgt spid="5">
+                                            <p:txEl>
+                                              <p:pRg st="10" end="10"/>
+                                            </p:txEl>
+                                          </p:spTgt>
+                                        </p:tgtEl>
+                                        <p:attrNameLst>
+                                          <p:attrName>style.visibility</p:attrName>
+                                        </p:attrNameLst>
+                                      </p:cBhvr>
+                                      <p:to>
+                                        <p:strVal val="visible"/>
+                                      </p:to>
+                                    </p:set>
+                                    <p:animEffect transition="in" filter="fade">
+                                      <p:cBhvr>
+                                        <p:cTn id="10" dur="500"/>
+                                        <p:tgtEl>
+                                          <p:spTgt spid="5">
+                                            <p:txEl>
+                                              <p:pRg st="10" end="10"/>
+                                            </p:txEl>
+                                          </p:spTgt>
+                                        </p:tgtEl>
+                                      </p:cBhvr>
+                                    </p:animEffect>
+                                  </p:childTnLst>
+                                </p:cTn>
+                              </p:par>
+                              <p:par>
+                                <p:cTn id="11" presetID="10" presetClass="entr" presetSubtype="0" fill="hold" nodeType="withEffect">
+                                  <p:stCondLst>
+                                    <p:cond delay="0"/>
+                                  </p:stCondLst>
+                                  <p:childTnLst>
+                                    <p:set>
+                                      <p:cBhvr>
+                                        <p:cTn id="12" dur="1" fill="hold">
+                                          <p:stCondLst>
+                                            <p:cond delay="0"/>
+                                          </p:stCondLst>
+                                        </p:cTn>
+                                        <p:tgtEl>
+                                          <p:spTgt spid="5">
+                                            <p:txEl>
+                                              <p:pRg st="11" end="11"/>
+                                            </p:txEl>
+                                          </p:spTgt>
+                                        </p:tgtEl>
+                                        <p:attrNameLst>
+                                          <p:attrName>style.visibility</p:attrName>
+                                        </p:attrNameLst>
+                                      </p:cBhvr>
+                                      <p:to>
+                                        <p:strVal val="visible"/>
+                                      </p:to>
+                                    </p:set>
+                                    <p:animEffect transition="in" filter="fade">
+                                      <p:cBhvr>
+                                        <p:cTn id="13" dur="500"/>
+                                        <p:tgtEl>
+                                          <p:spTgt spid="5">
+                                            <p:txEl>
+                                              <p:pRg st="11" end="11"/>
+                                            </p:txEl>
+                                          </p:spTgt>
+                                        </p:tgtEl>
+                                      </p:cBhvr>
+                                    </p:animEffect>
+                                  </p:childTnLst>
+                                </p:cTn>
+                              </p:par>
+                              <p:par>
+                                <p:cTn id="14" presetID="10" presetClass="entr" presetSubtype="0" fill="hold" nodeType="withEffect">
+                                  <p:stCondLst>
+                                    <p:cond delay="0"/>
+                                  </p:stCondLst>
+                                  <p:childTnLst>
+                                    <p:set>
+                                      <p:cBhvr>
+                                        <p:cTn id="15" dur="1" fill="hold">
+                                          <p:stCondLst>
+                                            <p:cond delay="0"/>
+                                          </p:stCondLst>
+                                        </p:cTn>
+                                        <p:tgtEl>
+                                          <p:spTgt spid="5">
+                                            <p:txEl>
+                                              <p:pRg st="12" end="12"/>
+                                            </p:txEl>
+                                          </p:spTgt>
+                                        </p:tgtEl>
+                                        <p:attrNameLst>
+                                          <p:attrName>style.visibility</p:attrName>
+                                        </p:attrNameLst>
+                                      </p:cBhvr>
+                                      <p:to>
+                                        <p:strVal val="visible"/>
+                                      </p:to>
+                                    </p:set>
+                                    <p:animEffect transition="in" filter="fade">
+                                      <p:cBhvr>
+                                        <p:cTn id="16" dur="500"/>
+                                        <p:tgtEl>
+                                          <p:spTgt spid="5">
+                                            <p:txEl>
+                                              <p:pRg st="12" end="12"/>
+                                            </p:txEl>
+                                          </p:spTgt>
+                                        </p:tgtEl>
+                                      </p:cBhvr>
+                                    </p:animEffect>
+                                  </p:childTnLst>
+                                </p:cTn>
+                              </p:par>
+                              <p:par>
+                                <p:cTn id="17" presetID="10" presetClass="entr" presetSubtype="0" fill="hold" nodeType="withEffect">
+                                  <p:stCondLst>
+                                    <p:cond delay="0"/>
+                                  </p:stCondLst>
+                                  <p:childTnLst>
+                                    <p:set>
+                                      <p:cBhvr>
+                                        <p:cTn id="18" dur="1" fill="hold">
+                                          <p:stCondLst>
+                                            <p:cond delay="0"/>
+                                          </p:stCondLst>
+                                        </p:cTn>
+                                        <p:tgtEl>
+                                          <p:spTgt spid="5">
+                                            <p:txEl>
+                                              <p:pRg st="13" end="13"/>
+                                            </p:txEl>
+                                          </p:spTgt>
+                                        </p:tgtEl>
+                                        <p:attrNameLst>
+                                          <p:attrName>style.visibility</p:attrName>
+                                        </p:attrNameLst>
+                                      </p:cBhvr>
+                                      <p:to>
+                                        <p:strVal val="visible"/>
+                                      </p:to>
+                                    </p:set>
+                                    <p:animEffect transition="in" filter="fade">
+                                      <p:cBhvr>
+                                        <p:cTn id="19" dur="500"/>
+                                        <p:tgtEl>
+                                          <p:spTgt spid="5">
+                                            <p:txEl>
+                                              <p:pRg st="13" end="13"/>
+                                            </p:txEl>
+                                          </p:spTgt>
+                                        </p:tgtEl>
+                                      </p:cBhvr>
+                                    </p:animEffect>
+                                  </p:childTnLst>
+                                </p:cTn>
+                              </p:par>
+                              <p:par>
+                                <p:cTn id="20" presetID="10" presetClass="entr" presetSubtype="0" fill="hold" nodeType="withEffect">
+                                  <p:stCondLst>
+                                    <p:cond delay="0"/>
+                                  </p:stCondLst>
+                                  <p:childTnLst>
+                                    <p:set>
+                                      <p:cBhvr>
+                                        <p:cTn id="21" dur="1" fill="hold">
+                                          <p:stCondLst>
+                                            <p:cond delay="0"/>
+                                          </p:stCondLst>
+                                        </p:cTn>
+                                        <p:tgtEl>
+                                          <p:spTgt spid="5">
+                                            <p:txEl>
+                                              <p:pRg st="14" end="14"/>
+                                            </p:txEl>
+                                          </p:spTgt>
+                                        </p:tgtEl>
+                                        <p:attrNameLst>
+                                          <p:attrName>style.visibility</p:attrName>
+                                        </p:attrNameLst>
+                                      </p:cBhvr>
+                                      <p:to>
+                                        <p:strVal val="visible"/>
+                                      </p:to>
+                                    </p:set>
+                                    <p:animEffect transition="in" filter="fade">
+                                      <p:cBhvr>
+                                        <p:cTn id="22" dur="500"/>
+                                        <p:tgtEl>
+                                          <p:spTgt spid="5">
+                                            <p:txEl>
+                                              <p:pRg st="14" end="14"/>
+                                            </p:txEl>
+                                          </p:spTgt>
+                                        </p:tgtEl>
+                                      </p:cBhvr>
+                                    </p:animEffect>
+                                  </p:childTnLst>
+                                </p:cTn>
+                              </p:par>
+                              <p:par>
+                                <p:cTn id="23" presetID="10" presetClass="entr" presetSubtype="0" fill="hold" nodeType="withEffect">
+                                  <p:stCondLst>
+                                    <p:cond delay="0"/>
+                                  </p:stCondLst>
+                                  <p:childTnLst>
+                                    <p:set>
+                                      <p:cBhvr>
+                                        <p:cTn id="24" dur="1" fill="hold">
+                                          <p:stCondLst>
+                                            <p:cond delay="0"/>
+                                          </p:stCondLst>
+                                        </p:cTn>
+                                        <p:tgtEl>
+                                          <p:spTgt spid="5">
+                                            <p:txEl>
+                                              <p:pRg st="15" end="15"/>
+                                            </p:txEl>
+                                          </p:spTgt>
+                                        </p:tgtEl>
+                                        <p:attrNameLst>
+                                          <p:attrName>style.visibility</p:attrName>
+                                        </p:attrNameLst>
+                                      </p:cBhvr>
+                                      <p:to>
+                                        <p:strVal val="visible"/>
+                                      </p:to>
+                                    </p:set>
+                                    <p:animEffect transition="in" filter="fade">
+                                      <p:cBhvr>
+                                        <p:cTn id="25" dur="500"/>
+                                        <p:tgtEl>
+                                          <p:spTgt spid="5">
+                                            <p:txEl>
+                                              <p:pRg st="15" end="15"/>
+                                            </p:txEl>
+                                          </p:spTgt>
+                                        </p:tgtEl>
+                                      </p:cBhvr>
+                                    </p:animEffect>
+                                  </p:childTnLst>
+                                </p:cTn>
+                              </p:par>
+                            </p:childTnLst>
+                          </p:cTn>
+                        </p:par>
+                      </p:childTnLst>
+                    </p:cTn>
+                  </p:par>
+                  <p:par>
+                    <p:cTn id="26" fill="hold">
+                      <p:stCondLst>
+                        <p:cond delay="indefinite"/>
+                      </p:stCondLst>
+                      <p:childTnLst>
+                        <p:par>
+                          <p:cTn id="27" fill="hold">
+                            <p:stCondLst>
+                              <p:cond delay="0"/>
+                            </p:stCondLst>
+                            <p:childTnLst>
+                              <p:par>
+                                <p:cTn id="28" presetID="10" presetClass="entr" presetSubtype="0" fill="hold" nodeType="clickEffect">
+                                  <p:stCondLst>
+                                    <p:cond delay="0"/>
+                                  </p:stCondLst>
+                                  <p:childTnLst>
+                                    <p:set>
+                                      <p:cBhvr>
+                                        <p:cTn id="29" dur="1" fill="hold">
+                                          <p:stCondLst>
+                                            <p:cond delay="0"/>
+                                          </p:stCondLst>
+                                        </p:cTn>
+                                        <p:tgtEl>
+                                          <p:spTgt spid="5">
+                                            <p:txEl>
+                                              <p:pRg st="17" end="17"/>
+                                            </p:txEl>
+                                          </p:spTgt>
+                                        </p:tgtEl>
+                                        <p:attrNameLst>
+                                          <p:attrName>style.visibility</p:attrName>
+                                        </p:attrNameLst>
+                                      </p:cBhvr>
+                                      <p:to>
+                                        <p:strVal val="visible"/>
+                                      </p:to>
+                                    </p:set>
+                                    <p:animEffect transition="in" filter="fade">
+                                      <p:cBhvr>
+                                        <p:cTn id="30" dur="500"/>
+                                        <p:tgtEl>
+                                          <p:spTgt spid="5">
+                                            <p:txEl>
+                                              <p:pRg st="17" end="17"/>
+                                            </p:txEl>
+                                          </p:spTgt>
+                                        </p:tgtEl>
+                                      </p:cBhvr>
+                                    </p:animEffect>
+                                  </p:childTnLst>
+                                </p:cTn>
+                              </p:par>
+                              <p:par>
+                                <p:cTn id="31" presetID="10" presetClass="entr" presetSubtype="0" fill="hold" nodeType="withEffect">
+                                  <p:stCondLst>
+                                    <p:cond delay="0"/>
+                                  </p:stCondLst>
+                                  <p:childTnLst>
+                                    <p:set>
+                                      <p:cBhvr>
+                                        <p:cTn id="32" dur="1" fill="hold">
+                                          <p:stCondLst>
+                                            <p:cond delay="0"/>
+                                          </p:stCondLst>
+                                        </p:cTn>
+                                        <p:tgtEl>
+                                          <p:spTgt spid="5">
+                                            <p:txEl>
+                                              <p:pRg st="18" end="18"/>
+                                            </p:txEl>
+                                          </p:spTgt>
+                                        </p:tgtEl>
+                                        <p:attrNameLst>
+                                          <p:attrName>style.visibility</p:attrName>
+                                        </p:attrNameLst>
+                                      </p:cBhvr>
+                                      <p:to>
+                                        <p:strVal val="visible"/>
+                                      </p:to>
+                                    </p:set>
+                                    <p:animEffect transition="in" filter="fade">
+                                      <p:cBhvr>
+                                        <p:cTn id="33" dur="500"/>
+                                        <p:tgtEl>
+                                          <p:spTgt spid="5">
+                                            <p:txEl>
+                                              <p:pRg st="18" end="18"/>
+                                            </p:txEl>
+                                          </p:spTgt>
+                                        </p:tgtEl>
+                                      </p:cBhvr>
+                                    </p:animEffect>
+                                  </p:childTnLst>
+                                </p:cTn>
+                              </p:par>
+                              <p:par>
+                                <p:cTn id="34" presetID="10" presetClass="entr" presetSubtype="0" fill="hold" nodeType="withEffect">
+                                  <p:stCondLst>
+                                    <p:cond delay="0"/>
+                                  </p:stCondLst>
+                                  <p:childTnLst>
+                                    <p:set>
+                                      <p:cBhvr>
+                                        <p:cTn id="35" dur="1" fill="hold">
+                                          <p:stCondLst>
+                                            <p:cond delay="0"/>
+                                          </p:stCondLst>
+                                        </p:cTn>
+                                        <p:tgtEl>
+                                          <p:spTgt spid="5">
+                                            <p:txEl>
+                                              <p:pRg st="19" end="19"/>
+                                            </p:txEl>
+                                          </p:spTgt>
+                                        </p:tgtEl>
+                                        <p:attrNameLst>
+                                          <p:attrName>style.visibility</p:attrName>
+                                        </p:attrNameLst>
+                                      </p:cBhvr>
+                                      <p:to>
+                                        <p:strVal val="visible"/>
+                                      </p:to>
+                                    </p:set>
+                                    <p:animEffect transition="in" filter="fade">
+                                      <p:cBhvr>
+                                        <p:cTn id="36" dur="500"/>
+                                        <p:tgtEl>
+                                          <p:spTgt spid="5">
+                                            <p:txEl>
+                                              <p:pRg st="19" end="19"/>
+                                            </p:txEl>
+                                          </p:spTgt>
+                                        </p:tgtEl>
+                                      </p:cBhvr>
+                                    </p:animEffect>
+                                  </p:childTnLst>
+                                </p:cTn>
+                              </p:par>
+                              <p:par>
+                                <p:cTn id="37" presetID="10" presetClass="entr" presetSubtype="0" fill="hold" nodeType="withEffect">
+                                  <p:stCondLst>
+                                    <p:cond delay="0"/>
+                                  </p:stCondLst>
+                                  <p:childTnLst>
+                                    <p:set>
+                                      <p:cBhvr>
+                                        <p:cTn id="38" dur="1" fill="hold">
+                                          <p:stCondLst>
+                                            <p:cond delay="0"/>
+                                          </p:stCondLst>
+                                        </p:cTn>
+                                        <p:tgtEl>
+                                          <p:spTgt spid="5">
+                                            <p:txEl>
+                                              <p:pRg st="20" end="20"/>
+                                            </p:txEl>
+                                          </p:spTgt>
+                                        </p:tgtEl>
+                                        <p:attrNameLst>
+                                          <p:attrName>style.visibility</p:attrName>
+                                        </p:attrNameLst>
+                                      </p:cBhvr>
+                                      <p:to>
+                                        <p:strVal val="visible"/>
+                                      </p:to>
+                                    </p:set>
+                                    <p:animEffect transition="in" filter="fade">
+                                      <p:cBhvr>
+                                        <p:cTn id="39" dur="500"/>
+                                        <p:tgtEl>
+                                          <p:spTgt spid="5">
+                                            <p:txEl>
+                                              <p:pRg st="20" end="20"/>
+                                            </p:txEl>
+                                          </p:spTgt>
+                                        </p:tgtEl>
+                                      </p:cBhvr>
+                                    </p:animEffect>
+                                  </p:childTnLst>
+                                </p:cTn>
+                              </p:par>
+                              <p:par>
+                                <p:cTn id="40" presetID="10" presetClass="entr" presetSubtype="0" fill="hold" nodeType="withEffect">
+                                  <p:stCondLst>
+                                    <p:cond delay="0"/>
+                                  </p:stCondLst>
+                                  <p:childTnLst>
+                                    <p:set>
+                                      <p:cBhvr>
+                                        <p:cTn id="41" dur="1" fill="hold">
+                                          <p:stCondLst>
+                                            <p:cond delay="0"/>
+                                          </p:stCondLst>
+                                        </p:cTn>
+                                        <p:tgtEl>
+                                          <p:spTgt spid="5">
+                                            <p:txEl>
+                                              <p:pRg st="21" end="21"/>
+                                            </p:txEl>
+                                          </p:spTgt>
+                                        </p:tgtEl>
+                                        <p:attrNameLst>
+                                          <p:attrName>style.visibility</p:attrName>
+                                        </p:attrNameLst>
+                                      </p:cBhvr>
+                                      <p:to>
+                                        <p:strVal val="visible"/>
+                                      </p:to>
+                                    </p:set>
+                                    <p:animEffect transition="in" filter="fade">
+                                      <p:cBhvr>
+                                        <p:cTn id="42" dur="500"/>
+                                        <p:tgtEl>
+                                          <p:spTgt spid="5">
+                                            <p:txEl>
+                                              <p:pRg st="21" end="21"/>
+                                            </p:txEl>
+                                          </p:spTgt>
+                                        </p:tgtEl>
+                                      </p:cBhvr>
+                                    </p:animEffect>
+                                  </p:childTnLst>
+                                </p:cTn>
+                              </p:par>
+                              <p:par>
+                                <p:cTn id="43" presetID="10" presetClass="entr" presetSubtype="0" fill="hold" nodeType="withEffect">
+                                  <p:stCondLst>
+                                    <p:cond delay="0"/>
+                                  </p:stCondLst>
+                                  <p:childTnLst>
+                                    <p:set>
+                                      <p:cBhvr>
+                                        <p:cTn id="44" dur="1" fill="hold">
+                                          <p:stCondLst>
+                                            <p:cond delay="0"/>
+                                          </p:stCondLst>
+                                        </p:cTn>
+                                        <p:tgtEl>
+                                          <p:spTgt spid="5">
+                                            <p:txEl>
+                                              <p:pRg st="22" end="22"/>
+                                            </p:txEl>
+                                          </p:spTgt>
+                                        </p:tgtEl>
+                                        <p:attrNameLst>
+                                          <p:attrName>style.visibility</p:attrName>
+                                        </p:attrNameLst>
+                                      </p:cBhvr>
+                                      <p:to>
+                                        <p:strVal val="visible"/>
+                                      </p:to>
+                                    </p:set>
+                                    <p:animEffect transition="in" filter="fade">
+                                      <p:cBhvr>
+                                        <p:cTn id="45" dur="500"/>
+                                        <p:tgtEl>
+                                          <p:spTgt spid="5">
+                                            <p:txEl>
+                                              <p:pRg st="22" end="22"/>
+                                            </p:txEl>
+                                          </p:spTgt>
+                                        </p:tgtEl>
+                                      </p:cBhvr>
+                                    </p:animEffect>
+                                  </p:childTnLst>
+                                </p:cTn>
+                              </p:par>
+                              <p:par>
+                                <p:cTn id="46" presetID="10" presetClass="entr" presetSubtype="0" fill="hold" nodeType="withEffect">
+                                  <p:stCondLst>
+                                    <p:cond delay="0"/>
+                                  </p:stCondLst>
+                                  <p:childTnLst>
+                                    <p:set>
+                                      <p:cBhvr>
+                                        <p:cTn id="47" dur="1" fill="hold">
+                                          <p:stCondLst>
+                                            <p:cond delay="0"/>
+                                          </p:stCondLst>
+                                        </p:cTn>
+                                        <p:tgtEl>
+                                          <p:spTgt spid="5">
+                                            <p:txEl>
+                                              <p:pRg st="23" end="23"/>
+                                            </p:txEl>
+                                          </p:spTgt>
+                                        </p:tgtEl>
+                                        <p:attrNameLst>
+                                          <p:attrName>style.visibility</p:attrName>
+                                        </p:attrNameLst>
+                                      </p:cBhvr>
+                                      <p:to>
+                                        <p:strVal val="visible"/>
+                                      </p:to>
+                                    </p:set>
+                                    <p:animEffect transition="in" filter="fade">
+                                      <p:cBhvr>
+                                        <p:cTn id="48" dur="500"/>
+                                        <p:tgtEl>
+                                          <p:spTgt spid="5">
+                                            <p:txEl>
+                                              <p:pRg st="23" end="23"/>
+                                            </p:txEl>
+                                          </p:spTgt>
+                                        </p:tgtEl>
+                                      </p:cBhvr>
+                                    </p:animEffect>
+                                  </p:childTnLst>
+                                </p:cTn>
+                              </p:par>
+                              <p:par>
+                                <p:cTn id="49" presetID="10" presetClass="entr" presetSubtype="0" fill="hold" nodeType="withEffect">
+                                  <p:stCondLst>
+                                    <p:cond delay="0"/>
+                                  </p:stCondLst>
+                                  <p:childTnLst>
+                                    <p:set>
+                                      <p:cBhvr>
+                                        <p:cTn id="50" dur="1" fill="hold">
+                                          <p:stCondLst>
+                                            <p:cond delay="0"/>
+                                          </p:stCondLst>
+                                        </p:cTn>
+                                        <p:tgtEl>
+                                          <p:spTgt spid="5">
+                                            <p:txEl>
+                                              <p:pRg st="24" end="24"/>
+                                            </p:txEl>
+                                          </p:spTgt>
+                                        </p:tgtEl>
+                                        <p:attrNameLst>
+                                          <p:attrName>style.visibility</p:attrName>
+                                        </p:attrNameLst>
+                                      </p:cBhvr>
+                                      <p:to>
+                                        <p:strVal val="visible"/>
+                                      </p:to>
+                                    </p:set>
+                                    <p:animEffect transition="in" filter="fade">
+                                      <p:cBhvr>
+                                        <p:cTn id="51" dur="500"/>
+                                        <p:tgtEl>
+                                          <p:spTgt spid="5">
+                                            <p:txEl>
+                                              <p:pRg st="24" end="24"/>
+                                            </p:txEl>
+                                          </p:spTgt>
+                                        </p:tgtEl>
+                                      </p:cBhvr>
+                                    </p:animEffect>
+                                  </p:childTnLst>
+                                </p:cTn>
+                              </p:par>
+                            </p:childTnLst>
+                          </p:cTn>
+                        </p:par>
+                      </p:childTnLst>
+                    </p:cTn>
+                  </p:par>
+                </p:childTnLst>
+              </p:cTn>
+              <p:prevCondLst>
+                <p:cond evt="onPrev" delay="0">
+                  <p:tgtEl>
+                    <p:sldTgt/>
+                  </p:tgtEl>
+                </p:cond>
+              </p:prevCondLst>
+              <p:nextCondLst>
+                <p:cond evt="onNext" delay="0">
+                  <p:tgtEl>
+                    <p:sldTgt/>
+                  </p:tgtEl>
+                </p:cond>
+              </p:nextCondLst>
+            </p:seq>
+          </p:childTnLst>
+        </p:cTn>
+      </p:par>
+    </p:tnLst>
+  </p:timing>
 </p:sld>
 </file>
 
@@ -26533,6 +34838,13 @@
   <p:clrMapOvr>
     <a:masterClrMapping/>
   </p:clrMapOvr>
+  <p:timing>
+    <p:tnLst>
+      <p:par>
+        <p:cTn id="1" dur="indefinite" restart="never" nodeType="tmRoot"/>
+      </p:par>
+    </p:tnLst>
+  </p:timing>
 </p:sld>
 </file>
 

--- a/lectures/09.iterator/iterator.pptx
+++ b/lectures/09.iterator/iterator.pptx
@@ -238,7 +238,7 @@
           <a:p>
             <a:fld id="{2F3DCB6D-0B48-4A3D-B663-06C3F903A9D3}" type="datetimeFigureOut">
               <a:rPr lang="ru-RU" smtClean="0"/>
-              <a:t>17.10.2019</a:t>
+              <a:t>15.10.2020</a:t>
             </a:fld>
             <a:endParaRPr lang="ru-RU"/>
           </a:p>
@@ -608,6 +608,90 @@
       </p:grpSpPr>
       <p:sp>
         <p:nvSpPr>
+          <p:cNvPr id="2" name="Slide Image Placeholder 1"/>
+          <p:cNvSpPr>
+            <a:spLocks noGrp="1" noRot="1" noChangeAspect="1"/>
+          </p:cNvSpPr>
+          <p:nvPr>
+            <p:ph type="sldImg"/>
+          </p:nvPr>
+        </p:nvSpPr>
+        <p:spPr/>
+      </p:sp>
+      <p:sp>
+        <p:nvSpPr>
+          <p:cNvPr id="3" name="Notes Placeholder 2"/>
+          <p:cNvSpPr>
+            <a:spLocks noGrp="1"/>
+          </p:cNvSpPr>
+          <p:nvPr>
+            <p:ph type="body" idx="1"/>
+          </p:nvPr>
+        </p:nvSpPr>
+        <p:spPr/>
+        <p:txBody>
+          <a:bodyPr/>
+          <a:lstStyle/>
+          <a:p>
+            <a:endParaRPr lang="ru-RU" dirty="0"/>
+          </a:p>
+        </p:txBody>
+      </p:sp>
+      <p:sp>
+        <p:nvSpPr>
+          <p:cNvPr id="4" name="Slide Number Placeholder 3"/>
+          <p:cNvSpPr>
+            <a:spLocks noGrp="1"/>
+          </p:cNvSpPr>
+          <p:nvPr>
+            <p:ph type="sldNum" sz="quarter" idx="5"/>
+          </p:nvPr>
+        </p:nvSpPr>
+        <p:spPr/>
+        <p:txBody>
+          <a:bodyPr/>
+          <a:lstStyle/>
+          <a:p>
+            <a:fld id="{C72A1285-F988-4153-B7C5-B887A867730D}" type="slidenum">
+              <a:rPr lang="ru-RU" smtClean="0"/>
+              <a:t>2</a:t>
+            </a:fld>
+            <a:endParaRPr lang="ru-RU"/>
+          </a:p>
+        </p:txBody>
+      </p:sp>
+    </p:spTree>
+    <p:extLst>
+      <p:ext uri="{BB962C8B-B14F-4D97-AF65-F5344CB8AC3E}">
+        <p14:creationId xmlns:p14="http://schemas.microsoft.com/office/powerpoint/2010/main" val="3927857236"/>
+      </p:ext>
+    </p:extLst>
+  </p:cSld>
+  <p:clrMapOvr>
+    <a:masterClrMapping/>
+  </p:clrMapOvr>
+</p:notes>
+</file>
+
+<file path=ppt/notesSlides/notesSlide3.xml><?xml version="1.0" encoding="utf-8"?>
+<p:notes xmlns:a="http://schemas.openxmlformats.org/drawingml/2006/main" xmlns:r="http://schemas.openxmlformats.org/officeDocument/2006/relationships" xmlns:p="http://schemas.openxmlformats.org/presentationml/2006/main">
+  <p:cSld>
+    <p:spTree>
+      <p:nvGrpSpPr>
+        <p:cNvPr id="1" name=""/>
+        <p:cNvGrpSpPr/>
+        <p:nvPr/>
+      </p:nvGrpSpPr>
+      <p:grpSpPr>
+        <a:xfrm>
+          <a:off x="0" y="0"/>
+          <a:ext cx="0" cy="0"/>
+          <a:chOff x="0" y="0"/>
+          <a:chExt cx="0" cy="0"/>
+        </a:xfrm>
+      </p:grpSpPr>
+      <p:sp>
+        <p:nvSpPr>
           <p:cNvPr id="2" name="Образ слайда 1"/>
           <p:cNvSpPr>
             <a:spLocks noGrp="1" noRot="1" noChangeAspect="1"/>
@@ -673,7 +757,7 @@
 </p:notes>
 </file>
 
-<file path=ppt/notesSlides/notesSlide3.xml><?xml version="1.0" encoding="utf-8"?>
+<file path=ppt/notesSlides/notesSlide4.xml><?xml version="1.0" encoding="utf-8"?>
 <p:notes xmlns:a="http://schemas.openxmlformats.org/drawingml/2006/main" xmlns:r="http://schemas.openxmlformats.org/officeDocument/2006/relationships" xmlns:p="http://schemas.openxmlformats.org/presentationml/2006/main">
   <p:cSld>
     <p:spTree>
@@ -1003,7 +1087,7 @@
           <a:p>
             <a:fld id="{2590F9C9-AB92-4E86-B698-DEC9BF4350FF}" type="datetimeFigureOut">
               <a:rPr lang="ru-RU" smtClean="0"/>
-              <a:t>17.10.2019</a:t>
+              <a:t>15.10.2020</a:t>
             </a:fld>
             <a:endParaRPr lang="ru-RU"/>
           </a:p>
@@ -1220,7 +1304,7 @@
           <a:p>
             <a:fld id="{2590F9C9-AB92-4E86-B698-DEC9BF4350FF}" type="datetimeFigureOut">
               <a:rPr lang="ru-RU" smtClean="0"/>
-              <a:t>17.10.2019</a:t>
+              <a:t>15.10.2020</a:t>
             </a:fld>
             <a:endParaRPr lang="ru-RU"/>
           </a:p>
@@ -1492,7 +1576,7 @@
           <a:p>
             <a:fld id="{2590F9C9-AB92-4E86-B698-DEC9BF4350FF}" type="datetimeFigureOut">
               <a:rPr lang="ru-RU" smtClean="0"/>
-              <a:t>17.10.2019</a:t>
+              <a:t>15.10.2020</a:t>
             </a:fld>
             <a:endParaRPr lang="ru-RU"/>
           </a:p>
@@ -1667,7 +1751,7 @@
           <a:p>
             <a:fld id="{2590F9C9-AB92-4E86-B698-DEC9BF4350FF}" type="datetimeFigureOut">
               <a:rPr lang="ru-RU" smtClean="0"/>
-              <a:t>17.10.2019</a:t>
+              <a:t>15.10.2020</a:t>
             </a:fld>
             <a:endParaRPr lang="ru-RU"/>
           </a:p>
@@ -2021,7 +2105,7 @@
           <a:p>
             <a:fld id="{2590F9C9-AB92-4E86-B698-DEC9BF4350FF}" type="datetimeFigureOut">
               <a:rPr lang="ru-RU" smtClean="0"/>
-              <a:t>17.10.2019</a:t>
+              <a:t>15.10.2020</a:t>
             </a:fld>
             <a:endParaRPr lang="ru-RU"/>
           </a:p>
@@ -2306,7 +2390,7 @@
           <a:p>
             <a:fld id="{2590F9C9-AB92-4E86-B698-DEC9BF4350FF}" type="datetimeFigureOut">
               <a:rPr lang="ru-RU" smtClean="0"/>
-              <a:t>17.10.2019</a:t>
+              <a:t>15.10.2020</a:t>
             </a:fld>
             <a:endParaRPr lang="ru-RU"/>
           </a:p>
@@ -2728,7 +2812,7 @@
           <a:p>
             <a:fld id="{2590F9C9-AB92-4E86-B698-DEC9BF4350FF}" type="datetimeFigureOut">
               <a:rPr lang="ru-RU" smtClean="0"/>
-              <a:t>17.10.2019</a:t>
+              <a:t>15.10.2020</a:t>
             </a:fld>
             <a:endParaRPr lang="ru-RU"/>
           </a:p>
@@ -2841,7 +2925,7 @@
           <a:p>
             <a:fld id="{2590F9C9-AB92-4E86-B698-DEC9BF4350FF}" type="datetimeFigureOut">
               <a:rPr lang="ru-RU" smtClean="0"/>
-              <a:t>17.10.2019</a:t>
+              <a:t>15.10.2020</a:t>
             </a:fld>
             <a:endParaRPr lang="ru-RU"/>
           </a:p>
@@ -2931,7 +3015,7 @@
           <a:p>
             <a:fld id="{2590F9C9-AB92-4E86-B698-DEC9BF4350FF}" type="datetimeFigureOut">
               <a:rPr lang="ru-RU" smtClean="0"/>
-              <a:t>17.10.2019</a:t>
+              <a:t>15.10.2020</a:t>
             </a:fld>
             <a:endParaRPr lang="ru-RU"/>
           </a:p>
@@ -3209,7 +3293,7 @@
           <a:p>
             <a:fld id="{2590F9C9-AB92-4E86-B698-DEC9BF4350FF}" type="datetimeFigureOut">
               <a:rPr lang="ru-RU" smtClean="0"/>
-              <a:t>17.10.2019</a:t>
+              <a:t>15.10.2020</a:t>
             </a:fld>
             <a:endParaRPr lang="ru-RU"/>
           </a:p>
@@ -3571,7 +3655,7 @@
           <a:p>
             <a:fld id="{2590F9C9-AB92-4E86-B698-DEC9BF4350FF}" type="datetimeFigureOut">
               <a:rPr lang="ru-RU" smtClean="0"/>
-              <a:t>17.10.2019</a:t>
+              <a:t>15.10.2020</a:t>
             </a:fld>
             <a:endParaRPr lang="ru-RU"/>
           </a:p>
@@ -3996,7 +4080,7 @@
           <a:p>
             <a:fld id="{2590F9C9-AB92-4E86-B698-DEC9BF4350FF}" type="datetimeFigureOut">
               <a:rPr lang="ru-RU" smtClean="0"/>
-              <a:t>17.10.2019</a:t>
+              <a:t>15.10.2020</a:t>
             </a:fld>
             <a:endParaRPr lang="ru-RU"/>
           </a:p>
@@ -4457,13 +4541,6 @@
   <p:clrMapOvr>
     <a:masterClrMapping/>
   </p:clrMapOvr>
-  <p:timing>
-    <p:tnLst>
-      <p:par>
-        <p:cTn id="1" dur="indefinite" restart="never" nodeType="tmRoot"/>
-      </p:par>
-    </p:tnLst>
-  </p:timing>
 </p:sld>
 </file>
 
@@ -7190,8 +7267,8 @@
         </p:nvSpPr>
         <p:spPr>
           <a:xfrm>
-            <a:off x="0" y="1484784"/>
-            <a:ext cx="6741481" cy="3304431"/>
+            <a:off x="251520" y="2060848"/>
+            <a:ext cx="8712968" cy="4207370"/>
           </a:xfrm>
           <a:prstGeom prst="rect">
             <a:avLst/>
@@ -7212,7 +7289,7 @@
               </a:spcAft>
             </a:pPr>
             <a:r>
-              <a:rPr lang="en-US" sz="1400" dirty="0">
+              <a:rPr lang="en-US" dirty="0">
                 <a:solidFill>
                   <a:srgbClr val="0000FF"/>
                 </a:solidFill>
@@ -7223,7 +7300,7 @@
               <a:t>template</a:t>
             </a:r>
             <a:r>
-              <a:rPr lang="en-US" sz="1400" dirty="0">
+              <a:rPr lang="en-US" dirty="0">
                 <a:solidFill>
                   <a:srgbClr val="000000"/>
                 </a:solidFill>
@@ -7234,7 +7311,7 @@
               <a:t> &lt;</a:t>
             </a:r>
             <a:r>
-              <a:rPr lang="en-US" sz="1400" dirty="0" err="1">
+              <a:rPr lang="en-US" dirty="0" err="1">
                 <a:solidFill>
                   <a:srgbClr val="0000FF"/>
                 </a:solidFill>
@@ -7245,7 +7322,7 @@
               <a:t>typename</a:t>
             </a:r>
             <a:r>
-              <a:rPr lang="en-US" sz="1400" dirty="0">
+              <a:rPr lang="en-US" dirty="0">
                 <a:solidFill>
                   <a:srgbClr val="000000"/>
                 </a:solidFill>
@@ -7256,7 +7333,7 @@
               <a:t> </a:t>
             </a:r>
             <a:r>
-              <a:rPr lang="en-US" sz="1400" dirty="0">
+              <a:rPr lang="en-US" dirty="0">
                 <a:solidFill>
                   <a:srgbClr val="2B91AF"/>
                 </a:solidFill>
@@ -7267,7 +7344,7 @@
               <a:t>T</a:t>
             </a:r>
             <a:r>
-              <a:rPr lang="en-US" sz="1400" dirty="0">
+              <a:rPr lang="en-US" dirty="0">
                 <a:solidFill>
                   <a:srgbClr val="000000"/>
                 </a:solidFill>
@@ -7277,7 +7354,7 @@
               </a:rPr>
               <a:t>&gt;</a:t>
             </a:r>
-            <a:endParaRPr lang="ru-RU" sz="1400" dirty="0">
+            <a:endParaRPr lang="ru-RU" dirty="0">
               <a:latin typeface="Consolas" panose="020B0609020204030204" pitchFamily="49" charset="0"/>
               <a:ea typeface="Calibri" panose="020F0502020204030204" pitchFamily="34" charset="0"/>
               <a:cs typeface="Consolas" panose="020B0609020204030204" pitchFamily="49" charset="0"/>
@@ -7293,7 +7370,7 @@
               </a:spcAft>
             </a:pPr>
             <a:r>
-              <a:rPr lang="en-US" sz="1400" dirty="0">
+              <a:rPr lang="en-US" dirty="0">
                 <a:solidFill>
                   <a:srgbClr val="0000FF"/>
                 </a:solidFill>
@@ -7304,7 +7381,7 @@
               <a:t>class</a:t>
             </a:r>
             <a:r>
-              <a:rPr lang="en-US" sz="1400" dirty="0">
+              <a:rPr lang="en-US" dirty="0">
                 <a:solidFill>
                   <a:srgbClr val="000000"/>
                 </a:solidFill>
@@ -7315,7 +7392,7 @@
               <a:t> </a:t>
             </a:r>
             <a:r>
-              <a:rPr lang="en-US" sz="1400" dirty="0" err="1">
+              <a:rPr lang="en-US" dirty="0" err="1">
                 <a:solidFill>
                   <a:srgbClr val="2B91AF"/>
                 </a:solidFill>
@@ -7325,7 +7402,7 @@
               </a:rPr>
               <a:t>IIterator</a:t>
             </a:r>
-            <a:endParaRPr lang="ru-RU" sz="1400" dirty="0">
+            <a:endParaRPr lang="ru-RU" dirty="0">
               <a:latin typeface="Consolas" panose="020B0609020204030204" pitchFamily="49" charset="0"/>
               <a:ea typeface="Calibri" panose="020F0502020204030204" pitchFamily="34" charset="0"/>
               <a:cs typeface="Consolas" panose="020B0609020204030204" pitchFamily="49" charset="0"/>
@@ -7341,7 +7418,7 @@
               </a:spcAft>
             </a:pPr>
             <a:r>
-              <a:rPr lang="en-US" sz="1400" dirty="0">
+              <a:rPr lang="en-US" dirty="0">
                 <a:solidFill>
                   <a:srgbClr val="000000"/>
                 </a:solidFill>
@@ -7351,7 +7428,7 @@
               </a:rPr>
               <a:t>{</a:t>
             </a:r>
-            <a:endParaRPr lang="ru-RU" sz="1400" dirty="0">
+            <a:endParaRPr lang="ru-RU" dirty="0">
               <a:latin typeface="Consolas" panose="020B0609020204030204" pitchFamily="49" charset="0"/>
               <a:ea typeface="Calibri" panose="020F0502020204030204" pitchFamily="34" charset="0"/>
               <a:cs typeface="Consolas" panose="020B0609020204030204" pitchFamily="49" charset="0"/>
@@ -7367,7 +7444,7 @@
               </a:spcAft>
             </a:pPr>
             <a:r>
-              <a:rPr lang="en-US" sz="1400" dirty="0">
+              <a:rPr lang="en-US" dirty="0">
                 <a:solidFill>
                   <a:srgbClr val="0000FF"/>
                 </a:solidFill>
@@ -7378,7 +7455,7 @@
               <a:t>public</a:t>
             </a:r>
             <a:r>
-              <a:rPr lang="en-US" sz="1400" dirty="0">
+              <a:rPr lang="en-US" dirty="0">
                 <a:solidFill>
                   <a:srgbClr val="000000"/>
                 </a:solidFill>
@@ -7388,7 +7465,7 @@
               </a:rPr>
               <a:t>:</a:t>
             </a:r>
-            <a:endParaRPr lang="ru-RU" sz="1400" dirty="0">
+            <a:endParaRPr lang="ru-RU" dirty="0">
               <a:latin typeface="Consolas" panose="020B0609020204030204" pitchFamily="49" charset="0"/>
               <a:ea typeface="Calibri" panose="020F0502020204030204" pitchFamily="34" charset="0"/>
               <a:cs typeface="Consolas" panose="020B0609020204030204" pitchFamily="49" charset="0"/>
@@ -7404,7 +7481,7 @@
               </a:spcAft>
             </a:pPr>
             <a:r>
-              <a:rPr lang="en-US" sz="1400" dirty="0">
+              <a:rPr lang="en-US" dirty="0">
                 <a:solidFill>
                   <a:srgbClr val="000000"/>
                 </a:solidFill>
@@ -7415,7 +7492,7 @@
               <a:t>  </a:t>
             </a:r>
             <a:r>
-              <a:rPr lang="en-US" sz="1400" dirty="0" err="1">
+              <a:rPr lang="en-US" dirty="0">
                 <a:solidFill>
                   <a:srgbClr val="0000FF"/>
                 </a:solidFill>
@@ -7423,10 +7500,10 @@
                 <a:ea typeface="Calibri" panose="020F0502020204030204" pitchFamily="34" charset="0"/>
                 <a:cs typeface="Consolas" panose="020B0609020204030204" pitchFamily="49" charset="0"/>
               </a:rPr>
-              <a:t>typedef</a:t>
-            </a:r>
-            <a:r>
-              <a:rPr lang="en-US" sz="1400" dirty="0">
+              <a:t>using</a:t>
+            </a:r>
+            <a:r>
+              <a:rPr lang="en-US" dirty="0">
                 <a:solidFill>
                   <a:srgbClr val="000000"/>
                 </a:solidFill>
@@ -7437,7 +7514,7 @@
               <a:t> </a:t>
             </a:r>
             <a:r>
-              <a:rPr lang="en-US" sz="1400" dirty="0">
+              <a:rPr lang="en-US" dirty="0" err="1">
                 <a:solidFill>
                   <a:srgbClr val="2B91AF"/>
                 </a:solidFill>
@@ -7445,32 +7522,32 @@
                 <a:ea typeface="Calibri" panose="020F0502020204030204" pitchFamily="34" charset="0"/>
                 <a:cs typeface="Consolas" panose="020B0609020204030204" pitchFamily="49" charset="0"/>
               </a:rPr>
+              <a:t>ValueType</a:t>
+            </a:r>
+            <a:r>
+              <a:rPr lang="ru-RU" dirty="0">
+                <a:solidFill>
+                  <a:srgbClr val="000000"/>
+                </a:solidFill>
+                <a:latin typeface="Consolas" panose="020B0609020204030204" pitchFamily="49" charset="0"/>
+                <a:ea typeface="Calibri" panose="020F0502020204030204" pitchFamily="34" charset="0"/>
+                <a:cs typeface="Consolas" panose="020B0609020204030204" pitchFamily="49" charset="0"/>
+              </a:rPr>
+              <a:t> = </a:t>
+            </a:r>
+            <a:r>
+              <a:rPr lang="en-US" dirty="0">
+                <a:solidFill>
+                  <a:srgbClr val="2B91AF"/>
+                </a:solidFill>
+                <a:latin typeface="Consolas" panose="020B0609020204030204" pitchFamily="49" charset="0"/>
+                <a:ea typeface="Calibri" panose="020F0502020204030204" pitchFamily="34" charset="0"/>
+                <a:cs typeface="Consolas" panose="020B0609020204030204" pitchFamily="49" charset="0"/>
+              </a:rPr>
               <a:t>T</a:t>
             </a:r>
             <a:r>
-              <a:rPr lang="en-US" sz="1400" dirty="0">
-                <a:solidFill>
-                  <a:srgbClr val="000000"/>
-                </a:solidFill>
-                <a:latin typeface="Consolas" panose="020B0609020204030204" pitchFamily="49" charset="0"/>
-                <a:ea typeface="Calibri" panose="020F0502020204030204" pitchFamily="34" charset="0"/>
-                <a:cs typeface="Consolas" panose="020B0609020204030204" pitchFamily="49" charset="0"/>
-              </a:rPr>
-              <a:t> </a:t>
-            </a:r>
-            <a:r>
-              <a:rPr lang="en-US" sz="1400" dirty="0" err="1">
-                <a:solidFill>
-                  <a:srgbClr val="2B91AF"/>
-                </a:solidFill>
-                <a:latin typeface="Consolas" panose="020B0609020204030204" pitchFamily="49" charset="0"/>
-                <a:ea typeface="Calibri" panose="020F0502020204030204" pitchFamily="34" charset="0"/>
-                <a:cs typeface="Consolas" panose="020B0609020204030204" pitchFamily="49" charset="0"/>
-              </a:rPr>
-              <a:t>ValueType</a:t>
-            </a:r>
-            <a:r>
-              <a:rPr lang="en-US" sz="1400" dirty="0">
+              <a:rPr lang="en-US" dirty="0">
                 <a:solidFill>
                   <a:srgbClr val="000000"/>
                 </a:solidFill>
@@ -7480,7 +7557,7 @@
               </a:rPr>
               <a:t>;</a:t>
             </a:r>
-            <a:endParaRPr lang="ru-RU" sz="1400" dirty="0">
+            <a:endParaRPr lang="ru-RU" dirty="0">
               <a:latin typeface="Consolas" panose="020B0609020204030204" pitchFamily="49" charset="0"/>
               <a:ea typeface="Calibri" panose="020F0502020204030204" pitchFamily="34" charset="0"/>
               <a:cs typeface="Consolas" panose="020B0609020204030204" pitchFamily="49" charset="0"/>
@@ -7496,7 +7573,7 @@
               </a:spcAft>
             </a:pPr>
             <a:r>
-              <a:rPr lang="en-US" sz="1400" dirty="0">
+              <a:rPr lang="en-US" dirty="0">
                 <a:solidFill>
                   <a:srgbClr val="000000"/>
                 </a:solidFill>
@@ -7506,7 +7583,7 @@
               </a:rPr>
               <a:t> </a:t>
             </a:r>
-            <a:endParaRPr lang="ru-RU" sz="1400" dirty="0">
+            <a:endParaRPr lang="ru-RU" dirty="0">
               <a:latin typeface="Consolas" panose="020B0609020204030204" pitchFamily="49" charset="0"/>
               <a:ea typeface="Calibri" panose="020F0502020204030204" pitchFamily="34" charset="0"/>
               <a:cs typeface="Consolas" panose="020B0609020204030204" pitchFamily="49" charset="0"/>
@@ -7522,7 +7599,7 @@
               </a:spcAft>
             </a:pPr>
             <a:r>
-              <a:rPr lang="en-US" sz="1400" dirty="0">
+              <a:rPr lang="en-US" dirty="0">
                 <a:solidFill>
                   <a:srgbClr val="000000"/>
                 </a:solidFill>
@@ -7533,7 +7610,7 @@
               <a:t>  </a:t>
             </a:r>
             <a:r>
-              <a:rPr lang="en-US" sz="1400" dirty="0">
+              <a:rPr lang="en-US" dirty="0">
                 <a:solidFill>
                   <a:srgbClr val="0000FF"/>
                 </a:solidFill>
@@ -7544,7 +7621,7 @@
               <a:t>virtual</a:t>
             </a:r>
             <a:r>
-              <a:rPr lang="en-US" sz="1400" dirty="0">
+              <a:rPr lang="en-US" dirty="0">
                 <a:solidFill>
                   <a:srgbClr val="000000"/>
                 </a:solidFill>
@@ -7555,7 +7632,7 @@
               <a:t> </a:t>
             </a:r>
             <a:r>
-              <a:rPr lang="en-US" sz="1400" dirty="0">
+              <a:rPr lang="en-US" dirty="0">
                 <a:solidFill>
                   <a:srgbClr val="0000FF"/>
                 </a:solidFill>
@@ -7566,7 +7643,7 @@
               <a:t>bool</a:t>
             </a:r>
             <a:r>
-              <a:rPr lang="en-US" sz="1400" dirty="0">
+              <a:rPr lang="en-US" dirty="0">
                 <a:solidFill>
                   <a:srgbClr val="000000"/>
                 </a:solidFill>
@@ -7577,7 +7654,7 @@
               <a:t> </a:t>
             </a:r>
             <a:r>
-              <a:rPr lang="en-US" sz="1400" dirty="0" err="1">
+              <a:rPr lang="en-US" dirty="0" err="1">
                 <a:solidFill>
                   <a:srgbClr val="000000"/>
                 </a:solidFill>
@@ -7588,7 +7665,7 @@
               <a:t>HasNext</a:t>
             </a:r>
             <a:r>
-              <a:rPr lang="en-US" sz="1400" dirty="0">
+              <a:rPr lang="en-US" dirty="0">
                 <a:solidFill>
                   <a:srgbClr val="000000"/>
                 </a:solidFill>
@@ -7599,7 +7676,7 @@
               <a:t>()</a:t>
             </a:r>
             <a:r>
-              <a:rPr lang="en-US" sz="1400" dirty="0" err="1">
+              <a:rPr lang="en-US" dirty="0" err="1">
                 <a:solidFill>
                   <a:srgbClr val="0000FF"/>
                 </a:solidFill>
@@ -7610,7 +7687,7 @@
               <a:t>const</a:t>
             </a:r>
             <a:r>
-              <a:rPr lang="en-US" sz="1400" dirty="0">
+              <a:rPr lang="en-US" dirty="0">
                 <a:solidFill>
                   <a:srgbClr val="000000"/>
                 </a:solidFill>
@@ -7620,7 +7697,7 @@
               </a:rPr>
               <a:t> = 0;</a:t>
             </a:r>
-            <a:endParaRPr lang="ru-RU" sz="1400" dirty="0">
+            <a:endParaRPr lang="ru-RU" dirty="0">
               <a:latin typeface="Consolas" panose="020B0609020204030204" pitchFamily="49" charset="0"/>
               <a:ea typeface="Calibri" panose="020F0502020204030204" pitchFamily="34" charset="0"/>
               <a:cs typeface="Consolas" panose="020B0609020204030204" pitchFamily="49" charset="0"/>
@@ -7633,7 +7710,7 @@
               </a:spcAft>
             </a:pPr>
             <a:r>
-              <a:rPr lang="en-US" sz="1400" dirty="0">
+              <a:rPr lang="en-US" dirty="0">
                 <a:solidFill>
                   <a:srgbClr val="000000"/>
                 </a:solidFill>
@@ -7644,7 +7721,7 @@
               <a:t>  </a:t>
             </a:r>
             <a:r>
-              <a:rPr lang="en-US" sz="1400" dirty="0">
+              <a:rPr lang="en-US" dirty="0">
                 <a:solidFill>
                   <a:srgbClr val="0000FF"/>
                 </a:solidFill>
@@ -7655,7 +7732,7 @@
               <a:t>virtual</a:t>
             </a:r>
             <a:r>
-              <a:rPr lang="en-US" sz="1400" dirty="0">
+              <a:rPr lang="en-US" dirty="0">
                 <a:solidFill>
                   <a:srgbClr val="000000"/>
                 </a:solidFill>
@@ -7666,7 +7743,7 @@
               <a:t> </a:t>
             </a:r>
             <a:r>
-              <a:rPr lang="en-US" sz="1400" dirty="0" err="1">
+              <a:rPr lang="en-US" dirty="0" err="1">
                 <a:solidFill>
                   <a:srgbClr val="2B91AF"/>
                 </a:solidFill>
@@ -7677,7 +7754,7 @@
               <a:t>ValueType</a:t>
             </a:r>
             <a:r>
-              <a:rPr lang="en-US" sz="1400" dirty="0">
+              <a:rPr lang="en-US" dirty="0">
                 <a:solidFill>
                   <a:srgbClr val="000000"/>
                 </a:solidFill>
@@ -7688,7 +7765,7 @@
               <a:t>&amp; Get()</a:t>
             </a:r>
             <a:r>
-              <a:rPr lang="en-US" sz="1400" dirty="0" err="1">
+              <a:rPr lang="en-US" dirty="0" err="1">
                 <a:solidFill>
                   <a:srgbClr val="0000FF"/>
                 </a:solidFill>
@@ -7699,7 +7776,7 @@
               <a:t>const</a:t>
             </a:r>
             <a:r>
-              <a:rPr lang="en-US" sz="1400" dirty="0">
+              <a:rPr lang="en-US" dirty="0">
                 <a:solidFill>
                   <a:srgbClr val="000000"/>
                 </a:solidFill>
@@ -7709,7 +7786,7 @@
               </a:rPr>
               <a:t> = 0;</a:t>
             </a:r>
-            <a:endParaRPr lang="ru-RU" sz="1400" dirty="0">
+            <a:endParaRPr lang="ru-RU" dirty="0">
               <a:latin typeface="Consolas" panose="020B0609020204030204" pitchFamily="49" charset="0"/>
               <a:ea typeface="Calibri" panose="020F0502020204030204" pitchFamily="34" charset="0"/>
               <a:cs typeface="Consolas" panose="020B0609020204030204" pitchFamily="49" charset="0"/>
@@ -7725,7 +7802,7 @@
               </a:spcAft>
             </a:pPr>
             <a:r>
-              <a:rPr lang="en-US" sz="1400" dirty="0">
+              <a:rPr lang="en-US" dirty="0">
                 <a:solidFill>
                   <a:srgbClr val="000000"/>
                 </a:solidFill>
@@ -7736,7 +7813,7 @@
               <a:t>  </a:t>
             </a:r>
             <a:r>
-              <a:rPr lang="en-US" sz="1400" dirty="0">
+              <a:rPr lang="en-US" dirty="0">
                 <a:solidFill>
                   <a:srgbClr val="0000FF"/>
                 </a:solidFill>
@@ -7747,7 +7824,7 @@
               <a:t>virtual</a:t>
             </a:r>
             <a:r>
-              <a:rPr lang="en-US" sz="1400" dirty="0">
+              <a:rPr lang="en-US" dirty="0">
                 <a:solidFill>
                   <a:srgbClr val="000000"/>
                 </a:solidFill>
@@ -7758,7 +7835,7 @@
               <a:t> </a:t>
             </a:r>
             <a:r>
-              <a:rPr lang="en-US" sz="1400" dirty="0">
+              <a:rPr lang="en-US" dirty="0">
                 <a:solidFill>
                   <a:srgbClr val="0000FF"/>
                 </a:solidFill>
@@ -7769,7 +7846,7 @@
               <a:t>void</a:t>
             </a:r>
             <a:r>
-              <a:rPr lang="en-US" sz="1400" dirty="0">
+              <a:rPr lang="en-US" dirty="0">
                 <a:solidFill>
                   <a:srgbClr val="000000"/>
                 </a:solidFill>
@@ -7779,7 +7856,7 @@
               </a:rPr>
               <a:t> Next() = 0;</a:t>
             </a:r>
-            <a:endParaRPr lang="ru-RU" sz="1400" dirty="0">
+            <a:endParaRPr lang="ru-RU" dirty="0">
               <a:latin typeface="Consolas" panose="020B0609020204030204" pitchFamily="49" charset="0"/>
               <a:ea typeface="Calibri" panose="020F0502020204030204" pitchFamily="34" charset="0"/>
               <a:cs typeface="Consolas" panose="020B0609020204030204" pitchFamily="49" charset="0"/>
@@ -7795,7 +7872,7 @@
               </a:spcAft>
             </a:pPr>
             <a:r>
-              <a:rPr lang="en-US" sz="1400" dirty="0">
+              <a:rPr lang="en-US" dirty="0">
                 <a:solidFill>
                   <a:srgbClr val="000000"/>
                 </a:solidFill>
@@ -7805,7 +7882,7 @@
               </a:rPr>
               <a:t> </a:t>
             </a:r>
-            <a:endParaRPr lang="ru-RU" sz="1400" dirty="0">
+            <a:endParaRPr lang="ru-RU" dirty="0">
               <a:latin typeface="Consolas" panose="020B0609020204030204" pitchFamily="49" charset="0"/>
               <a:ea typeface="Calibri" panose="020F0502020204030204" pitchFamily="34" charset="0"/>
               <a:cs typeface="Consolas" panose="020B0609020204030204" pitchFamily="49" charset="0"/>
@@ -7821,7 +7898,7 @@
               </a:spcAft>
             </a:pPr>
             <a:r>
-              <a:rPr lang="en-US" sz="1400" dirty="0">
+              <a:rPr lang="en-US" dirty="0">
                 <a:solidFill>
                   <a:srgbClr val="000000"/>
                 </a:solidFill>
@@ -7832,7 +7909,7 @@
               <a:t>  </a:t>
             </a:r>
             <a:r>
-              <a:rPr lang="en-US" sz="1400" dirty="0">
+              <a:rPr lang="en-US" dirty="0">
                 <a:solidFill>
                   <a:srgbClr val="0000FF"/>
                 </a:solidFill>
@@ -7843,7 +7920,7 @@
               <a:t>virtual</a:t>
             </a:r>
             <a:r>
-              <a:rPr lang="en-US" sz="1400" dirty="0">
+              <a:rPr lang="en-US" dirty="0">
                 <a:solidFill>
                   <a:srgbClr val="000000"/>
                 </a:solidFill>
@@ -7854,7 +7931,7 @@
               <a:t> </a:t>
             </a:r>
             <a:r>
-              <a:rPr lang="en-US" sz="1400" dirty="0" err="1">
+              <a:rPr lang="en-US" dirty="0" err="1">
                 <a:solidFill>
                   <a:srgbClr val="000000"/>
                 </a:solidFill>
@@ -7865,7 +7942,7 @@
               <a:t>std</a:t>
             </a:r>
             <a:r>
-              <a:rPr lang="en-US" sz="1400" dirty="0">
+              <a:rPr lang="en-US" dirty="0">
                 <a:solidFill>
                   <a:srgbClr val="000000"/>
                 </a:solidFill>
@@ -7876,7 +7953,7 @@
               <a:t>::</a:t>
             </a:r>
             <a:r>
-              <a:rPr lang="en-US" sz="1400" dirty="0" err="1">
+              <a:rPr lang="en-US" dirty="0" err="1">
                 <a:solidFill>
                   <a:srgbClr val="2B91AF"/>
                 </a:solidFill>
@@ -7887,7 +7964,7 @@
               <a:t>unique_ptr</a:t>
             </a:r>
             <a:r>
-              <a:rPr lang="en-US" sz="1400" dirty="0">
+              <a:rPr lang="en-US" dirty="0">
                 <a:solidFill>
                   <a:srgbClr val="000000"/>
                 </a:solidFill>
@@ -7898,7 +7975,7 @@
               <a:t>&lt;</a:t>
             </a:r>
             <a:r>
-              <a:rPr lang="en-US" sz="1400" dirty="0" err="1">
+              <a:rPr lang="en-US" dirty="0" err="1">
                 <a:solidFill>
                   <a:srgbClr val="2B91AF"/>
                 </a:solidFill>
@@ -7909,7 +7986,7 @@
               <a:t>IIterator</a:t>
             </a:r>
             <a:r>
-              <a:rPr lang="en-US" sz="1400" dirty="0">
+              <a:rPr lang="en-US" dirty="0">
                 <a:solidFill>
                   <a:srgbClr val="000000"/>
                 </a:solidFill>
@@ -7920,7 +7997,7 @@
               <a:t>&lt;</a:t>
             </a:r>
             <a:r>
-              <a:rPr lang="en-US" sz="1400" dirty="0" err="1">
+              <a:rPr lang="en-US" dirty="0" err="1">
                 <a:solidFill>
                   <a:srgbClr val="2B91AF"/>
                 </a:solidFill>
@@ -7931,7 +8008,7 @@
               <a:t>ValueType</a:t>
             </a:r>
             <a:r>
-              <a:rPr lang="en-US" sz="1400" dirty="0">
+              <a:rPr lang="en-US" dirty="0">
                 <a:solidFill>
                   <a:srgbClr val="000000"/>
                 </a:solidFill>
@@ -7942,7 +8019,7 @@
               <a:t>&gt;&gt; Clone()</a:t>
             </a:r>
             <a:r>
-              <a:rPr lang="en-US" sz="1400" dirty="0" err="1">
+              <a:rPr lang="en-US" dirty="0" err="1">
                 <a:solidFill>
                   <a:srgbClr val="0000FF"/>
                 </a:solidFill>
@@ -7953,7 +8030,7 @@
               <a:t>const</a:t>
             </a:r>
             <a:r>
-              <a:rPr lang="en-US" sz="1400" dirty="0">
+              <a:rPr lang="en-US" dirty="0">
                 <a:solidFill>
                   <a:srgbClr val="000000"/>
                 </a:solidFill>
@@ -7963,7 +8040,7 @@
               </a:rPr>
               <a:t> = 0;</a:t>
             </a:r>
-            <a:endParaRPr lang="ru-RU" sz="1400" dirty="0">
+            <a:endParaRPr lang="ru-RU" dirty="0">
               <a:latin typeface="Consolas" panose="020B0609020204030204" pitchFamily="49" charset="0"/>
               <a:ea typeface="Calibri" panose="020F0502020204030204" pitchFamily="34" charset="0"/>
               <a:cs typeface="Consolas" panose="020B0609020204030204" pitchFamily="49" charset="0"/>
@@ -7979,7 +8056,7 @@
               </a:spcAft>
             </a:pPr>
             <a:r>
-              <a:rPr lang="en-US" sz="1400" dirty="0">
+              <a:rPr lang="en-US" dirty="0">
                 <a:solidFill>
                   <a:srgbClr val="000000"/>
                 </a:solidFill>
@@ -7989,7 +8066,7 @@
               </a:rPr>
               <a:t> </a:t>
             </a:r>
-            <a:endParaRPr lang="ru-RU" sz="1400" dirty="0">
+            <a:endParaRPr lang="ru-RU" dirty="0">
               <a:latin typeface="Consolas" panose="020B0609020204030204" pitchFamily="49" charset="0"/>
               <a:ea typeface="Calibri" panose="020F0502020204030204" pitchFamily="34" charset="0"/>
               <a:cs typeface="Consolas" panose="020B0609020204030204" pitchFamily="49" charset="0"/>
@@ -8005,7 +8082,7 @@
               </a:spcAft>
             </a:pPr>
             <a:r>
-              <a:rPr lang="en-US" sz="1400" dirty="0">
+              <a:rPr lang="en-US" dirty="0">
                 <a:solidFill>
                   <a:srgbClr val="000000"/>
                 </a:solidFill>
@@ -8016,7 +8093,7 @@
               <a:t>  </a:t>
             </a:r>
             <a:r>
-              <a:rPr lang="ru-RU" sz="1400" dirty="0" err="1">
+              <a:rPr lang="ru-RU" dirty="0" err="1">
                 <a:solidFill>
                   <a:srgbClr val="0000FF"/>
                 </a:solidFill>
@@ -8027,7 +8104,7 @@
               <a:t>virtual</a:t>
             </a:r>
             <a:r>
-              <a:rPr lang="ru-RU" sz="1400" dirty="0">
+              <a:rPr lang="ru-RU" dirty="0">
                 <a:solidFill>
                   <a:srgbClr val="000000"/>
                 </a:solidFill>
@@ -8038,7 +8115,7 @@
               <a:t> ~</a:t>
             </a:r>
             <a:r>
-              <a:rPr lang="ru-RU" sz="1400" dirty="0" err="1">
+              <a:rPr lang="ru-RU" dirty="0" err="1">
                 <a:solidFill>
                   <a:srgbClr val="000000"/>
                 </a:solidFill>
@@ -8049,7 +8126,7 @@
               <a:t>IIterator</a:t>
             </a:r>
             <a:r>
-              <a:rPr lang="ru-RU" sz="1400" dirty="0">
+              <a:rPr lang="ru-RU" dirty="0">
                 <a:solidFill>
                   <a:srgbClr val="000000"/>
                 </a:solidFill>
@@ -8060,7 +8137,7 @@
               <a:t>() = </a:t>
             </a:r>
             <a:r>
-              <a:rPr lang="ru-RU" sz="1400" dirty="0" err="1">
+              <a:rPr lang="ru-RU" dirty="0" err="1">
                 <a:solidFill>
                   <a:srgbClr val="0000FF"/>
                 </a:solidFill>
@@ -8071,7 +8148,7 @@
               <a:t>default</a:t>
             </a:r>
             <a:r>
-              <a:rPr lang="ru-RU" sz="1400" dirty="0">
+              <a:rPr lang="ru-RU" dirty="0">
                 <a:solidFill>
                   <a:srgbClr val="000000"/>
                 </a:solidFill>
@@ -8081,7 +8158,7 @@
               </a:rPr>
               <a:t>;</a:t>
             </a:r>
-            <a:endParaRPr lang="ru-RU" sz="1400" dirty="0">
+            <a:endParaRPr lang="ru-RU" dirty="0">
               <a:latin typeface="Consolas" panose="020B0609020204030204" pitchFamily="49" charset="0"/>
               <a:ea typeface="Calibri" panose="020F0502020204030204" pitchFamily="34" charset="0"/>
               <a:cs typeface="Consolas" panose="020B0609020204030204" pitchFamily="49" charset="0"/>
@@ -8097,7 +8174,7 @@
               </a:spcAft>
             </a:pPr>
             <a:r>
-              <a:rPr lang="ru-RU" sz="1400" dirty="0">
+              <a:rPr lang="ru-RU" dirty="0">
                 <a:solidFill>
                   <a:srgbClr val="000000"/>
                 </a:solidFill>
@@ -8107,7 +8184,7 @@
               </a:rPr>
               <a:t>};</a:t>
             </a:r>
-            <a:endParaRPr lang="ru-RU" sz="1400" dirty="0">
+            <a:endParaRPr lang="ru-RU" dirty="0">
               <a:effectLst/>
               <a:latin typeface="Consolas" panose="020B0609020204030204" pitchFamily="49" charset="0"/>
               <a:ea typeface="Calibri" panose="020F0502020204030204" pitchFamily="34" charset="0"/>
@@ -8126,13 +8203,6 @@
   <p:clrMapOvr>
     <a:masterClrMapping/>
   </p:clrMapOvr>
-  <p:timing>
-    <p:tnLst>
-      <p:par>
-        <p:cTn id="1" dur="indefinite" restart="never" nodeType="tmRoot"/>
-      </p:par>
-    </p:tnLst>
-  </p:timing>
 </p:sld>
 </file>
 
@@ -10077,13 +10147,6 @@
   <p:clrMapOvr>
     <a:masterClrMapping/>
   </p:clrMapOvr>
-  <p:timing>
-    <p:tnLst>
-      <p:par>
-        <p:cTn id="1" dur="indefinite" restart="never" nodeType="tmRoot"/>
-      </p:par>
-    </p:tnLst>
-  </p:timing>
 </p:sld>
 </file>
 
@@ -19512,264 +19575,327 @@
           </a:p>
         </p:txBody>
       </p:sp>
-      <p:pic>
-        <p:nvPicPr>
-          <p:cNvPr id="1026" name="Picture 2" descr="http://in-news.ru/upload/iblock/1a0/1a086a02cb62742d9128dacfc98dd09d.jpg"/>
-          <p:cNvPicPr>
-            <a:picLocks noChangeAspect="1" noChangeArrowheads="1"/>
-          </p:cNvPicPr>
-          <p:nvPr/>
-        </p:nvPicPr>
-        <p:blipFill>
-          <a:blip r:embed="rId2">
+      <p:grpSp>
+        <p:nvGrpSpPr>
+          <p:cNvPr id="2" name="Group 1">
             <a:extLst>
-              <a:ext uri="{28A0092B-C50C-407E-A947-70E740481C1C}">
-                <a14:useLocalDpi xmlns:a14="http://schemas.microsoft.com/office/drawing/2010/main" val="0"/>
+              <a:ext uri="{FF2B5EF4-FFF2-40B4-BE49-F238E27FC236}">
+                <a16:creationId xmlns:a16="http://schemas.microsoft.com/office/drawing/2014/main" id="{B487B350-9E3A-495C-9227-D64110E3FB10}"/>
               </a:ext>
             </a:extLst>
-          </a:blip>
-          <a:srcRect/>
-          <a:stretch>
-            <a:fillRect/>
-          </a:stretch>
-        </p:blipFill>
-        <p:spPr bwMode="auto">
+          </p:cNvPr>
+          <p:cNvGrpSpPr/>
+          <p:nvPr/>
+        </p:nvGrpSpPr>
+        <p:grpSpPr>
           <a:xfrm>
-            <a:off x="449091" y="3399884"/>
-            <a:ext cx="3034680" cy="2017170"/>
+            <a:off x="2715717" y="1807664"/>
+            <a:ext cx="3050886" cy="1198461"/>
+            <a:chOff x="2715717" y="1807664"/>
+            <a:chExt cx="3050886" cy="1198461"/>
           </a:xfrm>
-          <a:prstGeom prst="rect">
-            <a:avLst/>
-          </a:prstGeom>
-          <a:noFill/>
-          <a:extLst>
-            <a:ext uri="{909E8E84-426E-40DD-AFC4-6F175D3DCCD1}">
-              <a14:hiddenFill xmlns:a14="http://schemas.microsoft.com/office/drawing/2010/main">
-                <a:solidFill>
-                  <a:srgbClr val="FFFFFF"/>
-                </a:solidFill>
-              </a14:hiddenFill>
-            </a:ext>
-          </a:extLst>
-        </p:spPr>
-      </p:pic>
-      <p:pic>
-        <p:nvPicPr>
-          <p:cNvPr id="1028" name="Picture 4" descr="http://www.hcenter-irk.info/sites/default/files/img_b_12.jpg"/>
-          <p:cNvPicPr>
-            <a:picLocks noChangeAspect="1" noChangeArrowheads="1"/>
-          </p:cNvPicPr>
-          <p:nvPr/>
-        </p:nvPicPr>
-        <p:blipFill>
-          <a:blip r:embed="rId3">
+        </p:grpSpPr>
+        <p:pic>
+          <p:nvPicPr>
+            <p:cNvPr id="1030" name="Picture 6" descr="http://prostavkinasport.ru/wp-content/uploads/2015/03/book_PNG2116.png"/>
+            <p:cNvPicPr>
+              <a:picLocks noChangeAspect="1" noChangeArrowheads="1"/>
+            </p:cNvPicPr>
+            <p:nvPr/>
+          </p:nvPicPr>
+          <p:blipFill>
+            <a:blip r:embed="rId3" cstate="print">
+              <a:extLst>
+                <a:ext uri="{28A0092B-C50C-407E-A947-70E740481C1C}">
+                  <a14:useLocalDpi xmlns:a14="http://schemas.microsoft.com/office/drawing/2010/main" val="0"/>
+                </a:ext>
+              </a:extLst>
+            </a:blip>
+            <a:srcRect/>
+            <a:stretch>
+              <a:fillRect/>
+            </a:stretch>
+          </p:blipFill>
+          <p:spPr bwMode="auto">
+            <a:xfrm>
+              <a:off x="2715717" y="1807664"/>
+              <a:ext cx="1536107" cy="1198461"/>
+            </a:xfrm>
+            <a:prstGeom prst="rect">
+              <a:avLst/>
+            </a:prstGeom>
+            <a:noFill/>
             <a:extLst>
-              <a:ext uri="{28A0092B-C50C-407E-A947-70E740481C1C}">
-                <a14:useLocalDpi xmlns:a14="http://schemas.microsoft.com/office/drawing/2010/main" val="0"/>
+              <a:ext uri="{909E8E84-426E-40DD-AFC4-6F175D3DCCD1}">
+                <a14:hiddenFill xmlns:a14="http://schemas.microsoft.com/office/drawing/2010/main">
+                  <a:solidFill>
+                    <a:srgbClr val="FFFFFF"/>
+                  </a:solidFill>
+                </a14:hiddenFill>
               </a:ext>
             </a:extLst>
-          </a:blip>
-          <a:srcRect/>
-          <a:stretch>
-            <a:fillRect/>
-          </a:stretch>
-        </p:blipFill>
-        <p:spPr bwMode="auto">
+          </p:spPr>
+        </p:pic>
+        <p:sp>
+          <p:nvSpPr>
+            <p:cNvPr id="5" name="TextBox 4"/>
+            <p:cNvSpPr txBox="1"/>
+            <p:nvPr/>
+          </p:nvSpPr>
+          <p:spPr>
+            <a:xfrm>
+              <a:off x="4254435" y="1807664"/>
+              <a:ext cx="1512168" cy="954107"/>
+            </a:xfrm>
+            <a:prstGeom prst="rect">
+              <a:avLst/>
+            </a:prstGeom>
+            <a:noFill/>
+          </p:spPr>
+          <p:txBody>
+            <a:bodyPr wrap="square" rtlCol="0">
+              <a:spAutoFit/>
+            </a:bodyPr>
+            <a:lstStyle/>
+            <a:p>
+              <a:r>
+                <a:rPr lang="ru-RU" sz="1400" b="1" dirty="0"/>
+                <a:t>Книга</a:t>
+              </a:r>
+            </a:p>
+            <a:p>
+              <a:r>
+                <a:rPr lang="ru-RU" sz="1400" dirty="0"/>
+                <a:t>Автор</a:t>
+              </a:r>
+            </a:p>
+            <a:p>
+              <a:r>
+                <a:rPr lang="ru-RU" sz="1400" dirty="0"/>
+                <a:t>Название</a:t>
+              </a:r>
+            </a:p>
+            <a:p>
+              <a:r>
+                <a:rPr lang="ru-RU" sz="1400" dirty="0"/>
+                <a:t>Год публикации</a:t>
+              </a:r>
+            </a:p>
+          </p:txBody>
+        </p:sp>
+      </p:grpSp>
+      <p:grpSp>
+        <p:nvGrpSpPr>
+          <p:cNvPr id="3" name="Group 2">
+            <a:extLst>
+              <a:ext uri="{FF2B5EF4-FFF2-40B4-BE49-F238E27FC236}">
+                <a16:creationId xmlns:a16="http://schemas.microsoft.com/office/drawing/2014/main" id="{A0375039-BC07-42BE-837A-65894AB129D5}"/>
+              </a:ext>
+            </a:extLst>
+          </p:cNvPr>
+          <p:cNvGrpSpPr/>
+          <p:nvPr/>
+        </p:nvGrpSpPr>
+        <p:grpSpPr>
+          <a:xfrm>
+            <a:off x="433505" y="3399884"/>
+            <a:ext cx="3410306" cy="3033211"/>
+            <a:chOff x="433505" y="3399884"/>
+            <a:chExt cx="3410306" cy="3033211"/>
+          </a:xfrm>
+        </p:grpSpPr>
+        <p:pic>
+          <p:nvPicPr>
+            <p:cNvPr id="1026" name="Picture 2" descr="http://in-news.ru/upload/iblock/1a0/1a086a02cb62742d9128dacfc98dd09d.jpg"/>
+            <p:cNvPicPr>
+              <a:picLocks noChangeAspect="1" noChangeArrowheads="1"/>
+            </p:cNvPicPr>
+            <p:nvPr/>
+          </p:nvPicPr>
+          <p:blipFill>
+            <a:blip r:embed="rId4">
+              <a:extLst>
+                <a:ext uri="{28A0092B-C50C-407E-A947-70E740481C1C}">
+                  <a14:useLocalDpi xmlns:a14="http://schemas.microsoft.com/office/drawing/2010/main" val="0"/>
+                </a:ext>
+              </a:extLst>
+            </a:blip>
+            <a:srcRect/>
+            <a:stretch>
+              <a:fillRect/>
+            </a:stretch>
+          </p:blipFill>
+          <p:spPr bwMode="auto">
+            <a:xfrm>
+              <a:off x="449091" y="3399884"/>
+              <a:ext cx="3034680" cy="2017170"/>
+            </a:xfrm>
+            <a:prstGeom prst="rect">
+              <a:avLst/>
+            </a:prstGeom>
+            <a:noFill/>
+            <a:extLst>
+              <a:ext uri="{909E8E84-426E-40DD-AFC4-6F175D3DCCD1}">
+                <a14:hiddenFill xmlns:a14="http://schemas.microsoft.com/office/drawing/2010/main">
+                  <a:solidFill>
+                    <a:srgbClr val="FFFFFF"/>
+                  </a:solidFill>
+                </a14:hiddenFill>
+              </a:ext>
+            </a:extLst>
+          </p:spPr>
+        </p:pic>
+        <p:sp>
+          <p:nvSpPr>
+            <p:cNvPr id="9" name="TextBox 8"/>
+            <p:cNvSpPr txBox="1"/>
+            <p:nvPr/>
+          </p:nvSpPr>
+          <p:spPr>
+            <a:xfrm>
+              <a:off x="433505" y="5478988"/>
+              <a:ext cx="3410306" cy="954107"/>
+            </a:xfrm>
+            <a:prstGeom prst="rect">
+              <a:avLst/>
+            </a:prstGeom>
+            <a:noFill/>
+          </p:spPr>
+          <p:txBody>
+            <a:bodyPr wrap="square" rtlCol="0">
+              <a:spAutoFit/>
+            </a:bodyPr>
+            <a:lstStyle/>
+            <a:p>
+              <a:r>
+                <a:rPr lang="ru-RU" sz="1400" b="1" dirty="0"/>
+                <a:t>Библиотека</a:t>
+              </a:r>
+            </a:p>
+            <a:p>
+              <a:r>
+                <a:rPr lang="ru-RU" sz="1400" dirty="0"/>
+                <a:t>Добавление книги</a:t>
+              </a:r>
+            </a:p>
+            <a:p>
+              <a:r>
+                <a:rPr lang="ru-RU" sz="1400" dirty="0"/>
+                <a:t>Количество книг</a:t>
+              </a:r>
+            </a:p>
+            <a:p>
+              <a:r>
+                <a:rPr lang="ru-RU" sz="1400" dirty="0"/>
+                <a:t>Доступ к книге по ее порядковому номеру</a:t>
+              </a:r>
+            </a:p>
+          </p:txBody>
+        </p:sp>
+      </p:grpSp>
+      <p:grpSp>
+        <p:nvGrpSpPr>
+          <p:cNvPr id="6" name="Group 5">
+            <a:extLst>
+              <a:ext uri="{FF2B5EF4-FFF2-40B4-BE49-F238E27FC236}">
+                <a16:creationId xmlns:a16="http://schemas.microsoft.com/office/drawing/2014/main" id="{23A5B28A-289F-47CB-9C97-D4DE8B1EA54E}"/>
+              </a:ext>
+            </a:extLst>
+          </p:cNvPr>
+          <p:cNvGrpSpPr/>
+          <p:nvPr/>
+        </p:nvGrpSpPr>
+        <p:grpSpPr>
           <a:xfrm>
             <a:off x="4707907" y="3410328"/>
-            <a:ext cx="3040553" cy="2027036"/>
+            <a:ext cx="4104456" cy="2825110"/>
+            <a:chOff x="4707907" y="3410328"/>
+            <a:chExt cx="4104456" cy="2825110"/>
           </a:xfrm>
-          <a:prstGeom prst="rect">
-            <a:avLst/>
-          </a:prstGeom>
-          <a:noFill/>
-          <a:extLst>
-            <a:ext uri="{909E8E84-426E-40DD-AFC4-6F175D3DCCD1}">
-              <a14:hiddenFill xmlns:a14="http://schemas.microsoft.com/office/drawing/2010/main">
-                <a:solidFill>
-                  <a:srgbClr val="FFFFFF"/>
-                </a:solidFill>
-              </a14:hiddenFill>
-            </a:ext>
-          </a:extLst>
-        </p:spPr>
-      </p:pic>
-      <p:pic>
-        <p:nvPicPr>
-          <p:cNvPr id="1030" name="Picture 6" descr="http://prostavkinasport.ru/wp-content/uploads/2015/03/book_PNG2116.png"/>
-          <p:cNvPicPr>
-            <a:picLocks noChangeAspect="1" noChangeArrowheads="1"/>
-          </p:cNvPicPr>
-          <p:nvPr/>
-        </p:nvPicPr>
-        <p:blipFill>
-          <a:blip r:embed="rId4" cstate="print">
+        </p:grpSpPr>
+        <p:pic>
+          <p:nvPicPr>
+            <p:cNvPr id="1028" name="Picture 4" descr="http://www.hcenter-irk.info/sites/default/files/img_b_12.jpg"/>
+            <p:cNvPicPr>
+              <a:picLocks noChangeAspect="1" noChangeArrowheads="1"/>
+            </p:cNvPicPr>
+            <p:nvPr/>
+          </p:nvPicPr>
+          <p:blipFill>
+            <a:blip r:embed="rId5">
+              <a:extLst>
+                <a:ext uri="{28A0092B-C50C-407E-A947-70E740481C1C}">
+                  <a14:useLocalDpi xmlns:a14="http://schemas.microsoft.com/office/drawing/2010/main" val="0"/>
+                </a:ext>
+              </a:extLst>
+            </a:blip>
+            <a:srcRect/>
+            <a:stretch>
+              <a:fillRect/>
+            </a:stretch>
+          </p:blipFill>
+          <p:spPr bwMode="auto">
+            <a:xfrm>
+              <a:off x="4707907" y="3410328"/>
+              <a:ext cx="3040553" cy="2027036"/>
+            </a:xfrm>
+            <a:prstGeom prst="rect">
+              <a:avLst/>
+            </a:prstGeom>
+            <a:noFill/>
             <a:extLst>
-              <a:ext uri="{28A0092B-C50C-407E-A947-70E740481C1C}">
-                <a14:useLocalDpi xmlns:a14="http://schemas.microsoft.com/office/drawing/2010/main" val="0"/>
+              <a:ext uri="{909E8E84-426E-40DD-AFC4-6F175D3DCCD1}">
+                <a14:hiddenFill xmlns:a14="http://schemas.microsoft.com/office/drawing/2010/main">
+                  <a:solidFill>
+                    <a:srgbClr val="FFFFFF"/>
+                  </a:solidFill>
+                </a14:hiddenFill>
               </a:ext>
             </a:extLst>
-          </a:blip>
-          <a:srcRect/>
-          <a:stretch>
-            <a:fillRect/>
-          </a:stretch>
-        </p:blipFill>
-        <p:spPr bwMode="auto">
-          <a:xfrm>
-            <a:off x="2715717" y="1807664"/>
-            <a:ext cx="1536107" cy="1198461"/>
-          </a:xfrm>
-          <a:prstGeom prst="rect">
-            <a:avLst/>
-          </a:prstGeom>
-          <a:noFill/>
-          <a:extLst>
-            <a:ext uri="{909E8E84-426E-40DD-AFC4-6F175D3DCCD1}">
-              <a14:hiddenFill xmlns:a14="http://schemas.microsoft.com/office/drawing/2010/main">
-                <a:solidFill>
-                  <a:srgbClr val="FFFFFF"/>
-                </a:solidFill>
-              </a14:hiddenFill>
-            </a:ext>
-          </a:extLst>
-        </p:spPr>
-      </p:pic>
-      <p:sp>
-        <p:nvSpPr>
-          <p:cNvPr id="5" name="TextBox 4"/>
-          <p:cNvSpPr txBox="1"/>
-          <p:nvPr/>
-        </p:nvSpPr>
-        <p:spPr>
-          <a:xfrm>
-            <a:off x="4254435" y="1807664"/>
-            <a:ext cx="1512168" cy="954107"/>
-          </a:xfrm>
-          <a:prstGeom prst="rect">
-            <a:avLst/>
-          </a:prstGeom>
-          <a:noFill/>
-        </p:spPr>
-        <p:txBody>
-          <a:bodyPr wrap="square" rtlCol="0">
-            <a:spAutoFit/>
-          </a:bodyPr>
-          <a:lstStyle/>
-          <a:p>
-            <a:r>
-              <a:rPr lang="ru-RU" sz="1400" b="1" dirty="0"/>
-              <a:t>Книга</a:t>
-            </a:r>
-          </a:p>
-          <a:p>
-            <a:r>
-              <a:rPr lang="ru-RU" sz="1400" dirty="0"/>
-              <a:t>Автор</a:t>
-            </a:r>
-          </a:p>
-          <a:p>
-            <a:r>
-              <a:rPr lang="ru-RU" sz="1400" dirty="0"/>
-              <a:t>Название</a:t>
-            </a:r>
-          </a:p>
-          <a:p>
-            <a:r>
-              <a:rPr lang="ru-RU" sz="1400" dirty="0"/>
-              <a:t>Год публикации</a:t>
-            </a:r>
-          </a:p>
-        </p:txBody>
-      </p:sp>
-      <p:sp>
-        <p:nvSpPr>
-          <p:cNvPr id="9" name="TextBox 8"/>
-          <p:cNvSpPr txBox="1"/>
-          <p:nvPr/>
-        </p:nvSpPr>
-        <p:spPr>
-          <a:xfrm>
-            <a:off x="433505" y="5478988"/>
-            <a:ext cx="3410306" cy="954107"/>
-          </a:xfrm>
-          <a:prstGeom prst="rect">
-            <a:avLst/>
-          </a:prstGeom>
-          <a:noFill/>
-        </p:spPr>
-        <p:txBody>
-          <a:bodyPr wrap="square" rtlCol="0">
-            <a:spAutoFit/>
-          </a:bodyPr>
-          <a:lstStyle/>
-          <a:p>
-            <a:r>
-              <a:rPr lang="ru-RU" sz="1400" b="1" dirty="0"/>
-              <a:t>Библиотека</a:t>
-            </a:r>
-          </a:p>
-          <a:p>
-            <a:r>
-              <a:rPr lang="ru-RU" sz="1400" dirty="0"/>
-              <a:t>Добавление книги</a:t>
-            </a:r>
-          </a:p>
-          <a:p>
-            <a:r>
-              <a:rPr lang="ru-RU" sz="1400" dirty="0"/>
-              <a:t>Количество книг</a:t>
-            </a:r>
-          </a:p>
-          <a:p>
-            <a:r>
-              <a:rPr lang="ru-RU" sz="1400" dirty="0"/>
-              <a:t>Доступ к книге по ее порядковому номеру</a:t>
-            </a:r>
-          </a:p>
-        </p:txBody>
-      </p:sp>
-      <p:sp>
-        <p:nvSpPr>
-          <p:cNvPr id="10" name="TextBox 9"/>
-          <p:cNvSpPr txBox="1"/>
-          <p:nvPr/>
-        </p:nvSpPr>
-        <p:spPr>
-          <a:xfrm>
-            <a:off x="4707907" y="5496774"/>
-            <a:ext cx="4104456" cy="738664"/>
-          </a:xfrm>
-          <a:prstGeom prst="rect">
-            <a:avLst/>
-          </a:prstGeom>
-          <a:noFill/>
-        </p:spPr>
-        <p:txBody>
-          <a:bodyPr wrap="square" rtlCol="0">
-            <a:spAutoFit/>
-          </a:bodyPr>
-          <a:lstStyle/>
-          <a:p>
-            <a:r>
-              <a:rPr lang="ru-RU" sz="1400" b="1" dirty="0"/>
-              <a:t>Каталог книг</a:t>
-            </a:r>
-          </a:p>
-          <a:p>
-            <a:r>
-              <a:rPr lang="ru-RU" sz="1400" dirty="0"/>
-              <a:t>Добавление книги в каталог</a:t>
-            </a:r>
-          </a:p>
-          <a:p>
-            <a:r>
-              <a:rPr lang="ru-RU" sz="1400" dirty="0"/>
-              <a:t>Список книг, отсортированный по названию</a:t>
-            </a:r>
-          </a:p>
-        </p:txBody>
-      </p:sp>
+          </p:spPr>
+        </p:pic>
+        <p:sp>
+          <p:nvSpPr>
+            <p:cNvPr id="10" name="TextBox 9"/>
+            <p:cNvSpPr txBox="1"/>
+            <p:nvPr/>
+          </p:nvSpPr>
+          <p:spPr>
+            <a:xfrm>
+              <a:off x="4707907" y="5496774"/>
+              <a:ext cx="4104456" cy="738664"/>
+            </a:xfrm>
+            <a:prstGeom prst="rect">
+              <a:avLst/>
+            </a:prstGeom>
+            <a:noFill/>
+          </p:spPr>
+          <p:txBody>
+            <a:bodyPr wrap="square" rtlCol="0">
+              <a:spAutoFit/>
+            </a:bodyPr>
+            <a:lstStyle/>
+            <a:p>
+              <a:r>
+                <a:rPr lang="ru-RU" sz="1400" b="1" dirty="0"/>
+                <a:t>Каталог книг</a:t>
+              </a:r>
+            </a:p>
+            <a:p>
+              <a:r>
+                <a:rPr lang="ru-RU" sz="1400" dirty="0"/>
+                <a:t>Добавление книги в каталог</a:t>
+              </a:r>
+            </a:p>
+            <a:p>
+              <a:r>
+                <a:rPr lang="ru-RU" sz="1400" dirty="0"/>
+                <a:t>Список книг, отсортированный по названию</a:t>
+              </a:r>
+            </a:p>
+          </p:txBody>
+        </p:sp>
+      </p:grpSp>
     </p:spTree>
     <p:extLst>
       <p:ext uri="{BB962C8B-B14F-4D97-AF65-F5344CB8AC3E}">
@@ -19780,13 +19906,6 @@
   <p:clrMapOvr>
     <a:masterClrMapping/>
   </p:clrMapOvr>
-  <p:timing>
-    <p:tnLst>
-      <p:par>
-        <p:cTn id="1" dur="indefinite" restart="never" nodeType="tmRoot"/>
-      </p:par>
-    </p:tnLst>
-  </p:timing>
 </p:sld>
 </file>
 
@@ -24266,13 +24385,6 @@
   <p:clrMapOvr>
     <a:masterClrMapping/>
   </p:clrMapOvr>
-  <p:timing>
-    <p:tnLst>
-      <p:par>
-        <p:cTn id="1" dur="indefinite" restart="never" nodeType="tmRoot"/>
-      </p:par>
-    </p:tnLst>
-  </p:timing>
 </p:sld>
 </file>
 
@@ -25624,11 +25736,7 @@
           <a:p>
             <a:r>
               <a:rPr lang="ru-RU" sz="3600" dirty="0"/>
-              <a:t>Принцип </a:t>
-            </a:r>
-            <a:r>
-              <a:rPr lang="ru-RU" sz="3600" dirty="0" smtClean="0"/>
-              <a:t>единственной ответственности (</a:t>
+              <a:t>Принцип единственной ответственности (</a:t>
             </a:r>
             <a:r>
               <a:rPr lang="en-US" sz="3600" dirty="0"/>
@@ -25674,13 +25782,6 @@
   <p:clrMapOvr>
     <a:masterClrMapping/>
   </p:clrMapOvr>
-  <p:timing>
-    <p:tnLst>
-      <p:par>
-        <p:cTn id="1" dur="indefinite" restart="never" nodeType="tmRoot"/>
-      </p:par>
-    </p:tnLst>
-  </p:timing>
 </p:sld>
 </file>
 
@@ -25735,13 +25836,6 @@
   <p:clrMapOvr>
     <a:masterClrMapping/>
   </p:clrMapOvr>
-  <p:timing>
-    <p:tnLst>
-      <p:par>
-        <p:cTn id="1" dur="indefinite" restart="never" nodeType="tmRoot"/>
-      </p:par>
-    </p:tnLst>
-  </p:timing>
 </p:sld>
 </file>
 
@@ -25796,13 +25890,6 @@
   <p:clrMapOvr>
     <a:masterClrMapping/>
   </p:clrMapOvr>
-  <p:timing>
-    <p:tnLst>
-      <p:par>
-        <p:cTn id="1" dur="indefinite" restart="never" nodeType="tmRoot"/>
-      </p:par>
-    </p:tnLst>
-  </p:timing>
 </p:sld>
 </file>
 
@@ -25879,13 +25966,6 @@
   <p:clrMapOvr>
     <a:masterClrMapping/>
   </p:clrMapOvr>
-  <p:timing>
-    <p:tnLst>
-      <p:par>
-        <p:cTn id="1" dur="indefinite" restart="never" nodeType="tmRoot"/>
-      </p:par>
-    </p:tnLst>
-  </p:timing>
 </p:sld>
 </file>
 
@@ -27362,13 +27442,6 @@
   <p:clrMapOvr>
     <a:masterClrMapping/>
   </p:clrMapOvr>
-  <p:timing>
-    <p:tnLst>
-      <p:par>
-        <p:cTn id="1" dur="indefinite" restart="never" nodeType="tmRoot"/>
-      </p:par>
-    </p:tnLst>
-  </p:timing>
 </p:sld>
 </file>
 
@@ -28878,13 +28951,6 @@
   <p:clrMapOvr>
     <a:masterClrMapping/>
   </p:clrMapOvr>
-  <p:timing>
-    <p:tnLst>
-      <p:par>
-        <p:cTn id="1" dur="indefinite" restart="never" nodeType="tmRoot"/>
-      </p:par>
-    </p:tnLst>
-  </p:timing>
 </p:sld>
 </file>
 
@@ -30123,13 +30189,6 @@
   <p:clrMapOvr>
     <a:masterClrMapping/>
   </p:clrMapOvr>
-  <p:timing>
-    <p:tnLst>
-      <p:par>
-        <p:cTn id="1" dur="indefinite" restart="never" nodeType="tmRoot"/>
-      </p:par>
-    </p:tnLst>
-  </p:timing>
 </p:sld>
 </file>
 
@@ -34838,13 +34897,6 @@
   <p:clrMapOvr>
     <a:masterClrMapping/>
   </p:clrMapOvr>
-  <p:timing>
-    <p:tnLst>
-      <p:par>
-        <p:cTn id="1" dur="indefinite" restart="never" nodeType="tmRoot"/>
-      </p:par>
-    </p:tnLst>
-  </p:timing>
 </p:sld>
 </file>
 

--- a/lectures/09.iterator/iterator.pptx
+++ b/lectures/09.iterator/iterator.pptx
@@ -238,7 +238,7 @@
           <a:p>
             <a:fld id="{2F3DCB6D-0B48-4A3D-B663-06C3F903A9D3}" type="datetimeFigureOut">
               <a:rPr lang="ru-RU" smtClean="0"/>
-              <a:t>15.10.2020</a:t>
+              <a:t>11.11.2021</a:t>
             </a:fld>
             <a:endParaRPr lang="ru-RU"/>
           </a:p>
@@ -1087,7 +1087,7 @@
           <a:p>
             <a:fld id="{2590F9C9-AB92-4E86-B698-DEC9BF4350FF}" type="datetimeFigureOut">
               <a:rPr lang="ru-RU" smtClean="0"/>
-              <a:t>15.10.2020</a:t>
+              <a:t>11.11.2021</a:t>
             </a:fld>
             <a:endParaRPr lang="ru-RU"/>
           </a:p>
@@ -1304,7 +1304,7 @@
           <a:p>
             <a:fld id="{2590F9C9-AB92-4E86-B698-DEC9BF4350FF}" type="datetimeFigureOut">
               <a:rPr lang="ru-RU" smtClean="0"/>
-              <a:t>15.10.2020</a:t>
+              <a:t>11.11.2021</a:t>
             </a:fld>
             <a:endParaRPr lang="ru-RU"/>
           </a:p>
@@ -1576,7 +1576,7 @@
           <a:p>
             <a:fld id="{2590F9C9-AB92-4E86-B698-DEC9BF4350FF}" type="datetimeFigureOut">
               <a:rPr lang="ru-RU" smtClean="0"/>
-              <a:t>15.10.2020</a:t>
+              <a:t>11.11.2021</a:t>
             </a:fld>
             <a:endParaRPr lang="ru-RU"/>
           </a:p>
@@ -1751,7 +1751,7 @@
           <a:p>
             <a:fld id="{2590F9C9-AB92-4E86-B698-DEC9BF4350FF}" type="datetimeFigureOut">
               <a:rPr lang="ru-RU" smtClean="0"/>
-              <a:t>15.10.2020</a:t>
+              <a:t>11.11.2021</a:t>
             </a:fld>
             <a:endParaRPr lang="ru-RU"/>
           </a:p>
@@ -2105,7 +2105,7 @@
           <a:p>
             <a:fld id="{2590F9C9-AB92-4E86-B698-DEC9BF4350FF}" type="datetimeFigureOut">
               <a:rPr lang="ru-RU" smtClean="0"/>
-              <a:t>15.10.2020</a:t>
+              <a:t>11.11.2021</a:t>
             </a:fld>
             <a:endParaRPr lang="ru-RU"/>
           </a:p>
@@ -2390,7 +2390,7 @@
           <a:p>
             <a:fld id="{2590F9C9-AB92-4E86-B698-DEC9BF4350FF}" type="datetimeFigureOut">
               <a:rPr lang="ru-RU" smtClean="0"/>
-              <a:t>15.10.2020</a:t>
+              <a:t>11.11.2021</a:t>
             </a:fld>
             <a:endParaRPr lang="ru-RU"/>
           </a:p>
@@ -2812,7 +2812,7 @@
           <a:p>
             <a:fld id="{2590F9C9-AB92-4E86-B698-DEC9BF4350FF}" type="datetimeFigureOut">
               <a:rPr lang="ru-RU" smtClean="0"/>
-              <a:t>15.10.2020</a:t>
+              <a:t>11.11.2021</a:t>
             </a:fld>
             <a:endParaRPr lang="ru-RU"/>
           </a:p>
@@ -2925,7 +2925,7 @@
           <a:p>
             <a:fld id="{2590F9C9-AB92-4E86-B698-DEC9BF4350FF}" type="datetimeFigureOut">
               <a:rPr lang="ru-RU" smtClean="0"/>
-              <a:t>15.10.2020</a:t>
+              <a:t>11.11.2021</a:t>
             </a:fld>
             <a:endParaRPr lang="ru-RU"/>
           </a:p>
@@ -3015,7 +3015,7 @@
           <a:p>
             <a:fld id="{2590F9C9-AB92-4E86-B698-DEC9BF4350FF}" type="datetimeFigureOut">
               <a:rPr lang="ru-RU" smtClean="0"/>
-              <a:t>15.10.2020</a:t>
+              <a:t>11.11.2021</a:t>
             </a:fld>
             <a:endParaRPr lang="ru-RU"/>
           </a:p>
@@ -3293,7 +3293,7 @@
           <a:p>
             <a:fld id="{2590F9C9-AB92-4E86-B698-DEC9BF4350FF}" type="datetimeFigureOut">
               <a:rPr lang="ru-RU" smtClean="0"/>
-              <a:t>15.10.2020</a:t>
+              <a:t>11.11.2021</a:t>
             </a:fld>
             <a:endParaRPr lang="ru-RU"/>
           </a:p>
@@ -3655,7 +3655,7 @@
           <a:p>
             <a:fld id="{2590F9C9-AB92-4E86-B698-DEC9BF4350FF}" type="datetimeFigureOut">
               <a:rPr lang="ru-RU" smtClean="0"/>
-              <a:t>15.10.2020</a:t>
+              <a:t>11.11.2021</a:t>
             </a:fld>
             <a:endParaRPr lang="ru-RU"/>
           </a:p>
@@ -4080,7 +4080,7 @@
           <a:p>
             <a:fld id="{2590F9C9-AB92-4E86-B698-DEC9BF4350FF}" type="datetimeFigureOut">
               <a:rPr lang="ru-RU" smtClean="0"/>
-              <a:t>15.10.2020</a:t>
+              <a:t>11.11.2021</a:t>
             </a:fld>
             <a:endParaRPr lang="ru-RU"/>
           </a:p>
@@ -12903,7 +12903,7 @@
         <p:spPr>
           <a:xfrm>
             <a:off x="0" y="0"/>
-            <a:ext cx="7380312" cy="6986528"/>
+            <a:ext cx="7380312" cy="7201972"/>
           </a:xfrm>
           <a:prstGeom prst="rect">
             <a:avLst/>
@@ -12965,7 +12965,7 @@
               <a:t> </a:t>
             </a:r>
             <a:r>
-              <a:rPr lang="en-US" sz="1400" dirty="0">
+              <a:rPr lang="en-US" sz="1400" dirty="0" err="1">
                 <a:solidFill>
                   <a:srgbClr val="2B91AF"/>
                 </a:solidFill>
@@ -12973,7 +12973,7 @@
                 <a:ea typeface="Calibri" panose="020F0502020204030204" pitchFamily="34" charset="0"/>
                 <a:cs typeface="Consolas" panose="020B0609020204030204" pitchFamily="49" charset="0"/>
               </a:rPr>
-              <a:t>T</a:t>
+              <a:t>ValueType</a:t>
             </a:r>
             <a:r>
               <a:rPr lang="en-US" sz="1400" dirty="0">
@@ -13209,6 +13209,178 @@
               </a:rPr>
               <a:t>:</a:t>
             </a:r>
+          </a:p>
+          <a:p>
+            <a:pPr>
+              <a:spcAft>
+                <a:spcPts val="0"/>
+              </a:spcAft>
+            </a:pPr>
+            <a:r>
+              <a:rPr lang="en-US" sz="1400" dirty="0">
+                <a:solidFill>
+                  <a:srgbClr val="000000"/>
+                </a:solidFill>
+                <a:latin typeface="Consolas" panose="020B0609020204030204" pitchFamily="49" charset="0"/>
+                <a:ea typeface="Calibri" panose="020F0502020204030204" pitchFamily="34" charset="0"/>
+                <a:cs typeface="Consolas" panose="020B0609020204030204" pitchFamily="49" charset="0"/>
+              </a:rPr>
+              <a:t>  </a:t>
+            </a:r>
+            <a:r>
+              <a:rPr lang="en-US" sz="1400" dirty="0" err="1">
+                <a:solidFill>
+                  <a:srgbClr val="000000"/>
+                </a:solidFill>
+                <a:latin typeface="Consolas" panose="020B0609020204030204" pitchFamily="49" charset="0"/>
+                <a:ea typeface="Calibri" panose="020F0502020204030204" pitchFamily="34" charset="0"/>
+                <a:cs typeface="Consolas" panose="020B0609020204030204" pitchFamily="49" charset="0"/>
+              </a:rPr>
+              <a:t>CMapValueIterator</a:t>
+            </a:r>
+            <a:r>
+              <a:rPr lang="en-US" sz="1400" dirty="0">
+                <a:solidFill>
+                  <a:srgbClr val="000000"/>
+                </a:solidFill>
+                <a:latin typeface="Consolas" panose="020B0609020204030204" pitchFamily="49" charset="0"/>
+                <a:ea typeface="Calibri" panose="020F0502020204030204" pitchFamily="34" charset="0"/>
+                <a:cs typeface="Consolas" panose="020B0609020204030204" pitchFamily="49" charset="0"/>
+              </a:rPr>
+              <a:t>(</a:t>
+            </a:r>
+            <a:r>
+              <a:rPr lang="en-US" sz="1400" dirty="0">
+                <a:solidFill>
+                  <a:srgbClr val="0000FF"/>
+                </a:solidFill>
+                <a:latin typeface="Consolas" panose="020B0609020204030204" pitchFamily="49" charset="0"/>
+                <a:ea typeface="Calibri" panose="020F0502020204030204" pitchFamily="34" charset="0"/>
+                <a:cs typeface="Consolas" panose="020B0609020204030204" pitchFamily="49" charset="0"/>
+              </a:rPr>
+              <a:t>const</a:t>
+            </a:r>
+            <a:r>
+              <a:rPr lang="en-US" sz="1400" dirty="0">
+                <a:solidFill>
+                  <a:srgbClr val="000000"/>
+                </a:solidFill>
+                <a:latin typeface="Consolas" panose="020B0609020204030204" pitchFamily="49" charset="0"/>
+                <a:ea typeface="Calibri" panose="020F0502020204030204" pitchFamily="34" charset="0"/>
+                <a:cs typeface="Consolas" panose="020B0609020204030204" pitchFamily="49" charset="0"/>
+              </a:rPr>
+              <a:t> </a:t>
+            </a:r>
+            <a:r>
+              <a:rPr lang="en-US" sz="1400" dirty="0" err="1">
+                <a:solidFill>
+                  <a:srgbClr val="2B91AF"/>
+                </a:solidFill>
+                <a:latin typeface="Consolas" panose="020B0609020204030204" pitchFamily="49" charset="0"/>
+                <a:ea typeface="Calibri" panose="020F0502020204030204" pitchFamily="34" charset="0"/>
+                <a:cs typeface="Consolas" panose="020B0609020204030204" pitchFamily="49" charset="0"/>
+              </a:rPr>
+              <a:t>IteratorType</a:t>
+            </a:r>
+            <a:r>
+              <a:rPr lang="en-US" sz="1400" dirty="0">
+                <a:solidFill>
+                  <a:srgbClr val="000000"/>
+                </a:solidFill>
+                <a:latin typeface="Consolas" panose="020B0609020204030204" pitchFamily="49" charset="0"/>
+                <a:ea typeface="Calibri" panose="020F0502020204030204" pitchFamily="34" charset="0"/>
+                <a:cs typeface="Consolas" panose="020B0609020204030204" pitchFamily="49" charset="0"/>
+              </a:rPr>
+              <a:t>&amp; </a:t>
+            </a:r>
+            <a:r>
+              <a:rPr lang="en-US" sz="1400" dirty="0">
+                <a:solidFill>
+                  <a:srgbClr val="808080"/>
+                </a:solidFill>
+                <a:latin typeface="Consolas" panose="020B0609020204030204" pitchFamily="49" charset="0"/>
+                <a:ea typeface="Calibri" panose="020F0502020204030204" pitchFamily="34" charset="0"/>
+                <a:cs typeface="Consolas" panose="020B0609020204030204" pitchFamily="49" charset="0"/>
+              </a:rPr>
+              <a:t>begin</a:t>
+            </a:r>
+            <a:r>
+              <a:rPr lang="en-US" sz="1400" dirty="0">
+                <a:solidFill>
+                  <a:srgbClr val="000000"/>
+                </a:solidFill>
+                <a:latin typeface="Consolas" panose="020B0609020204030204" pitchFamily="49" charset="0"/>
+                <a:ea typeface="Calibri" panose="020F0502020204030204" pitchFamily="34" charset="0"/>
+                <a:cs typeface="Consolas" panose="020B0609020204030204" pitchFamily="49" charset="0"/>
+              </a:rPr>
+              <a:t>, </a:t>
+            </a:r>
+            <a:r>
+              <a:rPr lang="en-US" sz="1400" dirty="0">
+                <a:solidFill>
+                  <a:srgbClr val="0000FF"/>
+                </a:solidFill>
+                <a:latin typeface="Consolas" panose="020B0609020204030204" pitchFamily="49" charset="0"/>
+                <a:ea typeface="Calibri" panose="020F0502020204030204" pitchFamily="34" charset="0"/>
+                <a:cs typeface="Consolas" panose="020B0609020204030204" pitchFamily="49" charset="0"/>
+              </a:rPr>
+              <a:t>const</a:t>
+            </a:r>
+            <a:r>
+              <a:rPr lang="en-US" sz="1400" dirty="0">
+                <a:solidFill>
+                  <a:srgbClr val="000000"/>
+                </a:solidFill>
+                <a:latin typeface="Consolas" panose="020B0609020204030204" pitchFamily="49" charset="0"/>
+                <a:ea typeface="Calibri" panose="020F0502020204030204" pitchFamily="34" charset="0"/>
+                <a:cs typeface="Consolas" panose="020B0609020204030204" pitchFamily="49" charset="0"/>
+              </a:rPr>
+              <a:t> </a:t>
+            </a:r>
+            <a:r>
+              <a:rPr lang="en-US" sz="1400" dirty="0" err="1">
+                <a:solidFill>
+                  <a:srgbClr val="2B91AF"/>
+                </a:solidFill>
+                <a:latin typeface="Consolas" panose="020B0609020204030204" pitchFamily="49" charset="0"/>
+                <a:ea typeface="Calibri" panose="020F0502020204030204" pitchFamily="34" charset="0"/>
+                <a:cs typeface="Consolas" panose="020B0609020204030204" pitchFamily="49" charset="0"/>
+              </a:rPr>
+              <a:t>IteratorType</a:t>
+            </a:r>
+            <a:r>
+              <a:rPr lang="en-US" sz="1400" dirty="0">
+                <a:solidFill>
+                  <a:srgbClr val="000000"/>
+                </a:solidFill>
+                <a:latin typeface="Consolas" panose="020B0609020204030204" pitchFamily="49" charset="0"/>
+                <a:ea typeface="Calibri" panose="020F0502020204030204" pitchFamily="34" charset="0"/>
+                <a:cs typeface="Consolas" panose="020B0609020204030204" pitchFamily="49" charset="0"/>
+              </a:rPr>
+              <a:t> &amp; </a:t>
+            </a:r>
+            <a:r>
+              <a:rPr lang="en-US" sz="1400" dirty="0">
+                <a:solidFill>
+                  <a:srgbClr val="808080"/>
+                </a:solidFill>
+                <a:latin typeface="Consolas" panose="020B0609020204030204" pitchFamily="49" charset="0"/>
+                <a:ea typeface="Calibri" panose="020F0502020204030204" pitchFamily="34" charset="0"/>
+                <a:cs typeface="Consolas" panose="020B0609020204030204" pitchFamily="49" charset="0"/>
+              </a:rPr>
+              <a:t>end</a:t>
+            </a:r>
+            <a:r>
+              <a:rPr lang="en-US" sz="1400" dirty="0">
+                <a:solidFill>
+                  <a:srgbClr val="000000"/>
+                </a:solidFill>
+                <a:latin typeface="Consolas" panose="020B0609020204030204" pitchFamily="49" charset="0"/>
+                <a:ea typeface="Calibri" panose="020F0502020204030204" pitchFamily="34" charset="0"/>
+                <a:cs typeface="Consolas" panose="020B0609020204030204" pitchFamily="49" charset="0"/>
+              </a:rPr>
+              <a:t>)</a:t>
+            </a:r>
             <a:endParaRPr lang="ru-RU" sz="1400" dirty="0">
               <a:latin typeface="Consolas" panose="020B0609020204030204" pitchFamily="49" charset="0"/>
               <a:ea typeface="Calibri" panose="020F0502020204030204" pitchFamily="34" charset="0"/>
@@ -13230,7 +13402,7 @@
                 <a:ea typeface="Calibri" panose="020F0502020204030204" pitchFamily="34" charset="0"/>
                 <a:cs typeface="Consolas" panose="020B0609020204030204" pitchFamily="49" charset="0"/>
               </a:rPr>
-              <a:t>  </a:t>
+              <a:t>    : </a:t>
             </a:r>
             <a:r>
               <a:rPr lang="en-US" sz="1400" dirty="0" err="1">
@@ -13241,7 +13413,7 @@
                 <a:ea typeface="Calibri" panose="020F0502020204030204" pitchFamily="34" charset="0"/>
                 <a:cs typeface="Consolas" panose="020B0609020204030204" pitchFamily="49" charset="0"/>
               </a:rPr>
-              <a:t>CMapValueIterator</a:t>
+              <a:t>m_begin</a:t>
             </a:r>
             <a:r>
               <a:rPr lang="en-US" sz="1400" dirty="0">
@@ -13255,15 +13427,37 @@
               <a:t>(</a:t>
             </a:r>
             <a:r>
+              <a:rPr lang="en-US" sz="1400" dirty="0">
+                <a:solidFill>
+                  <a:srgbClr val="808080"/>
+                </a:solidFill>
+                <a:latin typeface="Consolas" panose="020B0609020204030204" pitchFamily="49" charset="0"/>
+                <a:ea typeface="Calibri" panose="020F0502020204030204" pitchFamily="34" charset="0"/>
+                <a:cs typeface="Consolas" panose="020B0609020204030204" pitchFamily="49" charset="0"/>
+              </a:rPr>
+              <a:t>begin</a:t>
+            </a:r>
+            <a:r>
+              <a:rPr lang="en-US" sz="1400" dirty="0">
+                <a:solidFill>
+                  <a:srgbClr val="000000"/>
+                </a:solidFill>
+                <a:latin typeface="Consolas" panose="020B0609020204030204" pitchFamily="49" charset="0"/>
+                <a:ea typeface="Calibri" panose="020F0502020204030204" pitchFamily="34" charset="0"/>
+                <a:cs typeface="Consolas" panose="020B0609020204030204" pitchFamily="49" charset="0"/>
+              </a:rPr>
+              <a:t>), </a:t>
+            </a:r>
+            <a:r>
               <a:rPr lang="en-US" sz="1400" dirty="0" err="1">
                 <a:solidFill>
-                  <a:srgbClr val="0000FF"/>
-                </a:solidFill>
-                <a:latin typeface="Consolas" panose="020B0609020204030204" pitchFamily="49" charset="0"/>
-                <a:ea typeface="Calibri" panose="020F0502020204030204" pitchFamily="34" charset="0"/>
-                <a:cs typeface="Consolas" panose="020B0609020204030204" pitchFamily="49" charset="0"/>
-              </a:rPr>
-              <a:t>const</a:t>
+                  <a:srgbClr val="000000"/>
+                </a:solidFill>
+                <a:latin typeface="Consolas" panose="020B0609020204030204" pitchFamily="49" charset="0"/>
+                <a:ea typeface="Calibri" panose="020F0502020204030204" pitchFamily="34" charset="0"/>
+                <a:cs typeface="Consolas" panose="020B0609020204030204" pitchFamily="49" charset="0"/>
+              </a:rPr>
+              <a:t>m_end</a:t>
             </a:r>
             <a:r>
               <a:rPr lang="en-US" sz="1400" dirty="0">
@@ -13274,95 +13468,7 @@
                 <a:ea typeface="Calibri" panose="020F0502020204030204" pitchFamily="34" charset="0"/>
                 <a:cs typeface="Consolas" panose="020B0609020204030204" pitchFamily="49" charset="0"/>
               </a:rPr>
-              <a:t> </a:t>
-            </a:r>
-            <a:r>
-              <a:rPr lang="en-US" sz="1400" dirty="0" err="1">
-                <a:solidFill>
-                  <a:srgbClr val="2B91AF"/>
-                </a:solidFill>
-                <a:latin typeface="Consolas" panose="020B0609020204030204" pitchFamily="49" charset="0"/>
-                <a:ea typeface="Calibri" panose="020F0502020204030204" pitchFamily="34" charset="0"/>
-                <a:cs typeface="Consolas" panose="020B0609020204030204" pitchFamily="49" charset="0"/>
-              </a:rPr>
-              <a:t>IteratorType</a:t>
-            </a:r>
-            <a:r>
-              <a:rPr lang="en-US" sz="1400" dirty="0">
-                <a:solidFill>
-                  <a:srgbClr val="000000"/>
-                </a:solidFill>
-                <a:latin typeface="Consolas" panose="020B0609020204030204" pitchFamily="49" charset="0"/>
-                <a:ea typeface="Calibri" panose="020F0502020204030204" pitchFamily="34" charset="0"/>
-                <a:cs typeface="Consolas" panose="020B0609020204030204" pitchFamily="49" charset="0"/>
-              </a:rPr>
-              <a:t>&amp; </a:t>
-            </a:r>
-            <a:r>
-              <a:rPr lang="en-US" sz="1400" dirty="0">
-                <a:solidFill>
-                  <a:srgbClr val="808080"/>
-                </a:solidFill>
-                <a:latin typeface="Consolas" panose="020B0609020204030204" pitchFamily="49" charset="0"/>
-                <a:ea typeface="Calibri" panose="020F0502020204030204" pitchFamily="34" charset="0"/>
-                <a:cs typeface="Consolas" panose="020B0609020204030204" pitchFamily="49" charset="0"/>
-              </a:rPr>
-              <a:t>begin</a:t>
-            </a:r>
-            <a:r>
-              <a:rPr lang="en-US" sz="1400" dirty="0">
-                <a:solidFill>
-                  <a:srgbClr val="000000"/>
-                </a:solidFill>
-                <a:latin typeface="Consolas" panose="020B0609020204030204" pitchFamily="49" charset="0"/>
-                <a:ea typeface="Calibri" panose="020F0502020204030204" pitchFamily="34" charset="0"/>
-                <a:cs typeface="Consolas" panose="020B0609020204030204" pitchFamily="49" charset="0"/>
-              </a:rPr>
-              <a:t>, </a:t>
-            </a:r>
-            <a:r>
-              <a:rPr lang="en-US" sz="1400" dirty="0" err="1">
-                <a:solidFill>
-                  <a:srgbClr val="0000FF"/>
-                </a:solidFill>
-                <a:latin typeface="Consolas" panose="020B0609020204030204" pitchFamily="49" charset="0"/>
-                <a:ea typeface="Calibri" panose="020F0502020204030204" pitchFamily="34" charset="0"/>
-                <a:cs typeface="Consolas" panose="020B0609020204030204" pitchFamily="49" charset="0"/>
-              </a:rPr>
-              <a:t>const</a:t>
-            </a:r>
-            <a:r>
-              <a:rPr lang="en-US" sz="1400" dirty="0">
-                <a:solidFill>
-                  <a:srgbClr val="000000"/>
-                </a:solidFill>
-                <a:latin typeface="Consolas" panose="020B0609020204030204" pitchFamily="49" charset="0"/>
-                <a:ea typeface="Calibri" panose="020F0502020204030204" pitchFamily="34" charset="0"/>
-                <a:cs typeface="Consolas" panose="020B0609020204030204" pitchFamily="49" charset="0"/>
-              </a:rPr>
-              <a:t> </a:t>
-            </a:r>
-            <a:r>
-              <a:rPr lang="en-US" sz="1400" dirty="0" err="1">
-                <a:solidFill>
-                  <a:srgbClr val="2B91AF"/>
-                </a:solidFill>
-                <a:latin typeface="Consolas" panose="020B0609020204030204" pitchFamily="49" charset="0"/>
-                <a:ea typeface="Calibri" panose="020F0502020204030204" pitchFamily="34" charset="0"/>
-                <a:cs typeface="Consolas" panose="020B0609020204030204" pitchFamily="49" charset="0"/>
-              </a:rPr>
-              <a:t>IteratorType</a:t>
-            </a:r>
-            <a:r>
-              <a:rPr lang="en-US" sz="1400" dirty="0">
-                <a:solidFill>
-                  <a:srgbClr val="000000"/>
-                </a:solidFill>
-                <a:latin typeface="Consolas" panose="020B0609020204030204" pitchFamily="49" charset="0"/>
-                <a:ea typeface="Calibri" panose="020F0502020204030204" pitchFamily="34" charset="0"/>
-                <a:cs typeface="Consolas" panose="020B0609020204030204" pitchFamily="49" charset="0"/>
-              </a:rPr>
-              <a:t> &amp; </a:t>
+              <a:t>(</a:t>
             </a:r>
             <a:r>
               <a:rPr lang="en-US" sz="1400" dirty="0">
@@ -13407,95 +13513,7 @@
                 <a:ea typeface="Calibri" panose="020F0502020204030204" pitchFamily="34" charset="0"/>
                 <a:cs typeface="Consolas" panose="020B0609020204030204" pitchFamily="49" charset="0"/>
               </a:rPr>
-              <a:t>    : </a:t>
-            </a:r>
-            <a:r>
-              <a:rPr lang="en-US" sz="1400" dirty="0" err="1">
-                <a:solidFill>
-                  <a:srgbClr val="000000"/>
-                </a:solidFill>
-                <a:latin typeface="Consolas" panose="020B0609020204030204" pitchFamily="49" charset="0"/>
-                <a:ea typeface="Calibri" panose="020F0502020204030204" pitchFamily="34" charset="0"/>
-                <a:cs typeface="Consolas" panose="020B0609020204030204" pitchFamily="49" charset="0"/>
-              </a:rPr>
-              <a:t>m_begin</a:t>
-            </a:r>
-            <a:r>
-              <a:rPr lang="en-US" sz="1400" dirty="0">
-                <a:solidFill>
-                  <a:srgbClr val="000000"/>
-                </a:solidFill>
-                <a:latin typeface="Consolas" panose="020B0609020204030204" pitchFamily="49" charset="0"/>
-                <a:ea typeface="Calibri" panose="020F0502020204030204" pitchFamily="34" charset="0"/>
-                <a:cs typeface="Consolas" panose="020B0609020204030204" pitchFamily="49" charset="0"/>
-              </a:rPr>
-              <a:t>(</a:t>
-            </a:r>
-            <a:r>
-              <a:rPr lang="en-US" sz="1400" dirty="0">
-                <a:solidFill>
-                  <a:srgbClr val="808080"/>
-                </a:solidFill>
-                <a:latin typeface="Consolas" panose="020B0609020204030204" pitchFamily="49" charset="0"/>
-                <a:ea typeface="Calibri" panose="020F0502020204030204" pitchFamily="34" charset="0"/>
-                <a:cs typeface="Consolas" panose="020B0609020204030204" pitchFamily="49" charset="0"/>
-              </a:rPr>
-              <a:t>begin</a:t>
-            </a:r>
-            <a:r>
-              <a:rPr lang="en-US" sz="1400" dirty="0">
-                <a:solidFill>
-                  <a:srgbClr val="000000"/>
-                </a:solidFill>
-                <a:latin typeface="Consolas" panose="020B0609020204030204" pitchFamily="49" charset="0"/>
-                <a:ea typeface="Calibri" panose="020F0502020204030204" pitchFamily="34" charset="0"/>
-                <a:cs typeface="Consolas" panose="020B0609020204030204" pitchFamily="49" charset="0"/>
-              </a:rPr>
-              <a:t>), </a:t>
-            </a:r>
-            <a:r>
-              <a:rPr lang="en-US" sz="1400" dirty="0" err="1">
-                <a:solidFill>
-                  <a:srgbClr val="000000"/>
-                </a:solidFill>
-                <a:latin typeface="Consolas" panose="020B0609020204030204" pitchFamily="49" charset="0"/>
-                <a:ea typeface="Calibri" panose="020F0502020204030204" pitchFamily="34" charset="0"/>
-                <a:cs typeface="Consolas" panose="020B0609020204030204" pitchFamily="49" charset="0"/>
-              </a:rPr>
-              <a:t>m_end</a:t>
-            </a:r>
-            <a:r>
-              <a:rPr lang="en-US" sz="1400" dirty="0">
-                <a:solidFill>
-                  <a:srgbClr val="000000"/>
-                </a:solidFill>
-                <a:latin typeface="Consolas" panose="020B0609020204030204" pitchFamily="49" charset="0"/>
-                <a:ea typeface="Calibri" panose="020F0502020204030204" pitchFamily="34" charset="0"/>
-                <a:cs typeface="Consolas" panose="020B0609020204030204" pitchFamily="49" charset="0"/>
-              </a:rPr>
-              <a:t>(</a:t>
-            </a:r>
-            <a:r>
-              <a:rPr lang="en-US" sz="1400" dirty="0">
-                <a:solidFill>
-                  <a:srgbClr val="808080"/>
-                </a:solidFill>
-                <a:latin typeface="Consolas" panose="020B0609020204030204" pitchFamily="49" charset="0"/>
-                <a:ea typeface="Calibri" panose="020F0502020204030204" pitchFamily="34" charset="0"/>
-                <a:cs typeface="Consolas" panose="020B0609020204030204" pitchFamily="49" charset="0"/>
-              </a:rPr>
-              <a:t>end</a:t>
-            </a:r>
-            <a:r>
-              <a:rPr lang="en-US" sz="1400" dirty="0">
-                <a:solidFill>
-                  <a:srgbClr val="000000"/>
-                </a:solidFill>
-                <a:latin typeface="Consolas" panose="020B0609020204030204" pitchFamily="49" charset="0"/>
-                <a:ea typeface="Calibri" panose="020F0502020204030204" pitchFamily="34" charset="0"/>
-                <a:cs typeface="Consolas" panose="020B0609020204030204" pitchFamily="49" charset="0"/>
-              </a:rPr>
-              <a:t>)</a:t>
+              <a:t>  {</a:t>
             </a:r>
             <a:endParaRPr lang="ru-RU" sz="1400" dirty="0">
               <a:latin typeface="Consolas" panose="020B0609020204030204" pitchFamily="49" charset="0"/>
@@ -13518,7 +13536,7 @@
                 <a:ea typeface="Calibri" panose="020F0502020204030204" pitchFamily="34" charset="0"/>
                 <a:cs typeface="Consolas" panose="020B0609020204030204" pitchFamily="49" charset="0"/>
               </a:rPr>
-              <a:t>  {</a:t>
+              <a:t>  }</a:t>
             </a:r>
             <a:endParaRPr lang="ru-RU" sz="1400" dirty="0">
               <a:latin typeface="Consolas" panose="020B0609020204030204" pitchFamily="49" charset="0"/>
@@ -13541,7 +13559,7 @@
                 <a:ea typeface="Calibri" panose="020F0502020204030204" pitchFamily="34" charset="0"/>
                 <a:cs typeface="Consolas" panose="020B0609020204030204" pitchFamily="49" charset="0"/>
               </a:rPr>
-              <a:t>  }</a:t>
+              <a:t> </a:t>
             </a:r>
             <a:endParaRPr lang="ru-RU" sz="1400" dirty="0">
               <a:latin typeface="Consolas" panose="020B0609020204030204" pitchFamily="49" charset="0"/>
@@ -13564,7 +13582,84 @@
                 <a:ea typeface="Calibri" panose="020F0502020204030204" pitchFamily="34" charset="0"/>
                 <a:cs typeface="Consolas" panose="020B0609020204030204" pitchFamily="49" charset="0"/>
               </a:rPr>
-              <a:t> </a:t>
+              <a:t>  </a:t>
+            </a:r>
+            <a:r>
+              <a:rPr lang="en-US" sz="1400" dirty="0">
+                <a:solidFill>
+                  <a:srgbClr val="0000FF"/>
+                </a:solidFill>
+                <a:latin typeface="Consolas" panose="020B0609020204030204" pitchFamily="49" charset="0"/>
+                <a:ea typeface="Calibri" panose="020F0502020204030204" pitchFamily="34" charset="0"/>
+                <a:cs typeface="Consolas" panose="020B0609020204030204" pitchFamily="49" charset="0"/>
+              </a:rPr>
+              <a:t>bool</a:t>
+            </a:r>
+            <a:r>
+              <a:rPr lang="en-US" sz="1400" dirty="0">
+                <a:solidFill>
+                  <a:srgbClr val="000000"/>
+                </a:solidFill>
+                <a:latin typeface="Consolas" panose="020B0609020204030204" pitchFamily="49" charset="0"/>
+                <a:ea typeface="Calibri" panose="020F0502020204030204" pitchFamily="34" charset="0"/>
+                <a:cs typeface="Consolas" panose="020B0609020204030204" pitchFamily="49" charset="0"/>
+              </a:rPr>
+              <a:t> </a:t>
+            </a:r>
+            <a:r>
+              <a:rPr lang="en-US" sz="1400" dirty="0" err="1">
+                <a:solidFill>
+                  <a:srgbClr val="000000"/>
+                </a:solidFill>
+                <a:latin typeface="Consolas" panose="020B0609020204030204" pitchFamily="49" charset="0"/>
+                <a:ea typeface="Calibri" panose="020F0502020204030204" pitchFamily="34" charset="0"/>
+                <a:cs typeface="Consolas" panose="020B0609020204030204" pitchFamily="49" charset="0"/>
+              </a:rPr>
+              <a:t>HasNext</a:t>
+            </a:r>
+            <a:r>
+              <a:rPr lang="en-US" sz="1400" dirty="0">
+                <a:solidFill>
+                  <a:srgbClr val="000000"/>
+                </a:solidFill>
+                <a:latin typeface="Consolas" panose="020B0609020204030204" pitchFamily="49" charset="0"/>
+                <a:ea typeface="Calibri" panose="020F0502020204030204" pitchFamily="34" charset="0"/>
+                <a:cs typeface="Consolas" panose="020B0609020204030204" pitchFamily="49" charset="0"/>
+              </a:rPr>
+              <a:t>() </a:t>
+            </a:r>
+            <a:r>
+              <a:rPr lang="en-US" sz="1400" dirty="0" err="1">
+                <a:solidFill>
+                  <a:srgbClr val="0000FF"/>
+                </a:solidFill>
+                <a:latin typeface="Consolas" panose="020B0609020204030204" pitchFamily="49" charset="0"/>
+                <a:ea typeface="Calibri" panose="020F0502020204030204" pitchFamily="34" charset="0"/>
+                <a:cs typeface="Consolas" panose="020B0609020204030204" pitchFamily="49" charset="0"/>
+              </a:rPr>
+              <a:t>const</a:t>
+            </a:r>
+            <a:r>
+              <a:rPr lang="en-US" sz="1400" dirty="0">
+                <a:solidFill>
+                  <a:srgbClr val="000000"/>
+                </a:solidFill>
+                <a:latin typeface="Consolas" panose="020B0609020204030204" pitchFamily="49" charset="0"/>
+                <a:ea typeface="Calibri" panose="020F0502020204030204" pitchFamily="34" charset="0"/>
+                <a:cs typeface="Consolas" panose="020B0609020204030204" pitchFamily="49" charset="0"/>
+              </a:rPr>
+              <a:t> </a:t>
+            </a:r>
+            <a:r>
+              <a:rPr lang="en-US" sz="1400" dirty="0">
+                <a:solidFill>
+                  <a:srgbClr val="0000FF"/>
+                </a:solidFill>
+                <a:latin typeface="Consolas" panose="020B0609020204030204" pitchFamily="49" charset="0"/>
+                <a:ea typeface="Calibri" panose="020F0502020204030204" pitchFamily="34" charset="0"/>
+                <a:cs typeface="Consolas" panose="020B0609020204030204" pitchFamily="49" charset="0"/>
+              </a:rPr>
+              <a:t>override</a:t>
             </a:r>
             <a:endParaRPr lang="ru-RU" sz="1400" dirty="0">
               <a:latin typeface="Consolas" panose="020B0609020204030204" pitchFamily="49" charset="0"/>
@@ -13587,84 +13682,7 @@
                 <a:ea typeface="Calibri" panose="020F0502020204030204" pitchFamily="34" charset="0"/>
                 <a:cs typeface="Consolas" panose="020B0609020204030204" pitchFamily="49" charset="0"/>
               </a:rPr>
-              <a:t>  </a:t>
-            </a:r>
-            <a:r>
-              <a:rPr lang="en-US" sz="1400" dirty="0">
-                <a:solidFill>
-                  <a:srgbClr val="0000FF"/>
-                </a:solidFill>
-                <a:latin typeface="Consolas" panose="020B0609020204030204" pitchFamily="49" charset="0"/>
-                <a:ea typeface="Calibri" panose="020F0502020204030204" pitchFamily="34" charset="0"/>
-                <a:cs typeface="Consolas" panose="020B0609020204030204" pitchFamily="49" charset="0"/>
-              </a:rPr>
-              <a:t>bool</a:t>
-            </a:r>
-            <a:r>
-              <a:rPr lang="en-US" sz="1400" dirty="0">
-                <a:solidFill>
-                  <a:srgbClr val="000000"/>
-                </a:solidFill>
-                <a:latin typeface="Consolas" panose="020B0609020204030204" pitchFamily="49" charset="0"/>
-                <a:ea typeface="Calibri" panose="020F0502020204030204" pitchFamily="34" charset="0"/>
-                <a:cs typeface="Consolas" panose="020B0609020204030204" pitchFamily="49" charset="0"/>
-              </a:rPr>
-              <a:t> </a:t>
-            </a:r>
-            <a:r>
-              <a:rPr lang="en-US" sz="1400" dirty="0" err="1">
-                <a:solidFill>
-                  <a:srgbClr val="000000"/>
-                </a:solidFill>
-                <a:latin typeface="Consolas" panose="020B0609020204030204" pitchFamily="49" charset="0"/>
-                <a:ea typeface="Calibri" panose="020F0502020204030204" pitchFamily="34" charset="0"/>
-                <a:cs typeface="Consolas" panose="020B0609020204030204" pitchFamily="49" charset="0"/>
-              </a:rPr>
-              <a:t>HasNext</a:t>
-            </a:r>
-            <a:r>
-              <a:rPr lang="en-US" sz="1400" dirty="0">
-                <a:solidFill>
-                  <a:srgbClr val="000000"/>
-                </a:solidFill>
-                <a:latin typeface="Consolas" panose="020B0609020204030204" pitchFamily="49" charset="0"/>
-                <a:ea typeface="Calibri" panose="020F0502020204030204" pitchFamily="34" charset="0"/>
-                <a:cs typeface="Consolas" panose="020B0609020204030204" pitchFamily="49" charset="0"/>
-              </a:rPr>
-              <a:t>() </a:t>
-            </a:r>
-            <a:r>
-              <a:rPr lang="en-US" sz="1400" dirty="0" err="1">
-                <a:solidFill>
-                  <a:srgbClr val="0000FF"/>
-                </a:solidFill>
-                <a:latin typeface="Consolas" panose="020B0609020204030204" pitchFamily="49" charset="0"/>
-                <a:ea typeface="Calibri" panose="020F0502020204030204" pitchFamily="34" charset="0"/>
-                <a:cs typeface="Consolas" panose="020B0609020204030204" pitchFamily="49" charset="0"/>
-              </a:rPr>
-              <a:t>const</a:t>
-            </a:r>
-            <a:r>
-              <a:rPr lang="en-US" sz="1400" dirty="0">
-                <a:solidFill>
-                  <a:srgbClr val="000000"/>
-                </a:solidFill>
-                <a:latin typeface="Consolas" panose="020B0609020204030204" pitchFamily="49" charset="0"/>
-                <a:ea typeface="Calibri" panose="020F0502020204030204" pitchFamily="34" charset="0"/>
-                <a:cs typeface="Consolas" panose="020B0609020204030204" pitchFamily="49" charset="0"/>
-              </a:rPr>
-              <a:t> </a:t>
-            </a:r>
-            <a:r>
-              <a:rPr lang="en-US" sz="1400" dirty="0">
-                <a:solidFill>
-                  <a:srgbClr val="0000FF"/>
-                </a:solidFill>
-                <a:latin typeface="Consolas" panose="020B0609020204030204" pitchFamily="49" charset="0"/>
-                <a:ea typeface="Calibri" panose="020F0502020204030204" pitchFamily="34" charset="0"/>
-                <a:cs typeface="Consolas" panose="020B0609020204030204" pitchFamily="49" charset="0"/>
-              </a:rPr>
-              <a:t>override</a:t>
+              <a:t>  {</a:t>
             </a:r>
             <a:endParaRPr lang="ru-RU" sz="1400" dirty="0">
               <a:latin typeface="Consolas" panose="020B0609020204030204" pitchFamily="49" charset="0"/>
@@ -13687,7 +13705,73 @@
                 <a:ea typeface="Calibri" panose="020F0502020204030204" pitchFamily="34" charset="0"/>
                 <a:cs typeface="Consolas" panose="020B0609020204030204" pitchFamily="49" charset="0"/>
               </a:rPr>
-              <a:t>  {</a:t>
+              <a:t>    </a:t>
+            </a:r>
+            <a:r>
+              <a:rPr lang="en-US" sz="1400" dirty="0">
+                <a:solidFill>
+                  <a:srgbClr val="0000FF"/>
+                </a:solidFill>
+                <a:latin typeface="Consolas" panose="020B0609020204030204" pitchFamily="49" charset="0"/>
+                <a:ea typeface="Calibri" panose="020F0502020204030204" pitchFamily="34" charset="0"/>
+                <a:cs typeface="Consolas" panose="020B0609020204030204" pitchFamily="49" charset="0"/>
+              </a:rPr>
+              <a:t>return</a:t>
+            </a:r>
+            <a:r>
+              <a:rPr lang="en-US" sz="1400" dirty="0">
+                <a:solidFill>
+                  <a:srgbClr val="000000"/>
+                </a:solidFill>
+                <a:latin typeface="Consolas" panose="020B0609020204030204" pitchFamily="49" charset="0"/>
+                <a:ea typeface="Calibri" panose="020F0502020204030204" pitchFamily="34" charset="0"/>
+                <a:cs typeface="Consolas" panose="020B0609020204030204" pitchFamily="49" charset="0"/>
+              </a:rPr>
+              <a:t> </a:t>
+            </a:r>
+            <a:r>
+              <a:rPr lang="en-US" sz="1400" dirty="0" err="1">
+                <a:solidFill>
+                  <a:srgbClr val="000000"/>
+                </a:solidFill>
+                <a:latin typeface="Consolas" panose="020B0609020204030204" pitchFamily="49" charset="0"/>
+                <a:ea typeface="Calibri" panose="020F0502020204030204" pitchFamily="34" charset="0"/>
+                <a:cs typeface="Consolas" panose="020B0609020204030204" pitchFamily="49" charset="0"/>
+              </a:rPr>
+              <a:t>m_begin</a:t>
+            </a:r>
+            <a:r>
+              <a:rPr lang="en-US" sz="1400" dirty="0">
+                <a:solidFill>
+                  <a:srgbClr val="000000"/>
+                </a:solidFill>
+                <a:latin typeface="Consolas" panose="020B0609020204030204" pitchFamily="49" charset="0"/>
+                <a:ea typeface="Calibri" panose="020F0502020204030204" pitchFamily="34" charset="0"/>
+                <a:cs typeface="Consolas" panose="020B0609020204030204" pitchFamily="49" charset="0"/>
+              </a:rPr>
+              <a:t> != </a:t>
+            </a:r>
+            <a:r>
+              <a:rPr lang="en-US" sz="1400" dirty="0" err="1">
+                <a:solidFill>
+                  <a:srgbClr val="000000"/>
+                </a:solidFill>
+                <a:latin typeface="Consolas" panose="020B0609020204030204" pitchFamily="49" charset="0"/>
+                <a:ea typeface="Calibri" panose="020F0502020204030204" pitchFamily="34" charset="0"/>
+                <a:cs typeface="Consolas" panose="020B0609020204030204" pitchFamily="49" charset="0"/>
+              </a:rPr>
+              <a:t>m_end</a:t>
+            </a:r>
+            <a:r>
+              <a:rPr lang="en-US" sz="1400" dirty="0">
+                <a:solidFill>
+                  <a:srgbClr val="000000"/>
+                </a:solidFill>
+                <a:latin typeface="Consolas" panose="020B0609020204030204" pitchFamily="49" charset="0"/>
+                <a:ea typeface="Calibri" panose="020F0502020204030204" pitchFamily="34" charset="0"/>
+                <a:cs typeface="Consolas" panose="020B0609020204030204" pitchFamily="49" charset="0"/>
+              </a:rPr>
+              <a:t>;</a:t>
             </a:r>
             <a:endParaRPr lang="ru-RU" sz="1400" dirty="0">
               <a:latin typeface="Consolas" panose="020B0609020204030204" pitchFamily="49" charset="0"/>
@@ -13710,73 +13794,7 @@
                 <a:ea typeface="Calibri" panose="020F0502020204030204" pitchFamily="34" charset="0"/>
                 <a:cs typeface="Consolas" panose="020B0609020204030204" pitchFamily="49" charset="0"/>
               </a:rPr>
-              <a:t>    </a:t>
-            </a:r>
-            <a:r>
-              <a:rPr lang="en-US" sz="1400" dirty="0">
-                <a:solidFill>
-                  <a:srgbClr val="0000FF"/>
-                </a:solidFill>
-                <a:latin typeface="Consolas" panose="020B0609020204030204" pitchFamily="49" charset="0"/>
-                <a:ea typeface="Calibri" panose="020F0502020204030204" pitchFamily="34" charset="0"/>
-                <a:cs typeface="Consolas" panose="020B0609020204030204" pitchFamily="49" charset="0"/>
-              </a:rPr>
-              <a:t>return</a:t>
-            </a:r>
-            <a:r>
-              <a:rPr lang="en-US" sz="1400" dirty="0">
-                <a:solidFill>
-                  <a:srgbClr val="000000"/>
-                </a:solidFill>
-                <a:latin typeface="Consolas" panose="020B0609020204030204" pitchFamily="49" charset="0"/>
-                <a:ea typeface="Calibri" panose="020F0502020204030204" pitchFamily="34" charset="0"/>
-                <a:cs typeface="Consolas" panose="020B0609020204030204" pitchFamily="49" charset="0"/>
-              </a:rPr>
-              <a:t> </a:t>
-            </a:r>
-            <a:r>
-              <a:rPr lang="en-US" sz="1400" dirty="0" err="1">
-                <a:solidFill>
-                  <a:srgbClr val="000000"/>
-                </a:solidFill>
-                <a:latin typeface="Consolas" panose="020B0609020204030204" pitchFamily="49" charset="0"/>
-                <a:ea typeface="Calibri" panose="020F0502020204030204" pitchFamily="34" charset="0"/>
-                <a:cs typeface="Consolas" panose="020B0609020204030204" pitchFamily="49" charset="0"/>
-              </a:rPr>
-              <a:t>m_begin</a:t>
-            </a:r>
-            <a:r>
-              <a:rPr lang="en-US" sz="1400" dirty="0">
-                <a:solidFill>
-                  <a:srgbClr val="000000"/>
-                </a:solidFill>
-                <a:latin typeface="Consolas" panose="020B0609020204030204" pitchFamily="49" charset="0"/>
-                <a:ea typeface="Calibri" panose="020F0502020204030204" pitchFamily="34" charset="0"/>
-                <a:cs typeface="Consolas" panose="020B0609020204030204" pitchFamily="49" charset="0"/>
-              </a:rPr>
-              <a:t> != </a:t>
-            </a:r>
-            <a:r>
-              <a:rPr lang="en-US" sz="1400" dirty="0" err="1">
-                <a:solidFill>
-                  <a:srgbClr val="000000"/>
-                </a:solidFill>
-                <a:latin typeface="Consolas" panose="020B0609020204030204" pitchFamily="49" charset="0"/>
-                <a:ea typeface="Calibri" panose="020F0502020204030204" pitchFamily="34" charset="0"/>
-                <a:cs typeface="Consolas" panose="020B0609020204030204" pitchFamily="49" charset="0"/>
-              </a:rPr>
-              <a:t>m_end</a:t>
-            </a:r>
-            <a:r>
-              <a:rPr lang="en-US" sz="1400" dirty="0">
-                <a:solidFill>
-                  <a:srgbClr val="000000"/>
-                </a:solidFill>
-                <a:latin typeface="Consolas" panose="020B0609020204030204" pitchFamily="49" charset="0"/>
-                <a:ea typeface="Calibri" panose="020F0502020204030204" pitchFamily="34" charset="0"/>
-                <a:cs typeface="Consolas" panose="020B0609020204030204" pitchFamily="49" charset="0"/>
-              </a:rPr>
-              <a:t>;</a:t>
+              <a:t>  }</a:t>
             </a:r>
             <a:endParaRPr lang="ru-RU" sz="1400" dirty="0">
               <a:latin typeface="Consolas" panose="020B0609020204030204" pitchFamily="49" charset="0"/>
@@ -13799,7 +13817,7 @@
                 <a:ea typeface="Calibri" panose="020F0502020204030204" pitchFamily="34" charset="0"/>
                 <a:cs typeface="Consolas" panose="020B0609020204030204" pitchFamily="49" charset="0"/>
               </a:rPr>
-              <a:t>  }</a:t>
+              <a:t> </a:t>
             </a:r>
             <a:endParaRPr lang="ru-RU" sz="1400" dirty="0">
               <a:latin typeface="Consolas" panose="020B0609020204030204" pitchFamily="49" charset="0"/>
@@ -13822,7 +13840,62 @@
                 <a:ea typeface="Calibri" panose="020F0502020204030204" pitchFamily="34" charset="0"/>
                 <a:cs typeface="Consolas" panose="020B0609020204030204" pitchFamily="49" charset="0"/>
               </a:rPr>
-              <a:t> </a:t>
+              <a:t>  </a:t>
+            </a:r>
+            <a:r>
+              <a:rPr lang="en-US" sz="1400" dirty="0" err="1">
+                <a:solidFill>
+                  <a:srgbClr val="2B91AF"/>
+                </a:solidFill>
+                <a:latin typeface="Consolas" panose="020B0609020204030204" pitchFamily="49" charset="0"/>
+                <a:ea typeface="Calibri" panose="020F0502020204030204" pitchFamily="34" charset="0"/>
+                <a:cs typeface="Consolas" panose="020B0609020204030204" pitchFamily="49" charset="0"/>
+              </a:rPr>
+              <a:t>ValueType</a:t>
+            </a:r>
+            <a:r>
+              <a:rPr lang="en-US" sz="1400" dirty="0">
+                <a:solidFill>
+                  <a:srgbClr val="000000"/>
+                </a:solidFill>
+                <a:latin typeface="Consolas" panose="020B0609020204030204" pitchFamily="49" charset="0"/>
+                <a:ea typeface="Calibri" panose="020F0502020204030204" pitchFamily="34" charset="0"/>
+                <a:cs typeface="Consolas" panose="020B0609020204030204" pitchFamily="49" charset="0"/>
+              </a:rPr>
+              <a:t> &amp; Get() </a:t>
+            </a:r>
+            <a:r>
+              <a:rPr lang="en-US" sz="1400" dirty="0" err="1">
+                <a:solidFill>
+                  <a:srgbClr val="0000FF"/>
+                </a:solidFill>
+                <a:latin typeface="Consolas" panose="020B0609020204030204" pitchFamily="49" charset="0"/>
+                <a:ea typeface="Calibri" panose="020F0502020204030204" pitchFamily="34" charset="0"/>
+                <a:cs typeface="Consolas" panose="020B0609020204030204" pitchFamily="49" charset="0"/>
+              </a:rPr>
+              <a:t>const</a:t>
+            </a:r>
+            <a:r>
+              <a:rPr lang="en-US" sz="1400" dirty="0">
+                <a:solidFill>
+                  <a:srgbClr val="000000"/>
+                </a:solidFill>
+                <a:latin typeface="Consolas" panose="020B0609020204030204" pitchFamily="49" charset="0"/>
+                <a:ea typeface="Calibri" panose="020F0502020204030204" pitchFamily="34" charset="0"/>
+                <a:cs typeface="Consolas" panose="020B0609020204030204" pitchFamily="49" charset="0"/>
+              </a:rPr>
+              <a:t> </a:t>
+            </a:r>
+            <a:r>
+              <a:rPr lang="en-US" sz="1400" dirty="0">
+                <a:solidFill>
+                  <a:srgbClr val="0000FF"/>
+                </a:solidFill>
+                <a:latin typeface="Consolas" panose="020B0609020204030204" pitchFamily="49" charset="0"/>
+                <a:ea typeface="Calibri" panose="020F0502020204030204" pitchFamily="34" charset="0"/>
+                <a:cs typeface="Consolas" panose="020B0609020204030204" pitchFamily="49" charset="0"/>
+              </a:rPr>
+              <a:t>override</a:t>
             </a:r>
             <a:endParaRPr lang="ru-RU" sz="1400" dirty="0">
               <a:latin typeface="Consolas" panose="020B0609020204030204" pitchFamily="49" charset="0"/>
@@ -13845,62 +13918,7 @@
                 <a:ea typeface="Calibri" panose="020F0502020204030204" pitchFamily="34" charset="0"/>
                 <a:cs typeface="Consolas" panose="020B0609020204030204" pitchFamily="49" charset="0"/>
               </a:rPr>
-              <a:t>  </a:t>
-            </a:r>
-            <a:r>
-              <a:rPr lang="en-US" sz="1400" dirty="0" err="1">
-                <a:solidFill>
-                  <a:srgbClr val="2B91AF"/>
-                </a:solidFill>
-                <a:latin typeface="Consolas" panose="020B0609020204030204" pitchFamily="49" charset="0"/>
-                <a:ea typeface="Calibri" panose="020F0502020204030204" pitchFamily="34" charset="0"/>
-                <a:cs typeface="Consolas" panose="020B0609020204030204" pitchFamily="49" charset="0"/>
-              </a:rPr>
-              <a:t>ValueType</a:t>
-            </a:r>
-            <a:r>
-              <a:rPr lang="en-US" sz="1400" dirty="0">
-                <a:solidFill>
-                  <a:srgbClr val="000000"/>
-                </a:solidFill>
-                <a:latin typeface="Consolas" panose="020B0609020204030204" pitchFamily="49" charset="0"/>
-                <a:ea typeface="Calibri" panose="020F0502020204030204" pitchFamily="34" charset="0"/>
-                <a:cs typeface="Consolas" panose="020B0609020204030204" pitchFamily="49" charset="0"/>
-              </a:rPr>
-              <a:t> &amp; Get() </a:t>
-            </a:r>
-            <a:r>
-              <a:rPr lang="en-US" sz="1400" dirty="0" err="1">
-                <a:solidFill>
-                  <a:srgbClr val="0000FF"/>
-                </a:solidFill>
-                <a:latin typeface="Consolas" panose="020B0609020204030204" pitchFamily="49" charset="0"/>
-                <a:ea typeface="Calibri" panose="020F0502020204030204" pitchFamily="34" charset="0"/>
-                <a:cs typeface="Consolas" panose="020B0609020204030204" pitchFamily="49" charset="0"/>
-              </a:rPr>
-              <a:t>const</a:t>
-            </a:r>
-            <a:r>
-              <a:rPr lang="en-US" sz="1400" dirty="0">
-                <a:solidFill>
-                  <a:srgbClr val="000000"/>
-                </a:solidFill>
-                <a:latin typeface="Consolas" panose="020B0609020204030204" pitchFamily="49" charset="0"/>
-                <a:ea typeface="Calibri" panose="020F0502020204030204" pitchFamily="34" charset="0"/>
-                <a:cs typeface="Consolas" panose="020B0609020204030204" pitchFamily="49" charset="0"/>
-              </a:rPr>
-              <a:t> </a:t>
-            </a:r>
-            <a:r>
-              <a:rPr lang="en-US" sz="1400" dirty="0">
-                <a:solidFill>
-                  <a:srgbClr val="0000FF"/>
-                </a:solidFill>
-                <a:latin typeface="Consolas" panose="020B0609020204030204" pitchFamily="49" charset="0"/>
-                <a:ea typeface="Calibri" panose="020F0502020204030204" pitchFamily="34" charset="0"/>
-                <a:cs typeface="Consolas" panose="020B0609020204030204" pitchFamily="49" charset="0"/>
-              </a:rPr>
-              <a:t>override</a:t>
+              <a:t>  {</a:t>
             </a:r>
             <a:endParaRPr lang="ru-RU" sz="1400" dirty="0">
               <a:latin typeface="Consolas" panose="020B0609020204030204" pitchFamily="49" charset="0"/>
@@ -13923,7 +13941,51 @@
                 <a:ea typeface="Calibri" panose="020F0502020204030204" pitchFamily="34" charset="0"/>
                 <a:cs typeface="Consolas" panose="020B0609020204030204" pitchFamily="49" charset="0"/>
               </a:rPr>
-              <a:t>  {</a:t>
+              <a:t>    </a:t>
+            </a:r>
+            <a:r>
+              <a:rPr lang="en-US" sz="1400" dirty="0">
+                <a:solidFill>
+                  <a:srgbClr val="0000FF"/>
+                </a:solidFill>
+                <a:latin typeface="Consolas" panose="020B0609020204030204" pitchFamily="49" charset="0"/>
+                <a:ea typeface="Calibri" panose="020F0502020204030204" pitchFamily="34" charset="0"/>
+                <a:cs typeface="Consolas" panose="020B0609020204030204" pitchFamily="49" charset="0"/>
+              </a:rPr>
+              <a:t>return</a:t>
+            </a:r>
+            <a:r>
+              <a:rPr lang="en-US" sz="1400" dirty="0">
+                <a:solidFill>
+                  <a:srgbClr val="000000"/>
+                </a:solidFill>
+                <a:latin typeface="Consolas" panose="020B0609020204030204" pitchFamily="49" charset="0"/>
+                <a:ea typeface="Calibri" panose="020F0502020204030204" pitchFamily="34" charset="0"/>
+                <a:cs typeface="Consolas" panose="020B0609020204030204" pitchFamily="49" charset="0"/>
+              </a:rPr>
+              <a:t> *(</a:t>
+            </a:r>
+            <a:r>
+              <a:rPr lang="en-US" sz="1400" dirty="0" err="1">
+                <a:solidFill>
+                  <a:srgbClr val="000000"/>
+                </a:solidFill>
+                <a:latin typeface="Consolas" panose="020B0609020204030204" pitchFamily="49" charset="0"/>
+                <a:ea typeface="Calibri" panose="020F0502020204030204" pitchFamily="34" charset="0"/>
+                <a:cs typeface="Consolas" panose="020B0609020204030204" pitchFamily="49" charset="0"/>
+              </a:rPr>
+              <a:t>m_begin</a:t>
+            </a:r>
+            <a:r>
+              <a:rPr lang="en-US" sz="1400" dirty="0">
+                <a:solidFill>
+                  <a:srgbClr val="000000"/>
+                </a:solidFill>
+                <a:latin typeface="Consolas" panose="020B0609020204030204" pitchFamily="49" charset="0"/>
+                <a:ea typeface="Calibri" panose="020F0502020204030204" pitchFamily="34" charset="0"/>
+                <a:cs typeface="Consolas" panose="020B0609020204030204" pitchFamily="49" charset="0"/>
+              </a:rPr>
+              <a:t>-&gt;second);</a:t>
             </a:r>
             <a:endParaRPr lang="ru-RU" sz="1400" dirty="0">
               <a:latin typeface="Consolas" panose="020B0609020204030204" pitchFamily="49" charset="0"/>
@@ -13946,51 +14008,7 @@
                 <a:ea typeface="Calibri" panose="020F0502020204030204" pitchFamily="34" charset="0"/>
                 <a:cs typeface="Consolas" panose="020B0609020204030204" pitchFamily="49" charset="0"/>
               </a:rPr>
-              <a:t>    </a:t>
-            </a:r>
-            <a:r>
-              <a:rPr lang="en-US" sz="1400" dirty="0">
-                <a:solidFill>
-                  <a:srgbClr val="0000FF"/>
-                </a:solidFill>
-                <a:latin typeface="Consolas" panose="020B0609020204030204" pitchFamily="49" charset="0"/>
-                <a:ea typeface="Calibri" panose="020F0502020204030204" pitchFamily="34" charset="0"/>
-                <a:cs typeface="Consolas" panose="020B0609020204030204" pitchFamily="49" charset="0"/>
-              </a:rPr>
-              <a:t>return</a:t>
-            </a:r>
-            <a:r>
-              <a:rPr lang="en-US" sz="1400" dirty="0">
-                <a:solidFill>
-                  <a:srgbClr val="000000"/>
-                </a:solidFill>
-                <a:latin typeface="Consolas" panose="020B0609020204030204" pitchFamily="49" charset="0"/>
-                <a:ea typeface="Calibri" panose="020F0502020204030204" pitchFamily="34" charset="0"/>
-                <a:cs typeface="Consolas" panose="020B0609020204030204" pitchFamily="49" charset="0"/>
-              </a:rPr>
-              <a:t> *(</a:t>
-            </a:r>
-            <a:r>
-              <a:rPr lang="en-US" sz="1400" dirty="0" err="1">
-                <a:solidFill>
-                  <a:srgbClr val="000000"/>
-                </a:solidFill>
-                <a:latin typeface="Consolas" panose="020B0609020204030204" pitchFamily="49" charset="0"/>
-                <a:ea typeface="Calibri" panose="020F0502020204030204" pitchFamily="34" charset="0"/>
-                <a:cs typeface="Consolas" panose="020B0609020204030204" pitchFamily="49" charset="0"/>
-              </a:rPr>
-              <a:t>m_begin</a:t>
-            </a:r>
-            <a:r>
-              <a:rPr lang="en-US" sz="1400" dirty="0">
-                <a:solidFill>
-                  <a:srgbClr val="000000"/>
-                </a:solidFill>
-                <a:latin typeface="Consolas" panose="020B0609020204030204" pitchFamily="49" charset="0"/>
-                <a:ea typeface="Calibri" panose="020F0502020204030204" pitchFamily="34" charset="0"/>
-                <a:cs typeface="Consolas" panose="020B0609020204030204" pitchFamily="49" charset="0"/>
-              </a:rPr>
-              <a:t>-&gt;second);</a:t>
+              <a:t>  }</a:t>
             </a:r>
             <a:endParaRPr lang="ru-RU" sz="1400" dirty="0">
               <a:latin typeface="Consolas" panose="020B0609020204030204" pitchFamily="49" charset="0"/>
@@ -14013,7 +14031,7 @@
                 <a:ea typeface="Calibri" panose="020F0502020204030204" pitchFamily="34" charset="0"/>
                 <a:cs typeface="Consolas" panose="020B0609020204030204" pitchFamily="49" charset="0"/>
               </a:rPr>
-              <a:t>  }</a:t>
+              <a:t> </a:t>
             </a:r>
             <a:endParaRPr lang="ru-RU" sz="1400" dirty="0">
               <a:latin typeface="Consolas" panose="020B0609020204030204" pitchFamily="49" charset="0"/>
@@ -14036,7 +14054,40 @@
                 <a:ea typeface="Calibri" panose="020F0502020204030204" pitchFamily="34" charset="0"/>
                 <a:cs typeface="Consolas" panose="020B0609020204030204" pitchFamily="49" charset="0"/>
               </a:rPr>
-              <a:t> </a:t>
+              <a:t>  </a:t>
+            </a:r>
+            <a:r>
+              <a:rPr lang="en-US" sz="1400" dirty="0">
+                <a:solidFill>
+                  <a:srgbClr val="0000FF"/>
+                </a:solidFill>
+                <a:latin typeface="Consolas" panose="020B0609020204030204" pitchFamily="49" charset="0"/>
+                <a:ea typeface="Calibri" panose="020F0502020204030204" pitchFamily="34" charset="0"/>
+                <a:cs typeface="Consolas" panose="020B0609020204030204" pitchFamily="49" charset="0"/>
+              </a:rPr>
+              <a:t>void</a:t>
+            </a:r>
+            <a:r>
+              <a:rPr lang="en-US" sz="1400" dirty="0">
+                <a:solidFill>
+                  <a:srgbClr val="000000"/>
+                </a:solidFill>
+                <a:latin typeface="Consolas" panose="020B0609020204030204" pitchFamily="49" charset="0"/>
+                <a:ea typeface="Calibri" panose="020F0502020204030204" pitchFamily="34" charset="0"/>
+                <a:cs typeface="Consolas" panose="020B0609020204030204" pitchFamily="49" charset="0"/>
+              </a:rPr>
+              <a:t> Next() </a:t>
+            </a:r>
+            <a:r>
+              <a:rPr lang="en-US" sz="1400" dirty="0">
+                <a:solidFill>
+                  <a:srgbClr val="0000FF"/>
+                </a:solidFill>
+                <a:latin typeface="Consolas" panose="020B0609020204030204" pitchFamily="49" charset="0"/>
+                <a:ea typeface="Calibri" panose="020F0502020204030204" pitchFamily="34" charset="0"/>
+                <a:cs typeface="Consolas" panose="020B0609020204030204" pitchFamily="49" charset="0"/>
+              </a:rPr>
+              <a:t>override</a:t>
             </a:r>
             <a:endParaRPr lang="ru-RU" sz="1400" dirty="0">
               <a:latin typeface="Consolas" panose="020B0609020204030204" pitchFamily="49" charset="0"/>
@@ -14059,40 +14110,7 @@
                 <a:ea typeface="Calibri" panose="020F0502020204030204" pitchFamily="34" charset="0"/>
                 <a:cs typeface="Consolas" panose="020B0609020204030204" pitchFamily="49" charset="0"/>
               </a:rPr>
-              <a:t>  </a:t>
-            </a:r>
-            <a:r>
-              <a:rPr lang="en-US" sz="1400" dirty="0">
-                <a:solidFill>
-                  <a:srgbClr val="0000FF"/>
-                </a:solidFill>
-                <a:latin typeface="Consolas" panose="020B0609020204030204" pitchFamily="49" charset="0"/>
-                <a:ea typeface="Calibri" panose="020F0502020204030204" pitchFamily="34" charset="0"/>
-                <a:cs typeface="Consolas" panose="020B0609020204030204" pitchFamily="49" charset="0"/>
-              </a:rPr>
-              <a:t>void</a:t>
-            </a:r>
-            <a:r>
-              <a:rPr lang="en-US" sz="1400" dirty="0">
-                <a:solidFill>
-                  <a:srgbClr val="000000"/>
-                </a:solidFill>
-                <a:latin typeface="Consolas" panose="020B0609020204030204" pitchFamily="49" charset="0"/>
-                <a:ea typeface="Calibri" panose="020F0502020204030204" pitchFamily="34" charset="0"/>
-                <a:cs typeface="Consolas" panose="020B0609020204030204" pitchFamily="49" charset="0"/>
-              </a:rPr>
-              <a:t> Next() </a:t>
-            </a:r>
-            <a:r>
-              <a:rPr lang="en-US" sz="1400" dirty="0">
-                <a:solidFill>
-                  <a:srgbClr val="0000FF"/>
-                </a:solidFill>
-                <a:latin typeface="Consolas" panose="020B0609020204030204" pitchFamily="49" charset="0"/>
-                <a:ea typeface="Calibri" panose="020F0502020204030204" pitchFamily="34" charset="0"/>
-                <a:cs typeface="Consolas" panose="020B0609020204030204" pitchFamily="49" charset="0"/>
-              </a:rPr>
-              <a:t>override</a:t>
+              <a:t>  {</a:t>
             </a:r>
             <a:endParaRPr lang="ru-RU" sz="1400" dirty="0">
               <a:latin typeface="Consolas" panose="020B0609020204030204" pitchFamily="49" charset="0"/>
@@ -14115,7 +14133,29 @@
                 <a:ea typeface="Calibri" panose="020F0502020204030204" pitchFamily="34" charset="0"/>
                 <a:cs typeface="Consolas" panose="020B0609020204030204" pitchFamily="49" charset="0"/>
               </a:rPr>
-              <a:t>  {</a:t>
+              <a:t>    ++</a:t>
+            </a:r>
+            <a:r>
+              <a:rPr lang="en-US" sz="1400" dirty="0" err="1">
+                <a:solidFill>
+                  <a:srgbClr val="000000"/>
+                </a:solidFill>
+                <a:latin typeface="Consolas" panose="020B0609020204030204" pitchFamily="49" charset="0"/>
+                <a:ea typeface="Calibri" panose="020F0502020204030204" pitchFamily="34" charset="0"/>
+                <a:cs typeface="Consolas" panose="020B0609020204030204" pitchFamily="49" charset="0"/>
+              </a:rPr>
+              <a:t>m_begin</a:t>
+            </a:r>
+            <a:r>
+              <a:rPr lang="en-US" sz="1400" dirty="0">
+                <a:solidFill>
+                  <a:srgbClr val="000000"/>
+                </a:solidFill>
+                <a:latin typeface="Consolas" panose="020B0609020204030204" pitchFamily="49" charset="0"/>
+                <a:ea typeface="Calibri" panose="020F0502020204030204" pitchFamily="34" charset="0"/>
+                <a:cs typeface="Consolas" panose="020B0609020204030204" pitchFamily="49" charset="0"/>
+              </a:rPr>
+              <a:t>;</a:t>
             </a:r>
             <a:endParaRPr lang="ru-RU" sz="1400" dirty="0">
               <a:latin typeface="Consolas" panose="020B0609020204030204" pitchFamily="49" charset="0"/>
@@ -14138,29 +14178,7 @@
                 <a:ea typeface="Calibri" panose="020F0502020204030204" pitchFamily="34" charset="0"/>
                 <a:cs typeface="Consolas" panose="020B0609020204030204" pitchFamily="49" charset="0"/>
               </a:rPr>
-              <a:t>    ++</a:t>
-            </a:r>
-            <a:r>
-              <a:rPr lang="en-US" sz="1400" dirty="0" err="1">
-                <a:solidFill>
-                  <a:srgbClr val="000000"/>
-                </a:solidFill>
-                <a:latin typeface="Consolas" panose="020B0609020204030204" pitchFamily="49" charset="0"/>
-                <a:ea typeface="Calibri" panose="020F0502020204030204" pitchFamily="34" charset="0"/>
-                <a:cs typeface="Consolas" panose="020B0609020204030204" pitchFamily="49" charset="0"/>
-              </a:rPr>
-              <a:t>m_begin</a:t>
-            </a:r>
-            <a:r>
-              <a:rPr lang="en-US" sz="1400" dirty="0">
-                <a:solidFill>
-                  <a:srgbClr val="000000"/>
-                </a:solidFill>
-                <a:latin typeface="Consolas" panose="020B0609020204030204" pitchFamily="49" charset="0"/>
-                <a:ea typeface="Calibri" panose="020F0502020204030204" pitchFamily="34" charset="0"/>
-                <a:cs typeface="Consolas" panose="020B0609020204030204" pitchFamily="49" charset="0"/>
-              </a:rPr>
-              <a:t>;</a:t>
+              <a:t>  }</a:t>
             </a:r>
             <a:endParaRPr lang="ru-RU" sz="1400" dirty="0">
               <a:latin typeface="Consolas" panose="020B0609020204030204" pitchFamily="49" charset="0"/>
@@ -14183,7 +14201,7 @@
                 <a:ea typeface="Calibri" panose="020F0502020204030204" pitchFamily="34" charset="0"/>
                 <a:cs typeface="Consolas" panose="020B0609020204030204" pitchFamily="49" charset="0"/>
               </a:rPr>
-              <a:t>  }</a:t>
+              <a:t> </a:t>
             </a:r>
             <a:endParaRPr lang="ru-RU" sz="1400" dirty="0">
               <a:latin typeface="Consolas" panose="020B0609020204030204" pitchFamily="49" charset="0"/>
@@ -14206,20 +14224,19 @@
                 <a:ea typeface="Calibri" panose="020F0502020204030204" pitchFamily="34" charset="0"/>
                 <a:cs typeface="Consolas" panose="020B0609020204030204" pitchFamily="49" charset="0"/>
               </a:rPr>
-              <a:t> </a:t>
-            </a:r>
-            <a:endParaRPr lang="ru-RU" sz="1400" dirty="0">
-              <a:latin typeface="Consolas" panose="020B0609020204030204" pitchFamily="49" charset="0"/>
-              <a:ea typeface="Calibri" panose="020F0502020204030204" pitchFamily="34" charset="0"/>
-              <a:cs typeface="Consolas" panose="020B0609020204030204" pitchFamily="49" charset="0"/>
-            </a:endParaRPr>
-          </a:p>
-          <a:p>
-            <a:pPr>
-              <a:spcAft>
-                <a:spcPts val="0"/>
-              </a:spcAft>
-            </a:pPr>
+              <a:t>  </a:t>
+            </a:r>
+            <a:r>
+              <a:rPr lang="en-US" sz="1400" dirty="0" err="1">
+                <a:solidFill>
+                  <a:srgbClr val="2B91AF"/>
+                </a:solidFill>
+                <a:latin typeface="Consolas" panose="020B0609020204030204" pitchFamily="49" charset="0"/>
+                <a:ea typeface="Calibri" panose="020F0502020204030204" pitchFamily="34" charset="0"/>
+                <a:cs typeface="Consolas" panose="020B0609020204030204" pitchFamily="49" charset="0"/>
+              </a:rPr>
+              <a:t>unique_ptr</a:t>
+            </a:r>
             <a:r>
               <a:rPr lang="en-US" sz="1400" dirty="0">
                 <a:solidFill>
@@ -14229,7 +14246,7 @@
                 <a:ea typeface="Calibri" panose="020F0502020204030204" pitchFamily="34" charset="0"/>
                 <a:cs typeface="Consolas" panose="020B0609020204030204" pitchFamily="49" charset="0"/>
               </a:rPr>
-              <a:t>  </a:t>
+              <a:t>&lt;</a:t>
             </a:r>
             <a:r>
               <a:rPr lang="en-US" sz="1400" dirty="0" err="1">
@@ -14240,7 +14257,7 @@
                 <a:ea typeface="Calibri" panose="020F0502020204030204" pitchFamily="34" charset="0"/>
                 <a:cs typeface="Consolas" panose="020B0609020204030204" pitchFamily="49" charset="0"/>
               </a:rPr>
-              <a:t>unique_ptr</a:t>
+              <a:t>IIterator</a:t>
             </a:r>
             <a:r>
               <a:rPr lang="en-US" sz="1400" dirty="0">
@@ -14262,7 +14279,7 @@
                 <a:ea typeface="Calibri" panose="020F0502020204030204" pitchFamily="34" charset="0"/>
                 <a:cs typeface="Consolas" panose="020B0609020204030204" pitchFamily="49" charset="0"/>
               </a:rPr>
-              <a:t>IIterator</a:t>
+              <a:t>ValueType</a:t>
             </a:r>
             <a:r>
               <a:rPr lang="en-US" sz="1400" dirty="0">
@@ -14273,32 +14290,10 @@
                 <a:ea typeface="Calibri" panose="020F0502020204030204" pitchFamily="34" charset="0"/>
                 <a:cs typeface="Consolas" panose="020B0609020204030204" pitchFamily="49" charset="0"/>
               </a:rPr>
-              <a:t>&lt;</a:t>
-            </a:r>
-            <a:r>
-              <a:rPr lang="en-US" sz="1400" dirty="0" err="1">
-                <a:solidFill>
-                  <a:srgbClr val="2B91AF"/>
-                </a:solidFill>
-                <a:latin typeface="Consolas" panose="020B0609020204030204" pitchFamily="49" charset="0"/>
-                <a:ea typeface="Calibri" panose="020F0502020204030204" pitchFamily="34" charset="0"/>
-                <a:cs typeface="Consolas" panose="020B0609020204030204" pitchFamily="49" charset="0"/>
-              </a:rPr>
-              <a:t>ValueType</a:t>
+              <a:t>&gt;&gt; Clone() </a:t>
             </a:r>
             <a:r>
               <a:rPr lang="en-US" sz="1400" dirty="0">
-                <a:solidFill>
-                  <a:srgbClr val="000000"/>
-                </a:solidFill>
-                <a:latin typeface="Consolas" panose="020B0609020204030204" pitchFamily="49" charset="0"/>
-                <a:ea typeface="Calibri" panose="020F0502020204030204" pitchFamily="34" charset="0"/>
-                <a:cs typeface="Consolas" panose="020B0609020204030204" pitchFamily="49" charset="0"/>
-              </a:rPr>
-              <a:t>&gt;&gt; Clone() </a:t>
-            </a:r>
-            <a:r>
-              <a:rPr lang="en-US" sz="1400" dirty="0" err="1">
                 <a:solidFill>
                   <a:srgbClr val="0000FF"/>
                 </a:solidFill>

--- a/lectures/09.iterator/iterator.pptx
+++ b/lectures/09.iterator/iterator.pptx
@@ -5,7 +5,7 @@
     <p:sldMasterId id="2147483672" r:id="rId1"/>
   </p:sldMasterIdLst>
   <p:notesMasterIdLst>
-    <p:notesMasterId r:id="rId30"/>
+    <p:notesMasterId r:id="rId32"/>
   </p:notesMasterIdLst>
   <p:sldIdLst>
     <p:sldId id="256" r:id="rId2"/>
@@ -32,15 +32,17 @@
     <p:sldId id="279" r:id="rId23"/>
     <p:sldId id="280" r:id="rId24"/>
     <p:sldId id="281" r:id="rId25"/>
-    <p:sldId id="282" r:id="rId26"/>
-    <p:sldId id="283" r:id="rId27"/>
-    <p:sldId id="284" r:id="rId28"/>
-    <p:sldId id="285" r:id="rId29"/>
+    <p:sldId id="286" r:id="rId26"/>
+    <p:sldId id="282" r:id="rId27"/>
+    <p:sldId id="287" r:id="rId28"/>
+    <p:sldId id="283" r:id="rId29"/>
+    <p:sldId id="284" r:id="rId30"/>
+    <p:sldId id="285" r:id="rId31"/>
   </p:sldIdLst>
   <p:sldSz cx="9144000" cy="6858000" type="screen4x3"/>
   <p:notesSz cx="6858000" cy="9144000"/>
   <p:custDataLst>
-    <p:tags r:id="rId31"/>
+    <p:tags r:id="rId33"/>
   </p:custDataLst>
   <p:defaultTextStyle>
     <a:defPPr>
@@ -238,7 +240,7 @@
           <a:p>
             <a:fld id="{2F3DCB6D-0B48-4A3D-B663-06C3F903A9D3}" type="datetimeFigureOut">
               <a:rPr lang="ru-RU" smtClean="0"/>
-              <a:t>11.11.2021</a:t>
+              <a:t>20.10.2023</a:t>
             </a:fld>
             <a:endParaRPr lang="ru-RU"/>
           </a:p>
@@ -801,7 +803,60 @@
           <a:bodyPr/>
           <a:lstStyle/>
           <a:p>
-            <a:endParaRPr lang="ru-RU" dirty="0"/>
+            <a:r>
+              <a:rPr lang="ru-RU" dirty="0"/>
+              <a:t>Метод </a:t>
+            </a:r>
+            <a:r>
+              <a:rPr lang="en-US" dirty="0" err="1"/>
+              <a:t>HasNext</a:t>
+            </a:r>
+            <a:r>
+              <a:rPr lang="ru-RU" dirty="0"/>
+              <a:t> сообщает, можно ли обратиться к элементу</a:t>
+            </a:r>
+          </a:p>
+          <a:p>
+            <a:r>
+              <a:rPr lang="ru-RU" dirty="0"/>
+              <a:t>Метод </a:t>
+            </a:r>
+            <a:r>
+              <a:rPr lang="en-US" dirty="0"/>
+              <a:t>Get</a:t>
+            </a:r>
+            <a:r>
+              <a:rPr lang="ru-RU" dirty="0"/>
+              <a:t> предоставляет доступ к текущему значению</a:t>
+            </a:r>
+          </a:p>
+          <a:p>
+            <a:r>
+              <a:rPr lang="ru-RU" dirty="0"/>
+              <a:t>Метод </a:t>
+            </a:r>
+            <a:r>
+              <a:rPr lang="en-US" dirty="0"/>
+              <a:t>Next</a:t>
+            </a:r>
+            <a:r>
+              <a:rPr lang="ru-RU" dirty="0"/>
+              <a:t> переходит к следующему элементу</a:t>
+            </a:r>
+          </a:p>
+          <a:p>
+            <a:r>
+              <a:rPr lang="ru-RU" dirty="0"/>
+              <a:t>Метод </a:t>
+            </a:r>
+            <a:r>
+              <a:rPr lang="en-US" dirty="0"/>
+              <a:t>Clone</a:t>
+            </a:r>
+            <a:r>
+              <a:rPr lang="ru-RU" dirty="0"/>
+              <a:t> создаёт копию итератора, которая ссылается на этот же элемент</a:t>
+            </a:r>
           </a:p>
         </p:txBody>
       </p:sp>
@@ -832,6 +887,509 @@
     <p:extLst>
       <p:ext uri="{BB962C8B-B14F-4D97-AF65-F5344CB8AC3E}">
         <p14:creationId xmlns:p14="http://schemas.microsoft.com/office/powerpoint/2010/main" val="2143252663"/>
+      </p:ext>
+    </p:extLst>
+  </p:cSld>
+  <p:clrMapOvr>
+    <a:masterClrMapping/>
+  </p:clrMapOvr>
+</p:notes>
+</file>
+
+<file path=ppt/notesSlides/notesSlide5.xml><?xml version="1.0" encoding="utf-8"?>
+<p:notes xmlns:a="http://schemas.openxmlformats.org/drawingml/2006/main" xmlns:r="http://schemas.openxmlformats.org/officeDocument/2006/relationships" xmlns:p="http://schemas.openxmlformats.org/presentationml/2006/main">
+  <p:cSld>
+    <p:spTree>
+      <p:nvGrpSpPr>
+        <p:cNvPr id="1" name=""/>
+        <p:cNvGrpSpPr/>
+        <p:nvPr/>
+      </p:nvGrpSpPr>
+      <p:grpSpPr>
+        <a:xfrm>
+          <a:off x="0" y="0"/>
+          <a:ext cx="0" cy="0"/>
+          <a:chOff x="0" y="0"/>
+          <a:chExt cx="0" cy="0"/>
+        </a:xfrm>
+      </p:grpSpPr>
+      <p:sp>
+        <p:nvSpPr>
+          <p:cNvPr id="2" name="Slide Image Placeholder 1"/>
+          <p:cNvSpPr>
+            <a:spLocks noGrp="1" noRot="1" noChangeAspect="1"/>
+          </p:cNvSpPr>
+          <p:nvPr>
+            <p:ph type="sldImg"/>
+          </p:nvPr>
+        </p:nvSpPr>
+        <p:spPr/>
+      </p:sp>
+      <p:sp>
+        <p:nvSpPr>
+          <p:cNvPr id="3" name="Notes Placeholder 2"/>
+          <p:cNvSpPr>
+            <a:spLocks noGrp="1"/>
+          </p:cNvSpPr>
+          <p:nvPr>
+            <p:ph type="body" idx="1"/>
+          </p:nvPr>
+        </p:nvSpPr>
+        <p:spPr/>
+        <p:txBody>
+          <a:bodyPr/>
+          <a:lstStyle/>
+          <a:p>
+            <a:r>
+              <a:rPr lang="ru-RU" dirty="0"/>
+              <a:t>Сейчас </a:t>
+            </a:r>
+            <a:r>
+              <a:rPr lang="en-US" dirty="0" err="1"/>
+              <a:t>CLibrary</a:t>
+            </a:r>
+            <a:r>
+              <a:rPr lang="en-US" dirty="0"/>
+              <a:t> </a:t>
+            </a:r>
+            <a:r>
+              <a:rPr lang="ru-RU" dirty="0"/>
+              <a:t>и </a:t>
+            </a:r>
+            <a:r>
+              <a:rPr lang="en-US" dirty="0"/>
+              <a:t>Catalogue</a:t>
+            </a:r>
+            <a:r>
+              <a:rPr lang="ru-RU" dirty="0"/>
+              <a:t> предоставляют разные интерфейсы для доступа к своим элементам.</a:t>
+            </a:r>
+          </a:p>
+          <a:p>
+            <a:r>
+              <a:rPr lang="ru-RU" dirty="0"/>
+              <a:t>Введём интерфейс </a:t>
+            </a:r>
+            <a:r>
+              <a:rPr lang="en-US" dirty="0" err="1"/>
+              <a:t>IBooks</a:t>
+            </a:r>
+            <a:r>
+              <a:rPr lang="ru-RU" dirty="0"/>
+              <a:t>, возвращающий итератор.</a:t>
+            </a:r>
+          </a:p>
+          <a:p>
+            <a:r>
+              <a:rPr lang="ru-RU" dirty="0"/>
+              <a:t>И библиотека и каталог будут реализовывать этот интерфейс</a:t>
+            </a:r>
+          </a:p>
+        </p:txBody>
+      </p:sp>
+      <p:sp>
+        <p:nvSpPr>
+          <p:cNvPr id="4" name="Slide Number Placeholder 3"/>
+          <p:cNvSpPr>
+            <a:spLocks noGrp="1"/>
+          </p:cNvSpPr>
+          <p:nvPr>
+            <p:ph type="sldNum" sz="quarter" idx="5"/>
+          </p:nvPr>
+        </p:nvSpPr>
+        <p:spPr/>
+        <p:txBody>
+          <a:bodyPr/>
+          <a:lstStyle/>
+          <a:p>
+            <a:fld id="{C72A1285-F988-4153-B7C5-B887A867730D}" type="slidenum">
+              <a:rPr lang="ru-RU" smtClean="0"/>
+              <a:t>14</a:t>
+            </a:fld>
+            <a:endParaRPr lang="ru-RU"/>
+          </a:p>
+        </p:txBody>
+      </p:sp>
+    </p:spTree>
+    <p:extLst>
+      <p:ext uri="{BB962C8B-B14F-4D97-AF65-F5344CB8AC3E}">
+        <p14:creationId xmlns:p14="http://schemas.microsoft.com/office/powerpoint/2010/main" val="407896599"/>
+      </p:ext>
+    </p:extLst>
+  </p:cSld>
+  <p:clrMapOvr>
+    <a:masterClrMapping/>
+  </p:clrMapOvr>
+</p:notes>
+</file>
+
+<file path=ppt/notesSlides/notesSlide6.xml><?xml version="1.0" encoding="utf-8"?>
+<p:notes xmlns:a="http://schemas.openxmlformats.org/drawingml/2006/main" xmlns:r="http://schemas.openxmlformats.org/officeDocument/2006/relationships" xmlns:p="http://schemas.openxmlformats.org/presentationml/2006/main">
+  <p:cSld>
+    <p:spTree>
+      <p:nvGrpSpPr>
+        <p:cNvPr id="1" name=""/>
+        <p:cNvGrpSpPr/>
+        <p:nvPr/>
+      </p:nvGrpSpPr>
+      <p:grpSpPr>
+        <a:xfrm>
+          <a:off x="0" y="0"/>
+          <a:ext cx="0" cy="0"/>
+          <a:chOff x="0" y="0"/>
+          <a:chExt cx="0" cy="0"/>
+        </a:xfrm>
+      </p:grpSpPr>
+      <p:sp>
+        <p:nvSpPr>
+          <p:cNvPr id="2" name="Slide Image Placeholder 1"/>
+          <p:cNvSpPr>
+            <a:spLocks noGrp="1" noRot="1" noChangeAspect="1"/>
+          </p:cNvSpPr>
+          <p:nvPr>
+            <p:ph type="sldImg"/>
+          </p:nvPr>
+        </p:nvSpPr>
+        <p:spPr/>
+      </p:sp>
+      <p:sp>
+        <p:nvSpPr>
+          <p:cNvPr id="3" name="Notes Placeholder 2"/>
+          <p:cNvSpPr>
+            <a:spLocks noGrp="1"/>
+          </p:cNvSpPr>
+          <p:nvPr>
+            <p:ph type="body" idx="1"/>
+          </p:nvPr>
+        </p:nvSpPr>
+        <p:spPr/>
+        <p:txBody>
+          <a:bodyPr/>
+          <a:lstStyle/>
+          <a:p>
+            <a:r>
+              <a:rPr lang="ru-RU" dirty="0"/>
+              <a:t>Библиотека и Каталог устроены по-разному. Поэтому и возвращать они будут разные классы. Но так как эти классы реализуют один и тот же интерфейс, клиент сможет работать с обеими коллекциями одинаково.</a:t>
+            </a:r>
+          </a:p>
+        </p:txBody>
+      </p:sp>
+      <p:sp>
+        <p:nvSpPr>
+          <p:cNvPr id="4" name="Slide Number Placeholder 3"/>
+          <p:cNvSpPr>
+            <a:spLocks noGrp="1"/>
+          </p:cNvSpPr>
+          <p:nvPr>
+            <p:ph type="sldNum" sz="quarter" idx="5"/>
+          </p:nvPr>
+        </p:nvSpPr>
+        <p:spPr/>
+        <p:txBody>
+          <a:bodyPr/>
+          <a:lstStyle/>
+          <a:p>
+            <a:fld id="{C72A1285-F988-4153-B7C5-B887A867730D}" type="slidenum">
+              <a:rPr lang="ru-RU" smtClean="0"/>
+              <a:t>15</a:t>
+            </a:fld>
+            <a:endParaRPr lang="ru-RU"/>
+          </a:p>
+        </p:txBody>
+      </p:sp>
+    </p:spTree>
+    <p:extLst>
+      <p:ext uri="{BB962C8B-B14F-4D97-AF65-F5344CB8AC3E}">
+        <p14:creationId xmlns:p14="http://schemas.microsoft.com/office/powerpoint/2010/main" val="4238896470"/>
+      </p:ext>
+    </p:extLst>
+  </p:cSld>
+  <p:clrMapOvr>
+    <a:masterClrMapping/>
+  </p:clrMapOvr>
+</p:notes>
+</file>
+
+<file path=ppt/notesSlides/notesSlide7.xml><?xml version="1.0" encoding="utf-8"?>
+<p:notes xmlns:a="http://schemas.openxmlformats.org/drawingml/2006/main" xmlns:r="http://schemas.openxmlformats.org/officeDocument/2006/relationships" xmlns:p="http://schemas.openxmlformats.org/presentationml/2006/main">
+  <p:cSld>
+    <p:spTree>
+      <p:nvGrpSpPr>
+        <p:cNvPr id="1" name=""/>
+        <p:cNvGrpSpPr/>
+        <p:nvPr/>
+      </p:nvGrpSpPr>
+      <p:grpSpPr>
+        <a:xfrm>
+          <a:off x="0" y="0"/>
+          <a:ext cx="0" cy="0"/>
+          <a:chOff x="0" y="0"/>
+          <a:chExt cx="0" cy="0"/>
+        </a:xfrm>
+      </p:grpSpPr>
+      <p:sp>
+        <p:nvSpPr>
+          <p:cNvPr id="2" name="Slide Image Placeholder 1"/>
+          <p:cNvSpPr>
+            <a:spLocks noGrp="1" noRot="1" noChangeAspect="1"/>
+          </p:cNvSpPr>
+          <p:nvPr>
+            <p:ph type="sldImg"/>
+          </p:nvPr>
+        </p:nvSpPr>
+        <p:spPr/>
+      </p:sp>
+      <p:sp>
+        <p:nvSpPr>
+          <p:cNvPr id="3" name="Notes Placeholder 2"/>
+          <p:cNvSpPr>
+            <a:spLocks noGrp="1"/>
+          </p:cNvSpPr>
+          <p:nvPr>
+            <p:ph type="body" idx="1"/>
+          </p:nvPr>
+        </p:nvSpPr>
+        <p:spPr/>
+        <p:txBody>
+          <a:bodyPr/>
+          <a:lstStyle/>
+          <a:p>
+            <a:r>
+              <a:rPr lang="ru-RU" dirty="0"/>
+              <a:t>Теперь выводить книги из каталога и из библиотеки можно одинаково.</a:t>
+            </a:r>
+          </a:p>
+        </p:txBody>
+      </p:sp>
+      <p:sp>
+        <p:nvSpPr>
+          <p:cNvPr id="4" name="Slide Number Placeholder 3"/>
+          <p:cNvSpPr>
+            <a:spLocks noGrp="1"/>
+          </p:cNvSpPr>
+          <p:nvPr>
+            <p:ph type="sldNum" sz="quarter" idx="5"/>
+          </p:nvPr>
+        </p:nvSpPr>
+        <p:spPr/>
+        <p:txBody>
+          <a:bodyPr/>
+          <a:lstStyle/>
+          <a:p>
+            <a:fld id="{C72A1285-F988-4153-B7C5-B887A867730D}" type="slidenum">
+              <a:rPr lang="ru-RU" smtClean="0"/>
+              <a:t>19</a:t>
+            </a:fld>
+            <a:endParaRPr lang="ru-RU"/>
+          </a:p>
+        </p:txBody>
+      </p:sp>
+    </p:spTree>
+    <p:extLst>
+      <p:ext uri="{BB962C8B-B14F-4D97-AF65-F5344CB8AC3E}">
+        <p14:creationId xmlns:p14="http://schemas.microsoft.com/office/powerpoint/2010/main" val="4209428298"/>
+      </p:ext>
+    </p:extLst>
+  </p:cSld>
+  <p:clrMapOvr>
+    <a:masterClrMapping/>
+  </p:clrMapOvr>
+</p:notes>
+</file>
+
+<file path=ppt/notesSlides/notesSlide8.xml><?xml version="1.0" encoding="utf-8"?>
+<p:notes xmlns:a="http://schemas.openxmlformats.org/drawingml/2006/main" xmlns:r="http://schemas.openxmlformats.org/officeDocument/2006/relationships" xmlns:p="http://schemas.openxmlformats.org/presentationml/2006/main">
+  <p:cSld>
+    <p:spTree>
+      <p:nvGrpSpPr>
+        <p:cNvPr id="1" name=""/>
+        <p:cNvGrpSpPr/>
+        <p:nvPr/>
+      </p:nvGrpSpPr>
+      <p:grpSpPr>
+        <a:xfrm>
+          <a:off x="0" y="0"/>
+          <a:ext cx="0" cy="0"/>
+          <a:chOff x="0" y="0"/>
+          <a:chExt cx="0" cy="0"/>
+        </a:xfrm>
+      </p:grpSpPr>
+      <p:sp>
+        <p:nvSpPr>
+          <p:cNvPr id="2" name="Slide Image Placeholder 1"/>
+          <p:cNvSpPr>
+            <a:spLocks noGrp="1" noRot="1" noChangeAspect="1"/>
+          </p:cNvSpPr>
+          <p:nvPr>
+            <p:ph type="sldImg"/>
+          </p:nvPr>
+        </p:nvSpPr>
+        <p:spPr/>
+      </p:sp>
+      <p:sp>
+        <p:nvSpPr>
+          <p:cNvPr id="3" name="Notes Placeholder 2"/>
+          <p:cNvSpPr>
+            <a:spLocks noGrp="1"/>
+          </p:cNvSpPr>
+          <p:nvPr>
+            <p:ph type="body" idx="1"/>
+          </p:nvPr>
+        </p:nvSpPr>
+        <p:spPr/>
+        <p:txBody>
+          <a:bodyPr/>
+          <a:lstStyle/>
+          <a:p>
+            <a:r>
+              <a:rPr lang="ru-RU" dirty="0"/>
+              <a:t>Интерфейс итератор был </a:t>
+            </a:r>
+            <a:r>
+              <a:rPr lang="ru-RU" dirty="0" err="1"/>
+              <a:t>некопируемым</a:t>
+            </a:r>
+            <a:r>
+              <a:rPr lang="ru-RU" dirty="0"/>
+              <a:t> из-за </a:t>
+            </a:r>
+            <a:r>
+              <a:rPr lang="en-US" dirty="0" err="1"/>
+              <a:t>unique_ptr</a:t>
+            </a:r>
+            <a:r>
+              <a:rPr lang="en-US" dirty="0"/>
+              <a:t>.</a:t>
+            </a:r>
+            <a:endParaRPr lang="ru-RU" dirty="0"/>
+          </a:p>
+          <a:p>
+            <a:r>
+              <a:rPr lang="ru-RU" dirty="0"/>
+              <a:t>Обернём его в </a:t>
+            </a:r>
+            <a:r>
+              <a:rPr lang="en-US" dirty="0" err="1"/>
+              <a:t>CIteratorWrapper</a:t>
+            </a:r>
+            <a:r>
+              <a:rPr lang="ru-RU" dirty="0"/>
+              <a:t>.</a:t>
+            </a:r>
+          </a:p>
+        </p:txBody>
+      </p:sp>
+      <p:sp>
+        <p:nvSpPr>
+          <p:cNvPr id="4" name="Slide Number Placeholder 3"/>
+          <p:cNvSpPr>
+            <a:spLocks noGrp="1"/>
+          </p:cNvSpPr>
+          <p:nvPr>
+            <p:ph type="sldNum" sz="quarter" idx="5"/>
+          </p:nvPr>
+        </p:nvSpPr>
+        <p:spPr/>
+        <p:txBody>
+          <a:bodyPr/>
+          <a:lstStyle/>
+          <a:p>
+            <a:fld id="{C72A1285-F988-4153-B7C5-B887A867730D}" type="slidenum">
+              <a:rPr lang="ru-RU" smtClean="0"/>
+              <a:t>20</a:t>
+            </a:fld>
+            <a:endParaRPr lang="ru-RU"/>
+          </a:p>
+        </p:txBody>
+      </p:sp>
+    </p:spTree>
+    <p:extLst>
+      <p:ext uri="{BB962C8B-B14F-4D97-AF65-F5344CB8AC3E}">
+        <p14:creationId xmlns:p14="http://schemas.microsoft.com/office/powerpoint/2010/main" val="3590237462"/>
+      </p:ext>
+    </p:extLst>
+  </p:cSld>
+  <p:clrMapOvr>
+    <a:masterClrMapping/>
+  </p:clrMapOvr>
+</p:notes>
+</file>
+
+<file path=ppt/notesSlides/notesSlide9.xml><?xml version="1.0" encoding="utf-8"?>
+<p:notes xmlns:a="http://schemas.openxmlformats.org/drawingml/2006/main" xmlns:r="http://schemas.openxmlformats.org/officeDocument/2006/relationships" xmlns:p="http://schemas.openxmlformats.org/presentationml/2006/main">
+  <p:cSld>
+    <p:spTree>
+      <p:nvGrpSpPr>
+        <p:cNvPr id="1" name=""/>
+        <p:cNvGrpSpPr/>
+        <p:nvPr/>
+      </p:nvGrpSpPr>
+      <p:grpSpPr>
+        <a:xfrm>
+          <a:off x="0" y="0"/>
+          <a:ext cx="0" cy="0"/>
+          <a:chOff x="0" y="0"/>
+          <a:chExt cx="0" cy="0"/>
+        </a:xfrm>
+      </p:grpSpPr>
+      <p:sp>
+        <p:nvSpPr>
+          <p:cNvPr id="2" name="Slide Image Placeholder 1"/>
+          <p:cNvSpPr>
+            <a:spLocks noGrp="1" noRot="1" noChangeAspect="1"/>
+          </p:cNvSpPr>
+          <p:nvPr>
+            <p:ph type="sldImg"/>
+          </p:nvPr>
+        </p:nvSpPr>
+        <p:spPr/>
+      </p:sp>
+      <p:sp>
+        <p:nvSpPr>
+          <p:cNvPr id="3" name="Notes Placeholder 2"/>
+          <p:cNvSpPr>
+            <a:spLocks noGrp="1"/>
+          </p:cNvSpPr>
+          <p:nvPr>
+            <p:ph type="body" idx="1"/>
+          </p:nvPr>
+        </p:nvSpPr>
+        <p:spPr/>
+        <p:txBody>
+          <a:bodyPr/>
+          <a:lstStyle/>
+          <a:p>
+            <a:endParaRPr lang="ru-RU" dirty="0"/>
+          </a:p>
+        </p:txBody>
+      </p:sp>
+      <p:sp>
+        <p:nvSpPr>
+          <p:cNvPr id="4" name="Slide Number Placeholder 3"/>
+          <p:cNvSpPr>
+            <a:spLocks noGrp="1"/>
+          </p:cNvSpPr>
+          <p:nvPr>
+            <p:ph type="sldNum" sz="quarter" idx="5"/>
+          </p:nvPr>
+        </p:nvSpPr>
+        <p:spPr/>
+        <p:txBody>
+          <a:bodyPr/>
+          <a:lstStyle/>
+          <a:p>
+            <a:fld id="{C72A1285-F988-4153-B7C5-B887A867730D}" type="slidenum">
+              <a:rPr lang="ru-RU" smtClean="0"/>
+              <a:t>21</a:t>
+            </a:fld>
+            <a:endParaRPr lang="ru-RU"/>
+          </a:p>
+        </p:txBody>
+      </p:sp>
+    </p:spTree>
+    <p:extLst>
+      <p:ext uri="{BB962C8B-B14F-4D97-AF65-F5344CB8AC3E}">
+        <p14:creationId xmlns:p14="http://schemas.microsoft.com/office/powerpoint/2010/main" val="1036652648"/>
       </p:ext>
     </p:extLst>
   </p:cSld>
@@ -1087,7 +1645,7 @@
           <a:p>
             <a:fld id="{2590F9C9-AB92-4E86-B698-DEC9BF4350FF}" type="datetimeFigureOut">
               <a:rPr lang="ru-RU" smtClean="0"/>
-              <a:t>11.11.2021</a:t>
+              <a:t>20.10.2023</a:t>
             </a:fld>
             <a:endParaRPr lang="ru-RU"/>
           </a:p>
@@ -1304,7 +1862,7 @@
           <a:p>
             <a:fld id="{2590F9C9-AB92-4E86-B698-DEC9BF4350FF}" type="datetimeFigureOut">
               <a:rPr lang="ru-RU" smtClean="0"/>
-              <a:t>11.11.2021</a:t>
+              <a:t>20.10.2023</a:t>
             </a:fld>
             <a:endParaRPr lang="ru-RU"/>
           </a:p>
@@ -1576,7 +2134,7 @@
           <a:p>
             <a:fld id="{2590F9C9-AB92-4E86-B698-DEC9BF4350FF}" type="datetimeFigureOut">
               <a:rPr lang="ru-RU" smtClean="0"/>
-              <a:t>11.11.2021</a:t>
+              <a:t>20.10.2023</a:t>
             </a:fld>
             <a:endParaRPr lang="ru-RU"/>
           </a:p>
@@ -1751,7 +2309,7 @@
           <a:p>
             <a:fld id="{2590F9C9-AB92-4E86-B698-DEC9BF4350FF}" type="datetimeFigureOut">
               <a:rPr lang="ru-RU" smtClean="0"/>
-              <a:t>11.11.2021</a:t>
+              <a:t>20.10.2023</a:t>
             </a:fld>
             <a:endParaRPr lang="ru-RU"/>
           </a:p>
@@ -2105,7 +2663,7 @@
           <a:p>
             <a:fld id="{2590F9C9-AB92-4E86-B698-DEC9BF4350FF}" type="datetimeFigureOut">
               <a:rPr lang="ru-RU" smtClean="0"/>
-              <a:t>11.11.2021</a:t>
+              <a:t>20.10.2023</a:t>
             </a:fld>
             <a:endParaRPr lang="ru-RU"/>
           </a:p>
@@ -2390,7 +2948,7 @@
           <a:p>
             <a:fld id="{2590F9C9-AB92-4E86-B698-DEC9BF4350FF}" type="datetimeFigureOut">
               <a:rPr lang="ru-RU" smtClean="0"/>
-              <a:t>11.11.2021</a:t>
+              <a:t>20.10.2023</a:t>
             </a:fld>
             <a:endParaRPr lang="ru-RU"/>
           </a:p>
@@ -2812,7 +3370,7 @@
           <a:p>
             <a:fld id="{2590F9C9-AB92-4E86-B698-DEC9BF4350FF}" type="datetimeFigureOut">
               <a:rPr lang="ru-RU" smtClean="0"/>
-              <a:t>11.11.2021</a:t>
+              <a:t>20.10.2023</a:t>
             </a:fld>
             <a:endParaRPr lang="ru-RU"/>
           </a:p>
@@ -2925,7 +3483,7 @@
           <a:p>
             <a:fld id="{2590F9C9-AB92-4E86-B698-DEC9BF4350FF}" type="datetimeFigureOut">
               <a:rPr lang="ru-RU" smtClean="0"/>
-              <a:t>11.11.2021</a:t>
+              <a:t>20.10.2023</a:t>
             </a:fld>
             <a:endParaRPr lang="ru-RU"/>
           </a:p>
@@ -3015,7 +3573,7 @@
           <a:p>
             <a:fld id="{2590F9C9-AB92-4E86-B698-DEC9BF4350FF}" type="datetimeFigureOut">
               <a:rPr lang="ru-RU" smtClean="0"/>
-              <a:t>11.11.2021</a:t>
+              <a:t>20.10.2023</a:t>
             </a:fld>
             <a:endParaRPr lang="ru-RU"/>
           </a:p>
@@ -3293,7 +3851,7 @@
           <a:p>
             <a:fld id="{2590F9C9-AB92-4E86-B698-DEC9BF4350FF}" type="datetimeFigureOut">
               <a:rPr lang="ru-RU" smtClean="0"/>
-              <a:t>11.11.2021</a:t>
+              <a:t>20.10.2023</a:t>
             </a:fld>
             <a:endParaRPr lang="ru-RU"/>
           </a:p>
@@ -3655,7 +4213,7 @@
           <a:p>
             <a:fld id="{2590F9C9-AB92-4E86-B698-DEC9BF4350FF}" type="datetimeFigureOut">
               <a:rPr lang="ru-RU" smtClean="0"/>
-              <a:t>11.11.2021</a:t>
+              <a:t>20.10.2023</a:t>
             </a:fld>
             <a:endParaRPr lang="ru-RU"/>
           </a:p>
@@ -4080,7 +4638,7 @@
           <a:p>
             <a:fld id="{2590F9C9-AB92-4E86-B698-DEC9BF4350FF}" type="datetimeFigureOut">
               <a:rPr lang="ru-RU" smtClean="0"/>
-              <a:t>11.11.2021</a:t>
+              <a:t>20.10.2023</a:t>
             </a:fld>
             <a:endParaRPr lang="ru-RU"/>
           </a:p>
@@ -5019,7 +5577,7 @@
         <p:spPr/>
         <p:txBody>
           <a:bodyPr>
-            <a:normAutofit lnSpcReduction="10000"/>
+            <a:normAutofit/>
           </a:bodyPr>
           <a:lstStyle/>
           <a:p>
@@ -5077,7 +5635,7 @@
           <a:p>
             <a:r>
               <a:rPr lang="ru-RU" dirty="0"/>
-              <a:t>Нужен механизм, позволяющий реализовать единый интерфейс для коллекций и избавиться от дублирования кода при переборе элементов</a:t>
+              <a:t>Нужен сделать единый интерфейс для перебора элементов коллекций</a:t>
             </a:r>
           </a:p>
         </p:txBody>
@@ -8203,6 +8761,280 @@
   <p:clrMapOvr>
     <a:masterClrMapping/>
   </p:clrMapOvr>
+  <p:timing>
+    <p:tnLst>
+      <p:par>
+        <p:cTn id="1" dur="indefinite" restart="never" nodeType="tmRoot">
+          <p:childTnLst>
+            <p:seq concurrent="1" nextAc="seek">
+              <p:cTn id="2" dur="indefinite" nodeType="mainSeq">
+                <p:childTnLst>
+                  <p:par>
+                    <p:cTn id="3" fill="hold">
+                      <p:stCondLst>
+                        <p:cond delay="indefinite"/>
+                      </p:stCondLst>
+                      <p:childTnLst>
+                        <p:par>
+                          <p:cTn id="4" fill="hold">
+                            <p:stCondLst>
+                              <p:cond delay="0"/>
+                            </p:stCondLst>
+                            <p:childTnLst>
+                              <p:par>
+                                <p:cTn id="5" presetID="10" presetClass="entr" presetSubtype="0" fill="hold" nodeType="clickEffect">
+                                  <p:stCondLst>
+                                    <p:cond delay="0"/>
+                                  </p:stCondLst>
+                                  <p:childTnLst>
+                                    <p:set>
+                                      <p:cBhvr>
+                                        <p:cTn id="6" dur="1" fill="hold">
+                                          <p:stCondLst>
+                                            <p:cond delay="0"/>
+                                          </p:stCondLst>
+                                        </p:cTn>
+                                        <p:tgtEl>
+                                          <p:spTgt spid="4">
+                                            <p:txEl>
+                                              <p:pRg st="6" end="6"/>
+                                            </p:txEl>
+                                          </p:spTgt>
+                                        </p:tgtEl>
+                                        <p:attrNameLst>
+                                          <p:attrName>style.visibility</p:attrName>
+                                        </p:attrNameLst>
+                                      </p:cBhvr>
+                                      <p:to>
+                                        <p:strVal val="visible"/>
+                                      </p:to>
+                                    </p:set>
+                                    <p:animEffect transition="in" filter="fade">
+                                      <p:cBhvr>
+                                        <p:cTn id="7" dur="500"/>
+                                        <p:tgtEl>
+                                          <p:spTgt spid="4">
+                                            <p:txEl>
+                                              <p:pRg st="6" end="6"/>
+                                            </p:txEl>
+                                          </p:spTgt>
+                                        </p:tgtEl>
+                                      </p:cBhvr>
+                                    </p:animEffect>
+                                  </p:childTnLst>
+                                </p:cTn>
+                              </p:par>
+                            </p:childTnLst>
+                          </p:cTn>
+                        </p:par>
+                      </p:childTnLst>
+                    </p:cTn>
+                  </p:par>
+                  <p:par>
+                    <p:cTn id="8" fill="hold">
+                      <p:stCondLst>
+                        <p:cond delay="indefinite"/>
+                      </p:stCondLst>
+                      <p:childTnLst>
+                        <p:par>
+                          <p:cTn id="9" fill="hold">
+                            <p:stCondLst>
+                              <p:cond delay="0"/>
+                            </p:stCondLst>
+                            <p:childTnLst>
+                              <p:par>
+                                <p:cTn id="10" presetID="10" presetClass="entr" presetSubtype="0" fill="hold" nodeType="clickEffect">
+                                  <p:stCondLst>
+                                    <p:cond delay="0"/>
+                                  </p:stCondLst>
+                                  <p:childTnLst>
+                                    <p:set>
+                                      <p:cBhvr>
+                                        <p:cTn id="11" dur="1" fill="hold">
+                                          <p:stCondLst>
+                                            <p:cond delay="0"/>
+                                          </p:stCondLst>
+                                        </p:cTn>
+                                        <p:tgtEl>
+                                          <p:spTgt spid="4">
+                                            <p:txEl>
+                                              <p:pRg st="7" end="7"/>
+                                            </p:txEl>
+                                          </p:spTgt>
+                                        </p:tgtEl>
+                                        <p:attrNameLst>
+                                          <p:attrName>style.visibility</p:attrName>
+                                        </p:attrNameLst>
+                                      </p:cBhvr>
+                                      <p:to>
+                                        <p:strVal val="visible"/>
+                                      </p:to>
+                                    </p:set>
+                                    <p:animEffect transition="in" filter="fade">
+                                      <p:cBhvr>
+                                        <p:cTn id="12" dur="500"/>
+                                        <p:tgtEl>
+                                          <p:spTgt spid="4">
+                                            <p:txEl>
+                                              <p:pRg st="7" end="7"/>
+                                            </p:txEl>
+                                          </p:spTgt>
+                                        </p:tgtEl>
+                                      </p:cBhvr>
+                                    </p:animEffect>
+                                  </p:childTnLst>
+                                </p:cTn>
+                              </p:par>
+                            </p:childTnLst>
+                          </p:cTn>
+                        </p:par>
+                      </p:childTnLst>
+                    </p:cTn>
+                  </p:par>
+                  <p:par>
+                    <p:cTn id="13" fill="hold">
+                      <p:stCondLst>
+                        <p:cond delay="indefinite"/>
+                      </p:stCondLst>
+                      <p:childTnLst>
+                        <p:par>
+                          <p:cTn id="14" fill="hold">
+                            <p:stCondLst>
+                              <p:cond delay="0"/>
+                            </p:stCondLst>
+                            <p:childTnLst>
+                              <p:par>
+                                <p:cTn id="15" presetID="10" presetClass="entr" presetSubtype="0" fill="hold" nodeType="clickEffect">
+                                  <p:stCondLst>
+                                    <p:cond delay="0"/>
+                                  </p:stCondLst>
+                                  <p:childTnLst>
+                                    <p:set>
+                                      <p:cBhvr>
+                                        <p:cTn id="16" dur="1" fill="hold">
+                                          <p:stCondLst>
+                                            <p:cond delay="0"/>
+                                          </p:stCondLst>
+                                        </p:cTn>
+                                        <p:tgtEl>
+                                          <p:spTgt spid="4">
+                                            <p:txEl>
+                                              <p:pRg st="8" end="8"/>
+                                            </p:txEl>
+                                          </p:spTgt>
+                                        </p:tgtEl>
+                                        <p:attrNameLst>
+                                          <p:attrName>style.visibility</p:attrName>
+                                        </p:attrNameLst>
+                                      </p:cBhvr>
+                                      <p:to>
+                                        <p:strVal val="visible"/>
+                                      </p:to>
+                                    </p:set>
+                                    <p:animEffect transition="in" filter="fade">
+                                      <p:cBhvr>
+                                        <p:cTn id="17" dur="500"/>
+                                        <p:tgtEl>
+                                          <p:spTgt spid="4">
+                                            <p:txEl>
+                                              <p:pRg st="8" end="8"/>
+                                            </p:txEl>
+                                          </p:spTgt>
+                                        </p:tgtEl>
+                                      </p:cBhvr>
+                                    </p:animEffect>
+                                  </p:childTnLst>
+                                </p:cTn>
+                              </p:par>
+                            </p:childTnLst>
+                          </p:cTn>
+                        </p:par>
+                      </p:childTnLst>
+                    </p:cTn>
+                  </p:par>
+                  <p:par>
+                    <p:cTn id="18" fill="hold">
+                      <p:stCondLst>
+                        <p:cond delay="indefinite"/>
+                      </p:stCondLst>
+                      <p:childTnLst>
+                        <p:par>
+                          <p:cTn id="19" fill="hold">
+                            <p:stCondLst>
+                              <p:cond delay="0"/>
+                            </p:stCondLst>
+                            <p:childTnLst>
+                              <p:par>
+                                <p:cTn id="20" presetID="10" presetClass="entr" presetSubtype="0" fill="hold" nodeType="clickEffect">
+                                  <p:stCondLst>
+                                    <p:cond delay="0"/>
+                                  </p:stCondLst>
+                                  <p:childTnLst>
+                                    <p:set>
+                                      <p:cBhvr>
+                                        <p:cTn id="21" dur="1" fill="hold">
+                                          <p:stCondLst>
+                                            <p:cond delay="0"/>
+                                          </p:stCondLst>
+                                        </p:cTn>
+                                        <p:tgtEl>
+                                          <p:spTgt spid="4">
+                                            <p:txEl>
+                                              <p:pRg st="10" end="10"/>
+                                            </p:txEl>
+                                          </p:spTgt>
+                                        </p:tgtEl>
+                                        <p:attrNameLst>
+                                          <p:attrName>style.visibility</p:attrName>
+                                        </p:attrNameLst>
+                                      </p:cBhvr>
+                                      <p:to>
+                                        <p:strVal val="visible"/>
+                                      </p:to>
+                                    </p:set>
+                                    <p:animEffect transition="in" filter="fade">
+                                      <p:cBhvr>
+                                        <p:cTn id="22" dur="500"/>
+                                        <p:tgtEl>
+                                          <p:spTgt spid="4">
+                                            <p:txEl>
+                                              <p:pRg st="10" end="10"/>
+                                            </p:txEl>
+                                          </p:spTgt>
+                                        </p:tgtEl>
+                                      </p:cBhvr>
+                                    </p:animEffect>
+                                  </p:childTnLst>
+                                </p:cTn>
+                              </p:par>
+                            </p:childTnLst>
+                          </p:cTn>
+                        </p:par>
+                      </p:childTnLst>
+                    </p:cTn>
+                  </p:par>
+                </p:childTnLst>
+              </p:cTn>
+              <p:prevCondLst>
+                <p:cond evt="onPrev" delay="0">
+                  <p:tgtEl>
+                    <p:sldTgt/>
+                  </p:tgtEl>
+                </p:cond>
+              </p:prevCondLst>
+              <p:nextCondLst>
+                <p:cond evt="onNext" delay="0">
+                  <p:tgtEl>
+                    <p:sldTgt/>
+                  </p:tgtEl>
+                </p:cond>
+              </p:nextCondLst>
+            </p:seq>
+          </p:childTnLst>
+        </p:cTn>
+      </p:par>
+    </p:tnLst>
+  </p:timing>
 </p:sld>
 </file>
 
@@ -10122,7 +10954,7 @@
           <p:nvPr/>
         </p:nvPicPr>
         <p:blipFill>
-          <a:blip r:embed="rId2"/>
+          <a:blip r:embed="rId3"/>
           <a:stretch>
             <a:fillRect/>
           </a:stretch>
@@ -23823,12 +24655,14 @@
         </p:nvSpPr>
         <p:spPr/>
         <p:txBody>
-          <a:bodyPr/>
+          <a:bodyPr>
+            <a:normAutofit fontScale="90000"/>
+          </a:bodyPr>
           <a:lstStyle/>
           <a:p>
             <a:r>
               <a:rPr lang="ru-RU" dirty="0"/>
-              <a:t>Еще один способ вывода книг</a:t>
+              <a:t>Теперь итератор можно копировать</a:t>
             </a:r>
           </a:p>
         </p:txBody>
@@ -24400,6 +25234,42 @@
           <a:chExt cx="0" cy="0"/>
         </a:xfrm>
       </p:grpSpPr>
+      <p:pic>
+        <p:nvPicPr>
+          <p:cNvPr id="3" name="Picture 2">
+            <a:extLst>
+              <a:ext uri="{FF2B5EF4-FFF2-40B4-BE49-F238E27FC236}">
+                <a16:creationId xmlns:a16="http://schemas.microsoft.com/office/drawing/2014/main" id="{A7306762-5B11-412F-91B5-7D267B3CCDEC}"/>
+              </a:ext>
+            </a:extLst>
+          </p:cNvPr>
+          <p:cNvPicPr>
+            <a:picLocks noChangeAspect="1"/>
+          </p:cNvPicPr>
+          <p:nvPr/>
+        </p:nvPicPr>
+        <p:blipFill>
+          <a:blip r:embed="rId2">
+            <a:extLst>
+              <a:ext uri="{28A0092B-C50C-407E-A947-70E740481C1C}">
+                <a14:useLocalDpi xmlns:a14="http://schemas.microsoft.com/office/drawing/2010/main" val="0"/>
+              </a:ext>
+            </a:extLst>
+          </a:blip>
+          <a:stretch>
+            <a:fillRect/>
+          </a:stretch>
+        </p:blipFill>
+        <p:spPr>
+          <a:xfrm>
+            <a:off x="2123727" y="2673722"/>
+            <a:ext cx="5616817" cy="3256127"/>
+          </a:xfrm>
+          <a:prstGeom prst="rect">
+            <a:avLst/>
+          </a:prstGeom>
+        </p:spPr>
+      </p:pic>
       <p:sp>
         <p:nvSpPr>
           <p:cNvPr id="4" name="Заголовок 3"/>
@@ -24422,30 +25292,6 @@
           </a:p>
         </p:txBody>
       </p:sp>
-      <p:pic>
-        <p:nvPicPr>
-          <p:cNvPr id="5" name="Рисунок 4"/>
-          <p:cNvPicPr>
-            <a:picLocks noChangeAspect="1"/>
-          </p:cNvPicPr>
-          <p:nvPr/>
-        </p:nvPicPr>
-        <p:blipFill>
-          <a:blip r:embed="rId2"/>
-          <a:stretch>
-            <a:fillRect/>
-          </a:stretch>
-        </p:blipFill>
-        <p:spPr>
-          <a:xfrm>
-            <a:off x="1475656" y="2924944"/>
-            <a:ext cx="6081751" cy="2849734"/>
-          </a:xfrm>
-          <a:prstGeom prst="rect">
-            <a:avLst/>
-          </a:prstGeom>
-        </p:spPr>
-      </p:pic>
       <p:sp>
         <p:nvSpPr>
           <p:cNvPr id="6" name="TextBox 5"/>
@@ -24454,7 +25300,7 @@
         </p:nvSpPr>
         <p:spPr>
           <a:xfrm>
-            <a:off x="107504" y="1772816"/>
+            <a:off x="683568" y="1767633"/>
             <a:ext cx="3096344" cy="738664"/>
           </a:xfrm>
           <a:prstGeom prst="rect">
@@ -24483,8 +25329,8 @@
         </p:nvSpPr>
         <p:spPr>
           <a:xfrm>
-            <a:off x="0" y="5282500"/>
-            <a:ext cx="2324532" cy="1384995"/>
+            <a:off x="16815" y="3501008"/>
+            <a:ext cx="2106912" cy="1384995"/>
           </a:xfrm>
           <a:prstGeom prst="rect">
             <a:avLst/>
@@ -24557,8 +25403,8 @@
         </p:nvSpPr>
         <p:spPr>
           <a:xfrm>
-            <a:off x="2555776" y="5523105"/>
-            <a:ext cx="2880319" cy="1384995"/>
+            <a:off x="17437" y="5042118"/>
+            <a:ext cx="2232248" cy="1815882"/>
           </a:xfrm>
           <a:prstGeom prst="rect">
             <a:avLst/>
@@ -25418,6 +26264,100 @@
       </p:grpSpPr>
       <p:sp>
         <p:nvSpPr>
+          <p:cNvPr id="6" name="Title 5">
+            <a:extLst>
+              <a:ext uri="{FF2B5EF4-FFF2-40B4-BE49-F238E27FC236}">
+                <a16:creationId xmlns:a16="http://schemas.microsoft.com/office/drawing/2014/main" id="{5675E599-C0F8-431A-BC61-E7337945DD5B}"/>
+              </a:ext>
+            </a:extLst>
+          </p:cNvPr>
+          <p:cNvSpPr>
+            <a:spLocks noGrp="1"/>
+          </p:cNvSpPr>
+          <p:nvPr>
+            <p:ph type="title"/>
+          </p:nvPr>
+        </p:nvSpPr>
+        <p:spPr/>
+        <p:txBody>
+          <a:bodyPr/>
+          <a:lstStyle/>
+          <a:p>
+            <a:r>
+              <a:rPr lang="ru-RU" dirty="0"/>
+              <a:t>Внутренний итератор</a:t>
+            </a:r>
+          </a:p>
+        </p:txBody>
+      </p:sp>
+      <p:pic>
+        <p:nvPicPr>
+          <p:cNvPr id="10" name="Picture 9">
+            <a:extLst>
+              <a:ext uri="{FF2B5EF4-FFF2-40B4-BE49-F238E27FC236}">
+                <a16:creationId xmlns:a16="http://schemas.microsoft.com/office/drawing/2014/main" id="{E28BDA1B-47E5-4482-A5E6-E98296113406}"/>
+              </a:ext>
+            </a:extLst>
+          </p:cNvPr>
+          <p:cNvPicPr>
+            <a:picLocks noChangeAspect="1"/>
+          </p:cNvPicPr>
+          <p:nvPr/>
+        </p:nvPicPr>
+        <p:blipFill>
+          <a:blip r:embed="rId2">
+            <a:extLst>
+              <a:ext uri="{28A0092B-C50C-407E-A947-70E740481C1C}">
+                <a14:useLocalDpi xmlns:a14="http://schemas.microsoft.com/office/drawing/2010/main" val="0"/>
+              </a:ext>
+            </a:extLst>
+          </a:blip>
+          <a:stretch>
+            <a:fillRect/>
+          </a:stretch>
+        </p:blipFill>
+        <p:spPr>
+          <a:xfrm>
+            <a:off x="179512" y="2564904"/>
+            <a:ext cx="8748464" cy="3902444"/>
+          </a:xfrm>
+          <a:prstGeom prst="rect">
+            <a:avLst/>
+          </a:prstGeom>
+        </p:spPr>
+      </p:pic>
+    </p:spTree>
+    <p:extLst>
+      <p:ext uri="{BB962C8B-B14F-4D97-AF65-F5344CB8AC3E}">
+        <p14:creationId xmlns:p14="http://schemas.microsoft.com/office/powerpoint/2010/main" val="536196424"/>
+      </p:ext>
+    </p:extLst>
+  </p:cSld>
+  <p:clrMapOvr>
+    <a:masterClrMapping/>
+  </p:clrMapOvr>
+</p:sld>
+</file>
+
+<file path=ppt/slides/slide26.xml><?xml version="1.0" encoding="utf-8"?>
+<p:sld xmlns:a="http://schemas.openxmlformats.org/drawingml/2006/main" xmlns:r="http://schemas.openxmlformats.org/officeDocument/2006/relationships" xmlns:p="http://schemas.openxmlformats.org/presentationml/2006/main">
+  <p:cSld>
+    <p:spTree>
+      <p:nvGrpSpPr>
+        <p:cNvPr id="1" name=""/>
+        <p:cNvGrpSpPr/>
+        <p:nvPr/>
+      </p:nvGrpSpPr>
+      <p:grpSpPr>
+        <a:xfrm>
+          <a:off x="0" y="0"/>
+          <a:ext cx="0" cy="0"/>
+          <a:chOff x="0" y="0"/>
+          <a:chExt cx="0" cy="0"/>
+        </a:xfrm>
+      </p:grpSpPr>
+      <p:sp>
+        <p:nvSpPr>
           <p:cNvPr id="2" name="Заголовок 1"/>
           <p:cNvSpPr>
             <a:spLocks noGrp="1"/>
@@ -25695,8 +26635,96 @@
 </p:sld>
 </file>
 
-<file path=ppt/slides/slide26.xml><?xml version="1.0" encoding="utf-8"?>
+<file path=ppt/slides/slide27.xml><?xml version="1.0" encoding="utf-8"?>
 <p:sld xmlns:a="http://schemas.openxmlformats.org/drawingml/2006/main" xmlns:r="http://schemas.openxmlformats.org/officeDocument/2006/relationships" xmlns:p="http://schemas.openxmlformats.org/presentationml/2006/main">
+  <p:cSld>
+    <p:spTree>
+      <p:nvGrpSpPr>
+        <p:cNvPr id="1" name=""/>
+        <p:cNvGrpSpPr/>
+        <p:nvPr/>
+      </p:nvGrpSpPr>
+      <p:grpSpPr>
+        <a:xfrm>
+          <a:off x="0" y="0"/>
+          <a:ext cx="0" cy="0"/>
+          <a:chOff x="0" y="0"/>
+          <a:chExt cx="0" cy="0"/>
+        </a:xfrm>
+      </p:grpSpPr>
+      <p:sp>
+        <p:nvSpPr>
+          <p:cNvPr id="4" name="Title 3">
+            <a:extLst>
+              <a:ext uri="{FF2B5EF4-FFF2-40B4-BE49-F238E27FC236}">
+                <a16:creationId xmlns:a16="http://schemas.microsoft.com/office/drawing/2014/main" id="{E8DC033E-CD69-4DFE-AF72-7CBB11A4B9B7}"/>
+              </a:ext>
+            </a:extLst>
+          </p:cNvPr>
+          <p:cNvSpPr>
+            <a:spLocks noGrp="1"/>
+          </p:cNvSpPr>
+          <p:nvPr>
+            <p:ph type="title"/>
+          </p:nvPr>
+        </p:nvSpPr>
+        <p:spPr/>
+        <p:txBody>
+          <a:bodyPr/>
+          <a:lstStyle/>
+          <a:p>
+            <a:r>
+              <a:rPr lang="ru-RU" dirty="0"/>
+              <a:t>Вопросы</a:t>
+            </a:r>
+            <a:r>
+              <a:rPr lang="en-US"/>
+              <a:t>?</a:t>
+            </a:r>
+            <a:endParaRPr lang="ru-RU"/>
+          </a:p>
+        </p:txBody>
+      </p:sp>
+      <p:sp>
+        <p:nvSpPr>
+          <p:cNvPr id="5" name="Text Placeholder 4">
+            <a:extLst>
+              <a:ext uri="{FF2B5EF4-FFF2-40B4-BE49-F238E27FC236}">
+                <a16:creationId xmlns:a16="http://schemas.microsoft.com/office/drawing/2014/main" id="{6FDC6896-0526-4287-BBE9-2435C85501B9}"/>
+              </a:ext>
+            </a:extLst>
+          </p:cNvPr>
+          <p:cNvSpPr>
+            <a:spLocks noGrp="1"/>
+          </p:cNvSpPr>
+          <p:nvPr>
+            <p:ph type="body" idx="1"/>
+          </p:nvPr>
+        </p:nvSpPr>
+        <p:spPr/>
+        <p:txBody>
+          <a:bodyPr/>
+          <a:lstStyle/>
+          <a:p>
+            <a:endParaRPr lang="ru-RU"/>
+          </a:p>
+        </p:txBody>
+      </p:sp>
+    </p:spTree>
+    <p:extLst>
+      <p:ext uri="{BB962C8B-B14F-4D97-AF65-F5344CB8AC3E}">
+        <p14:creationId xmlns:p14="http://schemas.microsoft.com/office/powerpoint/2010/main" val="3286501353"/>
+      </p:ext>
+    </p:extLst>
+  </p:cSld>
+  <p:clrMapOvr>
+    <a:masterClrMapping/>
+  </p:clrMapOvr>
+</p:sld>
+</file>
+
+<file path=ppt/slides/slide28.xml><?xml version="1.0" encoding="utf-8"?>
+<p:sld xmlns:a="http://schemas.openxmlformats.org/drawingml/2006/main" xmlns:r="http://schemas.openxmlformats.org/officeDocument/2006/relationships" xmlns:p="http://schemas.openxmlformats.org/presentationml/2006/main" show="0">
   <p:cSld>
     <p:spTree>
       <p:nvGrpSpPr>
@@ -25780,8 +26808,8 @@
 </p:sld>
 </file>
 
-<file path=ppt/slides/slide27.xml><?xml version="1.0" encoding="utf-8"?>
-<p:sld xmlns:a="http://schemas.openxmlformats.org/drawingml/2006/main" xmlns:r="http://schemas.openxmlformats.org/officeDocument/2006/relationships" xmlns:p="http://schemas.openxmlformats.org/presentationml/2006/main">
+<file path=ppt/slides/slide29.xml><?xml version="1.0" encoding="utf-8"?>
+<p:sld xmlns:a="http://schemas.openxmlformats.org/drawingml/2006/main" xmlns:r="http://schemas.openxmlformats.org/officeDocument/2006/relationships" xmlns:p="http://schemas.openxmlformats.org/presentationml/2006/main" show="0">
   <p:cSld>
     <p:spTree>
       <p:nvGrpSpPr>
@@ -25834,8 +26862,84 @@
 </p:sld>
 </file>
 
-<file path=ppt/slides/slide28.xml><?xml version="1.0" encoding="utf-8"?>
+<file path=ppt/slides/slide3.xml><?xml version="1.0" encoding="utf-8"?>
 <p:sld xmlns:a="http://schemas.openxmlformats.org/drawingml/2006/main" xmlns:r="http://schemas.openxmlformats.org/officeDocument/2006/relationships" xmlns:p="http://schemas.openxmlformats.org/presentationml/2006/main">
+  <p:cSld>
+    <p:spTree>
+      <p:nvGrpSpPr>
+        <p:cNvPr id="1" name=""/>
+        <p:cNvGrpSpPr/>
+        <p:nvPr/>
+      </p:nvGrpSpPr>
+      <p:grpSpPr>
+        <a:xfrm>
+          <a:off x="0" y="0"/>
+          <a:ext cx="0" cy="0"/>
+          <a:chOff x="0" y="0"/>
+          <a:chExt cx="0" cy="0"/>
+        </a:xfrm>
+      </p:grpSpPr>
+      <p:sp>
+        <p:nvSpPr>
+          <p:cNvPr id="2" name="Заголовок 1"/>
+          <p:cNvSpPr>
+            <a:spLocks noGrp="1"/>
+          </p:cNvSpPr>
+          <p:nvPr>
+            <p:ph type="title"/>
+          </p:nvPr>
+        </p:nvSpPr>
+        <p:spPr/>
+        <p:txBody>
+          <a:bodyPr/>
+          <a:lstStyle/>
+          <a:p>
+            <a:r>
+              <a:rPr lang="ru-RU" dirty="0"/>
+              <a:t>Изначальная модель</a:t>
+            </a:r>
+          </a:p>
+        </p:txBody>
+      </p:sp>
+      <p:pic>
+        <p:nvPicPr>
+          <p:cNvPr id="4" name="Рисунок 3"/>
+          <p:cNvPicPr>
+            <a:picLocks noChangeAspect="1"/>
+          </p:cNvPicPr>
+          <p:nvPr/>
+        </p:nvPicPr>
+        <p:blipFill>
+          <a:blip r:embed="rId2"/>
+          <a:stretch>
+            <a:fillRect/>
+          </a:stretch>
+        </p:blipFill>
+        <p:spPr>
+          <a:xfrm>
+            <a:off x="1781549" y="2564904"/>
+            <a:ext cx="5580901" cy="3162400"/>
+          </a:xfrm>
+          <a:prstGeom prst="rect">
+            <a:avLst/>
+          </a:prstGeom>
+        </p:spPr>
+      </p:pic>
+    </p:spTree>
+    <p:extLst>
+      <p:ext uri="{BB962C8B-B14F-4D97-AF65-F5344CB8AC3E}">
+        <p14:creationId xmlns:p14="http://schemas.microsoft.com/office/powerpoint/2010/main" val="428089701"/>
+      </p:ext>
+    </p:extLst>
+  </p:cSld>
+  <p:clrMapOvr>
+    <a:masterClrMapping/>
+  </p:clrMapOvr>
+</p:sld>
+</file>
+
+<file path=ppt/slides/slide30.xml><?xml version="1.0" encoding="utf-8"?>
+<p:sld xmlns:a="http://schemas.openxmlformats.org/drawingml/2006/main" xmlns:r="http://schemas.openxmlformats.org/officeDocument/2006/relationships" xmlns:p="http://schemas.openxmlformats.org/presentationml/2006/main" show="0">
   <p:cSld>
     <p:spTree>
       <p:nvGrpSpPr>
@@ -25879,82 +26983,6 @@
     <p:extLst>
       <p:ext uri="{BB962C8B-B14F-4D97-AF65-F5344CB8AC3E}">
         <p14:creationId xmlns:p14="http://schemas.microsoft.com/office/powerpoint/2010/main" val="3366256048"/>
-      </p:ext>
-    </p:extLst>
-  </p:cSld>
-  <p:clrMapOvr>
-    <a:masterClrMapping/>
-  </p:clrMapOvr>
-</p:sld>
-</file>
-
-<file path=ppt/slides/slide3.xml><?xml version="1.0" encoding="utf-8"?>
-<p:sld xmlns:a="http://schemas.openxmlformats.org/drawingml/2006/main" xmlns:r="http://schemas.openxmlformats.org/officeDocument/2006/relationships" xmlns:p="http://schemas.openxmlformats.org/presentationml/2006/main">
-  <p:cSld>
-    <p:spTree>
-      <p:nvGrpSpPr>
-        <p:cNvPr id="1" name=""/>
-        <p:cNvGrpSpPr/>
-        <p:nvPr/>
-      </p:nvGrpSpPr>
-      <p:grpSpPr>
-        <a:xfrm>
-          <a:off x="0" y="0"/>
-          <a:ext cx="0" cy="0"/>
-          <a:chOff x="0" y="0"/>
-          <a:chExt cx="0" cy="0"/>
-        </a:xfrm>
-      </p:grpSpPr>
-      <p:sp>
-        <p:nvSpPr>
-          <p:cNvPr id="2" name="Заголовок 1"/>
-          <p:cNvSpPr>
-            <a:spLocks noGrp="1"/>
-          </p:cNvSpPr>
-          <p:nvPr>
-            <p:ph type="title"/>
-          </p:nvPr>
-        </p:nvSpPr>
-        <p:spPr/>
-        <p:txBody>
-          <a:bodyPr/>
-          <a:lstStyle/>
-          <a:p>
-            <a:r>
-              <a:rPr lang="ru-RU" dirty="0"/>
-              <a:t>Изначальная модель</a:t>
-            </a:r>
-          </a:p>
-        </p:txBody>
-      </p:sp>
-      <p:pic>
-        <p:nvPicPr>
-          <p:cNvPr id="4" name="Рисунок 3"/>
-          <p:cNvPicPr>
-            <a:picLocks noChangeAspect="1"/>
-          </p:cNvPicPr>
-          <p:nvPr/>
-        </p:nvPicPr>
-        <p:blipFill>
-          <a:blip r:embed="rId2"/>
-          <a:stretch>
-            <a:fillRect/>
-          </a:stretch>
-        </p:blipFill>
-        <p:spPr>
-          <a:xfrm>
-            <a:off x="1781549" y="2564904"/>
-            <a:ext cx="5580901" cy="3162400"/>
-          </a:xfrm>
-          <a:prstGeom prst="rect">
-            <a:avLst/>
-          </a:prstGeom>
-        </p:spPr>
-      </p:pic>
-    </p:spTree>
-    <p:extLst>
-      <p:ext uri="{BB962C8B-B14F-4D97-AF65-F5344CB8AC3E}">
-        <p14:creationId xmlns:p14="http://schemas.microsoft.com/office/powerpoint/2010/main" val="428089701"/>
       </p:ext>
     </p:extLst>
   </p:cSld>

--- a/lectures/09.iterator/iterator.pptx
+++ b/lectures/09.iterator/iterator.pptx
@@ -240,7 +240,7 @@
           <a:p>
             <a:fld id="{2F3DCB6D-0B48-4A3D-B663-06C3F903A9D3}" type="datetimeFigureOut">
               <a:rPr lang="ru-RU" smtClean="0"/>
-              <a:t>20.10.2023</a:t>
+              <a:t>15.12.2023</a:t>
             </a:fld>
             <a:endParaRPr lang="ru-RU"/>
           </a:p>
@@ -1645,7 +1645,7 @@
           <a:p>
             <a:fld id="{2590F9C9-AB92-4E86-B698-DEC9BF4350FF}" type="datetimeFigureOut">
               <a:rPr lang="ru-RU" smtClean="0"/>
-              <a:t>20.10.2023</a:t>
+              <a:t>15.12.2023</a:t>
             </a:fld>
             <a:endParaRPr lang="ru-RU"/>
           </a:p>
@@ -1862,7 +1862,7 @@
           <a:p>
             <a:fld id="{2590F9C9-AB92-4E86-B698-DEC9BF4350FF}" type="datetimeFigureOut">
               <a:rPr lang="ru-RU" smtClean="0"/>
-              <a:t>20.10.2023</a:t>
+              <a:t>15.12.2023</a:t>
             </a:fld>
             <a:endParaRPr lang="ru-RU"/>
           </a:p>
@@ -2134,7 +2134,7 @@
           <a:p>
             <a:fld id="{2590F9C9-AB92-4E86-B698-DEC9BF4350FF}" type="datetimeFigureOut">
               <a:rPr lang="ru-RU" smtClean="0"/>
-              <a:t>20.10.2023</a:t>
+              <a:t>15.12.2023</a:t>
             </a:fld>
             <a:endParaRPr lang="ru-RU"/>
           </a:p>
@@ -2309,7 +2309,7 @@
           <a:p>
             <a:fld id="{2590F9C9-AB92-4E86-B698-DEC9BF4350FF}" type="datetimeFigureOut">
               <a:rPr lang="ru-RU" smtClean="0"/>
-              <a:t>20.10.2023</a:t>
+              <a:t>15.12.2023</a:t>
             </a:fld>
             <a:endParaRPr lang="ru-RU"/>
           </a:p>
@@ -2663,7 +2663,7 @@
           <a:p>
             <a:fld id="{2590F9C9-AB92-4E86-B698-DEC9BF4350FF}" type="datetimeFigureOut">
               <a:rPr lang="ru-RU" smtClean="0"/>
-              <a:t>20.10.2023</a:t>
+              <a:t>15.12.2023</a:t>
             </a:fld>
             <a:endParaRPr lang="ru-RU"/>
           </a:p>
@@ -2948,7 +2948,7 @@
           <a:p>
             <a:fld id="{2590F9C9-AB92-4E86-B698-DEC9BF4350FF}" type="datetimeFigureOut">
               <a:rPr lang="ru-RU" smtClean="0"/>
-              <a:t>20.10.2023</a:t>
+              <a:t>15.12.2023</a:t>
             </a:fld>
             <a:endParaRPr lang="ru-RU"/>
           </a:p>
@@ -3370,7 +3370,7 @@
           <a:p>
             <a:fld id="{2590F9C9-AB92-4E86-B698-DEC9BF4350FF}" type="datetimeFigureOut">
               <a:rPr lang="ru-RU" smtClean="0"/>
-              <a:t>20.10.2023</a:t>
+              <a:t>15.12.2023</a:t>
             </a:fld>
             <a:endParaRPr lang="ru-RU"/>
           </a:p>
@@ -3483,7 +3483,7 @@
           <a:p>
             <a:fld id="{2590F9C9-AB92-4E86-B698-DEC9BF4350FF}" type="datetimeFigureOut">
               <a:rPr lang="ru-RU" smtClean="0"/>
-              <a:t>20.10.2023</a:t>
+              <a:t>15.12.2023</a:t>
             </a:fld>
             <a:endParaRPr lang="ru-RU"/>
           </a:p>
@@ -3573,7 +3573,7 @@
           <a:p>
             <a:fld id="{2590F9C9-AB92-4E86-B698-DEC9BF4350FF}" type="datetimeFigureOut">
               <a:rPr lang="ru-RU" smtClean="0"/>
-              <a:t>20.10.2023</a:t>
+              <a:t>15.12.2023</a:t>
             </a:fld>
             <a:endParaRPr lang="ru-RU"/>
           </a:p>
@@ -3851,7 +3851,7 @@
           <a:p>
             <a:fld id="{2590F9C9-AB92-4E86-B698-DEC9BF4350FF}" type="datetimeFigureOut">
               <a:rPr lang="ru-RU" smtClean="0"/>
-              <a:t>20.10.2023</a:t>
+              <a:t>15.12.2023</a:t>
             </a:fld>
             <a:endParaRPr lang="ru-RU"/>
           </a:p>
@@ -4213,7 +4213,7 @@
           <a:p>
             <a:fld id="{2590F9C9-AB92-4E86-B698-DEC9BF4350FF}" type="datetimeFigureOut">
               <a:rPr lang="ru-RU" smtClean="0"/>
-              <a:t>20.10.2023</a:t>
+              <a:t>15.12.2023</a:t>
             </a:fld>
             <a:endParaRPr lang="ru-RU"/>
           </a:p>
@@ -4638,7 +4638,7 @@
           <a:p>
             <a:fld id="{2590F9C9-AB92-4E86-B698-DEC9BF4350FF}" type="datetimeFigureOut">
               <a:rPr lang="ru-RU" smtClean="0"/>
-              <a:t>20.10.2023</a:t>
+              <a:t>15.12.2023</a:t>
             </a:fld>
             <a:endParaRPr lang="ru-RU"/>
           </a:p>
@@ -5044,6 +5044,42 @@
           <a:chExt cx="0" cy="0"/>
         </a:xfrm>
       </p:grpSpPr>
+      <p:pic>
+        <p:nvPicPr>
+          <p:cNvPr id="5" name="Picture 4">
+            <a:extLst>
+              <a:ext uri="{FF2B5EF4-FFF2-40B4-BE49-F238E27FC236}">
+                <a16:creationId xmlns:a16="http://schemas.microsoft.com/office/drawing/2014/main" id="{B929AAF5-96A4-4862-B6CD-83CC557432E4}"/>
+              </a:ext>
+            </a:extLst>
+          </p:cNvPr>
+          <p:cNvPicPr>
+            <a:picLocks noChangeAspect="1"/>
+          </p:cNvPicPr>
+          <p:nvPr/>
+        </p:nvPicPr>
+        <p:blipFill>
+          <a:blip r:embed="rId3">
+            <a:extLst>
+              <a:ext uri="{28A0092B-C50C-407E-A947-70E740481C1C}">
+                <a14:useLocalDpi xmlns:a14="http://schemas.microsoft.com/office/drawing/2010/main" val="0"/>
+              </a:ext>
+            </a:extLst>
+          </a:blip>
+          <a:stretch>
+            <a:fillRect/>
+          </a:stretch>
+        </p:blipFill>
+        <p:spPr>
+          <a:xfrm>
+            <a:off x="0" y="-99392"/>
+            <a:ext cx="9144000" cy="5225143"/>
+          </a:xfrm>
+          <a:prstGeom prst="rect">
+            <a:avLst/>
+          </a:prstGeom>
+        </p:spPr>
+      </p:pic>
       <p:sp>
         <p:nvSpPr>
           <p:cNvPr id="2" name="Заголовок 1"/>
@@ -5056,11 +5092,21 @@
         </p:nvSpPr>
         <p:spPr/>
         <p:txBody>
-          <a:bodyPr/>
+          <a:bodyPr>
+            <a:normAutofit/>
+          </a:bodyPr>
           <a:lstStyle/>
           <a:p>
             <a:r>
-              <a:rPr lang="ru-RU" dirty="0"/>
+              <a:rPr lang="ru-RU" sz="6000" dirty="0">
+                <a:effectLst>
+                  <a:outerShdw blurRad="50800" algn="ctr" rotWithShape="0">
+                    <a:prstClr val="black">
+                      <a:alpha val="82000"/>
+                    </a:prstClr>
+                  </a:outerShdw>
+                </a:effectLst>
+              </a:rPr>
               <a:t>Итератор</a:t>
             </a:r>
           </a:p>
@@ -5078,14 +5124,23 @@
         </p:nvSpPr>
         <p:spPr/>
         <p:txBody>
-          <a:bodyPr/>
+          <a:bodyPr>
+            <a:normAutofit/>
+          </a:bodyPr>
           <a:lstStyle/>
           <a:p>
             <a:r>
-              <a:rPr lang="ru-RU"/>
-              <a:t>Лекция 9</a:t>
-            </a:r>
-            <a:endParaRPr lang="ru-RU" dirty="0"/>
+              <a:rPr lang="ru-RU" sz="3200" dirty="0">
+                <a:effectLst>
+                  <a:outerShdw blurRad="50800" algn="ctr" rotWithShape="0">
+                    <a:prstClr val="black">
+                      <a:alpha val="82000"/>
+                    </a:prstClr>
+                  </a:outerShdw>
+                </a:effectLst>
+              </a:rPr>
+              <a:t>Паттерн проектирования</a:t>
+            </a:r>
           </a:p>
         </p:txBody>
       </p:sp>
